--- a/presentation/QURE PPT.pptx
+++ b/presentation/QURE PPT.pptx
@@ -309,7 +309,7 @@
           <a:p>
             <a:fld id="{FBDD459D-C182-4B91-86B5-03F221082DE7}" type="datetimeFigureOut">
               <a:rPr lang="en-US" smtClean="0"/>
-              <a:t>30-Oct-19</a:t>
+              <a:t>31-Oct-19</a:t>
             </a:fld>
             <a:endParaRPr lang="en-US"/>
           </a:p>
@@ -647,7 +647,7 @@
           <a:p>
             <a:fld id="{FBDD459D-C182-4B91-86B5-03F221082DE7}" type="datetimeFigureOut">
               <a:rPr lang="en-US" smtClean="0"/>
-              <a:t>30-Oct-19</a:t>
+              <a:t>31-Oct-19</a:t>
             </a:fld>
             <a:endParaRPr lang="en-US"/>
           </a:p>
@@ -1048,7 +1048,7 @@
           <a:p>
             <a:fld id="{FBDD459D-C182-4B91-86B5-03F221082DE7}" type="datetimeFigureOut">
               <a:rPr lang="en-US" smtClean="0"/>
-              <a:t>30-Oct-19</a:t>
+              <a:t>31-Oct-19</a:t>
             </a:fld>
             <a:endParaRPr lang="en-US"/>
           </a:p>
@@ -1384,7 +1384,7 @@
           <a:p>
             <a:fld id="{FBDD459D-C182-4B91-86B5-03F221082DE7}" type="datetimeFigureOut">
               <a:rPr lang="en-US" smtClean="0"/>
-              <a:t>30-Oct-19</a:t>
+              <a:t>31-Oct-19</a:t>
             </a:fld>
             <a:endParaRPr lang="en-US"/>
           </a:p>
@@ -1704,7 +1704,7 @@
           <a:p>
             <a:fld id="{FBDD459D-C182-4B91-86B5-03F221082DE7}" type="datetimeFigureOut">
               <a:rPr lang="en-US" smtClean="0"/>
-              <a:t>30-Oct-19</a:t>
+              <a:t>31-Oct-19</a:t>
             </a:fld>
             <a:endParaRPr lang="en-US"/>
           </a:p>
@@ -2100,7 +2100,7 @@
           <a:p>
             <a:fld id="{FBDD459D-C182-4B91-86B5-03F221082DE7}" type="datetimeFigureOut">
               <a:rPr lang="en-US" smtClean="0"/>
-              <a:t>30-Oct-19</a:t>
+              <a:t>31-Oct-19</a:t>
             </a:fld>
             <a:endParaRPr lang="en-US"/>
           </a:p>
@@ -2357,7 +2357,7 @@
           <a:p>
             <a:fld id="{FBDD459D-C182-4B91-86B5-03F221082DE7}" type="datetimeFigureOut">
               <a:rPr lang="en-US" smtClean="0"/>
-              <a:t>30-Oct-19</a:t>
+              <a:t>31-Oct-19</a:t>
             </a:fld>
             <a:endParaRPr lang="en-US"/>
           </a:p>
@@ -2619,7 +2619,7 @@
           <a:p>
             <a:fld id="{FBDD459D-C182-4B91-86B5-03F221082DE7}" type="datetimeFigureOut">
               <a:rPr lang="en-US" smtClean="0"/>
-              <a:t>30-Oct-19</a:t>
+              <a:t>31-Oct-19</a:t>
             </a:fld>
             <a:endParaRPr lang="en-US"/>
           </a:p>
@@ -2881,7 +2881,7 @@
           <a:p>
             <a:fld id="{FBDD459D-C182-4B91-86B5-03F221082DE7}" type="datetimeFigureOut">
               <a:rPr lang="en-US" smtClean="0"/>
-              <a:t>30-Oct-19</a:t>
+              <a:t>31-Oct-19</a:t>
             </a:fld>
             <a:endParaRPr lang="en-US"/>
           </a:p>
@@ -3210,7 +3210,7 @@
           <a:p>
             <a:fld id="{FBDD459D-C182-4B91-86B5-03F221082DE7}" type="datetimeFigureOut">
               <a:rPr lang="en-US" smtClean="0"/>
-              <a:t>30-Oct-19</a:t>
+              <a:t>31-Oct-19</a:t>
             </a:fld>
             <a:endParaRPr lang="en-US"/>
           </a:p>
@@ -3533,7 +3533,7 @@
           <a:p>
             <a:fld id="{FBDD459D-C182-4B91-86B5-03F221082DE7}" type="datetimeFigureOut">
               <a:rPr lang="en-US" smtClean="0"/>
-              <a:t>30-Oct-19</a:t>
+              <a:t>31-Oct-19</a:t>
             </a:fld>
             <a:endParaRPr lang="en-US"/>
           </a:p>
@@ -3990,7 +3990,7 @@
           <a:p>
             <a:fld id="{FBDD459D-C182-4B91-86B5-03F221082DE7}" type="datetimeFigureOut">
               <a:rPr lang="en-US" smtClean="0"/>
-              <a:t>30-Oct-19</a:t>
+              <a:t>31-Oct-19</a:t>
             </a:fld>
             <a:endParaRPr lang="en-US"/>
           </a:p>
@@ -4195,7 +4195,7 @@
           <a:p>
             <a:fld id="{FBDD459D-C182-4B91-86B5-03F221082DE7}" type="datetimeFigureOut">
               <a:rPr lang="en-US" smtClean="0"/>
-              <a:t>30-Oct-19</a:t>
+              <a:t>31-Oct-19</a:t>
             </a:fld>
             <a:endParaRPr lang="en-US"/>
           </a:p>
@@ -4372,7 +4372,7 @@
           <a:p>
             <a:fld id="{FBDD459D-C182-4B91-86B5-03F221082DE7}" type="datetimeFigureOut">
               <a:rPr lang="en-US" smtClean="0"/>
-              <a:t>30-Oct-19</a:t>
+              <a:t>31-Oct-19</a:t>
             </a:fld>
             <a:endParaRPr lang="en-US"/>
           </a:p>
@@ -4705,7 +4705,7 @@
           <a:p>
             <a:fld id="{FBDD459D-C182-4B91-86B5-03F221082DE7}" type="datetimeFigureOut">
               <a:rPr lang="en-US" smtClean="0"/>
-              <a:t>30-Oct-19</a:t>
+              <a:t>31-Oct-19</a:t>
             </a:fld>
             <a:endParaRPr lang="en-US"/>
           </a:p>
@@ -5050,7 +5050,7 @@
           <a:p>
             <a:fld id="{FBDD459D-C182-4B91-86B5-03F221082DE7}" type="datetimeFigureOut">
               <a:rPr lang="en-US" smtClean="0"/>
-              <a:t>30-Oct-19</a:t>
+              <a:t>31-Oct-19</a:t>
             </a:fld>
             <a:endParaRPr lang="en-US"/>
           </a:p>
@@ -7167,7 +7167,7 @@
           <a:p>
             <a:fld id="{FBDD459D-C182-4B91-86B5-03F221082DE7}" type="datetimeFigureOut">
               <a:rPr lang="en-US" smtClean="0"/>
-              <a:t>30-Oct-19</a:t>
+              <a:t>31-Oct-19</a:t>
             </a:fld>
             <a:endParaRPr lang="en-US"/>
           </a:p>
@@ -7703,7 +7703,7 @@
         </p:nvSpPr>
         <p:spPr>
           <a:xfrm>
-            <a:off x="2589213" y="2514600"/>
+            <a:off x="1844934" y="1515140"/>
             <a:ext cx="8915399" cy="2262781"/>
           </a:xfrm>
         </p:spPr>
@@ -7736,13 +7736,41 @@
         </p:nvSpPr>
         <p:spPr>
           <a:xfrm>
-            <a:off x="2589213" y="4777379"/>
+            <a:off x="1844934" y="3777921"/>
             <a:ext cx="8915399" cy="1126283"/>
           </a:xfrm>
         </p:spPr>
         <p:txBody>
-          <a:bodyPr/>
+          <a:bodyPr>
+            <a:normAutofit fontScale="70000" lnSpcReduction="20000"/>
+          </a:bodyPr>
           <a:lstStyle/>
+          <a:p>
+            <a:r>
+              <a:rPr lang="en-US" dirty="0"/>
+              <a:t>A doctor consultation website</a:t>
+            </a:r>
+          </a:p>
+          <a:p>
+            <a:endParaRPr lang="en-US" dirty="0"/>
+          </a:p>
+          <a:p>
+            <a:pPr algn="r"/>
+            <a:endParaRPr lang="en-US" dirty="0"/>
+          </a:p>
+          <a:p>
+            <a:pPr algn="r"/>
+            <a:r>
+              <a:rPr lang="en-US" b="1" dirty="0"/>
+              <a:t>By:  Team-2</a:t>
+            </a:r>
+          </a:p>
+          <a:p>
+            <a:endParaRPr lang="en-US" dirty="0"/>
+          </a:p>
+          <a:p>
+            <a:endParaRPr lang="en-US" dirty="0"/>
+          </a:p>
           <a:p>
             <a:endParaRPr lang="en-US" dirty="0"/>
           </a:p>
@@ -7916,7 +7944,7 @@
           <a:p>
             <a:r>
               <a:rPr lang="en-US" dirty="0"/>
-              <a:t>User-Case</a:t>
+              <a:t>Use-Case</a:t>
             </a:r>
           </a:p>
           <a:p>
@@ -8013,7 +8041,12 @@
             <p:ph idx="1"/>
           </p:nvPr>
         </p:nvSpPr>
-        <p:spPr/>
+        <p:spPr>
+          <a:xfrm>
+            <a:off x="2344663" y="1793358"/>
+            <a:ext cx="8915400" cy="3777622"/>
+          </a:xfrm>
+        </p:spPr>
         <p:txBody>
           <a:bodyPr>
             <a:normAutofit/>
@@ -8040,7 +8073,7 @@
           <a:p>
             <a:r>
               <a:rPr lang="en-US" dirty="0"/>
-              <a:t>Internalization: support multiple languages</a:t>
+              <a:t>Internationalization: support multiple languages</a:t>
             </a:r>
           </a:p>
           <a:p>
@@ -8538,7 +8571,9 @@
           </a:xfrm>
         </p:spPr>
         <p:txBody>
-          <a:bodyPr/>
+          <a:bodyPr>
+            <a:normAutofit fontScale="92500" lnSpcReduction="10000"/>
+          </a:bodyPr>
           <a:lstStyle/>
           <a:p>
             <a:r>
@@ -8574,6 +8609,15 @@
             </a:r>
           </a:p>
           <a:p>
+            <a:pPr marL="0" indent="0">
+              <a:buNone/>
+            </a:pPr>
+            <a:r>
+              <a:rPr lang="en-US" dirty="0"/>
+              <a:t>        ‣ Chat with doctor</a:t>
+            </a:r>
+          </a:p>
+          <a:p>
             <a:r>
               <a:rPr lang="en-US" dirty="0"/>
               <a:t>Doctor </a:t>
@@ -8586,6 +8630,15 @@
             <a:r>
               <a:rPr lang="en-US" dirty="0"/>
               <a:t>        ‣ Doctor can cancel appointment</a:t>
+            </a:r>
+          </a:p>
+          <a:p>
+            <a:pPr marL="0" indent="0">
+              <a:buNone/>
+            </a:pPr>
+            <a:r>
+              <a:rPr lang="en-US" dirty="0"/>
+              <a:t>	 ‣ Chat with patient</a:t>
             </a:r>
           </a:p>
           <a:p>
@@ -8701,7 +8754,7 @@
           <a:p>
             <a:r>
               <a:rPr lang="en-US" dirty="0"/>
-              <a:t>Validation is not fully implementation</a:t>
+              <a:t> Tracking of order could be there</a:t>
             </a:r>
           </a:p>
         </p:txBody>

--- a/presentation/QURE PPT.pptx
+++ b/presentation/QURE PPT.pptx
@@ -4,17 +4,25 @@
   <p:sldMasterIdLst>
     <p:sldMasterId id="2147483689" r:id="rId1"/>
   </p:sldMasterIdLst>
+  <p:notesMasterIdLst>
+    <p:notesMasterId r:id="rId17"/>
+  </p:notesMasterIdLst>
   <p:sldIdLst>
     <p:sldId id="256" r:id="rId2"/>
     <p:sldId id="257" r:id="rId3"/>
-    <p:sldId id="258" r:id="rId4"/>
-    <p:sldId id="259" r:id="rId5"/>
-    <p:sldId id="263" r:id="rId6"/>
-    <p:sldId id="264" r:id="rId7"/>
-    <p:sldId id="265" r:id="rId8"/>
-    <p:sldId id="260" r:id="rId9"/>
+    <p:sldId id="268" r:id="rId4"/>
+    <p:sldId id="266" r:id="rId5"/>
+    <p:sldId id="258" r:id="rId6"/>
+    <p:sldId id="269" r:id="rId7"/>
+    <p:sldId id="259" r:id="rId8"/>
+    <p:sldId id="267" r:id="rId9"/>
     <p:sldId id="261" r:id="rId10"/>
-    <p:sldId id="262" r:id="rId11"/>
+    <p:sldId id="270" r:id="rId11"/>
+    <p:sldId id="260" r:id="rId12"/>
+    <p:sldId id="263" r:id="rId13"/>
+    <p:sldId id="264" r:id="rId14"/>
+    <p:sldId id="265" r:id="rId15"/>
+    <p:sldId id="262" r:id="rId16"/>
   </p:sldIdLst>
   <p:sldSz cx="12192000" cy="6858000"/>
   <p:notesSz cx="6858000" cy="9144000"/>
@@ -119,6 +127,381 @@
     </p:ext>
   </p:extLst>
 </p:presentation>
+</file>
+
+<file path=ppt/commentAuthors.xml><?xml version="1.0" encoding="utf-8"?>
+<p:cmAuthorLst xmlns:a="http://schemas.openxmlformats.org/drawingml/2006/main" xmlns:r="http://schemas.openxmlformats.org/officeDocument/2006/relationships" xmlns:p="http://schemas.openxmlformats.org/presentationml/2006/main">
+  <p:cmAuthor id="1" name="Ragni ." initials="R." lastIdx="1" clrIdx="0">
+    <p:extLst>
+      <p:ext uri="{19B8F6BF-5375-455C-9EA6-DF929625EA0E}">
+        <p15:presenceInfo xmlns:p15="http://schemas.microsoft.com/office/powerpoint/2012/main" userId="S::ragni12@in.ibm.com::536ef20a-ee63-4e7b-8199-cf599d280938" providerId="AD"/>
+      </p:ext>
+    </p:extLst>
+  </p:cmAuthor>
+</p:cmAuthorLst>
+</file>
+
+<file path=ppt/comments/comment1.xml><?xml version="1.0" encoding="utf-8"?>
+<p:cmLst xmlns:a="http://schemas.openxmlformats.org/drawingml/2006/main" xmlns:r="http://schemas.openxmlformats.org/officeDocument/2006/relationships" xmlns:p="http://schemas.openxmlformats.org/presentationml/2006/main">
+  <p:cm authorId="1" dt="2019-10-31T12:50:24.153" idx="1">
+    <p:pos x="10" y="10"/>
+    <p:text/>
+    <p:extLst>
+      <p:ext uri="{C676402C-5697-4E1C-873F-D02D1690AC5C}">
+        <p15:threadingInfo xmlns:p15="http://schemas.microsoft.com/office/powerpoint/2012/main" timeZoneBias="-330"/>
+      </p:ext>
+    </p:extLst>
+  </p:cm>
+</p:cmLst>
+</file>
+
+<file path=ppt/notesMasters/notesMaster1.xml><?xml version="1.0" encoding="utf-8"?>
+<p:notesMaster xmlns:a="http://schemas.openxmlformats.org/drawingml/2006/main" xmlns:r="http://schemas.openxmlformats.org/officeDocument/2006/relationships" xmlns:p="http://schemas.openxmlformats.org/presentationml/2006/main">
+  <p:cSld>
+    <p:bg>
+      <p:bgRef idx="1001">
+        <a:schemeClr val="bg1"/>
+      </p:bgRef>
+    </p:bg>
+    <p:spTree>
+      <p:nvGrpSpPr>
+        <p:cNvPr id="1" name=""/>
+        <p:cNvGrpSpPr/>
+        <p:nvPr/>
+      </p:nvGrpSpPr>
+      <p:grpSpPr>
+        <a:xfrm>
+          <a:off x="0" y="0"/>
+          <a:ext cx="0" cy="0"/>
+          <a:chOff x="0" y="0"/>
+          <a:chExt cx="0" cy="0"/>
+        </a:xfrm>
+      </p:grpSpPr>
+      <p:sp>
+        <p:nvSpPr>
+          <p:cNvPr id="2" name="Header Placeholder 1"/>
+          <p:cNvSpPr>
+            <a:spLocks noGrp="1"/>
+          </p:cNvSpPr>
+          <p:nvPr>
+            <p:ph type="hdr" sz="quarter"/>
+          </p:nvPr>
+        </p:nvSpPr>
+        <p:spPr>
+          <a:xfrm>
+            <a:off x="0" y="0"/>
+            <a:ext cx="2971800" cy="458788"/>
+          </a:xfrm>
+          <a:prstGeom prst="rect">
+            <a:avLst/>
+          </a:prstGeom>
+        </p:spPr>
+        <p:txBody>
+          <a:bodyPr vert="horz" lIns="91440" tIns="45720" rIns="91440" bIns="45720" rtlCol="0"/>
+          <a:lstStyle>
+            <a:lvl1pPr algn="l">
+              <a:defRPr sz="1200"/>
+            </a:lvl1pPr>
+          </a:lstStyle>
+          <a:p>
+            <a:endParaRPr lang="en-US"/>
+          </a:p>
+        </p:txBody>
+      </p:sp>
+      <p:sp>
+        <p:nvSpPr>
+          <p:cNvPr id="3" name="Date Placeholder 2"/>
+          <p:cNvSpPr>
+            <a:spLocks noGrp="1"/>
+          </p:cNvSpPr>
+          <p:nvPr>
+            <p:ph type="dt" idx="1"/>
+          </p:nvPr>
+        </p:nvSpPr>
+        <p:spPr>
+          <a:xfrm>
+            <a:off x="3884613" y="0"/>
+            <a:ext cx="2971800" cy="458788"/>
+          </a:xfrm>
+          <a:prstGeom prst="rect">
+            <a:avLst/>
+          </a:prstGeom>
+        </p:spPr>
+        <p:txBody>
+          <a:bodyPr vert="horz" lIns="91440" tIns="45720" rIns="91440" bIns="45720" rtlCol="0"/>
+          <a:lstStyle>
+            <a:lvl1pPr algn="r">
+              <a:defRPr sz="1200"/>
+            </a:lvl1pPr>
+          </a:lstStyle>
+          <a:p>
+            <a:fld id="{2E220FDD-726E-41B2-945E-83EB1E8562E6}" type="datetimeFigureOut">
+              <a:rPr lang="en-US" smtClean="0"/>
+              <a:t>31-Oct-19</a:t>
+            </a:fld>
+            <a:endParaRPr lang="en-US"/>
+          </a:p>
+        </p:txBody>
+      </p:sp>
+      <p:sp>
+        <p:nvSpPr>
+          <p:cNvPr id="4" name="Slide Image Placeholder 3"/>
+          <p:cNvSpPr>
+            <a:spLocks noGrp="1" noRot="1" noChangeAspect="1"/>
+          </p:cNvSpPr>
+          <p:nvPr>
+            <p:ph type="sldImg" idx="2"/>
+          </p:nvPr>
+        </p:nvSpPr>
+        <p:spPr>
+          <a:xfrm>
+            <a:off x="685800" y="1143000"/>
+            <a:ext cx="5486400" cy="3086100"/>
+          </a:xfrm>
+          <a:prstGeom prst="rect">
+            <a:avLst/>
+          </a:prstGeom>
+          <a:noFill/>
+          <a:ln w="12700">
+            <a:solidFill>
+              <a:prstClr val="black"/>
+            </a:solidFill>
+          </a:ln>
+        </p:spPr>
+        <p:txBody>
+          <a:bodyPr vert="horz" lIns="91440" tIns="45720" rIns="91440" bIns="45720" rtlCol="0" anchor="ctr"/>
+          <a:lstStyle/>
+          <a:p>
+            <a:endParaRPr lang="en-US"/>
+          </a:p>
+        </p:txBody>
+      </p:sp>
+      <p:sp>
+        <p:nvSpPr>
+          <p:cNvPr id="5" name="Notes Placeholder 4"/>
+          <p:cNvSpPr>
+            <a:spLocks noGrp="1"/>
+          </p:cNvSpPr>
+          <p:nvPr>
+            <p:ph type="body" sz="quarter" idx="3"/>
+          </p:nvPr>
+        </p:nvSpPr>
+        <p:spPr>
+          <a:xfrm>
+            <a:off x="685800" y="4400550"/>
+            <a:ext cx="5486400" cy="3600450"/>
+          </a:xfrm>
+          <a:prstGeom prst="rect">
+            <a:avLst/>
+          </a:prstGeom>
+        </p:spPr>
+        <p:txBody>
+          <a:bodyPr vert="horz" lIns="91440" tIns="45720" rIns="91440" bIns="45720" rtlCol="0"/>
+          <a:lstStyle/>
+          <a:p>
+            <a:pPr lvl="0"/>
+            <a:r>
+              <a:rPr lang="en-US"/>
+              <a:t>Click to edit Master text styles</a:t>
+            </a:r>
+          </a:p>
+          <a:p>
+            <a:pPr lvl="1"/>
+            <a:r>
+              <a:rPr lang="en-US"/>
+              <a:t>Second level</a:t>
+            </a:r>
+          </a:p>
+          <a:p>
+            <a:pPr lvl="2"/>
+            <a:r>
+              <a:rPr lang="en-US"/>
+              <a:t>Third level</a:t>
+            </a:r>
+          </a:p>
+          <a:p>
+            <a:pPr lvl="3"/>
+            <a:r>
+              <a:rPr lang="en-US"/>
+              <a:t>Fourth level</a:t>
+            </a:r>
+          </a:p>
+          <a:p>
+            <a:pPr lvl="4"/>
+            <a:r>
+              <a:rPr lang="en-US"/>
+              <a:t>Fifth level</a:t>
+            </a:r>
+          </a:p>
+        </p:txBody>
+      </p:sp>
+      <p:sp>
+        <p:nvSpPr>
+          <p:cNvPr id="6" name="Footer Placeholder 5"/>
+          <p:cNvSpPr>
+            <a:spLocks noGrp="1"/>
+          </p:cNvSpPr>
+          <p:nvPr>
+            <p:ph type="ftr" sz="quarter" idx="4"/>
+          </p:nvPr>
+        </p:nvSpPr>
+        <p:spPr>
+          <a:xfrm>
+            <a:off x="0" y="8685213"/>
+            <a:ext cx="2971800" cy="458787"/>
+          </a:xfrm>
+          <a:prstGeom prst="rect">
+            <a:avLst/>
+          </a:prstGeom>
+        </p:spPr>
+        <p:txBody>
+          <a:bodyPr vert="horz" lIns="91440" tIns="45720" rIns="91440" bIns="45720" rtlCol="0" anchor="b"/>
+          <a:lstStyle>
+            <a:lvl1pPr algn="l">
+              <a:defRPr sz="1200"/>
+            </a:lvl1pPr>
+          </a:lstStyle>
+          <a:p>
+            <a:endParaRPr lang="en-US"/>
+          </a:p>
+        </p:txBody>
+      </p:sp>
+      <p:sp>
+        <p:nvSpPr>
+          <p:cNvPr id="7" name="Slide Number Placeholder 6"/>
+          <p:cNvSpPr>
+            <a:spLocks noGrp="1"/>
+          </p:cNvSpPr>
+          <p:nvPr>
+            <p:ph type="sldNum" sz="quarter" idx="5"/>
+          </p:nvPr>
+        </p:nvSpPr>
+        <p:spPr>
+          <a:xfrm>
+            <a:off x="3884613" y="8685213"/>
+            <a:ext cx="2971800" cy="458787"/>
+          </a:xfrm>
+          <a:prstGeom prst="rect">
+            <a:avLst/>
+          </a:prstGeom>
+        </p:spPr>
+        <p:txBody>
+          <a:bodyPr vert="horz" lIns="91440" tIns="45720" rIns="91440" bIns="45720" rtlCol="0" anchor="b"/>
+          <a:lstStyle>
+            <a:lvl1pPr algn="r">
+              <a:defRPr sz="1200"/>
+            </a:lvl1pPr>
+          </a:lstStyle>
+          <a:p>
+            <a:fld id="{D5621FF4-5217-4219-B091-2E32C3AD99C1}" type="slidenum">
+              <a:rPr lang="en-US" smtClean="0"/>
+              <a:t>‹#›</a:t>
+            </a:fld>
+            <a:endParaRPr lang="en-US"/>
+          </a:p>
+        </p:txBody>
+      </p:sp>
+    </p:spTree>
+    <p:extLst>
+      <p:ext uri="{BB962C8B-B14F-4D97-AF65-F5344CB8AC3E}">
+        <p14:creationId xmlns:p14="http://schemas.microsoft.com/office/powerpoint/2010/main" val="2540493915"/>
+      </p:ext>
+    </p:extLst>
+  </p:cSld>
+  <p:clrMap bg1="lt1" tx1="dk1" bg2="lt2" tx2="dk2" accent1="accent1" accent2="accent2" accent3="accent3" accent4="accent4" accent5="accent5" accent6="accent6" hlink="hlink" folHlink="folHlink"/>
+  <p:notesStyle>
+    <a:lvl1pPr marL="0" algn="l" defTabSz="914400" rtl="0" eaLnBrk="1" latinLnBrk="0" hangingPunct="1">
+      <a:defRPr sz="1200" kern="1200">
+        <a:solidFill>
+          <a:schemeClr val="tx1"/>
+        </a:solidFill>
+        <a:latin typeface="+mn-lt"/>
+        <a:ea typeface="+mn-ea"/>
+        <a:cs typeface="+mn-cs"/>
+      </a:defRPr>
+    </a:lvl1pPr>
+    <a:lvl2pPr marL="457200" algn="l" defTabSz="914400" rtl="0" eaLnBrk="1" latinLnBrk="0" hangingPunct="1">
+      <a:defRPr sz="1200" kern="1200">
+        <a:solidFill>
+          <a:schemeClr val="tx1"/>
+        </a:solidFill>
+        <a:latin typeface="+mn-lt"/>
+        <a:ea typeface="+mn-ea"/>
+        <a:cs typeface="+mn-cs"/>
+      </a:defRPr>
+    </a:lvl2pPr>
+    <a:lvl3pPr marL="914400" algn="l" defTabSz="914400" rtl="0" eaLnBrk="1" latinLnBrk="0" hangingPunct="1">
+      <a:defRPr sz="1200" kern="1200">
+        <a:solidFill>
+          <a:schemeClr val="tx1"/>
+        </a:solidFill>
+        <a:latin typeface="+mn-lt"/>
+        <a:ea typeface="+mn-ea"/>
+        <a:cs typeface="+mn-cs"/>
+      </a:defRPr>
+    </a:lvl3pPr>
+    <a:lvl4pPr marL="1371600" algn="l" defTabSz="914400" rtl="0" eaLnBrk="1" latinLnBrk="0" hangingPunct="1">
+      <a:defRPr sz="1200" kern="1200">
+        <a:solidFill>
+          <a:schemeClr val="tx1"/>
+        </a:solidFill>
+        <a:latin typeface="+mn-lt"/>
+        <a:ea typeface="+mn-ea"/>
+        <a:cs typeface="+mn-cs"/>
+      </a:defRPr>
+    </a:lvl4pPr>
+    <a:lvl5pPr marL="1828800" algn="l" defTabSz="914400" rtl="0" eaLnBrk="1" latinLnBrk="0" hangingPunct="1">
+      <a:defRPr sz="1200" kern="1200">
+        <a:solidFill>
+          <a:schemeClr val="tx1"/>
+        </a:solidFill>
+        <a:latin typeface="+mn-lt"/>
+        <a:ea typeface="+mn-ea"/>
+        <a:cs typeface="+mn-cs"/>
+      </a:defRPr>
+    </a:lvl5pPr>
+    <a:lvl6pPr marL="2286000" algn="l" defTabSz="914400" rtl="0" eaLnBrk="1" latinLnBrk="0" hangingPunct="1">
+      <a:defRPr sz="1200" kern="1200">
+        <a:solidFill>
+          <a:schemeClr val="tx1"/>
+        </a:solidFill>
+        <a:latin typeface="+mn-lt"/>
+        <a:ea typeface="+mn-ea"/>
+        <a:cs typeface="+mn-cs"/>
+      </a:defRPr>
+    </a:lvl6pPr>
+    <a:lvl7pPr marL="2743200" algn="l" defTabSz="914400" rtl="0" eaLnBrk="1" latinLnBrk="0" hangingPunct="1">
+      <a:defRPr sz="1200" kern="1200">
+        <a:solidFill>
+          <a:schemeClr val="tx1"/>
+        </a:solidFill>
+        <a:latin typeface="+mn-lt"/>
+        <a:ea typeface="+mn-ea"/>
+        <a:cs typeface="+mn-cs"/>
+      </a:defRPr>
+    </a:lvl7pPr>
+    <a:lvl8pPr marL="3200400" algn="l" defTabSz="914400" rtl="0" eaLnBrk="1" latinLnBrk="0" hangingPunct="1">
+      <a:defRPr sz="1200" kern="1200">
+        <a:solidFill>
+          <a:schemeClr val="tx1"/>
+        </a:solidFill>
+        <a:latin typeface="+mn-lt"/>
+        <a:ea typeface="+mn-ea"/>
+        <a:cs typeface="+mn-cs"/>
+      </a:defRPr>
+    </a:lvl8pPr>
+    <a:lvl9pPr marL="3657600" algn="l" defTabSz="914400" rtl="0" eaLnBrk="1" latinLnBrk="0" hangingPunct="1">
+      <a:defRPr sz="1200" kern="1200">
+        <a:solidFill>
+          <a:schemeClr val="tx1"/>
+        </a:solidFill>
+        <a:latin typeface="+mn-lt"/>
+        <a:ea typeface="+mn-ea"/>
+        <a:cs typeface="+mn-cs"/>
+      </a:defRPr>
+    </a:lvl9pPr>
+  </p:notesStyle>
+</p:notesMaster>
 </file>
 
 <file path=ppt/slideLayouts/slideLayout1.xml><?xml version="1.0" encoding="utf-8"?>
@@ -7742,14 +8125,11 @@
         </p:spPr>
         <p:txBody>
           <a:bodyPr>
-            <a:normAutofit fontScale="70000" lnSpcReduction="20000"/>
+            <a:normAutofit fontScale="62500" lnSpcReduction="20000"/>
           </a:bodyPr>
           <a:lstStyle/>
           <a:p>
-            <a:r>
-              <a:rPr lang="en-US" dirty="0"/>
-              <a:t>A doctor consultation website</a:t>
-            </a:r>
+            <a:endParaRPr lang="en-US" dirty="0"/>
           </a:p>
           <a:p>
             <a:endParaRPr lang="en-US" dirty="0"/>
@@ -7761,7 +8141,7 @@
           <a:p>
             <a:pPr algn="r"/>
             <a:r>
-              <a:rPr lang="en-US" b="1" dirty="0"/>
+              <a:rPr lang="en-US" sz="2900" b="1" dirty="0"/>
               <a:t>By:  Team-2</a:t>
             </a:r>
           </a:p>
@@ -7811,7 +8191,7 @@
           <p:cNvPr id="2" name="Title 1">
             <a:extLst>
               <a:ext uri="{FF2B5EF4-FFF2-40B4-BE49-F238E27FC236}">
-                <a16:creationId xmlns:a16="http://schemas.microsoft.com/office/drawing/2014/main" id="{11EBC64D-8E64-43BB-8C31-BF7CA99FE67F}"/>
+                <a16:creationId xmlns:a16="http://schemas.microsoft.com/office/drawing/2014/main" id="{B2FB14F2-F4BA-4DD1-BBBD-030A89725EBB}"/>
               </a:ext>
             </a:extLst>
           </p:cNvPr>
@@ -7819,13 +8199,13 @@
             <a:spLocks noGrp="1"/>
           </p:cNvSpPr>
           <p:nvPr>
-            <p:ph type="title"/>
+            <p:ph type="ctrTitle"/>
           </p:nvPr>
         </p:nvSpPr>
         <p:spPr>
           <a:xfrm>
-            <a:off x="2589213" y="486138"/>
-            <a:ext cx="8915400" cy="3333508"/>
+            <a:off x="3025148" y="1366284"/>
+            <a:ext cx="8915399" cy="2262781"/>
           </a:xfrm>
         </p:spPr>
         <p:txBody>
@@ -7834,7 +8214,7 @@
           <a:p>
             <a:r>
               <a:rPr lang="en-US" dirty="0"/>
-              <a:t>            THANK YOU</a:t>
+              <a:t>         Appendix</a:t>
             </a:r>
           </a:p>
         </p:txBody>
@@ -7842,7 +8222,7 @@
     </p:spTree>
     <p:extLst>
       <p:ext uri="{BB962C8B-B14F-4D97-AF65-F5344CB8AC3E}">
-        <p14:creationId xmlns:p14="http://schemas.microsoft.com/office/powerpoint/2010/main" val="2789061616"/>
+        <p14:creationId xmlns:p14="http://schemas.microsoft.com/office/powerpoint/2010/main" val="512378268"/>
       </p:ext>
     </p:extLst>
   </p:cSld>
@@ -7852,7 +8232,7 @@
 </p:sld>
 </file>
 
-<file path=ppt/slides/slide2.xml><?xml version="1.0" encoding="utf-8"?>
+<file path=ppt/slides/slide11.xml><?xml version="1.0" encoding="utf-8"?>
 <p:sld xmlns:a="http://schemas.openxmlformats.org/drawingml/2006/main" xmlns:r="http://schemas.openxmlformats.org/officeDocument/2006/relationships" xmlns:p="http://schemas.openxmlformats.org/presentationml/2006/main">
   <p:cSld>
     <p:spTree>
@@ -7874,7 +8254,7 @@
           <p:cNvPr id="2" name="Title 1">
             <a:extLst>
               <a:ext uri="{FF2B5EF4-FFF2-40B4-BE49-F238E27FC236}">
-                <a16:creationId xmlns:a16="http://schemas.microsoft.com/office/drawing/2014/main" id="{06D9BFAD-7690-43D0-ABC1-7312C42A3482}"/>
+                <a16:creationId xmlns:a16="http://schemas.microsoft.com/office/drawing/2014/main" id="{D19CFD38-3A73-44E7-8F3D-4DCF943BDA86}"/>
               </a:ext>
             </a:extLst>
           </p:cNvPr>
@@ -7892,8 +8272,12 @@
           <a:p>
             <a:r>
               <a:rPr lang="en-US" dirty="0"/>
-              <a:t>Agenda</a:t>
-            </a:r>
+              <a:t>                    Use-Cases</a:t>
+            </a:r>
+            <a:br>
+              <a:rPr lang="en-US" dirty="0"/>
+            </a:br>
+            <a:endParaRPr lang="en-US" dirty="0"/>
           </a:p>
         </p:txBody>
       </p:sp>
@@ -7902,7 +8286,7 @@
           <p:cNvPr id="3" name="Content Placeholder 2">
             <a:extLst>
               <a:ext uri="{FF2B5EF4-FFF2-40B4-BE49-F238E27FC236}">
-                <a16:creationId xmlns:a16="http://schemas.microsoft.com/office/drawing/2014/main" id="{5E602C8F-F71E-4C97-B2EF-5AF7A191022E}"/>
+                <a16:creationId xmlns:a16="http://schemas.microsoft.com/office/drawing/2014/main" id="{9E4188A2-21B2-4BCB-AE47-9B7A91DAE45C}"/>
               </a:ext>
             </a:extLst>
           </p:cNvPr>
@@ -7913,56 +8297,105 @@
             <p:ph idx="1"/>
           </p:nvPr>
         </p:nvSpPr>
-        <p:spPr/>
-        <p:txBody>
-          <a:bodyPr/>
+        <p:spPr>
+          <a:xfrm>
+            <a:off x="2589212" y="1818167"/>
+            <a:ext cx="8915400" cy="4093055"/>
+          </a:xfrm>
+        </p:spPr>
+        <p:txBody>
+          <a:bodyPr>
+            <a:normAutofit fontScale="92500" lnSpcReduction="10000"/>
+          </a:bodyPr>
           <a:lstStyle/>
           <a:p>
             <a:r>
               <a:rPr lang="en-US" dirty="0"/>
-              <a:t>Overview </a:t>
-            </a:r>
-          </a:p>
-          <a:p>
+              <a:t> Patient </a:t>
+            </a:r>
+          </a:p>
+          <a:p>
+            <a:pPr marL="0" indent="0">
+              <a:buNone/>
+            </a:pPr>
             <a:r>
               <a:rPr lang="en-US" dirty="0"/>
-              <a:t>Tools &amp; Technologies </a:t>
-            </a:r>
-          </a:p>
-          <a:p>
+              <a:t>        ‣ Registration online </a:t>
+            </a:r>
+          </a:p>
+          <a:p>
+            <a:pPr marL="0" indent="0">
+              <a:buNone/>
+            </a:pPr>
             <a:r>
               <a:rPr lang="en-US" dirty="0"/>
-              <a:t>Flow Diagram</a:t>
-            </a:r>
-          </a:p>
-          <a:p>
+              <a:t>        ‣ Book / Cancel an appointment </a:t>
+            </a:r>
+          </a:p>
+          <a:p>
+            <a:pPr marL="0" indent="0">
+              <a:buNone/>
+            </a:pPr>
             <a:r>
               <a:rPr lang="en-US" dirty="0"/>
-              <a:t>Class Diagram</a:t>
-            </a:r>
-          </a:p>
-          <a:p>
+              <a:t>        ‣ Order medicine</a:t>
+            </a:r>
+          </a:p>
+          <a:p>
+            <a:pPr marL="0" indent="0">
+              <a:buNone/>
+            </a:pPr>
             <a:r>
               <a:rPr lang="en-US" dirty="0"/>
-              <a:t>Use-Case</a:t>
+              <a:t>        ‣ Chat with doctor</a:t>
             </a:r>
           </a:p>
           <a:p>
             <a:r>
               <a:rPr lang="en-US" dirty="0"/>
-              <a:t>Sequence Diagram</a:t>
-            </a:r>
-          </a:p>
-          <a:p>
+              <a:t>Doctor </a:t>
+            </a:r>
+          </a:p>
+          <a:p>
+            <a:pPr marL="0" indent="0">
+              <a:buNone/>
+            </a:pPr>
             <a:r>
               <a:rPr lang="en-US" dirty="0"/>
-              <a:t>Limitations</a:t>
-            </a:r>
-          </a:p>
-          <a:p>
+              <a:t>        ‣ Doctor can cancel appointment</a:t>
+            </a:r>
+          </a:p>
+          <a:p>
+            <a:pPr marL="0" indent="0">
+              <a:buNone/>
+            </a:pPr>
             <a:r>
               <a:rPr lang="en-US" dirty="0"/>
-              <a:t>Demo</a:t>
+              <a:t>	 ‣ Chat with patient</a:t>
+            </a:r>
+          </a:p>
+          <a:p>
+            <a:r>
+              <a:rPr lang="en-US" dirty="0"/>
+              <a:t>Admin </a:t>
+            </a:r>
+          </a:p>
+          <a:p>
+            <a:pPr marL="0" indent="0">
+              <a:buNone/>
+            </a:pPr>
+            <a:r>
+              <a:rPr lang="en-US" dirty="0"/>
+              <a:t>        ‣ Delete doctor’s record</a:t>
+            </a:r>
+          </a:p>
+          <a:p>
+            <a:pPr marL="0" indent="0">
+              <a:buNone/>
+            </a:pPr>
+            <a:r>
+              <a:rPr lang="en-US" dirty="0"/>
+              <a:t>        ‣ Manage the pharmacy with medicines and orders</a:t>
             </a:r>
           </a:p>
         </p:txBody>
@@ -7970,7 +8403,7 @@
     </p:spTree>
     <p:extLst>
       <p:ext uri="{BB962C8B-B14F-4D97-AF65-F5344CB8AC3E}">
-        <p14:creationId xmlns:p14="http://schemas.microsoft.com/office/powerpoint/2010/main" val="3626002931"/>
+        <p14:creationId xmlns:p14="http://schemas.microsoft.com/office/powerpoint/2010/main" val="3574956640"/>
       </p:ext>
     </p:extLst>
   </p:cSld>
@@ -7980,269 +8413,7 @@
 </p:sld>
 </file>
 
-<file path=ppt/slides/slide3.xml><?xml version="1.0" encoding="utf-8"?>
-<p:sld xmlns:a="http://schemas.openxmlformats.org/drawingml/2006/main" xmlns:r="http://schemas.openxmlformats.org/officeDocument/2006/relationships" xmlns:p="http://schemas.openxmlformats.org/presentationml/2006/main">
-  <p:cSld>
-    <p:spTree>
-      <p:nvGrpSpPr>
-        <p:cNvPr id="1" name=""/>
-        <p:cNvGrpSpPr/>
-        <p:nvPr/>
-      </p:nvGrpSpPr>
-      <p:grpSpPr>
-        <a:xfrm>
-          <a:off x="0" y="0"/>
-          <a:ext cx="0" cy="0"/>
-          <a:chOff x="0" y="0"/>
-          <a:chExt cx="0" cy="0"/>
-        </a:xfrm>
-      </p:grpSpPr>
-      <p:sp>
-        <p:nvSpPr>
-          <p:cNvPr id="2" name="Title 1">
-            <a:extLst>
-              <a:ext uri="{FF2B5EF4-FFF2-40B4-BE49-F238E27FC236}">
-                <a16:creationId xmlns:a16="http://schemas.microsoft.com/office/drawing/2014/main" id="{7A500108-60E3-43F3-80DB-056A5DDF197E}"/>
-              </a:ext>
-            </a:extLst>
-          </p:cNvPr>
-          <p:cNvSpPr>
-            <a:spLocks noGrp="1"/>
-          </p:cNvSpPr>
-          <p:nvPr>
-            <p:ph type="title"/>
-          </p:nvPr>
-        </p:nvSpPr>
-        <p:spPr/>
-        <p:txBody>
-          <a:bodyPr/>
-          <a:lstStyle/>
-          <a:p>
-            <a:r>
-              <a:rPr lang="en-US" dirty="0"/>
-              <a:t>Overview</a:t>
-            </a:r>
-          </a:p>
-        </p:txBody>
-      </p:sp>
-      <p:sp>
-        <p:nvSpPr>
-          <p:cNvPr id="3" name="Content Placeholder 2">
-            <a:extLst>
-              <a:ext uri="{FF2B5EF4-FFF2-40B4-BE49-F238E27FC236}">
-                <a16:creationId xmlns:a16="http://schemas.microsoft.com/office/drawing/2014/main" id="{36AA5F80-2D58-480F-9638-6E5FC3764995}"/>
-              </a:ext>
-            </a:extLst>
-          </p:cNvPr>
-          <p:cNvSpPr>
-            <a:spLocks noGrp="1"/>
-          </p:cNvSpPr>
-          <p:nvPr>
-            <p:ph idx="1"/>
-          </p:nvPr>
-        </p:nvSpPr>
-        <p:spPr>
-          <a:xfrm>
-            <a:off x="2344663" y="1793358"/>
-            <a:ext cx="8915400" cy="3777622"/>
-          </a:xfrm>
-        </p:spPr>
-        <p:txBody>
-          <a:bodyPr>
-            <a:normAutofit/>
-          </a:bodyPr>
-          <a:lstStyle/>
-          <a:p>
-            <a:r>
-              <a:rPr lang="en-US" dirty="0"/>
-              <a:t>Patient registration, make an appointment online </a:t>
-            </a:r>
-          </a:p>
-          <a:p>
-            <a:r>
-              <a:rPr lang="en-US" dirty="0"/>
-              <a:t>Doctor accept / reject an appointment.</a:t>
-            </a:r>
-          </a:p>
-          <a:p>
-            <a:r>
-              <a:rPr lang="en-US" dirty="0"/>
-              <a:t>Admin can delete a doctor and can manage the pharmacy</a:t>
-            </a:r>
-          </a:p>
-          <a:p>
-            <a:r>
-              <a:rPr lang="en-US" dirty="0"/>
-              <a:t>Internationalization: support multiple languages</a:t>
-            </a:r>
-          </a:p>
-          <a:p>
-            <a:r>
-              <a:rPr lang="en-US" dirty="0"/>
-              <a:t>User friendly UI</a:t>
-            </a:r>
-          </a:p>
-          <a:p>
-            <a:r>
-              <a:rPr lang="en-US" dirty="0"/>
-              <a:t>Spring Boot:</a:t>
-            </a:r>
-          </a:p>
-          <a:p>
-            <a:pPr marL="0" indent="0">
-              <a:buNone/>
-            </a:pPr>
-            <a:r>
-              <a:rPr lang="en-US" dirty="0"/>
-              <a:t>       ▪ Ease to maintenance </a:t>
-            </a:r>
-          </a:p>
-          <a:p>
-            <a:pPr marL="0" indent="0">
-              <a:buNone/>
-            </a:pPr>
-            <a:r>
-              <a:rPr lang="en-US" dirty="0"/>
-              <a:t>       ▪ Reduce code redundancy </a:t>
-            </a:r>
-          </a:p>
-          <a:p>
-            <a:pPr marL="0" indent="0">
-              <a:buNone/>
-            </a:pPr>
-            <a:r>
-              <a:rPr lang="en-US" dirty="0"/>
-              <a:t>       ▪ High extension </a:t>
-            </a:r>
-          </a:p>
-        </p:txBody>
-      </p:sp>
-    </p:spTree>
-    <p:extLst>
-      <p:ext uri="{BB962C8B-B14F-4D97-AF65-F5344CB8AC3E}">
-        <p14:creationId xmlns:p14="http://schemas.microsoft.com/office/powerpoint/2010/main" val="2734068017"/>
-      </p:ext>
-    </p:extLst>
-  </p:cSld>
-  <p:clrMapOvr>
-    <a:masterClrMapping/>
-  </p:clrMapOvr>
-</p:sld>
-</file>
-
-<file path=ppt/slides/slide4.xml><?xml version="1.0" encoding="utf-8"?>
-<p:sld xmlns:a="http://schemas.openxmlformats.org/drawingml/2006/main" xmlns:r="http://schemas.openxmlformats.org/officeDocument/2006/relationships" xmlns:p="http://schemas.openxmlformats.org/presentationml/2006/main">
-  <p:cSld>
-    <p:spTree>
-      <p:nvGrpSpPr>
-        <p:cNvPr id="1" name=""/>
-        <p:cNvGrpSpPr/>
-        <p:nvPr/>
-      </p:nvGrpSpPr>
-      <p:grpSpPr>
-        <a:xfrm>
-          <a:off x="0" y="0"/>
-          <a:ext cx="0" cy="0"/>
-          <a:chOff x="0" y="0"/>
-          <a:chExt cx="0" cy="0"/>
-        </a:xfrm>
-      </p:grpSpPr>
-      <p:sp>
-        <p:nvSpPr>
-          <p:cNvPr id="2" name="Title 1">
-            <a:extLst>
-              <a:ext uri="{FF2B5EF4-FFF2-40B4-BE49-F238E27FC236}">
-                <a16:creationId xmlns:a16="http://schemas.microsoft.com/office/drawing/2014/main" id="{6AF8D2AD-420E-4D8A-BAAB-28F243C481BE}"/>
-              </a:ext>
-            </a:extLst>
-          </p:cNvPr>
-          <p:cNvSpPr>
-            <a:spLocks noGrp="1"/>
-          </p:cNvSpPr>
-          <p:nvPr>
-            <p:ph type="title"/>
-          </p:nvPr>
-        </p:nvSpPr>
-        <p:spPr/>
-        <p:txBody>
-          <a:bodyPr/>
-          <a:lstStyle/>
-          <a:p>
-            <a:r>
-              <a:rPr lang="en-US" dirty="0"/>
-              <a:t>Tools &amp; Technologies </a:t>
-            </a:r>
-          </a:p>
-        </p:txBody>
-      </p:sp>
-      <p:sp>
-        <p:nvSpPr>
-          <p:cNvPr id="3" name="Content Placeholder 2">
-            <a:extLst>
-              <a:ext uri="{FF2B5EF4-FFF2-40B4-BE49-F238E27FC236}">
-                <a16:creationId xmlns:a16="http://schemas.microsoft.com/office/drawing/2014/main" id="{3AE8933B-8FFB-4571-8587-8914F81D97C4}"/>
-              </a:ext>
-            </a:extLst>
-          </p:cNvPr>
-          <p:cNvSpPr>
-            <a:spLocks noGrp="1"/>
-          </p:cNvSpPr>
-          <p:nvPr>
-            <p:ph idx="1"/>
-          </p:nvPr>
-        </p:nvSpPr>
-        <p:spPr/>
-        <p:txBody>
-          <a:bodyPr>
-            <a:normAutofit/>
-          </a:bodyPr>
-          <a:lstStyle/>
-          <a:p>
-            <a:r>
-              <a:rPr lang="en-US" dirty="0"/>
-              <a:t>Spring Boot</a:t>
-            </a:r>
-          </a:p>
-          <a:p>
-            <a:r>
-              <a:rPr lang="en-US" dirty="0"/>
-              <a:t>MongoDB </a:t>
-            </a:r>
-          </a:p>
-          <a:p>
-            <a:r>
-              <a:rPr lang="en-US" dirty="0"/>
-              <a:t>Angular</a:t>
-            </a:r>
-          </a:p>
-          <a:p>
-            <a:r>
-              <a:rPr lang="en-US" dirty="0"/>
-              <a:t>Git / GitHub</a:t>
-            </a:r>
-          </a:p>
-          <a:p>
-            <a:r>
-              <a:rPr lang="en-US" dirty="0"/>
-              <a:t>STS</a:t>
-            </a:r>
-          </a:p>
-        </p:txBody>
-      </p:sp>
-    </p:spTree>
-    <p:extLst>
-      <p:ext uri="{BB962C8B-B14F-4D97-AF65-F5344CB8AC3E}">
-        <p14:creationId xmlns:p14="http://schemas.microsoft.com/office/powerpoint/2010/main" val="2644624423"/>
-      </p:ext>
-    </p:extLst>
-  </p:cSld>
-  <p:clrMapOvr>
-    <a:masterClrMapping/>
-  </p:clrMapOvr>
-</p:sld>
-</file>
-
-<file path=ppt/slides/slide5.xml><?xml version="1.0" encoding="utf-8"?>
+<file path=ppt/slides/slide12.xml><?xml version="1.0" encoding="utf-8"?>
 <p:sld xmlns:a="http://schemas.openxmlformats.org/drawingml/2006/main" xmlns:r="http://schemas.openxmlformats.org/officeDocument/2006/relationships" xmlns:p="http://schemas.openxmlformats.org/presentationml/2006/main">
   <p:cSld>
     <p:spTree>
@@ -8311,6 +8482,815 @@
 </p:sld>
 </file>
 
+<file path=ppt/slides/slide13.xml><?xml version="1.0" encoding="utf-8"?>
+<p:sld xmlns:a="http://schemas.openxmlformats.org/drawingml/2006/main" xmlns:r="http://schemas.openxmlformats.org/officeDocument/2006/relationships" xmlns:p="http://schemas.openxmlformats.org/presentationml/2006/main">
+  <p:cSld>
+    <p:spTree>
+      <p:nvGrpSpPr>
+        <p:cNvPr id="1" name=""/>
+        <p:cNvGrpSpPr/>
+        <p:nvPr/>
+      </p:nvGrpSpPr>
+      <p:grpSpPr>
+        <a:xfrm>
+          <a:off x="0" y="0"/>
+          <a:ext cx="0" cy="0"/>
+          <a:chOff x="0" y="0"/>
+          <a:chExt cx="0" cy="0"/>
+        </a:xfrm>
+      </p:grpSpPr>
+      <p:sp>
+        <p:nvSpPr>
+          <p:cNvPr id="2" name="Title 1">
+            <a:extLst>
+              <a:ext uri="{FF2B5EF4-FFF2-40B4-BE49-F238E27FC236}">
+                <a16:creationId xmlns:a16="http://schemas.microsoft.com/office/drawing/2014/main" id="{E75EB43C-0FD2-47F0-B6F3-8BA1A129034B}"/>
+              </a:ext>
+            </a:extLst>
+          </p:cNvPr>
+          <p:cNvSpPr>
+            <a:spLocks noGrp="1"/>
+          </p:cNvSpPr>
+          <p:nvPr>
+            <p:ph type="title"/>
+          </p:nvPr>
+        </p:nvSpPr>
+        <p:spPr/>
+        <p:txBody>
+          <a:bodyPr/>
+          <a:lstStyle/>
+          <a:p>
+            <a:r>
+              <a:rPr lang="en-US" dirty="0"/>
+              <a:t>Class Diagram</a:t>
+            </a:r>
+          </a:p>
+        </p:txBody>
+      </p:sp>
+      <p:pic>
+        <p:nvPicPr>
+          <p:cNvPr id="5" name="Content Placeholder 4" descr="A close up of a map&#10;&#10;Description automatically generated">
+            <a:extLst>
+              <a:ext uri="{FF2B5EF4-FFF2-40B4-BE49-F238E27FC236}">
+                <a16:creationId xmlns:a16="http://schemas.microsoft.com/office/drawing/2014/main" id="{AD98660A-40BF-47E9-9517-A0F2BFC2D155}"/>
+              </a:ext>
+            </a:extLst>
+          </p:cNvPr>
+          <p:cNvPicPr>
+            <a:picLocks noGrp="1" noChangeAspect="1"/>
+          </p:cNvPicPr>
+          <p:nvPr>
+            <p:ph idx="1"/>
+          </p:nvPr>
+        </p:nvPicPr>
+        <p:blipFill>
+          <a:blip r:embed="rId2">
+            <a:extLst>
+              <a:ext uri="{28A0092B-C50C-407E-A947-70E740481C1C}">
+                <a14:useLocalDpi xmlns:a14="http://schemas.microsoft.com/office/drawing/2010/main" val="0"/>
+              </a:ext>
+            </a:extLst>
+          </a:blip>
+          <a:stretch>
+            <a:fillRect/>
+          </a:stretch>
+        </p:blipFill>
+        <p:spPr>
+          <a:xfrm>
+            <a:off x="1898248" y="2133599"/>
+            <a:ext cx="8217294" cy="4290349"/>
+          </a:xfrm>
+        </p:spPr>
+      </p:pic>
+    </p:spTree>
+    <p:extLst>
+      <p:ext uri="{BB962C8B-B14F-4D97-AF65-F5344CB8AC3E}">
+        <p14:creationId xmlns:p14="http://schemas.microsoft.com/office/powerpoint/2010/main" val="988675703"/>
+      </p:ext>
+    </p:extLst>
+  </p:cSld>
+  <p:clrMapOvr>
+    <a:masterClrMapping/>
+  </p:clrMapOvr>
+</p:sld>
+</file>
+
+<file path=ppt/slides/slide14.xml><?xml version="1.0" encoding="utf-8"?>
+<p:sld xmlns:a="http://schemas.openxmlformats.org/drawingml/2006/main" xmlns:r="http://schemas.openxmlformats.org/officeDocument/2006/relationships" xmlns:p="http://schemas.openxmlformats.org/presentationml/2006/main">
+  <p:cSld>
+    <p:spTree>
+      <p:nvGrpSpPr>
+        <p:cNvPr id="1" name=""/>
+        <p:cNvGrpSpPr/>
+        <p:nvPr/>
+      </p:nvGrpSpPr>
+      <p:grpSpPr>
+        <a:xfrm>
+          <a:off x="0" y="0"/>
+          <a:ext cx="0" cy="0"/>
+          <a:chOff x="0" y="0"/>
+          <a:chExt cx="0" cy="0"/>
+        </a:xfrm>
+      </p:grpSpPr>
+      <p:sp>
+        <p:nvSpPr>
+          <p:cNvPr id="2" name="Title 1">
+            <a:extLst>
+              <a:ext uri="{FF2B5EF4-FFF2-40B4-BE49-F238E27FC236}">
+                <a16:creationId xmlns:a16="http://schemas.microsoft.com/office/drawing/2014/main" id="{F3C09249-EDDC-4050-B3AD-6611B5BE06C4}"/>
+              </a:ext>
+            </a:extLst>
+          </p:cNvPr>
+          <p:cNvSpPr>
+            <a:spLocks noGrp="1"/>
+          </p:cNvSpPr>
+          <p:nvPr>
+            <p:ph type="title"/>
+          </p:nvPr>
+        </p:nvSpPr>
+        <p:spPr>
+          <a:xfrm>
+            <a:off x="1851950" y="624110"/>
+            <a:ext cx="9652664" cy="1280890"/>
+          </a:xfrm>
+        </p:spPr>
+        <p:txBody>
+          <a:bodyPr/>
+          <a:lstStyle/>
+          <a:p>
+            <a:r>
+              <a:rPr lang="en-US" dirty="0"/>
+              <a:t>       Appointment Sequence Diagram</a:t>
+            </a:r>
+          </a:p>
+        </p:txBody>
+      </p:sp>
+      <p:pic>
+        <p:nvPicPr>
+          <p:cNvPr id="4" name="Content Placeholder 3">
+            <a:extLst>
+              <a:ext uri="{FF2B5EF4-FFF2-40B4-BE49-F238E27FC236}">
+                <a16:creationId xmlns:a16="http://schemas.microsoft.com/office/drawing/2014/main" id="{019E57B2-48C7-4151-8C11-082353CF37C8}"/>
+              </a:ext>
+            </a:extLst>
+          </p:cNvPr>
+          <p:cNvPicPr>
+            <a:picLocks noGrp="1" noChangeAspect="1"/>
+          </p:cNvPicPr>
+          <p:nvPr>
+            <p:ph idx="1"/>
+          </p:nvPr>
+        </p:nvPicPr>
+        <p:blipFill>
+          <a:blip r:embed="rId2"/>
+          <a:stretch>
+            <a:fillRect/>
+          </a:stretch>
+        </p:blipFill>
+        <p:spPr>
+          <a:xfrm>
+            <a:off x="2187615" y="2133600"/>
+            <a:ext cx="8449520" cy="3778250"/>
+          </a:xfrm>
+          <a:prstGeom prst="rect">
+            <a:avLst/>
+          </a:prstGeom>
+        </p:spPr>
+      </p:pic>
+    </p:spTree>
+    <p:extLst>
+      <p:ext uri="{BB962C8B-B14F-4D97-AF65-F5344CB8AC3E}">
+        <p14:creationId xmlns:p14="http://schemas.microsoft.com/office/powerpoint/2010/main" val="1564349200"/>
+      </p:ext>
+    </p:extLst>
+  </p:cSld>
+  <p:clrMapOvr>
+    <a:masterClrMapping/>
+  </p:clrMapOvr>
+</p:sld>
+</file>
+
+<file path=ppt/slides/slide15.xml><?xml version="1.0" encoding="utf-8"?>
+<p:sld xmlns:a="http://schemas.openxmlformats.org/drawingml/2006/main" xmlns:r="http://schemas.openxmlformats.org/officeDocument/2006/relationships" xmlns:p="http://schemas.openxmlformats.org/presentationml/2006/main">
+  <p:cSld>
+    <p:spTree>
+      <p:nvGrpSpPr>
+        <p:cNvPr id="1" name=""/>
+        <p:cNvGrpSpPr/>
+        <p:nvPr/>
+      </p:nvGrpSpPr>
+      <p:grpSpPr>
+        <a:xfrm>
+          <a:off x="0" y="0"/>
+          <a:ext cx="0" cy="0"/>
+          <a:chOff x="0" y="0"/>
+          <a:chExt cx="0" cy="0"/>
+        </a:xfrm>
+      </p:grpSpPr>
+      <p:sp>
+        <p:nvSpPr>
+          <p:cNvPr id="2" name="Title 1">
+            <a:extLst>
+              <a:ext uri="{FF2B5EF4-FFF2-40B4-BE49-F238E27FC236}">
+                <a16:creationId xmlns:a16="http://schemas.microsoft.com/office/drawing/2014/main" id="{11EBC64D-8E64-43BB-8C31-BF7CA99FE67F}"/>
+              </a:ext>
+            </a:extLst>
+          </p:cNvPr>
+          <p:cNvSpPr>
+            <a:spLocks noGrp="1"/>
+          </p:cNvSpPr>
+          <p:nvPr>
+            <p:ph type="title"/>
+          </p:nvPr>
+        </p:nvSpPr>
+        <p:spPr>
+          <a:xfrm>
+            <a:off x="2589213" y="486138"/>
+            <a:ext cx="8915400" cy="3333508"/>
+          </a:xfrm>
+        </p:spPr>
+        <p:txBody>
+          <a:bodyPr/>
+          <a:lstStyle/>
+          <a:p>
+            <a:r>
+              <a:rPr lang="en-US" dirty="0"/>
+              <a:t>            THANK YOU</a:t>
+            </a:r>
+          </a:p>
+        </p:txBody>
+      </p:sp>
+    </p:spTree>
+    <p:extLst>
+      <p:ext uri="{BB962C8B-B14F-4D97-AF65-F5344CB8AC3E}">
+        <p14:creationId xmlns:p14="http://schemas.microsoft.com/office/powerpoint/2010/main" val="2789061616"/>
+      </p:ext>
+    </p:extLst>
+  </p:cSld>
+  <p:clrMapOvr>
+    <a:masterClrMapping/>
+  </p:clrMapOvr>
+</p:sld>
+</file>
+
+<file path=ppt/slides/slide2.xml><?xml version="1.0" encoding="utf-8"?>
+<p:sld xmlns:a="http://schemas.openxmlformats.org/drawingml/2006/main" xmlns:r="http://schemas.openxmlformats.org/officeDocument/2006/relationships" xmlns:p="http://schemas.openxmlformats.org/presentationml/2006/main">
+  <p:cSld>
+    <p:spTree>
+      <p:nvGrpSpPr>
+        <p:cNvPr id="1" name=""/>
+        <p:cNvGrpSpPr/>
+        <p:nvPr/>
+      </p:nvGrpSpPr>
+      <p:grpSpPr>
+        <a:xfrm>
+          <a:off x="0" y="0"/>
+          <a:ext cx="0" cy="0"/>
+          <a:chOff x="0" y="0"/>
+          <a:chExt cx="0" cy="0"/>
+        </a:xfrm>
+      </p:grpSpPr>
+      <p:sp>
+        <p:nvSpPr>
+          <p:cNvPr id="2" name="Title 1">
+            <a:extLst>
+              <a:ext uri="{FF2B5EF4-FFF2-40B4-BE49-F238E27FC236}">
+                <a16:creationId xmlns:a16="http://schemas.microsoft.com/office/drawing/2014/main" id="{06D9BFAD-7690-43D0-ABC1-7312C42A3482}"/>
+              </a:ext>
+            </a:extLst>
+          </p:cNvPr>
+          <p:cNvSpPr>
+            <a:spLocks noGrp="1"/>
+          </p:cNvSpPr>
+          <p:nvPr>
+            <p:ph type="title"/>
+          </p:nvPr>
+        </p:nvSpPr>
+        <p:spPr/>
+        <p:txBody>
+          <a:bodyPr/>
+          <a:lstStyle/>
+          <a:p>
+            <a:r>
+              <a:rPr lang="en-US" dirty="0"/>
+              <a:t>                         Agenda</a:t>
+            </a:r>
+          </a:p>
+        </p:txBody>
+      </p:sp>
+      <p:sp>
+        <p:nvSpPr>
+          <p:cNvPr id="3" name="Content Placeholder 2">
+            <a:extLst>
+              <a:ext uri="{FF2B5EF4-FFF2-40B4-BE49-F238E27FC236}">
+                <a16:creationId xmlns:a16="http://schemas.microsoft.com/office/drawing/2014/main" id="{5E602C8F-F71E-4C97-B2EF-5AF7A191022E}"/>
+              </a:ext>
+            </a:extLst>
+          </p:cNvPr>
+          <p:cNvSpPr>
+            <a:spLocks noGrp="1"/>
+          </p:cNvSpPr>
+          <p:nvPr>
+            <p:ph idx="1"/>
+          </p:nvPr>
+        </p:nvSpPr>
+        <p:spPr>
+          <a:xfrm>
+            <a:off x="2589212" y="1605516"/>
+            <a:ext cx="8915400" cy="4305706"/>
+          </a:xfrm>
+        </p:spPr>
+        <p:txBody>
+          <a:bodyPr>
+            <a:normAutofit fontScale="92500" lnSpcReduction="10000"/>
+          </a:bodyPr>
+          <a:lstStyle/>
+          <a:p>
+            <a:r>
+              <a:rPr lang="en-US" dirty="0"/>
+              <a:t>Overview</a:t>
+            </a:r>
+          </a:p>
+          <a:p>
+            <a:r>
+              <a:rPr lang="en-US" dirty="0"/>
+              <a:t>Team Introduction</a:t>
+            </a:r>
+          </a:p>
+          <a:p>
+            <a:r>
+              <a:rPr lang="en-US" dirty="0"/>
+              <a:t>Scope / Features</a:t>
+            </a:r>
+          </a:p>
+          <a:p>
+            <a:r>
+              <a:rPr lang="en-US" dirty="0"/>
+              <a:t>Technology Architecture</a:t>
+            </a:r>
+          </a:p>
+          <a:p>
+            <a:r>
+              <a:rPr lang="en-US" dirty="0"/>
+              <a:t>Tools &amp; Technologies </a:t>
+            </a:r>
+          </a:p>
+          <a:p>
+            <a:r>
+              <a:rPr lang="en-US" dirty="0"/>
+              <a:t>Demo</a:t>
+            </a:r>
+          </a:p>
+          <a:p>
+            <a:r>
+              <a:rPr lang="en-US" dirty="0"/>
+              <a:t>Future Roadmap</a:t>
+            </a:r>
+          </a:p>
+          <a:p>
+            <a:r>
+              <a:rPr lang="en-US" dirty="0"/>
+              <a:t>Appendix</a:t>
+            </a:r>
+          </a:p>
+          <a:p>
+            <a:pPr lvl="1"/>
+            <a:r>
+              <a:rPr lang="en-US" dirty="0"/>
+              <a:t>Use-Cases</a:t>
+            </a:r>
+          </a:p>
+          <a:p>
+            <a:pPr lvl="1"/>
+            <a:r>
+              <a:rPr lang="en-US" dirty="0"/>
+              <a:t>Flow Diagram</a:t>
+            </a:r>
+          </a:p>
+          <a:p>
+            <a:pPr lvl="1"/>
+            <a:r>
+              <a:rPr lang="en-US" dirty="0"/>
+              <a:t>Class Diagram</a:t>
+            </a:r>
+          </a:p>
+          <a:p>
+            <a:pPr lvl="1"/>
+            <a:r>
+              <a:rPr lang="en-US" dirty="0"/>
+              <a:t>Sequence Diagram</a:t>
+            </a:r>
+          </a:p>
+          <a:p>
+            <a:endParaRPr lang="en-US" dirty="0"/>
+          </a:p>
+        </p:txBody>
+      </p:sp>
+    </p:spTree>
+    <p:extLst>
+      <p:ext uri="{BB962C8B-B14F-4D97-AF65-F5344CB8AC3E}">
+        <p14:creationId xmlns:p14="http://schemas.microsoft.com/office/powerpoint/2010/main" val="3626002931"/>
+      </p:ext>
+    </p:extLst>
+  </p:cSld>
+  <p:clrMapOvr>
+    <a:masterClrMapping/>
+  </p:clrMapOvr>
+</p:sld>
+</file>
+
+<file path=ppt/slides/slide3.xml><?xml version="1.0" encoding="utf-8"?>
+<p:sld xmlns:a="http://schemas.openxmlformats.org/drawingml/2006/main" xmlns:r="http://schemas.openxmlformats.org/officeDocument/2006/relationships" xmlns:p="http://schemas.openxmlformats.org/presentationml/2006/main">
+  <p:cSld>
+    <p:spTree>
+      <p:nvGrpSpPr>
+        <p:cNvPr id="1" name=""/>
+        <p:cNvGrpSpPr/>
+        <p:nvPr/>
+      </p:nvGrpSpPr>
+      <p:grpSpPr>
+        <a:xfrm>
+          <a:off x="0" y="0"/>
+          <a:ext cx="0" cy="0"/>
+          <a:chOff x="0" y="0"/>
+          <a:chExt cx="0" cy="0"/>
+        </a:xfrm>
+      </p:grpSpPr>
+      <p:sp>
+        <p:nvSpPr>
+          <p:cNvPr id="2" name="Title 1">
+            <a:extLst>
+              <a:ext uri="{FF2B5EF4-FFF2-40B4-BE49-F238E27FC236}">
+                <a16:creationId xmlns:a16="http://schemas.microsoft.com/office/drawing/2014/main" id="{54598152-7A6C-4FA9-A1B8-5EA90C4780D8}"/>
+              </a:ext>
+            </a:extLst>
+          </p:cNvPr>
+          <p:cNvSpPr>
+            <a:spLocks noGrp="1"/>
+          </p:cNvSpPr>
+          <p:nvPr>
+            <p:ph type="title"/>
+          </p:nvPr>
+        </p:nvSpPr>
+        <p:spPr/>
+        <p:txBody>
+          <a:bodyPr/>
+          <a:lstStyle/>
+          <a:p>
+            <a:r>
+              <a:rPr lang="en-US" dirty="0"/>
+              <a:t>                     Overview</a:t>
+            </a:r>
+          </a:p>
+        </p:txBody>
+      </p:sp>
+      <p:sp>
+        <p:nvSpPr>
+          <p:cNvPr id="3" name="Content Placeholder 2">
+            <a:extLst>
+              <a:ext uri="{FF2B5EF4-FFF2-40B4-BE49-F238E27FC236}">
+                <a16:creationId xmlns:a16="http://schemas.microsoft.com/office/drawing/2014/main" id="{EC12DE75-D45E-4725-B7BF-756DBF41E2AE}"/>
+              </a:ext>
+            </a:extLst>
+          </p:cNvPr>
+          <p:cNvSpPr>
+            <a:spLocks noGrp="1"/>
+          </p:cNvSpPr>
+          <p:nvPr>
+            <p:ph idx="1"/>
+          </p:nvPr>
+        </p:nvSpPr>
+        <p:spPr/>
+        <p:txBody>
+          <a:bodyPr/>
+          <a:lstStyle/>
+          <a:p>
+            <a:pPr marL="0" indent="0">
+              <a:buNone/>
+            </a:pPr>
+            <a:r>
+              <a:rPr lang="en-US" dirty="0"/>
+              <a:t>QURE is a doctor consultation website where patients	can book appointments with the doctors registered in </a:t>
+            </a:r>
+            <a:r>
+              <a:rPr lang="en-US" dirty="0" err="1"/>
+              <a:t>qure</a:t>
+            </a:r>
+            <a:r>
+              <a:rPr lang="en-US" dirty="0"/>
+              <a:t> network online and get notified about that. It also helps the doctors	to manage their	appointments.</a:t>
+            </a:r>
+          </a:p>
+          <a:p>
+            <a:pPr marL="0" indent="0">
+              <a:buNone/>
+            </a:pPr>
+            <a:r>
+              <a:rPr lang="en-US" dirty="0"/>
+              <a:t>Patients can even consult the doctors through chat. It also provides a feature of booking medicines from the </a:t>
+            </a:r>
+            <a:r>
+              <a:rPr lang="en-US" dirty="0" err="1"/>
+              <a:t>qure</a:t>
+            </a:r>
+            <a:r>
+              <a:rPr lang="en-US" dirty="0"/>
+              <a:t> pharmacy.</a:t>
+            </a:r>
+          </a:p>
+          <a:p>
+            <a:pPr marL="0" indent="0">
+              <a:buNone/>
+            </a:pPr>
+            <a:endParaRPr lang="en-US" dirty="0"/>
+          </a:p>
+        </p:txBody>
+      </p:sp>
+    </p:spTree>
+    <p:extLst>
+      <p:ext uri="{BB962C8B-B14F-4D97-AF65-F5344CB8AC3E}">
+        <p14:creationId xmlns:p14="http://schemas.microsoft.com/office/powerpoint/2010/main" val="1892297520"/>
+      </p:ext>
+    </p:extLst>
+  </p:cSld>
+  <p:clrMapOvr>
+    <a:masterClrMapping/>
+  </p:clrMapOvr>
+</p:sld>
+</file>
+
+<file path=ppt/slides/slide4.xml><?xml version="1.0" encoding="utf-8"?>
+<p:sld xmlns:a="http://schemas.openxmlformats.org/drawingml/2006/main" xmlns:r="http://schemas.openxmlformats.org/officeDocument/2006/relationships" xmlns:p="http://schemas.openxmlformats.org/presentationml/2006/main">
+  <p:cSld>
+    <p:spTree>
+      <p:nvGrpSpPr>
+        <p:cNvPr id="1" name=""/>
+        <p:cNvGrpSpPr/>
+        <p:nvPr/>
+      </p:nvGrpSpPr>
+      <p:grpSpPr>
+        <a:xfrm>
+          <a:off x="0" y="0"/>
+          <a:ext cx="0" cy="0"/>
+          <a:chOff x="0" y="0"/>
+          <a:chExt cx="0" cy="0"/>
+        </a:xfrm>
+      </p:grpSpPr>
+      <p:sp>
+        <p:nvSpPr>
+          <p:cNvPr id="2" name="Title 1">
+            <a:extLst>
+              <a:ext uri="{FF2B5EF4-FFF2-40B4-BE49-F238E27FC236}">
+                <a16:creationId xmlns:a16="http://schemas.microsoft.com/office/drawing/2014/main" id="{8322CB30-ACDD-4DE9-8788-912B6E8AE1DF}"/>
+              </a:ext>
+            </a:extLst>
+          </p:cNvPr>
+          <p:cNvSpPr>
+            <a:spLocks noGrp="1"/>
+          </p:cNvSpPr>
+          <p:nvPr>
+            <p:ph type="title"/>
+          </p:nvPr>
+        </p:nvSpPr>
+        <p:spPr/>
+        <p:txBody>
+          <a:bodyPr/>
+          <a:lstStyle/>
+          <a:p>
+            <a:r>
+              <a:rPr lang="en-US" dirty="0"/>
+              <a:t>                      TEAM  </a:t>
+            </a:r>
+          </a:p>
+        </p:txBody>
+      </p:sp>
+      <p:sp>
+        <p:nvSpPr>
+          <p:cNvPr id="3" name="Content Placeholder 2">
+            <a:extLst>
+              <a:ext uri="{FF2B5EF4-FFF2-40B4-BE49-F238E27FC236}">
+                <a16:creationId xmlns:a16="http://schemas.microsoft.com/office/drawing/2014/main" id="{2A3DF2A6-CEDE-479E-81D7-4F8D2FAB871D}"/>
+              </a:ext>
+            </a:extLst>
+          </p:cNvPr>
+          <p:cNvSpPr>
+            <a:spLocks noGrp="1"/>
+          </p:cNvSpPr>
+          <p:nvPr>
+            <p:ph idx="1"/>
+          </p:nvPr>
+        </p:nvSpPr>
+        <p:spPr/>
+        <p:txBody>
+          <a:bodyPr/>
+          <a:lstStyle/>
+          <a:p>
+            <a:r>
+              <a:rPr lang="en-US" dirty="0" err="1"/>
+              <a:t>Athul</a:t>
+            </a:r>
+            <a:r>
+              <a:rPr lang="en-US" dirty="0"/>
+              <a:t> KS</a:t>
+            </a:r>
+          </a:p>
+          <a:p>
+            <a:r>
+              <a:rPr lang="en-US" dirty="0"/>
+              <a:t>Arjun M</a:t>
+            </a:r>
+          </a:p>
+          <a:p>
+            <a:r>
+              <a:rPr lang="en-US" dirty="0" err="1"/>
+              <a:t>Amulya</a:t>
+            </a:r>
+            <a:r>
+              <a:rPr lang="en-US" dirty="0"/>
+              <a:t> </a:t>
+            </a:r>
+            <a:r>
+              <a:rPr lang="en-US" dirty="0" err="1"/>
+              <a:t>Meka</a:t>
+            </a:r>
+            <a:endParaRPr lang="en-US" dirty="0"/>
+          </a:p>
+          <a:p>
+            <a:r>
+              <a:rPr lang="en-US" dirty="0" err="1"/>
+              <a:t>Aaruni</a:t>
+            </a:r>
+            <a:r>
+              <a:rPr lang="en-US" dirty="0"/>
+              <a:t> Aggarwal</a:t>
+            </a:r>
+          </a:p>
+          <a:p>
+            <a:r>
+              <a:rPr lang="en-US" dirty="0"/>
+              <a:t>Alok Kumar</a:t>
+            </a:r>
+          </a:p>
+          <a:p>
+            <a:r>
+              <a:rPr lang="en-US" dirty="0"/>
+              <a:t>Gayatri Sama</a:t>
+            </a:r>
+          </a:p>
+          <a:p>
+            <a:r>
+              <a:rPr lang="en-US" dirty="0" err="1"/>
+              <a:t>Ragini</a:t>
+            </a:r>
+            <a:r>
+              <a:rPr lang="en-US" dirty="0"/>
+              <a:t> Garg</a:t>
+            </a:r>
+          </a:p>
+        </p:txBody>
+      </p:sp>
+    </p:spTree>
+    <p:extLst>
+      <p:ext uri="{BB962C8B-B14F-4D97-AF65-F5344CB8AC3E}">
+        <p14:creationId xmlns:p14="http://schemas.microsoft.com/office/powerpoint/2010/main" val="3001696359"/>
+      </p:ext>
+    </p:extLst>
+  </p:cSld>
+  <p:clrMapOvr>
+    <a:masterClrMapping/>
+  </p:clrMapOvr>
+</p:sld>
+</file>
+
+<file path=ppt/slides/slide5.xml><?xml version="1.0" encoding="utf-8"?>
+<p:sld xmlns:a="http://schemas.openxmlformats.org/drawingml/2006/main" xmlns:r="http://schemas.openxmlformats.org/officeDocument/2006/relationships" xmlns:p="http://schemas.openxmlformats.org/presentationml/2006/main">
+  <p:cSld>
+    <p:spTree>
+      <p:nvGrpSpPr>
+        <p:cNvPr id="1" name=""/>
+        <p:cNvGrpSpPr/>
+        <p:nvPr/>
+      </p:nvGrpSpPr>
+      <p:grpSpPr>
+        <a:xfrm>
+          <a:off x="0" y="0"/>
+          <a:ext cx="0" cy="0"/>
+          <a:chOff x="0" y="0"/>
+          <a:chExt cx="0" cy="0"/>
+        </a:xfrm>
+      </p:grpSpPr>
+      <p:sp>
+        <p:nvSpPr>
+          <p:cNvPr id="2" name="Title 1">
+            <a:extLst>
+              <a:ext uri="{FF2B5EF4-FFF2-40B4-BE49-F238E27FC236}">
+                <a16:creationId xmlns:a16="http://schemas.microsoft.com/office/drawing/2014/main" id="{7A500108-60E3-43F3-80DB-056A5DDF197E}"/>
+              </a:ext>
+            </a:extLst>
+          </p:cNvPr>
+          <p:cNvSpPr>
+            <a:spLocks noGrp="1"/>
+          </p:cNvSpPr>
+          <p:nvPr>
+            <p:ph type="title"/>
+          </p:nvPr>
+        </p:nvSpPr>
+        <p:spPr/>
+        <p:txBody>
+          <a:bodyPr/>
+          <a:lstStyle/>
+          <a:p>
+            <a:r>
+              <a:rPr lang="en-US" dirty="0"/>
+              <a:t>               Scope / Features</a:t>
+            </a:r>
+          </a:p>
+        </p:txBody>
+      </p:sp>
+      <p:sp>
+        <p:nvSpPr>
+          <p:cNvPr id="3" name="Content Placeholder 2">
+            <a:extLst>
+              <a:ext uri="{FF2B5EF4-FFF2-40B4-BE49-F238E27FC236}">
+                <a16:creationId xmlns:a16="http://schemas.microsoft.com/office/drawing/2014/main" id="{36AA5F80-2D58-480F-9638-6E5FC3764995}"/>
+              </a:ext>
+            </a:extLst>
+          </p:cNvPr>
+          <p:cNvSpPr>
+            <a:spLocks noGrp="1"/>
+          </p:cNvSpPr>
+          <p:nvPr>
+            <p:ph idx="1"/>
+          </p:nvPr>
+        </p:nvSpPr>
+        <p:spPr>
+          <a:xfrm>
+            <a:off x="2344663" y="1793358"/>
+            <a:ext cx="8915400" cy="3777622"/>
+          </a:xfrm>
+        </p:spPr>
+        <p:txBody>
+          <a:bodyPr>
+            <a:normAutofit/>
+          </a:bodyPr>
+          <a:lstStyle/>
+          <a:p>
+            <a:r>
+              <a:rPr lang="en-US" dirty="0"/>
+              <a:t>Patient registration, make an appointment online </a:t>
+            </a:r>
+          </a:p>
+          <a:p>
+            <a:r>
+              <a:rPr lang="en-US" dirty="0"/>
+              <a:t>Doctor accept / reject an appointment.</a:t>
+            </a:r>
+          </a:p>
+          <a:p>
+            <a:r>
+              <a:rPr lang="en-US" dirty="0"/>
+              <a:t>Admin can delete a doctor and can manage the pharmacy</a:t>
+            </a:r>
+          </a:p>
+          <a:p>
+            <a:r>
+              <a:rPr lang="en-US" dirty="0"/>
+              <a:t>Internationalization: support multiple languages</a:t>
+            </a:r>
+          </a:p>
+          <a:p>
+            <a:r>
+              <a:rPr lang="en-US" dirty="0"/>
+              <a:t>User friendly UI</a:t>
+            </a:r>
+          </a:p>
+          <a:p>
+            <a:r>
+              <a:rPr lang="en-US" dirty="0"/>
+              <a:t>SMS notification on booking.</a:t>
+            </a:r>
+          </a:p>
+          <a:p>
+            <a:r>
+              <a:rPr lang="en-US" dirty="0"/>
+              <a:t>Chat with the doctor.</a:t>
+            </a:r>
+          </a:p>
+        </p:txBody>
+      </p:sp>
+    </p:spTree>
+    <p:extLst>
+      <p:ext uri="{BB962C8B-B14F-4D97-AF65-F5344CB8AC3E}">
+        <p14:creationId xmlns:p14="http://schemas.microsoft.com/office/powerpoint/2010/main" val="3228772611"/>
+      </p:ext>
+    </p:extLst>
+  </p:cSld>
+  <p:clrMapOvr>
+    <a:masterClrMapping/>
+  </p:clrMapOvr>
+</p:sld>
+</file>
+
 <file path=ppt/slides/slide6.xml><?xml version="1.0" encoding="utf-8"?>
 <p:sld xmlns:a="http://schemas.openxmlformats.org/drawingml/2006/main" xmlns:r="http://schemas.openxmlformats.org/officeDocument/2006/relationships" xmlns:p="http://schemas.openxmlformats.org/presentationml/2006/main">
   <p:cSld>
@@ -8333,7 +9313,7 @@
           <p:cNvPr id="2" name="Title 1">
             <a:extLst>
               <a:ext uri="{FF2B5EF4-FFF2-40B4-BE49-F238E27FC236}">
-                <a16:creationId xmlns:a16="http://schemas.microsoft.com/office/drawing/2014/main" id="{E75EB43C-0FD2-47F0-B6F3-8BA1A129034B}"/>
+                <a16:creationId xmlns:a16="http://schemas.microsoft.com/office/drawing/2014/main" id="{AB6E00EB-D304-4777-A801-9A2E1BB8AE65}"/>
               </a:ext>
             </a:extLst>
           </p:cNvPr>
@@ -8351,50 +9331,1105 @@
           <a:p>
             <a:r>
               <a:rPr lang="en-US" dirty="0"/>
-              <a:t>Class Diagram</a:t>
-            </a:r>
-          </a:p>
-        </p:txBody>
-      </p:sp>
-      <p:pic>
-        <p:nvPicPr>
-          <p:cNvPr id="5" name="Content Placeholder 4" descr="A close up of a map&#10;&#10;Description automatically generated">
+              <a:t>           Technology Architecture</a:t>
+            </a:r>
+          </a:p>
+        </p:txBody>
+      </p:sp>
+      <p:sp>
+        <p:nvSpPr>
+          <p:cNvPr id="7" name="Rectangle: Rounded Corners 6">
             <a:extLst>
               <a:ext uri="{FF2B5EF4-FFF2-40B4-BE49-F238E27FC236}">
-                <a16:creationId xmlns:a16="http://schemas.microsoft.com/office/drawing/2014/main" id="{AD98660A-40BF-47E9-9517-A0F2BFC2D155}"/>
+                <a16:creationId xmlns:a16="http://schemas.microsoft.com/office/drawing/2014/main" id="{4C924FB8-179F-496C-8C7E-47CEE21D67A7}"/>
               </a:ext>
             </a:extLst>
           </p:cNvPr>
-          <p:cNvPicPr>
-            <a:picLocks noGrp="1" noChangeAspect="1"/>
-          </p:cNvPicPr>
-          <p:nvPr>
-            <p:ph idx="1"/>
-          </p:nvPr>
-        </p:nvPicPr>
-        <p:blipFill>
-          <a:blip r:embed="rId2">
+          <p:cNvSpPr/>
+          <p:nvPr/>
+        </p:nvSpPr>
+        <p:spPr>
+          <a:xfrm>
+            <a:off x="2316142" y="2571754"/>
+            <a:ext cx="1849976" cy="2544062"/>
+          </a:xfrm>
+          <a:prstGeom prst="roundRect">
+            <a:avLst/>
+          </a:prstGeom>
+        </p:spPr>
+        <p:style>
+          <a:lnRef idx="1">
+            <a:schemeClr val="accent2"/>
+          </a:lnRef>
+          <a:fillRef idx="2">
+            <a:schemeClr val="accent2"/>
+          </a:fillRef>
+          <a:effectRef idx="1">
+            <a:schemeClr val="accent2"/>
+          </a:effectRef>
+          <a:fontRef idx="minor">
+            <a:schemeClr val="dk1"/>
+          </a:fontRef>
+        </p:style>
+        <p:txBody>
+          <a:bodyPr rtlCol="0" anchor="ctr"/>
+          <a:lstStyle/>
+          <a:p>
+            <a:pPr algn="ctr"/>
+            <a:endParaRPr lang="en-US" dirty="0"/>
+          </a:p>
+        </p:txBody>
+      </p:sp>
+      <p:sp>
+        <p:nvSpPr>
+          <p:cNvPr id="8" name="Rectangle: Rounded Corners 7">
             <a:extLst>
-              <a:ext uri="{28A0092B-C50C-407E-A947-70E740481C1C}">
-                <a14:useLocalDpi xmlns:a14="http://schemas.microsoft.com/office/drawing/2010/main" val="0"/>
+              <a:ext uri="{FF2B5EF4-FFF2-40B4-BE49-F238E27FC236}">
+                <a16:creationId xmlns:a16="http://schemas.microsoft.com/office/drawing/2014/main" id="{07B9E7E1-E5EB-4158-954C-46563B8BD8BB}"/>
               </a:ext>
             </a:extLst>
-          </a:blip>
-          <a:stretch>
-            <a:fillRect/>
-          </a:stretch>
-        </p:blipFill>
+          </p:cNvPr>
+          <p:cNvSpPr/>
+          <p:nvPr/>
+        </p:nvSpPr>
         <p:spPr>
           <a:xfrm>
-            <a:off x="1898248" y="2133599"/>
-            <a:ext cx="8217294" cy="4290349"/>
-          </a:xfrm>
+            <a:off x="5057982" y="2645807"/>
+            <a:ext cx="3905249" cy="2409825"/>
+          </a:xfrm>
+          <a:prstGeom prst="roundRect">
+            <a:avLst/>
+          </a:prstGeom>
         </p:spPr>
-      </p:pic>
+        <p:style>
+          <a:lnRef idx="1">
+            <a:schemeClr val="accent4"/>
+          </a:lnRef>
+          <a:fillRef idx="2">
+            <a:schemeClr val="accent4"/>
+          </a:fillRef>
+          <a:effectRef idx="1">
+            <a:schemeClr val="accent4"/>
+          </a:effectRef>
+          <a:fontRef idx="minor">
+            <a:schemeClr val="dk1"/>
+          </a:fontRef>
+        </p:style>
+        <p:txBody>
+          <a:bodyPr rtlCol="0" anchor="ctr"/>
+          <a:lstStyle/>
+          <a:p>
+            <a:pPr algn="ctr"/>
+            <a:r>
+              <a:rPr lang="en-US" dirty="0"/>
+              <a:t>RE</a:t>
+            </a:r>
+          </a:p>
+        </p:txBody>
+      </p:sp>
+      <p:sp>
+        <p:nvSpPr>
+          <p:cNvPr id="10" name="Rectangle 9">
+            <a:extLst>
+              <a:ext uri="{FF2B5EF4-FFF2-40B4-BE49-F238E27FC236}">
+                <a16:creationId xmlns:a16="http://schemas.microsoft.com/office/drawing/2014/main" id="{AC131442-B91A-45A9-B788-10CE3B2FFC20}"/>
+              </a:ext>
+            </a:extLst>
+          </p:cNvPr>
+          <p:cNvSpPr/>
+          <p:nvPr/>
+        </p:nvSpPr>
+        <p:spPr>
+          <a:xfrm>
+            <a:off x="10306049" y="3006508"/>
+            <a:ext cx="1171575" cy="1181100"/>
+          </a:xfrm>
+          <a:prstGeom prst="rect">
+            <a:avLst/>
+          </a:prstGeom>
+        </p:spPr>
+        <p:style>
+          <a:lnRef idx="2">
+            <a:schemeClr val="accent1">
+              <a:shade val="50000"/>
+            </a:schemeClr>
+          </a:lnRef>
+          <a:fillRef idx="1">
+            <a:schemeClr val="accent1"/>
+          </a:fillRef>
+          <a:effectRef idx="0">
+            <a:schemeClr val="accent1"/>
+          </a:effectRef>
+          <a:fontRef idx="minor">
+            <a:schemeClr val="lt1"/>
+          </a:fontRef>
+        </p:style>
+        <p:txBody>
+          <a:bodyPr rtlCol="0" anchor="ctr"/>
+          <a:lstStyle/>
+          <a:p>
+            <a:pPr algn="ctr"/>
+            <a:r>
+              <a:rPr lang="en-US" dirty="0"/>
+              <a:t>MONGODB</a:t>
+            </a:r>
+          </a:p>
+        </p:txBody>
+      </p:sp>
+      <p:sp>
+        <p:nvSpPr>
+          <p:cNvPr id="12" name="Oval 11">
+            <a:extLst>
+              <a:ext uri="{FF2B5EF4-FFF2-40B4-BE49-F238E27FC236}">
+                <a16:creationId xmlns:a16="http://schemas.microsoft.com/office/drawing/2014/main" id="{1DBBFFE4-7C1C-49D6-987E-7810CFE07DA4}"/>
+              </a:ext>
+            </a:extLst>
+          </p:cNvPr>
+          <p:cNvSpPr/>
+          <p:nvPr/>
+        </p:nvSpPr>
+        <p:spPr>
+          <a:xfrm>
+            <a:off x="10310603" y="2804994"/>
+            <a:ext cx="1171575" cy="428625"/>
+          </a:xfrm>
+          <a:prstGeom prst="ellipse">
+            <a:avLst/>
+          </a:prstGeom>
+        </p:spPr>
+        <p:style>
+          <a:lnRef idx="2">
+            <a:schemeClr val="accent1">
+              <a:shade val="50000"/>
+            </a:schemeClr>
+          </a:lnRef>
+          <a:fillRef idx="1">
+            <a:schemeClr val="accent1"/>
+          </a:fillRef>
+          <a:effectRef idx="0">
+            <a:schemeClr val="accent1"/>
+          </a:effectRef>
+          <a:fontRef idx="minor">
+            <a:schemeClr val="lt1"/>
+          </a:fontRef>
+        </p:style>
+        <p:txBody>
+          <a:bodyPr rtlCol="0" anchor="ctr"/>
+          <a:lstStyle/>
+          <a:p>
+            <a:pPr algn="ctr"/>
+            <a:endParaRPr lang="en-US"/>
+          </a:p>
+        </p:txBody>
+      </p:sp>
+      <p:sp>
+        <p:nvSpPr>
+          <p:cNvPr id="13" name="Oval 12">
+            <a:extLst>
+              <a:ext uri="{FF2B5EF4-FFF2-40B4-BE49-F238E27FC236}">
+                <a16:creationId xmlns:a16="http://schemas.microsoft.com/office/drawing/2014/main" id="{0487B541-03DD-4141-833B-CEE78529C86A}"/>
+              </a:ext>
+            </a:extLst>
+          </p:cNvPr>
+          <p:cNvSpPr/>
+          <p:nvPr/>
+        </p:nvSpPr>
+        <p:spPr>
+          <a:xfrm>
+            <a:off x="10306049" y="4000734"/>
+            <a:ext cx="1171575" cy="428625"/>
+          </a:xfrm>
+          <a:prstGeom prst="ellipse">
+            <a:avLst/>
+          </a:prstGeom>
+        </p:spPr>
+        <p:style>
+          <a:lnRef idx="2">
+            <a:schemeClr val="accent1">
+              <a:shade val="50000"/>
+            </a:schemeClr>
+          </a:lnRef>
+          <a:fillRef idx="1">
+            <a:schemeClr val="accent1"/>
+          </a:fillRef>
+          <a:effectRef idx="0">
+            <a:schemeClr val="accent1"/>
+          </a:effectRef>
+          <a:fontRef idx="minor">
+            <a:schemeClr val="lt1"/>
+          </a:fontRef>
+        </p:style>
+        <p:txBody>
+          <a:bodyPr rtlCol="0" anchor="ctr"/>
+          <a:lstStyle/>
+          <a:p>
+            <a:pPr algn="ctr"/>
+            <a:endParaRPr lang="en-US"/>
+          </a:p>
+        </p:txBody>
+      </p:sp>
+      <p:sp>
+        <p:nvSpPr>
+          <p:cNvPr id="15" name="Rectangle 14">
+            <a:extLst>
+              <a:ext uri="{FF2B5EF4-FFF2-40B4-BE49-F238E27FC236}">
+                <a16:creationId xmlns:a16="http://schemas.microsoft.com/office/drawing/2014/main" id="{BDB5B78A-C51F-4EE5-B3D7-FBB6F80DFA1C}"/>
+              </a:ext>
+            </a:extLst>
+          </p:cNvPr>
+          <p:cNvSpPr/>
+          <p:nvPr/>
+        </p:nvSpPr>
+        <p:spPr>
+          <a:xfrm>
+            <a:off x="5223167" y="3217307"/>
+            <a:ext cx="996453" cy="1266824"/>
+          </a:xfrm>
+          <a:prstGeom prst="rect">
+            <a:avLst/>
+          </a:prstGeom>
+          <a:solidFill>
+            <a:schemeClr val="bg1">
+              <a:lumMod val="85000"/>
+            </a:schemeClr>
+          </a:solidFill>
+        </p:spPr>
+        <p:style>
+          <a:lnRef idx="2">
+            <a:schemeClr val="accent1">
+              <a:shade val="50000"/>
+            </a:schemeClr>
+          </a:lnRef>
+          <a:fillRef idx="1">
+            <a:schemeClr val="accent1"/>
+          </a:fillRef>
+          <a:effectRef idx="0">
+            <a:schemeClr val="accent1"/>
+          </a:effectRef>
+          <a:fontRef idx="minor">
+            <a:schemeClr val="lt1"/>
+          </a:fontRef>
+        </p:style>
+        <p:txBody>
+          <a:bodyPr rtlCol="0" anchor="ctr"/>
+          <a:lstStyle/>
+          <a:p>
+            <a:pPr algn="ctr"/>
+            <a:r>
+              <a:rPr lang="en-US" sz="900" dirty="0">
+                <a:solidFill>
+                  <a:schemeClr val="tx1"/>
+                </a:solidFill>
+              </a:rPr>
+              <a:t>CONTROLLER</a:t>
+            </a:r>
+          </a:p>
+        </p:txBody>
+      </p:sp>
+      <p:sp>
+        <p:nvSpPr>
+          <p:cNvPr id="16" name="Rectangle 15">
+            <a:extLst>
+              <a:ext uri="{FF2B5EF4-FFF2-40B4-BE49-F238E27FC236}">
+                <a16:creationId xmlns:a16="http://schemas.microsoft.com/office/drawing/2014/main" id="{BF70F9EA-1495-49CB-B151-C9A9119E0A7D}"/>
+              </a:ext>
+            </a:extLst>
+          </p:cNvPr>
+          <p:cNvSpPr/>
+          <p:nvPr/>
+        </p:nvSpPr>
+        <p:spPr>
+          <a:xfrm>
+            <a:off x="6504833" y="3183732"/>
+            <a:ext cx="996452" cy="1266824"/>
+          </a:xfrm>
+          <a:prstGeom prst="rect">
+            <a:avLst/>
+          </a:prstGeom>
+          <a:solidFill>
+            <a:schemeClr val="bg1">
+              <a:lumMod val="85000"/>
+            </a:schemeClr>
+          </a:solidFill>
+        </p:spPr>
+        <p:style>
+          <a:lnRef idx="2">
+            <a:schemeClr val="accent1">
+              <a:shade val="50000"/>
+            </a:schemeClr>
+          </a:lnRef>
+          <a:fillRef idx="1">
+            <a:schemeClr val="accent1"/>
+          </a:fillRef>
+          <a:effectRef idx="0">
+            <a:schemeClr val="accent1"/>
+          </a:effectRef>
+          <a:fontRef idx="minor">
+            <a:schemeClr val="lt1"/>
+          </a:fontRef>
+        </p:style>
+        <p:txBody>
+          <a:bodyPr rtlCol="0" anchor="ctr"/>
+          <a:lstStyle/>
+          <a:p>
+            <a:pPr algn="ctr"/>
+            <a:r>
+              <a:rPr lang="en-US" sz="900" dirty="0">
+                <a:solidFill>
+                  <a:schemeClr val="tx1"/>
+                </a:solidFill>
+              </a:rPr>
+              <a:t>SERVICE</a:t>
+            </a:r>
+          </a:p>
+        </p:txBody>
+      </p:sp>
+      <p:sp>
+        <p:nvSpPr>
+          <p:cNvPr id="17" name="TextBox 16">
+            <a:extLst>
+              <a:ext uri="{FF2B5EF4-FFF2-40B4-BE49-F238E27FC236}">
+                <a16:creationId xmlns:a16="http://schemas.microsoft.com/office/drawing/2014/main" id="{21406650-4B44-4C4B-8F51-A5F8C9B38C3D}"/>
+              </a:ext>
+            </a:extLst>
+          </p:cNvPr>
+          <p:cNvSpPr txBox="1"/>
+          <p:nvPr/>
+        </p:nvSpPr>
+        <p:spPr>
+          <a:xfrm>
+            <a:off x="10106025" y="4162425"/>
+            <a:ext cx="666750" cy="369332"/>
+          </a:xfrm>
+          <a:prstGeom prst="rect">
+            <a:avLst/>
+          </a:prstGeom>
+          <a:noFill/>
+        </p:spPr>
+        <p:txBody>
+          <a:bodyPr wrap="square" rtlCol="0">
+            <a:spAutoFit/>
+          </a:bodyPr>
+          <a:lstStyle/>
+          <a:p>
+            <a:endParaRPr lang="en-US" dirty="0"/>
+          </a:p>
+        </p:txBody>
+      </p:sp>
+      <p:cxnSp>
+        <p:nvCxnSpPr>
+          <p:cNvPr id="19" name="Straight Arrow Connector 18">
+            <a:extLst>
+              <a:ext uri="{FF2B5EF4-FFF2-40B4-BE49-F238E27FC236}">
+                <a16:creationId xmlns:a16="http://schemas.microsoft.com/office/drawing/2014/main" id="{34B4C10B-DDC6-4A5D-A22C-4EE747E7DE9A}"/>
+              </a:ext>
+            </a:extLst>
+          </p:cNvPr>
+          <p:cNvCxnSpPr>
+            <a:cxnSpLocks/>
+          </p:cNvCxnSpPr>
+          <p:nvPr/>
+        </p:nvCxnSpPr>
+        <p:spPr>
+          <a:xfrm>
+            <a:off x="4140549" y="3752257"/>
+            <a:ext cx="903098" cy="0"/>
+          </a:xfrm>
+          <a:prstGeom prst="straightConnector1">
+            <a:avLst/>
+          </a:prstGeom>
+          <a:ln>
+            <a:headEnd type="triangle"/>
+            <a:tailEnd type="triangle"/>
+          </a:ln>
+        </p:spPr>
+        <p:style>
+          <a:lnRef idx="1">
+            <a:schemeClr val="accent1"/>
+          </a:lnRef>
+          <a:fillRef idx="0">
+            <a:schemeClr val="accent1"/>
+          </a:fillRef>
+          <a:effectRef idx="0">
+            <a:schemeClr val="accent1"/>
+          </a:effectRef>
+          <a:fontRef idx="minor">
+            <a:schemeClr val="tx1"/>
+          </a:fontRef>
+        </p:style>
+      </p:cxnSp>
+      <p:cxnSp>
+        <p:nvCxnSpPr>
+          <p:cNvPr id="21" name="Straight Arrow Connector 20">
+            <a:extLst>
+              <a:ext uri="{FF2B5EF4-FFF2-40B4-BE49-F238E27FC236}">
+                <a16:creationId xmlns:a16="http://schemas.microsoft.com/office/drawing/2014/main" id="{E01F21E8-E493-497D-B69C-C195C55060DD}"/>
+              </a:ext>
+            </a:extLst>
+          </p:cNvPr>
+          <p:cNvCxnSpPr>
+            <a:cxnSpLocks/>
+          </p:cNvCxnSpPr>
+          <p:nvPr/>
+        </p:nvCxnSpPr>
+        <p:spPr>
+          <a:xfrm>
+            <a:off x="8934450" y="3746302"/>
+            <a:ext cx="1371599" cy="0"/>
+          </a:xfrm>
+          <a:prstGeom prst="straightConnector1">
+            <a:avLst/>
+          </a:prstGeom>
+          <a:ln>
+            <a:headEnd type="triangle"/>
+            <a:tailEnd type="triangle"/>
+          </a:ln>
+        </p:spPr>
+        <p:style>
+          <a:lnRef idx="1">
+            <a:schemeClr val="accent1"/>
+          </a:lnRef>
+          <a:fillRef idx="0">
+            <a:schemeClr val="accent1"/>
+          </a:fillRef>
+          <a:effectRef idx="0">
+            <a:schemeClr val="accent1"/>
+          </a:effectRef>
+          <a:fontRef idx="minor">
+            <a:schemeClr val="tx1"/>
+          </a:fontRef>
+        </p:style>
+      </p:cxnSp>
+      <p:sp>
+        <p:nvSpPr>
+          <p:cNvPr id="26" name="TextBox 25">
+            <a:extLst>
+              <a:ext uri="{FF2B5EF4-FFF2-40B4-BE49-F238E27FC236}">
+                <a16:creationId xmlns:a16="http://schemas.microsoft.com/office/drawing/2014/main" id="{53DCD54D-956E-4C8A-8E01-380AD0252C39}"/>
+              </a:ext>
+            </a:extLst>
+          </p:cNvPr>
+          <p:cNvSpPr txBox="1"/>
+          <p:nvPr/>
+        </p:nvSpPr>
+        <p:spPr>
+          <a:xfrm>
+            <a:off x="5834062" y="2718079"/>
+            <a:ext cx="1724025" cy="369332"/>
+          </a:xfrm>
+          <a:prstGeom prst="rect">
+            <a:avLst/>
+          </a:prstGeom>
+          <a:noFill/>
+        </p:spPr>
+        <p:txBody>
+          <a:bodyPr wrap="square" rtlCol="0">
+            <a:spAutoFit/>
+          </a:bodyPr>
+          <a:lstStyle/>
+          <a:p>
+            <a:r>
+              <a:rPr lang="en-US" dirty="0"/>
+              <a:t>SPRING BOOT</a:t>
+            </a:r>
+          </a:p>
+        </p:txBody>
+      </p:sp>
+      <p:cxnSp>
+        <p:nvCxnSpPr>
+          <p:cNvPr id="31" name="Straight Arrow Connector 30">
+            <a:extLst>
+              <a:ext uri="{FF2B5EF4-FFF2-40B4-BE49-F238E27FC236}">
+                <a16:creationId xmlns:a16="http://schemas.microsoft.com/office/drawing/2014/main" id="{2FFE6A0A-05BE-478C-8B11-1D7F4F06689C}"/>
+              </a:ext>
+            </a:extLst>
+          </p:cNvPr>
+          <p:cNvCxnSpPr>
+            <a:cxnSpLocks/>
+          </p:cNvCxnSpPr>
+          <p:nvPr/>
+        </p:nvCxnSpPr>
+        <p:spPr>
+          <a:xfrm>
+            <a:off x="6219620" y="3817144"/>
+            <a:ext cx="248643" cy="0"/>
+          </a:xfrm>
+          <a:prstGeom prst="straightConnector1">
+            <a:avLst/>
+          </a:prstGeom>
+          <a:ln>
+            <a:tailEnd type="triangle"/>
+          </a:ln>
+        </p:spPr>
+        <p:style>
+          <a:lnRef idx="1">
+            <a:schemeClr val="accent1"/>
+          </a:lnRef>
+          <a:fillRef idx="0">
+            <a:schemeClr val="accent1"/>
+          </a:fillRef>
+          <a:effectRef idx="0">
+            <a:schemeClr val="accent1"/>
+          </a:effectRef>
+          <a:fontRef idx="minor">
+            <a:schemeClr val="tx1"/>
+          </a:fontRef>
+        </p:style>
+      </p:cxnSp>
+      <p:sp>
+        <p:nvSpPr>
+          <p:cNvPr id="33" name="TextBox 32">
+            <a:extLst>
+              <a:ext uri="{FF2B5EF4-FFF2-40B4-BE49-F238E27FC236}">
+                <a16:creationId xmlns:a16="http://schemas.microsoft.com/office/drawing/2014/main" id="{90202B3A-7EB6-4618-97DD-444A32D571B1}"/>
+              </a:ext>
+            </a:extLst>
+          </p:cNvPr>
+          <p:cNvSpPr txBox="1"/>
+          <p:nvPr/>
+        </p:nvSpPr>
+        <p:spPr>
+          <a:xfrm>
+            <a:off x="2437865" y="5284765"/>
+            <a:ext cx="1606530" cy="646331"/>
+          </a:xfrm>
+          <a:prstGeom prst="rect">
+            <a:avLst/>
+          </a:prstGeom>
+          <a:noFill/>
+        </p:spPr>
+        <p:txBody>
+          <a:bodyPr wrap="none" rtlCol="0">
+            <a:spAutoFit/>
+          </a:bodyPr>
+          <a:lstStyle/>
+          <a:p>
+            <a:r>
+              <a:rPr lang="en-US" dirty="0"/>
+              <a:t>    QURE UI</a:t>
+            </a:r>
+          </a:p>
+          <a:p>
+            <a:r>
+              <a:rPr lang="en-US" dirty="0"/>
+              <a:t>(FRONT END)</a:t>
+            </a:r>
+          </a:p>
+        </p:txBody>
+      </p:sp>
+      <p:sp>
+        <p:nvSpPr>
+          <p:cNvPr id="34" name="TextBox 33">
+            <a:extLst>
+              <a:ext uri="{FF2B5EF4-FFF2-40B4-BE49-F238E27FC236}">
+                <a16:creationId xmlns:a16="http://schemas.microsoft.com/office/drawing/2014/main" id="{C012DF2E-8FC6-44F4-865B-EB8528529519}"/>
+              </a:ext>
+            </a:extLst>
+          </p:cNvPr>
+          <p:cNvSpPr txBox="1"/>
+          <p:nvPr/>
+        </p:nvSpPr>
+        <p:spPr>
+          <a:xfrm>
+            <a:off x="6219620" y="5151953"/>
+            <a:ext cx="1766830" cy="646331"/>
+          </a:xfrm>
+          <a:prstGeom prst="rect">
+            <a:avLst/>
+          </a:prstGeom>
+          <a:noFill/>
+        </p:spPr>
+        <p:txBody>
+          <a:bodyPr wrap="none" rtlCol="0">
+            <a:spAutoFit/>
+          </a:bodyPr>
+          <a:lstStyle/>
+          <a:p>
+            <a:r>
+              <a:rPr lang="en-US" dirty="0"/>
+              <a:t>QURE SERVICE</a:t>
+            </a:r>
+          </a:p>
+          <a:p>
+            <a:r>
+              <a:rPr lang="en-US" dirty="0"/>
+              <a:t>  (BACK END)</a:t>
+            </a:r>
+          </a:p>
+        </p:txBody>
+      </p:sp>
+      <p:sp>
+        <p:nvSpPr>
+          <p:cNvPr id="35" name="TextBox 34">
+            <a:extLst>
+              <a:ext uri="{FF2B5EF4-FFF2-40B4-BE49-F238E27FC236}">
+                <a16:creationId xmlns:a16="http://schemas.microsoft.com/office/drawing/2014/main" id="{AF1FC973-060C-4542-94ED-A9DE8AE54E13}"/>
+              </a:ext>
+            </a:extLst>
+          </p:cNvPr>
+          <p:cNvSpPr txBox="1"/>
+          <p:nvPr/>
+        </p:nvSpPr>
+        <p:spPr>
+          <a:xfrm>
+            <a:off x="9996885" y="4572953"/>
+            <a:ext cx="2018501" cy="369332"/>
+          </a:xfrm>
+          <a:prstGeom prst="rect">
+            <a:avLst/>
+          </a:prstGeom>
+          <a:noFill/>
+        </p:spPr>
+        <p:txBody>
+          <a:bodyPr wrap="none" rtlCol="0">
+            <a:spAutoFit/>
+          </a:bodyPr>
+          <a:lstStyle/>
+          <a:p>
+            <a:r>
+              <a:rPr lang="en-US" dirty="0"/>
+              <a:t>QURE DATABASE</a:t>
+            </a:r>
+          </a:p>
+        </p:txBody>
+      </p:sp>
+      <p:sp>
+        <p:nvSpPr>
+          <p:cNvPr id="36" name="TextBox 35">
+            <a:extLst>
+              <a:ext uri="{FF2B5EF4-FFF2-40B4-BE49-F238E27FC236}">
+                <a16:creationId xmlns:a16="http://schemas.microsoft.com/office/drawing/2014/main" id="{6EDCEE97-BCD3-406A-A85B-B0F99A38395C}"/>
+              </a:ext>
+            </a:extLst>
+          </p:cNvPr>
+          <p:cNvSpPr txBox="1"/>
+          <p:nvPr/>
+        </p:nvSpPr>
+        <p:spPr>
+          <a:xfrm>
+            <a:off x="4174356" y="3448050"/>
+            <a:ext cx="835485" cy="307777"/>
+          </a:xfrm>
+          <a:prstGeom prst="rect">
+            <a:avLst/>
+          </a:prstGeom>
+          <a:noFill/>
+        </p:spPr>
+        <p:txBody>
+          <a:bodyPr wrap="none" rtlCol="0">
+            <a:spAutoFit/>
+          </a:bodyPr>
+          <a:lstStyle/>
+          <a:p>
+            <a:r>
+              <a:rPr lang="en-US" sz="1400" dirty="0"/>
+              <a:t>RESTAPI</a:t>
+            </a:r>
+          </a:p>
+        </p:txBody>
+      </p:sp>
+      <p:sp>
+        <p:nvSpPr>
+          <p:cNvPr id="37" name="TextBox 36">
+            <a:extLst>
+              <a:ext uri="{FF2B5EF4-FFF2-40B4-BE49-F238E27FC236}">
+                <a16:creationId xmlns:a16="http://schemas.microsoft.com/office/drawing/2014/main" id="{AD308556-9C8D-4EF7-BB90-912F37517C7F}"/>
+              </a:ext>
+            </a:extLst>
+          </p:cNvPr>
+          <p:cNvSpPr txBox="1"/>
+          <p:nvPr/>
+        </p:nvSpPr>
+        <p:spPr>
+          <a:xfrm>
+            <a:off x="8982993" y="3429000"/>
+            <a:ext cx="1345240" cy="307777"/>
+          </a:xfrm>
+          <a:prstGeom prst="rect">
+            <a:avLst/>
+          </a:prstGeom>
+          <a:noFill/>
+        </p:spPr>
+        <p:txBody>
+          <a:bodyPr wrap="none" rtlCol="0">
+            <a:spAutoFit/>
+          </a:bodyPr>
+          <a:lstStyle/>
+          <a:p>
+            <a:r>
+              <a:rPr lang="en-US" sz="1400" dirty="0"/>
+              <a:t>SPRING DATA</a:t>
+            </a:r>
+          </a:p>
+        </p:txBody>
+      </p:sp>
+      <p:sp>
+        <p:nvSpPr>
+          <p:cNvPr id="38" name="Rectangle 37">
+            <a:extLst>
+              <a:ext uri="{FF2B5EF4-FFF2-40B4-BE49-F238E27FC236}">
+                <a16:creationId xmlns:a16="http://schemas.microsoft.com/office/drawing/2014/main" id="{1A6FD6C7-3D23-4378-BDF9-6BAF94E885A7}"/>
+              </a:ext>
+            </a:extLst>
+          </p:cNvPr>
+          <p:cNvSpPr/>
+          <p:nvPr/>
+        </p:nvSpPr>
+        <p:spPr>
+          <a:xfrm>
+            <a:off x="7811081" y="3195638"/>
+            <a:ext cx="996452" cy="1266824"/>
+          </a:xfrm>
+          <a:prstGeom prst="rect">
+            <a:avLst/>
+          </a:prstGeom>
+          <a:solidFill>
+            <a:schemeClr val="bg1">
+              <a:lumMod val="85000"/>
+            </a:schemeClr>
+          </a:solidFill>
+        </p:spPr>
+        <p:style>
+          <a:lnRef idx="2">
+            <a:schemeClr val="accent1">
+              <a:shade val="50000"/>
+            </a:schemeClr>
+          </a:lnRef>
+          <a:fillRef idx="1">
+            <a:schemeClr val="accent1"/>
+          </a:fillRef>
+          <a:effectRef idx="0">
+            <a:schemeClr val="accent1"/>
+          </a:effectRef>
+          <a:fontRef idx="minor">
+            <a:schemeClr val="lt1"/>
+          </a:fontRef>
+        </p:style>
+        <p:txBody>
+          <a:bodyPr rtlCol="0" anchor="ctr"/>
+          <a:lstStyle/>
+          <a:p>
+            <a:pPr algn="ctr"/>
+            <a:r>
+              <a:rPr lang="en-US" sz="900" dirty="0">
+                <a:solidFill>
+                  <a:schemeClr val="tx1"/>
+                </a:solidFill>
+              </a:rPr>
+              <a:t>REPOSITORY</a:t>
+            </a:r>
+          </a:p>
+        </p:txBody>
+      </p:sp>
+      <p:cxnSp>
+        <p:nvCxnSpPr>
+          <p:cNvPr id="40" name="Straight Arrow Connector 39">
+            <a:extLst>
+              <a:ext uri="{FF2B5EF4-FFF2-40B4-BE49-F238E27FC236}">
+                <a16:creationId xmlns:a16="http://schemas.microsoft.com/office/drawing/2014/main" id="{A4FB69EB-9DE0-4763-A2D7-D16BF8F3711E}"/>
+              </a:ext>
+            </a:extLst>
+          </p:cNvPr>
+          <p:cNvCxnSpPr>
+            <a:cxnSpLocks/>
+            <a:endCxn id="38" idx="1"/>
+          </p:cNvCxnSpPr>
+          <p:nvPr/>
+        </p:nvCxnSpPr>
+        <p:spPr>
+          <a:xfrm>
+            <a:off x="7492714" y="3829050"/>
+            <a:ext cx="318367" cy="0"/>
+          </a:xfrm>
+          <a:prstGeom prst="straightConnector1">
+            <a:avLst/>
+          </a:prstGeom>
+          <a:ln>
+            <a:tailEnd type="triangle"/>
+          </a:ln>
+        </p:spPr>
+        <p:style>
+          <a:lnRef idx="1">
+            <a:schemeClr val="accent1"/>
+          </a:lnRef>
+          <a:fillRef idx="0">
+            <a:schemeClr val="accent1"/>
+          </a:fillRef>
+          <a:effectRef idx="0">
+            <a:schemeClr val="accent1"/>
+          </a:effectRef>
+          <a:fontRef idx="minor">
+            <a:schemeClr val="tx1"/>
+          </a:fontRef>
+        </p:style>
+      </p:cxnSp>
+      <p:sp>
+        <p:nvSpPr>
+          <p:cNvPr id="45" name="Rectangle 44">
+            <a:extLst>
+              <a:ext uri="{FF2B5EF4-FFF2-40B4-BE49-F238E27FC236}">
+                <a16:creationId xmlns:a16="http://schemas.microsoft.com/office/drawing/2014/main" id="{53D69F78-CCFF-4AA4-A12A-E5D5F30FE8B5}"/>
+              </a:ext>
+            </a:extLst>
+          </p:cNvPr>
+          <p:cNvSpPr/>
+          <p:nvPr/>
+        </p:nvSpPr>
+        <p:spPr>
+          <a:xfrm>
+            <a:off x="2764768" y="2804994"/>
+            <a:ext cx="996453" cy="495182"/>
+          </a:xfrm>
+          <a:prstGeom prst="rect">
+            <a:avLst/>
+          </a:prstGeom>
+          <a:solidFill>
+            <a:schemeClr val="bg1">
+              <a:lumMod val="85000"/>
+            </a:schemeClr>
+          </a:solidFill>
+        </p:spPr>
+        <p:style>
+          <a:lnRef idx="2">
+            <a:schemeClr val="accent1">
+              <a:shade val="50000"/>
+            </a:schemeClr>
+          </a:lnRef>
+          <a:fillRef idx="1">
+            <a:schemeClr val="accent1"/>
+          </a:fillRef>
+          <a:effectRef idx="0">
+            <a:schemeClr val="accent1"/>
+          </a:effectRef>
+          <a:fontRef idx="minor">
+            <a:schemeClr val="lt1"/>
+          </a:fontRef>
+        </p:style>
+        <p:txBody>
+          <a:bodyPr rtlCol="0" anchor="ctr"/>
+          <a:lstStyle/>
+          <a:p>
+            <a:pPr algn="ctr"/>
+            <a:r>
+              <a:rPr lang="en-US" sz="900" dirty="0">
+                <a:solidFill>
+                  <a:schemeClr val="tx1"/>
+                </a:solidFill>
+              </a:rPr>
+              <a:t>ANGULAR</a:t>
+            </a:r>
+          </a:p>
+        </p:txBody>
+      </p:sp>
+      <p:sp>
+        <p:nvSpPr>
+          <p:cNvPr id="46" name="Rectangle 45">
+            <a:extLst>
+              <a:ext uri="{FF2B5EF4-FFF2-40B4-BE49-F238E27FC236}">
+                <a16:creationId xmlns:a16="http://schemas.microsoft.com/office/drawing/2014/main" id="{451AD3B2-2F37-4290-AF5D-98316E47C888}"/>
+              </a:ext>
+            </a:extLst>
+          </p:cNvPr>
+          <p:cNvSpPr/>
+          <p:nvPr/>
+        </p:nvSpPr>
+        <p:spPr>
+          <a:xfrm>
+            <a:off x="2750458" y="3479428"/>
+            <a:ext cx="996453" cy="552684"/>
+          </a:xfrm>
+          <a:prstGeom prst="rect">
+            <a:avLst/>
+          </a:prstGeom>
+          <a:solidFill>
+            <a:schemeClr val="bg1">
+              <a:lumMod val="85000"/>
+            </a:schemeClr>
+          </a:solidFill>
+        </p:spPr>
+        <p:style>
+          <a:lnRef idx="2">
+            <a:schemeClr val="accent1">
+              <a:shade val="50000"/>
+            </a:schemeClr>
+          </a:lnRef>
+          <a:fillRef idx="1">
+            <a:schemeClr val="accent1"/>
+          </a:fillRef>
+          <a:effectRef idx="0">
+            <a:schemeClr val="accent1"/>
+          </a:effectRef>
+          <a:fontRef idx="minor">
+            <a:schemeClr val="lt1"/>
+          </a:fontRef>
+        </p:style>
+        <p:txBody>
+          <a:bodyPr rtlCol="0" anchor="ctr"/>
+          <a:lstStyle/>
+          <a:p>
+            <a:pPr algn="ctr"/>
+            <a:r>
+              <a:rPr lang="en-US" sz="900" dirty="0">
+                <a:solidFill>
+                  <a:schemeClr val="tx1"/>
+                </a:solidFill>
+              </a:rPr>
+              <a:t>BOOTSTRAP</a:t>
+            </a:r>
+          </a:p>
+        </p:txBody>
+      </p:sp>
+      <p:sp>
+        <p:nvSpPr>
+          <p:cNvPr id="52" name="Rectangle 51">
+            <a:extLst>
+              <a:ext uri="{FF2B5EF4-FFF2-40B4-BE49-F238E27FC236}">
+                <a16:creationId xmlns:a16="http://schemas.microsoft.com/office/drawing/2014/main" id="{12810BFD-9898-4EB0-8D30-EDADF6561F30}"/>
+              </a:ext>
+            </a:extLst>
+          </p:cNvPr>
+          <p:cNvSpPr/>
+          <p:nvPr/>
+        </p:nvSpPr>
+        <p:spPr>
+          <a:xfrm>
+            <a:off x="2750457" y="4211364"/>
+            <a:ext cx="996453" cy="552684"/>
+          </a:xfrm>
+          <a:prstGeom prst="rect">
+            <a:avLst/>
+          </a:prstGeom>
+          <a:solidFill>
+            <a:schemeClr val="bg1">
+              <a:lumMod val="85000"/>
+            </a:schemeClr>
+          </a:solidFill>
+        </p:spPr>
+        <p:style>
+          <a:lnRef idx="2">
+            <a:schemeClr val="accent1">
+              <a:shade val="50000"/>
+            </a:schemeClr>
+          </a:lnRef>
+          <a:fillRef idx="1">
+            <a:schemeClr val="accent1"/>
+          </a:fillRef>
+          <a:effectRef idx="0">
+            <a:schemeClr val="accent1"/>
+          </a:effectRef>
+          <a:fontRef idx="minor">
+            <a:schemeClr val="lt1"/>
+          </a:fontRef>
+        </p:style>
+        <p:txBody>
+          <a:bodyPr rtlCol="0" anchor="ctr"/>
+          <a:lstStyle/>
+          <a:p>
+            <a:pPr algn="ctr"/>
+            <a:r>
+              <a:rPr lang="en-US" sz="900" dirty="0">
+                <a:solidFill>
+                  <a:schemeClr val="tx1"/>
+                </a:solidFill>
+              </a:rPr>
+              <a:t>HTML CSS</a:t>
+            </a:r>
+          </a:p>
+        </p:txBody>
+      </p:sp>
+      <p:sp>
+        <p:nvSpPr>
+          <p:cNvPr id="56" name="Rectangle: Rounded Corners 55">
+            <a:extLst>
+              <a:ext uri="{FF2B5EF4-FFF2-40B4-BE49-F238E27FC236}">
+                <a16:creationId xmlns:a16="http://schemas.microsoft.com/office/drawing/2014/main" id="{ACEDD1BA-9F83-4DE6-AAC0-08336AB23A3C}"/>
+              </a:ext>
+            </a:extLst>
+          </p:cNvPr>
+          <p:cNvSpPr/>
+          <p:nvPr/>
+        </p:nvSpPr>
+        <p:spPr>
+          <a:xfrm>
+            <a:off x="542925" y="3263503"/>
+            <a:ext cx="1101808" cy="1107281"/>
+          </a:xfrm>
+          <a:prstGeom prst="roundRect">
+            <a:avLst/>
+          </a:prstGeom>
+        </p:spPr>
+        <p:style>
+          <a:lnRef idx="1">
+            <a:schemeClr val="accent5"/>
+          </a:lnRef>
+          <a:fillRef idx="2">
+            <a:schemeClr val="accent5"/>
+          </a:fillRef>
+          <a:effectRef idx="1">
+            <a:schemeClr val="accent5"/>
+          </a:effectRef>
+          <a:fontRef idx="minor">
+            <a:schemeClr val="dk1"/>
+          </a:fontRef>
+        </p:style>
+        <p:txBody>
+          <a:bodyPr rtlCol="0" anchor="ctr"/>
+          <a:lstStyle/>
+          <a:p>
+            <a:pPr algn="ctr"/>
+            <a:r>
+              <a:rPr lang="en-US" sz="1200" b="1" dirty="0"/>
+              <a:t>BROWSER</a:t>
+            </a:r>
+          </a:p>
+        </p:txBody>
+      </p:sp>
+      <p:cxnSp>
+        <p:nvCxnSpPr>
+          <p:cNvPr id="61" name="Straight Arrow Connector 60">
+            <a:extLst>
+              <a:ext uri="{FF2B5EF4-FFF2-40B4-BE49-F238E27FC236}">
+                <a16:creationId xmlns:a16="http://schemas.microsoft.com/office/drawing/2014/main" id="{CA65483C-BF65-4D11-B97D-CBA2152533C7}"/>
+              </a:ext>
+            </a:extLst>
+          </p:cNvPr>
+          <p:cNvCxnSpPr>
+            <a:cxnSpLocks/>
+            <a:stCxn id="56" idx="3"/>
+          </p:cNvCxnSpPr>
+          <p:nvPr/>
+        </p:nvCxnSpPr>
+        <p:spPr>
+          <a:xfrm>
+            <a:off x="1644733" y="3817144"/>
+            <a:ext cx="643393" cy="0"/>
+          </a:xfrm>
+          <a:prstGeom prst="straightConnector1">
+            <a:avLst/>
+          </a:prstGeom>
+          <a:ln>
+            <a:tailEnd type="triangle"/>
+          </a:ln>
+        </p:spPr>
+        <p:style>
+          <a:lnRef idx="1">
+            <a:schemeClr val="accent1"/>
+          </a:lnRef>
+          <a:fillRef idx="0">
+            <a:schemeClr val="accent1"/>
+          </a:fillRef>
+          <a:effectRef idx="0">
+            <a:schemeClr val="accent1"/>
+          </a:effectRef>
+          <a:fontRef idx="minor">
+            <a:schemeClr val="tx1"/>
+          </a:fontRef>
+        </p:style>
+      </p:cxnSp>
     </p:spTree>
     <p:extLst>
       <p:ext uri="{BB962C8B-B14F-4D97-AF65-F5344CB8AC3E}">
-        <p14:creationId xmlns:p14="http://schemas.microsoft.com/office/powerpoint/2010/main" val="988675703"/>
+        <p14:creationId xmlns:p14="http://schemas.microsoft.com/office/powerpoint/2010/main" val="1875357521"/>
       </p:ext>
     </p:extLst>
   </p:cSld>
@@ -8426,7 +10461,7 @@
           <p:cNvPr id="2" name="Title 1">
             <a:extLst>
               <a:ext uri="{FF2B5EF4-FFF2-40B4-BE49-F238E27FC236}">
-                <a16:creationId xmlns:a16="http://schemas.microsoft.com/office/drawing/2014/main" id="{F3C09249-EDDC-4050-B3AD-6611B5BE06C4}"/>
+                <a16:creationId xmlns:a16="http://schemas.microsoft.com/office/drawing/2014/main" id="{6AF8D2AD-420E-4D8A-BAAB-28F243C481BE}"/>
               </a:ext>
             </a:extLst>
           </p:cNvPr>
@@ -8439,8 +10474,8 @@
         </p:nvSpPr>
         <p:spPr>
           <a:xfrm>
-            <a:off x="1851950" y="624110"/>
-            <a:ext cx="9652664" cy="1280890"/>
+            <a:off x="2592925" y="624110"/>
+            <a:ext cx="8911687" cy="1033240"/>
           </a:xfrm>
         </p:spPr>
         <p:txBody>
@@ -8449,47 +10484,116 @@
           <a:p>
             <a:r>
               <a:rPr lang="en-US" dirty="0"/>
-              <a:t>       Appointment Sequence Diagram</a:t>
-            </a:r>
-          </a:p>
-        </p:txBody>
-      </p:sp>
-      <p:pic>
-        <p:nvPicPr>
-          <p:cNvPr id="4" name="Content Placeholder 3">
+              <a:t>Tools &amp; Technologies </a:t>
+            </a:r>
+          </a:p>
+        </p:txBody>
+      </p:sp>
+      <p:sp>
+        <p:nvSpPr>
+          <p:cNvPr id="3" name="Content Placeholder 2">
             <a:extLst>
               <a:ext uri="{FF2B5EF4-FFF2-40B4-BE49-F238E27FC236}">
-                <a16:creationId xmlns:a16="http://schemas.microsoft.com/office/drawing/2014/main" id="{019E57B2-48C7-4151-8C11-082353CF37C8}"/>
+                <a16:creationId xmlns:a16="http://schemas.microsoft.com/office/drawing/2014/main" id="{3AE8933B-8FFB-4571-8587-8914F81D97C4}"/>
               </a:ext>
             </a:extLst>
           </p:cNvPr>
-          <p:cNvPicPr>
-            <a:picLocks noGrp="1" noChangeAspect="1"/>
-          </p:cNvPicPr>
+          <p:cNvSpPr>
+            <a:spLocks noGrp="1"/>
+          </p:cNvSpPr>
           <p:nvPr>
             <p:ph idx="1"/>
           </p:nvPr>
-        </p:nvPicPr>
-        <p:blipFill>
-          <a:blip r:embed="rId2"/>
-          <a:stretch>
-            <a:fillRect/>
-          </a:stretch>
-        </p:blipFill>
+        </p:nvSpPr>
         <p:spPr>
           <a:xfrm>
-            <a:off x="2187615" y="2133600"/>
-            <a:ext cx="8449520" cy="3778250"/>
-          </a:xfrm>
-          <a:prstGeom prst="rect">
-            <a:avLst/>
-          </a:prstGeom>
+            <a:off x="2589212" y="1885950"/>
+            <a:ext cx="8915400" cy="4025272"/>
+          </a:xfrm>
         </p:spPr>
-      </p:pic>
+        <p:txBody>
+          <a:bodyPr>
+            <a:normAutofit fontScale="92500" lnSpcReduction="10000"/>
+          </a:bodyPr>
+          <a:lstStyle/>
+          <a:p>
+            <a:r>
+              <a:rPr lang="en-US" dirty="0"/>
+              <a:t>BACKEND:</a:t>
+            </a:r>
+          </a:p>
+          <a:p>
+            <a:pPr lvl="1"/>
+            <a:r>
+              <a:rPr lang="en-US" dirty="0"/>
+              <a:t>SPRING BOOT</a:t>
+            </a:r>
+          </a:p>
+          <a:p>
+            <a:pPr lvl="1"/>
+            <a:r>
+              <a:rPr lang="en-US" dirty="0"/>
+              <a:t>JAVA</a:t>
+            </a:r>
+          </a:p>
+          <a:p>
+            <a:r>
+              <a:rPr lang="en-US" dirty="0"/>
+              <a:t>FRONTEND:</a:t>
+            </a:r>
+          </a:p>
+          <a:p>
+            <a:pPr lvl="1"/>
+            <a:r>
+              <a:rPr lang="en-US" dirty="0"/>
+              <a:t>ANGULAR</a:t>
+            </a:r>
+          </a:p>
+          <a:p>
+            <a:pPr lvl="1"/>
+            <a:r>
+              <a:rPr lang="en-US" dirty="0"/>
+              <a:t>BOOTSTRAP</a:t>
+            </a:r>
+          </a:p>
+          <a:p>
+            <a:pPr lvl="1"/>
+            <a:r>
+              <a:rPr lang="en-US" dirty="0"/>
+              <a:t>HTML &amp; CSS</a:t>
+            </a:r>
+          </a:p>
+          <a:p>
+            <a:r>
+              <a:rPr lang="en-US" dirty="0"/>
+              <a:t>DATABASE</a:t>
+            </a:r>
+          </a:p>
+          <a:p>
+            <a:pPr lvl="1"/>
+            <a:r>
+              <a:rPr lang="en-US" dirty="0"/>
+              <a:t>MONGODB</a:t>
+            </a:r>
+          </a:p>
+          <a:p>
+            <a:r>
+              <a:rPr lang="en-US" dirty="0"/>
+              <a:t>Git / GitHub</a:t>
+            </a:r>
+          </a:p>
+          <a:p>
+            <a:r>
+              <a:rPr lang="en-US" dirty="0"/>
+              <a:t>STS</a:t>
+            </a:r>
+          </a:p>
+        </p:txBody>
+      </p:sp>
     </p:spTree>
     <p:extLst>
       <p:ext uri="{BB962C8B-B14F-4D97-AF65-F5344CB8AC3E}">
-        <p14:creationId xmlns:p14="http://schemas.microsoft.com/office/powerpoint/2010/main" val="1564349200"/>
+        <p14:creationId xmlns:p14="http://schemas.microsoft.com/office/powerpoint/2010/main" val="2644624423"/>
       </p:ext>
     </p:extLst>
   </p:cSld>
@@ -8521,7 +10625,7 @@
           <p:cNvPr id="2" name="Title 1">
             <a:extLst>
               <a:ext uri="{FF2B5EF4-FFF2-40B4-BE49-F238E27FC236}">
-                <a16:creationId xmlns:a16="http://schemas.microsoft.com/office/drawing/2014/main" id="{D19CFD38-3A73-44E7-8F3D-4DCF943BDA86}"/>
+                <a16:creationId xmlns:a16="http://schemas.microsoft.com/office/drawing/2014/main" id="{44FBA459-2C1E-47E6-8E51-68BBD22EC7DF}"/>
               </a:ext>
             </a:extLst>
           </p:cNvPr>
@@ -8532,137 +10636,23 @@
             <p:ph type="title"/>
           </p:nvPr>
         </p:nvSpPr>
-        <p:spPr/>
+        <p:spPr>
+          <a:xfrm>
+            <a:off x="1640156" y="2671597"/>
+            <a:ext cx="8911687" cy="1280890"/>
+          </a:xfrm>
+        </p:spPr>
         <p:txBody>
           <a:bodyPr/>
           <a:lstStyle/>
           <a:p>
             <a:r>
               <a:rPr lang="en-US" dirty="0"/>
-              <a:t>Use-Cases</a:t>
-            </a:r>
-            <a:br>
-              <a:rPr lang="en-US" dirty="0"/>
-            </a:br>
-            <a:endParaRPr lang="en-US" dirty="0"/>
-          </a:p>
-        </p:txBody>
-      </p:sp>
-      <p:sp>
-        <p:nvSpPr>
-          <p:cNvPr id="3" name="Content Placeholder 2">
-            <a:extLst>
-              <a:ext uri="{FF2B5EF4-FFF2-40B4-BE49-F238E27FC236}">
-                <a16:creationId xmlns:a16="http://schemas.microsoft.com/office/drawing/2014/main" id="{9E4188A2-21B2-4BCB-AE47-9B7A91DAE45C}"/>
-              </a:ext>
-            </a:extLst>
-          </p:cNvPr>
-          <p:cNvSpPr>
-            <a:spLocks noGrp="1"/>
-          </p:cNvSpPr>
-          <p:nvPr>
-            <p:ph idx="1"/>
-          </p:nvPr>
-        </p:nvSpPr>
-        <p:spPr>
-          <a:xfrm>
-            <a:off x="2589212" y="1818167"/>
-            <a:ext cx="8915400" cy="4093055"/>
-          </a:xfrm>
-        </p:spPr>
-        <p:txBody>
-          <a:bodyPr>
-            <a:normAutofit fontScale="92500" lnSpcReduction="10000"/>
-          </a:bodyPr>
-          <a:lstStyle/>
-          <a:p>
-            <a:r>
-              <a:rPr lang="en-US" dirty="0"/>
-              <a:t> Patient </a:t>
-            </a:r>
-          </a:p>
-          <a:p>
-            <a:pPr marL="0" indent="0">
-              <a:buNone/>
-            </a:pPr>
-            <a:r>
-              <a:rPr lang="en-US" dirty="0"/>
-              <a:t>        ‣ Registration online </a:t>
-            </a:r>
-          </a:p>
-          <a:p>
-            <a:pPr marL="0" indent="0">
-              <a:buNone/>
-            </a:pPr>
-            <a:r>
-              <a:rPr lang="en-US" dirty="0"/>
-              <a:t>        ‣ Book / Cancel an appointment </a:t>
-            </a:r>
-          </a:p>
-          <a:p>
-            <a:pPr marL="0" indent="0">
-              <a:buNone/>
-            </a:pPr>
-            <a:r>
-              <a:rPr lang="en-US" dirty="0"/>
-              <a:t>        ‣ Order medicine</a:t>
-            </a:r>
-          </a:p>
-          <a:p>
-            <a:pPr marL="0" indent="0">
-              <a:buNone/>
-            </a:pPr>
-            <a:r>
-              <a:rPr lang="en-US" dirty="0"/>
-              <a:t>        ‣ Chat with doctor</a:t>
-            </a:r>
-          </a:p>
-          <a:p>
-            <a:r>
-              <a:rPr lang="en-US" dirty="0"/>
-              <a:t>Doctor </a:t>
-            </a:r>
-          </a:p>
-          <a:p>
-            <a:pPr marL="0" indent="0">
-              <a:buNone/>
-            </a:pPr>
-            <a:r>
-              <a:rPr lang="en-US" dirty="0"/>
-              <a:t>        ‣ Doctor can cancel appointment</a:t>
-            </a:r>
-          </a:p>
-          <a:p>
-            <a:pPr marL="0" indent="0">
-              <a:buNone/>
-            </a:pPr>
-            <a:r>
-              <a:rPr lang="en-US" dirty="0"/>
-              <a:t>	 ‣ Chat with patient</a:t>
-            </a:r>
-          </a:p>
-          <a:p>
-            <a:r>
-              <a:rPr lang="en-US" dirty="0"/>
-              <a:t>Admin </a:t>
-            </a:r>
-          </a:p>
-          <a:p>
-            <a:pPr marL="0" indent="0">
-              <a:buNone/>
-            </a:pPr>
-            <a:r>
-              <a:rPr lang="en-US" dirty="0"/>
-              <a:t>        ‣ Delete doctor’s record</a:t>
-            </a:r>
-          </a:p>
-          <a:p>
-            <a:pPr marL="0" indent="0">
-              <a:buNone/>
-            </a:pPr>
-            <a:r>
-              <a:rPr lang="en-US" dirty="0"/>
-              <a:t>        ‣ Manage the pharmacy with medicines and orders</a:t>
+              <a:t>              </a:t>
+            </a:r>
+            <a:r>
+              <a:rPr lang="en-US" sz="7200" dirty="0"/>
+              <a:t>    DEMO</a:t>
             </a:r>
           </a:p>
         </p:txBody>
@@ -8670,7 +10660,7 @@
     </p:spTree>
     <p:extLst>
       <p:ext uri="{BB962C8B-B14F-4D97-AF65-F5344CB8AC3E}">
-        <p14:creationId xmlns:p14="http://schemas.microsoft.com/office/powerpoint/2010/main" val="1032467661"/>
+        <p14:creationId xmlns:p14="http://schemas.microsoft.com/office/powerpoint/2010/main" val="2827295984"/>
       </p:ext>
     </p:extLst>
   </p:cSld>
@@ -8720,7 +10710,7 @@
           <a:p>
             <a:r>
               <a:rPr lang="en-US" dirty="0"/>
-              <a:t>Limitations</a:t>
+              <a:t>               Future RoadMap</a:t>
             </a:r>
           </a:p>
         </p:txBody>
@@ -8748,13 +10738,33 @@
           <a:p>
             <a:r>
               <a:rPr lang="en-US" dirty="0"/>
-              <a:t> Payment function is not supported right now</a:t>
+              <a:t> Payment function for the patients</a:t>
             </a:r>
           </a:p>
           <a:p>
             <a:r>
               <a:rPr lang="en-US" dirty="0"/>
-              <a:t> Tracking of order could be there</a:t>
+              <a:t> Tracking of the medicine orders</a:t>
+            </a:r>
+          </a:p>
+          <a:p>
+            <a:r>
+              <a:rPr lang="en-US" dirty="0"/>
+              <a:t> Rating the doctor </a:t>
+            </a:r>
+          </a:p>
+          <a:p>
+            <a:r>
+              <a:rPr lang="en-US" dirty="0"/>
+              <a:t> </a:t>
+            </a:r>
+            <a:r>
+              <a:rPr lang="en-US" dirty="0" err="1"/>
+              <a:t>FollowUp</a:t>
+            </a:r>
+            <a:r>
+              <a:rPr lang="en-US" dirty="0"/>
+              <a:t> records of patients.</a:t>
             </a:r>
           </a:p>
         </p:txBody>
@@ -8762,7 +10772,7 @@
     </p:spTree>
     <p:extLst>
       <p:ext uri="{BB962C8B-B14F-4D97-AF65-F5344CB8AC3E}">
-        <p14:creationId xmlns:p14="http://schemas.microsoft.com/office/powerpoint/2010/main" val="4081235635"/>
+        <p14:creationId xmlns:p14="http://schemas.microsoft.com/office/powerpoint/2010/main" val="3980595745"/>
       </p:ext>
     </p:extLst>
   </p:cSld>
@@ -9013,4 +11023,299 @@
     </a:ext>
   </a:extLst>
 </a:theme>
+</file>
+
+<file path=ppt/theme/theme2.xml><?xml version="1.0" encoding="utf-8"?>
+<a:theme xmlns:a="http://schemas.openxmlformats.org/drawingml/2006/main" name="Office Theme">
+  <a:themeElements>
+    <a:clrScheme name="Office">
+      <a:dk1>
+        <a:sysClr val="windowText" lastClr="000000"/>
+      </a:dk1>
+      <a:lt1>
+        <a:sysClr val="window" lastClr="FFFFFF"/>
+      </a:lt1>
+      <a:dk2>
+        <a:srgbClr val="44546A"/>
+      </a:dk2>
+      <a:lt2>
+        <a:srgbClr val="E7E6E6"/>
+      </a:lt2>
+      <a:accent1>
+        <a:srgbClr val="4472C4"/>
+      </a:accent1>
+      <a:accent2>
+        <a:srgbClr val="ED7D31"/>
+      </a:accent2>
+      <a:accent3>
+        <a:srgbClr val="A5A5A5"/>
+      </a:accent3>
+      <a:accent4>
+        <a:srgbClr val="FFC000"/>
+      </a:accent4>
+      <a:accent5>
+        <a:srgbClr val="5B9BD5"/>
+      </a:accent5>
+      <a:accent6>
+        <a:srgbClr val="70AD47"/>
+      </a:accent6>
+      <a:hlink>
+        <a:srgbClr val="0563C1"/>
+      </a:hlink>
+      <a:folHlink>
+        <a:srgbClr val="954F72"/>
+      </a:folHlink>
+    </a:clrScheme>
+    <a:fontScheme name="Office">
+      <a:majorFont>
+        <a:latin typeface="Calibri Light" panose="020F0302020204030204"/>
+        <a:ea typeface=""/>
+        <a:cs typeface=""/>
+        <a:font script="Jpan" typeface="游ゴシック Light"/>
+        <a:font script="Hang" typeface="맑은 고딕"/>
+        <a:font script="Hans" typeface="等线 Light"/>
+        <a:font script="Hant" typeface="新細明體"/>
+        <a:font script="Arab" typeface="Times New Roman"/>
+        <a:font script="Hebr" typeface="Times New Roman"/>
+        <a:font script="Thai" typeface="Angsana New"/>
+        <a:font script="Ethi" typeface="Nyala"/>
+        <a:font script="Beng" typeface="Vrinda"/>
+        <a:font script="Gujr" typeface="Shruti"/>
+        <a:font script="Khmr" typeface="MoolBoran"/>
+        <a:font script="Knda" typeface="Tunga"/>
+        <a:font script="Guru" typeface="Raavi"/>
+        <a:font script="Cans" typeface="Euphemia"/>
+        <a:font script="Cher" typeface="Plantagenet Cherokee"/>
+        <a:font script="Yiii" typeface="Microsoft Yi Baiti"/>
+        <a:font script="Tibt" typeface="Microsoft Himalaya"/>
+        <a:font script="Thaa" typeface="MV Boli"/>
+        <a:font script="Deva" typeface="Mangal"/>
+        <a:font script="Telu" typeface="Gautami"/>
+        <a:font script="Taml" typeface="Latha"/>
+        <a:font script="Syrc" typeface="Estrangelo Edessa"/>
+        <a:font script="Orya" typeface="Kalinga"/>
+        <a:font script="Mlym" typeface="Kartika"/>
+        <a:font script="Laoo" typeface="DokChampa"/>
+        <a:font script="Sinh" typeface="Iskoola Pota"/>
+        <a:font script="Mong" typeface="Mongolian Baiti"/>
+        <a:font script="Viet" typeface="Times New Roman"/>
+        <a:font script="Uigh" typeface="Microsoft Uighur"/>
+        <a:font script="Geor" typeface="Sylfaen"/>
+        <a:font script="Armn" typeface="Arial"/>
+        <a:font script="Bugi" typeface="Leelawadee UI"/>
+        <a:font script="Bopo" typeface="Microsoft JhengHei"/>
+        <a:font script="Java" typeface="Javanese Text"/>
+        <a:font script="Lisu" typeface="Segoe UI"/>
+        <a:font script="Mymr" typeface="Myanmar Text"/>
+        <a:font script="Nkoo" typeface="Ebrima"/>
+        <a:font script="Olck" typeface="Nirmala UI"/>
+        <a:font script="Osma" typeface="Ebrima"/>
+        <a:font script="Phag" typeface="Phagspa"/>
+        <a:font script="Syrn" typeface="Estrangelo Edessa"/>
+        <a:font script="Syrj" typeface="Estrangelo Edessa"/>
+        <a:font script="Syre" typeface="Estrangelo Edessa"/>
+        <a:font script="Sora" typeface="Nirmala UI"/>
+        <a:font script="Tale" typeface="Microsoft Tai Le"/>
+        <a:font script="Talu" typeface="Microsoft New Tai Lue"/>
+        <a:font script="Tfng" typeface="Ebrima"/>
+      </a:majorFont>
+      <a:minorFont>
+        <a:latin typeface="Calibri" panose="020F0502020204030204"/>
+        <a:ea typeface=""/>
+        <a:cs typeface=""/>
+        <a:font script="Jpan" typeface="游ゴシック"/>
+        <a:font script="Hang" typeface="맑은 고딕"/>
+        <a:font script="Hans" typeface="等线"/>
+        <a:font script="Hant" typeface="新細明體"/>
+        <a:font script="Arab" typeface="Arial"/>
+        <a:font script="Hebr" typeface="Arial"/>
+        <a:font script="Thai" typeface="Cordia New"/>
+        <a:font script="Ethi" typeface="Nyala"/>
+        <a:font script="Beng" typeface="Vrinda"/>
+        <a:font script="Gujr" typeface="Shruti"/>
+        <a:font script="Khmr" typeface="DaunPenh"/>
+        <a:font script="Knda" typeface="Tunga"/>
+        <a:font script="Guru" typeface="Raavi"/>
+        <a:font script="Cans" typeface="Euphemia"/>
+        <a:font script="Cher" typeface="Plantagenet Cherokee"/>
+        <a:font script="Yiii" typeface="Microsoft Yi Baiti"/>
+        <a:font script="Tibt" typeface="Microsoft Himalaya"/>
+        <a:font script="Thaa" typeface="MV Boli"/>
+        <a:font script="Deva" typeface="Mangal"/>
+        <a:font script="Telu" typeface="Gautami"/>
+        <a:font script="Taml" typeface="Latha"/>
+        <a:font script="Syrc" typeface="Estrangelo Edessa"/>
+        <a:font script="Orya" typeface="Kalinga"/>
+        <a:font script="Mlym" typeface="Kartika"/>
+        <a:font script="Laoo" typeface="DokChampa"/>
+        <a:font script="Sinh" typeface="Iskoola Pota"/>
+        <a:font script="Mong" typeface="Mongolian Baiti"/>
+        <a:font script="Viet" typeface="Arial"/>
+        <a:font script="Uigh" typeface="Microsoft Uighur"/>
+        <a:font script="Geor" typeface="Sylfaen"/>
+        <a:font script="Armn" typeface="Arial"/>
+        <a:font script="Bugi" typeface="Leelawadee UI"/>
+        <a:font script="Bopo" typeface="Microsoft JhengHei"/>
+        <a:font script="Java" typeface="Javanese Text"/>
+        <a:font script="Lisu" typeface="Segoe UI"/>
+        <a:font script="Mymr" typeface="Myanmar Text"/>
+        <a:font script="Nkoo" typeface="Ebrima"/>
+        <a:font script="Olck" typeface="Nirmala UI"/>
+        <a:font script="Osma" typeface="Ebrima"/>
+        <a:font script="Phag" typeface="Phagspa"/>
+        <a:font script="Syrn" typeface="Estrangelo Edessa"/>
+        <a:font script="Syrj" typeface="Estrangelo Edessa"/>
+        <a:font script="Syre" typeface="Estrangelo Edessa"/>
+        <a:font script="Sora" typeface="Nirmala UI"/>
+        <a:font script="Tale" typeface="Microsoft Tai Le"/>
+        <a:font script="Talu" typeface="Microsoft New Tai Lue"/>
+        <a:font script="Tfng" typeface="Ebrima"/>
+      </a:minorFont>
+    </a:fontScheme>
+    <a:fmtScheme name="Office">
+      <a:fillStyleLst>
+        <a:solidFill>
+          <a:schemeClr val="phClr"/>
+        </a:solidFill>
+        <a:gradFill rotWithShape="1">
+          <a:gsLst>
+            <a:gs pos="0">
+              <a:schemeClr val="phClr">
+                <a:lumMod val="110000"/>
+                <a:satMod val="105000"/>
+                <a:tint val="67000"/>
+              </a:schemeClr>
+            </a:gs>
+            <a:gs pos="50000">
+              <a:schemeClr val="phClr">
+                <a:lumMod val="105000"/>
+                <a:satMod val="103000"/>
+                <a:tint val="73000"/>
+              </a:schemeClr>
+            </a:gs>
+            <a:gs pos="100000">
+              <a:schemeClr val="phClr">
+                <a:lumMod val="105000"/>
+                <a:satMod val="109000"/>
+                <a:tint val="81000"/>
+              </a:schemeClr>
+            </a:gs>
+          </a:gsLst>
+          <a:lin ang="5400000" scaled="0"/>
+        </a:gradFill>
+        <a:gradFill rotWithShape="1">
+          <a:gsLst>
+            <a:gs pos="0">
+              <a:schemeClr val="phClr">
+                <a:satMod val="103000"/>
+                <a:lumMod val="102000"/>
+                <a:tint val="94000"/>
+              </a:schemeClr>
+            </a:gs>
+            <a:gs pos="50000">
+              <a:schemeClr val="phClr">
+                <a:satMod val="110000"/>
+                <a:lumMod val="100000"/>
+                <a:shade val="100000"/>
+              </a:schemeClr>
+            </a:gs>
+            <a:gs pos="100000">
+              <a:schemeClr val="phClr">
+                <a:lumMod val="99000"/>
+                <a:satMod val="120000"/>
+                <a:shade val="78000"/>
+              </a:schemeClr>
+            </a:gs>
+          </a:gsLst>
+          <a:lin ang="5400000" scaled="0"/>
+        </a:gradFill>
+      </a:fillStyleLst>
+      <a:lnStyleLst>
+        <a:ln w="6350" cap="flat" cmpd="sng" algn="ctr">
+          <a:solidFill>
+            <a:schemeClr val="phClr"/>
+          </a:solidFill>
+          <a:prstDash val="solid"/>
+          <a:miter lim="800000"/>
+        </a:ln>
+        <a:ln w="12700" cap="flat" cmpd="sng" algn="ctr">
+          <a:solidFill>
+            <a:schemeClr val="phClr"/>
+          </a:solidFill>
+          <a:prstDash val="solid"/>
+          <a:miter lim="800000"/>
+        </a:ln>
+        <a:ln w="19050" cap="flat" cmpd="sng" algn="ctr">
+          <a:solidFill>
+            <a:schemeClr val="phClr"/>
+          </a:solidFill>
+          <a:prstDash val="solid"/>
+          <a:miter lim="800000"/>
+        </a:ln>
+      </a:lnStyleLst>
+      <a:effectStyleLst>
+        <a:effectStyle>
+          <a:effectLst/>
+        </a:effectStyle>
+        <a:effectStyle>
+          <a:effectLst/>
+        </a:effectStyle>
+        <a:effectStyle>
+          <a:effectLst>
+            <a:outerShdw blurRad="57150" dist="19050" dir="5400000" algn="ctr" rotWithShape="0">
+              <a:srgbClr val="000000">
+                <a:alpha val="63000"/>
+              </a:srgbClr>
+            </a:outerShdw>
+          </a:effectLst>
+        </a:effectStyle>
+      </a:effectStyleLst>
+      <a:bgFillStyleLst>
+        <a:solidFill>
+          <a:schemeClr val="phClr"/>
+        </a:solidFill>
+        <a:solidFill>
+          <a:schemeClr val="phClr">
+            <a:tint val="95000"/>
+            <a:satMod val="170000"/>
+          </a:schemeClr>
+        </a:solidFill>
+        <a:gradFill rotWithShape="1">
+          <a:gsLst>
+            <a:gs pos="0">
+              <a:schemeClr val="phClr">
+                <a:tint val="93000"/>
+                <a:satMod val="150000"/>
+                <a:shade val="98000"/>
+                <a:lumMod val="102000"/>
+              </a:schemeClr>
+            </a:gs>
+            <a:gs pos="50000">
+              <a:schemeClr val="phClr">
+                <a:tint val="98000"/>
+                <a:satMod val="130000"/>
+                <a:shade val="90000"/>
+                <a:lumMod val="103000"/>
+              </a:schemeClr>
+            </a:gs>
+            <a:gs pos="100000">
+              <a:schemeClr val="phClr">
+                <a:shade val="63000"/>
+                <a:satMod val="120000"/>
+              </a:schemeClr>
+            </a:gs>
+          </a:gsLst>
+          <a:lin ang="5400000" scaled="0"/>
+        </a:gradFill>
+      </a:bgFillStyleLst>
+    </a:fmtScheme>
+  </a:themeElements>
+  <a:objectDefaults/>
+  <a:extraClrSchemeLst/>
+  <a:extLst>
+    <a:ext uri="{05A4C25C-085E-4340-85A3-A5531E510DB2}">
+      <thm15:themeFamily xmlns:thm15="http://schemas.microsoft.com/office/thememl/2012/main" name="Office Theme" id="{62F939B6-93AF-4DB8-9C6B-D6C7DFDC589F}" vid="{4A3C46E8-61CC-4603-A589-7422A47A8E4A}"/>
+    </a:ext>
+  </a:extLst>
+</a:theme>
 </file>
--- a/presentation/QURE PPT.pptx
+++ b/presentation/QURE PPT.pptx
@@ -5,7 +5,7 @@
     <p:sldMasterId id="2147483689" r:id="rId1"/>
   </p:sldMasterIdLst>
   <p:notesMasterIdLst>
-    <p:notesMasterId r:id="rId17"/>
+    <p:notesMasterId r:id="rId19"/>
   </p:notesMasterIdLst>
   <p:sldIdLst>
     <p:sldId id="256" r:id="rId2"/>
@@ -15,14 +15,16 @@
     <p:sldId id="258" r:id="rId6"/>
     <p:sldId id="269" r:id="rId7"/>
     <p:sldId id="259" r:id="rId8"/>
-    <p:sldId id="267" r:id="rId9"/>
-    <p:sldId id="261" r:id="rId10"/>
-    <p:sldId id="270" r:id="rId11"/>
-    <p:sldId id="260" r:id="rId12"/>
-    <p:sldId id="263" r:id="rId13"/>
-    <p:sldId id="264" r:id="rId14"/>
-    <p:sldId id="265" r:id="rId15"/>
-    <p:sldId id="262" r:id="rId16"/>
+    <p:sldId id="271" r:id="rId9"/>
+    <p:sldId id="272" r:id="rId10"/>
+    <p:sldId id="267" r:id="rId11"/>
+    <p:sldId id="261" r:id="rId12"/>
+    <p:sldId id="270" r:id="rId13"/>
+    <p:sldId id="260" r:id="rId14"/>
+    <p:sldId id="263" r:id="rId15"/>
+    <p:sldId id="264" r:id="rId16"/>
+    <p:sldId id="265" r:id="rId17"/>
+    <p:sldId id="262" r:id="rId18"/>
   </p:sldIdLst>
   <p:sldSz cx="12192000" cy="6858000"/>
   <p:notesSz cx="6858000" cy="9144000"/>
@@ -237,7 +239,7 @@
           <a:p>
             <a:fld id="{2E220FDD-726E-41B2-945E-83EB1E8562E6}" type="datetimeFigureOut">
               <a:rPr lang="en-US" smtClean="0"/>
-              <a:t>31-Oct-19</a:t>
+              <a:t>07-Nov-19</a:t>
             </a:fld>
             <a:endParaRPr lang="en-US"/>
           </a:p>
@@ -692,7 +694,7 @@
           <a:p>
             <a:fld id="{FBDD459D-C182-4B91-86B5-03F221082DE7}" type="datetimeFigureOut">
               <a:rPr lang="en-US" smtClean="0"/>
-              <a:t>31-Oct-19</a:t>
+              <a:t>07-Nov-19</a:t>
             </a:fld>
             <a:endParaRPr lang="en-US"/>
           </a:p>
@@ -1030,7 +1032,7 @@
           <a:p>
             <a:fld id="{FBDD459D-C182-4B91-86B5-03F221082DE7}" type="datetimeFigureOut">
               <a:rPr lang="en-US" smtClean="0"/>
-              <a:t>31-Oct-19</a:t>
+              <a:t>07-Nov-19</a:t>
             </a:fld>
             <a:endParaRPr lang="en-US"/>
           </a:p>
@@ -1431,7 +1433,7 @@
           <a:p>
             <a:fld id="{FBDD459D-C182-4B91-86B5-03F221082DE7}" type="datetimeFigureOut">
               <a:rPr lang="en-US" smtClean="0"/>
-              <a:t>31-Oct-19</a:t>
+              <a:t>07-Nov-19</a:t>
             </a:fld>
             <a:endParaRPr lang="en-US"/>
           </a:p>
@@ -1767,7 +1769,7 @@
           <a:p>
             <a:fld id="{FBDD459D-C182-4B91-86B5-03F221082DE7}" type="datetimeFigureOut">
               <a:rPr lang="en-US" smtClean="0"/>
-              <a:t>31-Oct-19</a:t>
+              <a:t>07-Nov-19</a:t>
             </a:fld>
             <a:endParaRPr lang="en-US"/>
           </a:p>
@@ -2087,7 +2089,7 @@
           <a:p>
             <a:fld id="{FBDD459D-C182-4B91-86B5-03F221082DE7}" type="datetimeFigureOut">
               <a:rPr lang="en-US" smtClean="0"/>
-              <a:t>31-Oct-19</a:t>
+              <a:t>07-Nov-19</a:t>
             </a:fld>
             <a:endParaRPr lang="en-US"/>
           </a:p>
@@ -2483,7 +2485,7 @@
           <a:p>
             <a:fld id="{FBDD459D-C182-4B91-86B5-03F221082DE7}" type="datetimeFigureOut">
               <a:rPr lang="en-US" smtClean="0"/>
-              <a:t>31-Oct-19</a:t>
+              <a:t>07-Nov-19</a:t>
             </a:fld>
             <a:endParaRPr lang="en-US"/>
           </a:p>
@@ -2740,7 +2742,7 @@
           <a:p>
             <a:fld id="{FBDD459D-C182-4B91-86B5-03F221082DE7}" type="datetimeFigureOut">
               <a:rPr lang="en-US" smtClean="0"/>
-              <a:t>31-Oct-19</a:t>
+              <a:t>07-Nov-19</a:t>
             </a:fld>
             <a:endParaRPr lang="en-US"/>
           </a:p>
@@ -3002,7 +3004,7 @@
           <a:p>
             <a:fld id="{FBDD459D-C182-4B91-86B5-03F221082DE7}" type="datetimeFigureOut">
               <a:rPr lang="en-US" smtClean="0"/>
-              <a:t>31-Oct-19</a:t>
+              <a:t>07-Nov-19</a:t>
             </a:fld>
             <a:endParaRPr lang="en-US"/>
           </a:p>
@@ -3264,7 +3266,7 @@
           <a:p>
             <a:fld id="{FBDD459D-C182-4B91-86B5-03F221082DE7}" type="datetimeFigureOut">
               <a:rPr lang="en-US" smtClean="0"/>
-              <a:t>31-Oct-19</a:t>
+              <a:t>07-Nov-19</a:t>
             </a:fld>
             <a:endParaRPr lang="en-US"/>
           </a:p>
@@ -3593,7 +3595,7 @@
           <a:p>
             <a:fld id="{FBDD459D-C182-4B91-86B5-03F221082DE7}" type="datetimeFigureOut">
               <a:rPr lang="en-US" smtClean="0"/>
-              <a:t>31-Oct-19</a:t>
+              <a:t>07-Nov-19</a:t>
             </a:fld>
             <a:endParaRPr lang="en-US"/>
           </a:p>
@@ -3916,7 +3918,7 @@
           <a:p>
             <a:fld id="{FBDD459D-C182-4B91-86B5-03F221082DE7}" type="datetimeFigureOut">
               <a:rPr lang="en-US" smtClean="0"/>
-              <a:t>31-Oct-19</a:t>
+              <a:t>07-Nov-19</a:t>
             </a:fld>
             <a:endParaRPr lang="en-US"/>
           </a:p>
@@ -4373,7 +4375,7 @@
           <a:p>
             <a:fld id="{FBDD459D-C182-4B91-86B5-03F221082DE7}" type="datetimeFigureOut">
               <a:rPr lang="en-US" smtClean="0"/>
-              <a:t>31-Oct-19</a:t>
+              <a:t>07-Nov-19</a:t>
             </a:fld>
             <a:endParaRPr lang="en-US"/>
           </a:p>
@@ -4578,7 +4580,7 @@
           <a:p>
             <a:fld id="{FBDD459D-C182-4B91-86B5-03F221082DE7}" type="datetimeFigureOut">
               <a:rPr lang="en-US" smtClean="0"/>
-              <a:t>31-Oct-19</a:t>
+              <a:t>07-Nov-19</a:t>
             </a:fld>
             <a:endParaRPr lang="en-US"/>
           </a:p>
@@ -4755,7 +4757,7 @@
           <a:p>
             <a:fld id="{FBDD459D-C182-4B91-86B5-03F221082DE7}" type="datetimeFigureOut">
               <a:rPr lang="en-US" smtClean="0"/>
-              <a:t>31-Oct-19</a:t>
+              <a:t>07-Nov-19</a:t>
             </a:fld>
             <a:endParaRPr lang="en-US"/>
           </a:p>
@@ -5088,7 +5090,7 @@
           <a:p>
             <a:fld id="{FBDD459D-C182-4B91-86B5-03F221082DE7}" type="datetimeFigureOut">
               <a:rPr lang="en-US" smtClean="0"/>
-              <a:t>31-Oct-19</a:t>
+              <a:t>07-Nov-19</a:t>
             </a:fld>
             <a:endParaRPr lang="en-US"/>
           </a:p>
@@ -5433,7 +5435,7 @@
           <a:p>
             <a:fld id="{FBDD459D-C182-4B91-86B5-03F221082DE7}" type="datetimeFigureOut">
               <a:rPr lang="en-US" smtClean="0"/>
-              <a:t>31-Oct-19</a:t>
+              <a:t>07-Nov-19</a:t>
             </a:fld>
             <a:endParaRPr lang="en-US"/>
           </a:p>
@@ -7550,7 +7552,7 @@
           <a:p>
             <a:fld id="{FBDD459D-C182-4B91-86B5-03F221082DE7}" type="datetimeFigureOut">
               <a:rPr lang="en-US" smtClean="0"/>
-              <a:t>31-Oct-19</a:t>
+              <a:t>07-Nov-19</a:t>
             </a:fld>
             <a:endParaRPr lang="en-US"/>
           </a:p>
@@ -8191,7 +8193,7 @@
           <p:cNvPr id="2" name="Title 1">
             <a:extLst>
               <a:ext uri="{FF2B5EF4-FFF2-40B4-BE49-F238E27FC236}">
-                <a16:creationId xmlns:a16="http://schemas.microsoft.com/office/drawing/2014/main" id="{B2FB14F2-F4BA-4DD1-BBBD-030A89725EBB}"/>
+                <a16:creationId xmlns:a16="http://schemas.microsoft.com/office/drawing/2014/main" id="{44FBA459-2C1E-47E6-8E51-68BBD22EC7DF}"/>
               </a:ext>
             </a:extLst>
           </p:cNvPr>
@@ -8199,13 +8201,13 @@
             <a:spLocks noGrp="1"/>
           </p:cNvSpPr>
           <p:nvPr>
-            <p:ph type="ctrTitle"/>
+            <p:ph type="title"/>
           </p:nvPr>
         </p:nvSpPr>
         <p:spPr>
           <a:xfrm>
-            <a:off x="3025148" y="1366284"/>
-            <a:ext cx="8915399" cy="2262781"/>
+            <a:off x="1640156" y="2671597"/>
+            <a:ext cx="8911687" cy="1280890"/>
           </a:xfrm>
         </p:spPr>
         <p:txBody>
@@ -8214,7 +8216,11 @@
           <a:p>
             <a:r>
               <a:rPr lang="en-US" dirty="0"/>
-              <a:t>         Appendix</a:t>
+              <a:t>              </a:t>
+            </a:r>
+            <a:r>
+              <a:rPr lang="en-US" sz="7200" dirty="0"/>
+              <a:t>    DEMO</a:t>
             </a:r>
           </a:p>
         </p:txBody>
@@ -8222,7 +8228,7 @@
     </p:spTree>
     <p:extLst>
       <p:ext uri="{BB962C8B-B14F-4D97-AF65-F5344CB8AC3E}">
-        <p14:creationId xmlns:p14="http://schemas.microsoft.com/office/powerpoint/2010/main" val="512378268"/>
+        <p14:creationId xmlns:p14="http://schemas.microsoft.com/office/powerpoint/2010/main" val="2827295984"/>
       </p:ext>
     </p:extLst>
   </p:cSld>
@@ -8254,6 +8260,181 @@
           <p:cNvPr id="2" name="Title 1">
             <a:extLst>
               <a:ext uri="{FF2B5EF4-FFF2-40B4-BE49-F238E27FC236}">
+                <a16:creationId xmlns:a16="http://schemas.microsoft.com/office/drawing/2014/main" id="{4008C12A-8694-469A-9E57-171A9994E1D0}"/>
+              </a:ext>
+            </a:extLst>
+          </p:cNvPr>
+          <p:cNvSpPr>
+            <a:spLocks noGrp="1"/>
+          </p:cNvSpPr>
+          <p:nvPr>
+            <p:ph type="title"/>
+          </p:nvPr>
+        </p:nvSpPr>
+        <p:spPr/>
+        <p:txBody>
+          <a:bodyPr/>
+          <a:lstStyle/>
+          <a:p>
+            <a:r>
+              <a:rPr lang="en-US" dirty="0"/>
+              <a:t>               Future RoadMap</a:t>
+            </a:r>
+          </a:p>
+        </p:txBody>
+      </p:sp>
+      <p:sp>
+        <p:nvSpPr>
+          <p:cNvPr id="3" name="Content Placeholder 2">
+            <a:extLst>
+              <a:ext uri="{FF2B5EF4-FFF2-40B4-BE49-F238E27FC236}">
+                <a16:creationId xmlns:a16="http://schemas.microsoft.com/office/drawing/2014/main" id="{09AE706B-1512-4702-8710-FA5A521954C4}"/>
+              </a:ext>
+            </a:extLst>
+          </p:cNvPr>
+          <p:cNvSpPr>
+            <a:spLocks noGrp="1"/>
+          </p:cNvSpPr>
+          <p:nvPr>
+            <p:ph idx="1"/>
+          </p:nvPr>
+        </p:nvSpPr>
+        <p:spPr/>
+        <p:txBody>
+          <a:bodyPr/>
+          <a:lstStyle/>
+          <a:p>
+            <a:r>
+              <a:rPr lang="en-US" dirty="0"/>
+              <a:t> Payment function for the patients</a:t>
+            </a:r>
+          </a:p>
+          <a:p>
+            <a:r>
+              <a:rPr lang="en-US" dirty="0"/>
+              <a:t> Tracking of the medicine orders</a:t>
+            </a:r>
+          </a:p>
+          <a:p>
+            <a:r>
+              <a:rPr lang="en-US" dirty="0"/>
+              <a:t> Rating the doctor </a:t>
+            </a:r>
+          </a:p>
+          <a:p>
+            <a:r>
+              <a:rPr lang="en-US" dirty="0"/>
+              <a:t> </a:t>
+            </a:r>
+            <a:r>
+              <a:rPr lang="en-US" dirty="0" err="1"/>
+              <a:t>FollowUp</a:t>
+            </a:r>
+            <a:r>
+              <a:rPr lang="en-US" dirty="0"/>
+              <a:t> records of patients.</a:t>
+            </a:r>
+          </a:p>
+        </p:txBody>
+      </p:sp>
+    </p:spTree>
+    <p:extLst>
+      <p:ext uri="{BB962C8B-B14F-4D97-AF65-F5344CB8AC3E}">
+        <p14:creationId xmlns:p14="http://schemas.microsoft.com/office/powerpoint/2010/main" val="3980595745"/>
+      </p:ext>
+    </p:extLst>
+  </p:cSld>
+  <p:clrMapOvr>
+    <a:masterClrMapping/>
+  </p:clrMapOvr>
+</p:sld>
+</file>
+
+<file path=ppt/slides/slide12.xml><?xml version="1.0" encoding="utf-8"?>
+<p:sld xmlns:a="http://schemas.openxmlformats.org/drawingml/2006/main" xmlns:r="http://schemas.openxmlformats.org/officeDocument/2006/relationships" xmlns:p="http://schemas.openxmlformats.org/presentationml/2006/main">
+  <p:cSld>
+    <p:spTree>
+      <p:nvGrpSpPr>
+        <p:cNvPr id="1" name=""/>
+        <p:cNvGrpSpPr/>
+        <p:nvPr/>
+      </p:nvGrpSpPr>
+      <p:grpSpPr>
+        <a:xfrm>
+          <a:off x="0" y="0"/>
+          <a:ext cx="0" cy="0"/>
+          <a:chOff x="0" y="0"/>
+          <a:chExt cx="0" cy="0"/>
+        </a:xfrm>
+      </p:grpSpPr>
+      <p:sp>
+        <p:nvSpPr>
+          <p:cNvPr id="2" name="Title 1">
+            <a:extLst>
+              <a:ext uri="{FF2B5EF4-FFF2-40B4-BE49-F238E27FC236}">
+                <a16:creationId xmlns:a16="http://schemas.microsoft.com/office/drawing/2014/main" id="{B2FB14F2-F4BA-4DD1-BBBD-030A89725EBB}"/>
+              </a:ext>
+            </a:extLst>
+          </p:cNvPr>
+          <p:cNvSpPr>
+            <a:spLocks noGrp="1"/>
+          </p:cNvSpPr>
+          <p:nvPr>
+            <p:ph type="ctrTitle"/>
+          </p:nvPr>
+        </p:nvSpPr>
+        <p:spPr>
+          <a:xfrm>
+            <a:off x="3025148" y="1366284"/>
+            <a:ext cx="8915399" cy="2262781"/>
+          </a:xfrm>
+        </p:spPr>
+        <p:txBody>
+          <a:bodyPr/>
+          <a:lstStyle/>
+          <a:p>
+            <a:r>
+              <a:rPr lang="en-US" dirty="0"/>
+              <a:t>         Appendix</a:t>
+            </a:r>
+          </a:p>
+        </p:txBody>
+      </p:sp>
+    </p:spTree>
+    <p:extLst>
+      <p:ext uri="{BB962C8B-B14F-4D97-AF65-F5344CB8AC3E}">
+        <p14:creationId xmlns:p14="http://schemas.microsoft.com/office/powerpoint/2010/main" val="512378268"/>
+      </p:ext>
+    </p:extLst>
+  </p:cSld>
+  <p:clrMapOvr>
+    <a:masterClrMapping/>
+  </p:clrMapOvr>
+</p:sld>
+</file>
+
+<file path=ppt/slides/slide13.xml><?xml version="1.0" encoding="utf-8"?>
+<p:sld xmlns:a="http://schemas.openxmlformats.org/drawingml/2006/main" xmlns:r="http://schemas.openxmlformats.org/officeDocument/2006/relationships" xmlns:p="http://schemas.openxmlformats.org/presentationml/2006/main">
+  <p:cSld>
+    <p:spTree>
+      <p:nvGrpSpPr>
+        <p:cNvPr id="1" name=""/>
+        <p:cNvGrpSpPr/>
+        <p:nvPr/>
+      </p:nvGrpSpPr>
+      <p:grpSpPr>
+        <a:xfrm>
+          <a:off x="0" y="0"/>
+          <a:ext cx="0" cy="0"/>
+          <a:chOff x="0" y="0"/>
+          <a:chExt cx="0" cy="0"/>
+        </a:xfrm>
+      </p:grpSpPr>
+      <p:sp>
+        <p:nvSpPr>
+          <p:cNvPr id="2" name="Title 1">
+            <a:extLst>
+              <a:ext uri="{FF2B5EF4-FFF2-40B4-BE49-F238E27FC236}">
                 <a16:creationId xmlns:a16="http://schemas.microsoft.com/office/drawing/2014/main" id="{D19CFD38-3A73-44E7-8F3D-4DCF943BDA86}"/>
               </a:ext>
             </a:extLst>
@@ -8413,7 +8594,7 @@
 </p:sld>
 </file>
 
-<file path=ppt/slides/slide12.xml><?xml version="1.0" encoding="utf-8"?>
+<file path=ppt/slides/slide14.xml><?xml version="1.0" encoding="utf-8"?>
 <p:sld xmlns:a="http://schemas.openxmlformats.org/drawingml/2006/main" xmlns:r="http://schemas.openxmlformats.org/officeDocument/2006/relationships" xmlns:p="http://schemas.openxmlformats.org/presentationml/2006/main">
   <p:cSld>
     <p:spTree>
@@ -8482,7 +8663,7 @@
 </p:sld>
 </file>
 
-<file path=ppt/slides/slide13.xml><?xml version="1.0" encoding="utf-8"?>
+<file path=ppt/slides/slide15.xml><?xml version="1.0" encoding="utf-8"?>
 <p:sld xmlns:a="http://schemas.openxmlformats.org/drawingml/2006/main" xmlns:r="http://schemas.openxmlformats.org/officeDocument/2006/relationships" xmlns:p="http://schemas.openxmlformats.org/presentationml/2006/main">
   <p:cSld>
     <p:spTree>
@@ -8575,7 +8756,7 @@
 </p:sld>
 </file>
 
-<file path=ppt/slides/slide14.xml><?xml version="1.0" encoding="utf-8"?>
+<file path=ppt/slides/slide16.xml><?xml version="1.0" encoding="utf-8"?>
 <p:sld xmlns:a="http://schemas.openxmlformats.org/drawingml/2006/main" xmlns:r="http://schemas.openxmlformats.org/officeDocument/2006/relationships" xmlns:p="http://schemas.openxmlformats.org/presentationml/2006/main">
   <p:cSld>
     <p:spTree>
@@ -8670,7 +8851,7 @@
 </p:sld>
 </file>
 
-<file path=ppt/slides/slide15.xml><?xml version="1.0" encoding="utf-8"?>
+<file path=ppt/slides/slide17.xml><?xml version="1.0" encoding="utf-8"?>
 <p:sld xmlns:a="http://schemas.openxmlformats.org/drawingml/2006/main" xmlns:r="http://schemas.openxmlformats.org/officeDocument/2006/relationships" xmlns:p="http://schemas.openxmlformats.org/presentationml/2006/main">
   <p:cSld>
     <p:spTree>
@@ -10625,7 +10806,7 @@
           <p:cNvPr id="2" name="Title 1">
             <a:extLst>
               <a:ext uri="{FF2B5EF4-FFF2-40B4-BE49-F238E27FC236}">
-                <a16:creationId xmlns:a16="http://schemas.microsoft.com/office/drawing/2014/main" id="{44FBA459-2C1E-47E6-8E51-68BBD22EC7DF}"/>
+                <a16:creationId xmlns:a16="http://schemas.microsoft.com/office/drawing/2014/main" id="{D69FE7C5-79F8-454A-AD54-BC0FF8D00823}"/>
               </a:ext>
             </a:extLst>
           </p:cNvPr>
@@ -10638,29 +10819,1172 @@
         </p:nvSpPr>
         <p:spPr>
           <a:xfrm>
-            <a:off x="1640156" y="2671597"/>
-            <a:ext cx="8911687" cy="1280890"/>
-          </a:xfrm>
-        </p:spPr>
-        <p:txBody>
-          <a:bodyPr/>
+            <a:off x="2466748" y="230928"/>
+            <a:ext cx="8911687" cy="566737"/>
+          </a:xfrm>
+        </p:spPr>
+        <p:txBody>
+          <a:bodyPr>
+            <a:normAutofit fontScale="90000"/>
+          </a:bodyPr>
           <a:lstStyle/>
           <a:p>
             <a:r>
               <a:rPr lang="en-US" dirty="0"/>
-              <a:t>              </a:t>
-            </a:r>
-            <a:r>
-              <a:rPr lang="en-US" sz="7200" dirty="0"/>
-              <a:t>    DEMO</a:t>
-            </a:r>
+              <a:t>Controllers, Services And Models</a:t>
+            </a:r>
+          </a:p>
+        </p:txBody>
+      </p:sp>
+      <p:sp>
+        <p:nvSpPr>
+          <p:cNvPr id="4" name="Rectangle: Rounded Corners 3">
+            <a:extLst>
+              <a:ext uri="{FF2B5EF4-FFF2-40B4-BE49-F238E27FC236}">
+                <a16:creationId xmlns:a16="http://schemas.microsoft.com/office/drawing/2014/main" id="{AA292618-307E-4094-9165-6CCA71A69735}"/>
+              </a:ext>
+            </a:extLst>
+          </p:cNvPr>
+          <p:cNvSpPr/>
+          <p:nvPr/>
+        </p:nvSpPr>
+        <p:spPr>
+          <a:xfrm>
+            <a:off x="898446" y="1496755"/>
+            <a:ext cx="3136605" cy="382772"/>
+          </a:xfrm>
+          <a:prstGeom prst="roundRect">
+            <a:avLst/>
+          </a:prstGeom>
+        </p:spPr>
+        <p:style>
+          <a:lnRef idx="1">
+            <a:schemeClr val="accent1"/>
+          </a:lnRef>
+          <a:fillRef idx="2">
+            <a:schemeClr val="accent1"/>
+          </a:fillRef>
+          <a:effectRef idx="1">
+            <a:schemeClr val="accent1"/>
+          </a:effectRef>
+          <a:fontRef idx="minor">
+            <a:schemeClr val="dk1"/>
+          </a:fontRef>
+        </p:style>
+        <p:txBody>
+          <a:bodyPr rtlCol="0" anchor="ctr"/>
+          <a:lstStyle/>
+          <a:p>
+            <a:pPr algn="ctr"/>
+            <a:r>
+              <a:rPr lang="en-US" dirty="0" err="1"/>
+              <a:t>AdminController</a:t>
+            </a:r>
+            <a:endParaRPr lang="en-US" dirty="0"/>
+          </a:p>
+        </p:txBody>
+      </p:sp>
+      <p:sp>
+        <p:nvSpPr>
+          <p:cNvPr id="5" name="Rectangle: Rounded Corners 4">
+            <a:extLst>
+              <a:ext uri="{FF2B5EF4-FFF2-40B4-BE49-F238E27FC236}">
+                <a16:creationId xmlns:a16="http://schemas.microsoft.com/office/drawing/2014/main" id="{7F10F9C8-242A-46A1-A7C2-B3F6E2AF5E2B}"/>
+              </a:ext>
+            </a:extLst>
+          </p:cNvPr>
+          <p:cNvSpPr/>
+          <p:nvPr/>
+        </p:nvSpPr>
+        <p:spPr>
+          <a:xfrm>
+            <a:off x="903765" y="2255431"/>
+            <a:ext cx="3136605" cy="382772"/>
+          </a:xfrm>
+          <a:prstGeom prst="roundRect">
+            <a:avLst/>
+          </a:prstGeom>
+        </p:spPr>
+        <p:style>
+          <a:lnRef idx="1">
+            <a:schemeClr val="accent1"/>
+          </a:lnRef>
+          <a:fillRef idx="2">
+            <a:schemeClr val="accent1"/>
+          </a:fillRef>
+          <a:effectRef idx="1">
+            <a:schemeClr val="accent1"/>
+          </a:effectRef>
+          <a:fontRef idx="minor">
+            <a:schemeClr val="dk1"/>
+          </a:fontRef>
+        </p:style>
+        <p:txBody>
+          <a:bodyPr rtlCol="0" anchor="ctr"/>
+          <a:lstStyle/>
+          <a:p>
+            <a:pPr algn="ctr"/>
+            <a:r>
+              <a:rPr lang="en-US" dirty="0" err="1"/>
+              <a:t>AppointmentController</a:t>
+            </a:r>
+            <a:endParaRPr lang="en-US" dirty="0"/>
+          </a:p>
+        </p:txBody>
+      </p:sp>
+      <p:sp>
+        <p:nvSpPr>
+          <p:cNvPr id="6" name="Rectangle: Rounded Corners 5">
+            <a:extLst>
+              <a:ext uri="{FF2B5EF4-FFF2-40B4-BE49-F238E27FC236}">
+                <a16:creationId xmlns:a16="http://schemas.microsoft.com/office/drawing/2014/main" id="{2377CBDA-D22B-42CC-9854-7C41A5D8AD27}"/>
+              </a:ext>
+            </a:extLst>
+          </p:cNvPr>
+          <p:cNvSpPr/>
+          <p:nvPr/>
+        </p:nvSpPr>
+        <p:spPr>
+          <a:xfrm>
+            <a:off x="903765" y="2947434"/>
+            <a:ext cx="3136605" cy="382772"/>
+          </a:xfrm>
+          <a:prstGeom prst="roundRect">
+            <a:avLst/>
+          </a:prstGeom>
+        </p:spPr>
+        <p:style>
+          <a:lnRef idx="1">
+            <a:schemeClr val="accent1"/>
+          </a:lnRef>
+          <a:fillRef idx="2">
+            <a:schemeClr val="accent1"/>
+          </a:fillRef>
+          <a:effectRef idx="1">
+            <a:schemeClr val="accent1"/>
+          </a:effectRef>
+          <a:fontRef idx="minor">
+            <a:schemeClr val="dk1"/>
+          </a:fontRef>
+        </p:style>
+        <p:txBody>
+          <a:bodyPr rtlCol="0" anchor="ctr"/>
+          <a:lstStyle/>
+          <a:p>
+            <a:pPr algn="ctr"/>
+            <a:r>
+              <a:rPr lang="en-US" dirty="0" err="1"/>
+              <a:t>BookMedicineController</a:t>
+            </a:r>
+            <a:endParaRPr lang="en-US" dirty="0"/>
+          </a:p>
+        </p:txBody>
+      </p:sp>
+      <p:sp>
+        <p:nvSpPr>
+          <p:cNvPr id="7" name="Rectangle: Rounded Corners 6">
+            <a:extLst>
+              <a:ext uri="{FF2B5EF4-FFF2-40B4-BE49-F238E27FC236}">
+                <a16:creationId xmlns:a16="http://schemas.microsoft.com/office/drawing/2014/main" id="{296D084A-5978-4E7B-AB30-68C980E7976A}"/>
+              </a:ext>
+            </a:extLst>
+          </p:cNvPr>
+          <p:cNvSpPr/>
+          <p:nvPr/>
+        </p:nvSpPr>
+        <p:spPr>
+          <a:xfrm>
+            <a:off x="903766" y="3784749"/>
+            <a:ext cx="3136605" cy="382772"/>
+          </a:xfrm>
+          <a:prstGeom prst="roundRect">
+            <a:avLst/>
+          </a:prstGeom>
+        </p:spPr>
+        <p:style>
+          <a:lnRef idx="1">
+            <a:schemeClr val="accent1"/>
+          </a:lnRef>
+          <a:fillRef idx="2">
+            <a:schemeClr val="accent1"/>
+          </a:fillRef>
+          <a:effectRef idx="1">
+            <a:schemeClr val="accent1"/>
+          </a:effectRef>
+          <a:fontRef idx="minor">
+            <a:schemeClr val="dk1"/>
+          </a:fontRef>
+        </p:style>
+        <p:txBody>
+          <a:bodyPr rtlCol="0" anchor="ctr"/>
+          <a:lstStyle/>
+          <a:p>
+            <a:pPr algn="ctr"/>
+            <a:r>
+              <a:rPr lang="en-US" dirty="0" err="1"/>
+              <a:t>DoctorController</a:t>
+            </a:r>
+            <a:endParaRPr lang="en-US" dirty="0"/>
+          </a:p>
+        </p:txBody>
+      </p:sp>
+      <p:sp>
+        <p:nvSpPr>
+          <p:cNvPr id="8" name="Rectangle: Rounded Corners 7">
+            <a:extLst>
+              <a:ext uri="{FF2B5EF4-FFF2-40B4-BE49-F238E27FC236}">
+                <a16:creationId xmlns:a16="http://schemas.microsoft.com/office/drawing/2014/main" id="{DA1D910B-2A44-4B71-83E2-9B7367F3236D}"/>
+              </a:ext>
+            </a:extLst>
+          </p:cNvPr>
+          <p:cNvSpPr/>
+          <p:nvPr/>
+        </p:nvSpPr>
+        <p:spPr>
+          <a:xfrm>
+            <a:off x="903766" y="4572887"/>
+            <a:ext cx="3136605" cy="382772"/>
+          </a:xfrm>
+          <a:prstGeom prst="roundRect">
+            <a:avLst/>
+          </a:prstGeom>
+        </p:spPr>
+        <p:style>
+          <a:lnRef idx="1">
+            <a:schemeClr val="accent1"/>
+          </a:lnRef>
+          <a:fillRef idx="2">
+            <a:schemeClr val="accent1"/>
+          </a:fillRef>
+          <a:effectRef idx="1">
+            <a:schemeClr val="accent1"/>
+          </a:effectRef>
+          <a:fontRef idx="minor">
+            <a:schemeClr val="dk1"/>
+          </a:fontRef>
+        </p:style>
+        <p:txBody>
+          <a:bodyPr rtlCol="0" anchor="ctr"/>
+          <a:lstStyle/>
+          <a:p>
+            <a:pPr algn="ctr"/>
+            <a:r>
+              <a:rPr lang="en-US" dirty="0" err="1"/>
+              <a:t>MedicineController</a:t>
+            </a:r>
+            <a:endParaRPr lang="en-US" dirty="0"/>
+          </a:p>
+        </p:txBody>
+      </p:sp>
+      <p:sp>
+        <p:nvSpPr>
+          <p:cNvPr id="9" name="Rectangle: Rounded Corners 8">
+            <a:extLst>
+              <a:ext uri="{FF2B5EF4-FFF2-40B4-BE49-F238E27FC236}">
+                <a16:creationId xmlns:a16="http://schemas.microsoft.com/office/drawing/2014/main" id="{4866F3B3-106E-4D29-982D-5EACBEE4B934}"/>
+              </a:ext>
+            </a:extLst>
+          </p:cNvPr>
+          <p:cNvSpPr/>
+          <p:nvPr/>
+        </p:nvSpPr>
+        <p:spPr>
+          <a:xfrm>
+            <a:off x="903766" y="5380074"/>
+            <a:ext cx="3136605" cy="382772"/>
+          </a:xfrm>
+          <a:prstGeom prst="roundRect">
+            <a:avLst/>
+          </a:prstGeom>
+        </p:spPr>
+        <p:style>
+          <a:lnRef idx="1">
+            <a:schemeClr val="accent1"/>
+          </a:lnRef>
+          <a:fillRef idx="2">
+            <a:schemeClr val="accent1"/>
+          </a:fillRef>
+          <a:effectRef idx="1">
+            <a:schemeClr val="accent1"/>
+          </a:effectRef>
+          <a:fontRef idx="minor">
+            <a:schemeClr val="dk1"/>
+          </a:fontRef>
+        </p:style>
+        <p:txBody>
+          <a:bodyPr rtlCol="0" anchor="ctr"/>
+          <a:lstStyle/>
+          <a:p>
+            <a:pPr algn="ctr"/>
+            <a:r>
+              <a:rPr lang="en-US" dirty="0" err="1"/>
+              <a:t>PatientController</a:t>
+            </a:r>
+            <a:endParaRPr lang="en-US" dirty="0"/>
+          </a:p>
+        </p:txBody>
+      </p:sp>
+      <p:sp>
+        <p:nvSpPr>
+          <p:cNvPr id="10" name="Rectangle: Rounded Corners 9">
+            <a:extLst>
+              <a:ext uri="{FF2B5EF4-FFF2-40B4-BE49-F238E27FC236}">
+                <a16:creationId xmlns:a16="http://schemas.microsoft.com/office/drawing/2014/main" id="{D4B54181-52AB-4DBD-A47A-F79A3A6FE016}"/>
+              </a:ext>
+            </a:extLst>
+          </p:cNvPr>
+          <p:cNvSpPr/>
+          <p:nvPr/>
+        </p:nvSpPr>
+        <p:spPr>
+          <a:xfrm>
+            <a:off x="903767" y="6126126"/>
+            <a:ext cx="3136605" cy="382772"/>
+          </a:xfrm>
+          <a:prstGeom prst="roundRect">
+            <a:avLst/>
+          </a:prstGeom>
+        </p:spPr>
+        <p:style>
+          <a:lnRef idx="1">
+            <a:schemeClr val="accent1"/>
+          </a:lnRef>
+          <a:fillRef idx="2">
+            <a:schemeClr val="accent1"/>
+          </a:fillRef>
+          <a:effectRef idx="1">
+            <a:schemeClr val="accent1"/>
+          </a:effectRef>
+          <a:fontRef idx="minor">
+            <a:schemeClr val="dk1"/>
+          </a:fontRef>
+        </p:style>
+        <p:txBody>
+          <a:bodyPr rtlCol="0" anchor="ctr"/>
+          <a:lstStyle/>
+          <a:p>
+            <a:pPr algn="ctr"/>
+            <a:r>
+              <a:rPr lang="en-US" dirty="0" err="1"/>
+              <a:t>PharmacistController</a:t>
+            </a:r>
+            <a:endParaRPr lang="en-US" dirty="0"/>
+          </a:p>
+        </p:txBody>
+      </p:sp>
+      <p:sp>
+        <p:nvSpPr>
+          <p:cNvPr id="12" name="Rectangle: Rounded Corners 11">
+            <a:extLst>
+              <a:ext uri="{FF2B5EF4-FFF2-40B4-BE49-F238E27FC236}">
+                <a16:creationId xmlns:a16="http://schemas.microsoft.com/office/drawing/2014/main" id="{792FCDED-2E0F-46F1-A246-7347CA7189C3}"/>
+              </a:ext>
+            </a:extLst>
+          </p:cNvPr>
+          <p:cNvSpPr/>
+          <p:nvPr/>
+        </p:nvSpPr>
+        <p:spPr>
+          <a:xfrm>
+            <a:off x="4931727" y="1465964"/>
+            <a:ext cx="3136605" cy="382772"/>
+          </a:xfrm>
+          <a:prstGeom prst="roundRect">
+            <a:avLst/>
+          </a:prstGeom>
+        </p:spPr>
+        <p:style>
+          <a:lnRef idx="1">
+            <a:schemeClr val="accent1"/>
+          </a:lnRef>
+          <a:fillRef idx="2">
+            <a:schemeClr val="accent1"/>
+          </a:fillRef>
+          <a:effectRef idx="1">
+            <a:schemeClr val="accent1"/>
+          </a:effectRef>
+          <a:fontRef idx="minor">
+            <a:schemeClr val="dk1"/>
+          </a:fontRef>
+        </p:style>
+        <p:txBody>
+          <a:bodyPr rtlCol="0" anchor="ctr"/>
+          <a:lstStyle/>
+          <a:p>
+            <a:pPr algn="ctr"/>
+            <a:r>
+              <a:rPr lang="en-US" dirty="0" err="1"/>
+              <a:t>AdminService</a:t>
+            </a:r>
+            <a:endParaRPr lang="en-US" dirty="0"/>
+          </a:p>
+        </p:txBody>
+      </p:sp>
+      <p:sp>
+        <p:nvSpPr>
+          <p:cNvPr id="13" name="Rectangle: Rounded Corners 12">
+            <a:extLst>
+              <a:ext uri="{FF2B5EF4-FFF2-40B4-BE49-F238E27FC236}">
+                <a16:creationId xmlns:a16="http://schemas.microsoft.com/office/drawing/2014/main" id="{2D5ED454-7232-4A80-A950-4FC079C33705}"/>
+              </a:ext>
+            </a:extLst>
+          </p:cNvPr>
+          <p:cNvSpPr/>
+          <p:nvPr/>
+        </p:nvSpPr>
+        <p:spPr>
+          <a:xfrm>
+            <a:off x="4908692" y="2099046"/>
+            <a:ext cx="3136605" cy="382772"/>
+          </a:xfrm>
+          <a:prstGeom prst="roundRect">
+            <a:avLst/>
+          </a:prstGeom>
+        </p:spPr>
+        <p:style>
+          <a:lnRef idx="1">
+            <a:schemeClr val="accent1"/>
+          </a:lnRef>
+          <a:fillRef idx="2">
+            <a:schemeClr val="accent1"/>
+          </a:fillRef>
+          <a:effectRef idx="1">
+            <a:schemeClr val="accent1"/>
+          </a:effectRef>
+          <a:fontRef idx="minor">
+            <a:schemeClr val="dk1"/>
+          </a:fontRef>
+        </p:style>
+        <p:txBody>
+          <a:bodyPr rtlCol="0" anchor="ctr"/>
+          <a:lstStyle/>
+          <a:p>
+            <a:pPr algn="ctr"/>
+            <a:r>
+              <a:rPr lang="en-US" dirty="0" err="1"/>
+              <a:t>AppointmentService</a:t>
+            </a:r>
+            <a:endParaRPr lang="en-US" dirty="0"/>
+          </a:p>
+        </p:txBody>
+      </p:sp>
+      <p:sp>
+        <p:nvSpPr>
+          <p:cNvPr id="14" name="Rectangle: Rounded Corners 13">
+            <a:extLst>
+              <a:ext uri="{FF2B5EF4-FFF2-40B4-BE49-F238E27FC236}">
+                <a16:creationId xmlns:a16="http://schemas.microsoft.com/office/drawing/2014/main" id="{2C86594A-CA3A-4A85-82D1-1E0BE8C27402}"/>
+              </a:ext>
+            </a:extLst>
+          </p:cNvPr>
+          <p:cNvSpPr/>
+          <p:nvPr/>
+        </p:nvSpPr>
+        <p:spPr>
+          <a:xfrm>
+            <a:off x="4908691" y="2759261"/>
+            <a:ext cx="3136605" cy="382772"/>
+          </a:xfrm>
+          <a:prstGeom prst="roundRect">
+            <a:avLst/>
+          </a:prstGeom>
+        </p:spPr>
+        <p:style>
+          <a:lnRef idx="1">
+            <a:schemeClr val="accent1"/>
+          </a:lnRef>
+          <a:fillRef idx="2">
+            <a:schemeClr val="accent1"/>
+          </a:fillRef>
+          <a:effectRef idx="1">
+            <a:schemeClr val="accent1"/>
+          </a:effectRef>
+          <a:fontRef idx="minor">
+            <a:schemeClr val="dk1"/>
+          </a:fontRef>
+        </p:style>
+        <p:txBody>
+          <a:bodyPr rtlCol="0" anchor="ctr"/>
+          <a:lstStyle/>
+          <a:p>
+            <a:pPr algn="ctr"/>
+            <a:r>
+              <a:rPr lang="en-US" dirty="0" err="1"/>
+              <a:t>BookMedicineService</a:t>
+            </a:r>
+            <a:endParaRPr lang="en-US" dirty="0"/>
+          </a:p>
+        </p:txBody>
+      </p:sp>
+      <p:sp>
+        <p:nvSpPr>
+          <p:cNvPr id="15" name="Rectangle: Rounded Corners 14">
+            <a:extLst>
+              <a:ext uri="{FF2B5EF4-FFF2-40B4-BE49-F238E27FC236}">
+                <a16:creationId xmlns:a16="http://schemas.microsoft.com/office/drawing/2014/main" id="{67F261F3-FDC7-4D3C-9333-3515CC131B92}"/>
+              </a:ext>
+            </a:extLst>
+          </p:cNvPr>
+          <p:cNvSpPr/>
+          <p:nvPr/>
+        </p:nvSpPr>
+        <p:spPr>
+          <a:xfrm>
+            <a:off x="4931727" y="3461120"/>
+            <a:ext cx="3136605" cy="382772"/>
+          </a:xfrm>
+          <a:prstGeom prst="roundRect">
+            <a:avLst/>
+          </a:prstGeom>
+        </p:spPr>
+        <p:style>
+          <a:lnRef idx="1">
+            <a:schemeClr val="accent1"/>
+          </a:lnRef>
+          <a:fillRef idx="2">
+            <a:schemeClr val="accent1"/>
+          </a:fillRef>
+          <a:effectRef idx="1">
+            <a:schemeClr val="accent1"/>
+          </a:effectRef>
+          <a:fontRef idx="minor">
+            <a:schemeClr val="dk1"/>
+          </a:fontRef>
+        </p:style>
+        <p:txBody>
+          <a:bodyPr rtlCol="0" anchor="ctr"/>
+          <a:lstStyle/>
+          <a:p>
+            <a:pPr algn="ctr"/>
+            <a:r>
+              <a:rPr lang="en-US" dirty="0" err="1"/>
+              <a:t>DoctorService</a:t>
+            </a:r>
+            <a:endParaRPr lang="en-US" dirty="0"/>
+          </a:p>
+        </p:txBody>
+      </p:sp>
+      <p:sp>
+        <p:nvSpPr>
+          <p:cNvPr id="16" name="Rectangle: Rounded Corners 15">
+            <a:extLst>
+              <a:ext uri="{FF2B5EF4-FFF2-40B4-BE49-F238E27FC236}">
+                <a16:creationId xmlns:a16="http://schemas.microsoft.com/office/drawing/2014/main" id="{146E4767-7187-4F73-A912-BF89C14E42D3}"/>
+              </a:ext>
+            </a:extLst>
+          </p:cNvPr>
+          <p:cNvSpPr/>
+          <p:nvPr/>
+        </p:nvSpPr>
+        <p:spPr>
+          <a:xfrm>
+            <a:off x="4908693" y="4167521"/>
+            <a:ext cx="3136605" cy="382772"/>
+          </a:xfrm>
+          <a:prstGeom prst="roundRect">
+            <a:avLst/>
+          </a:prstGeom>
+        </p:spPr>
+        <p:style>
+          <a:lnRef idx="1">
+            <a:schemeClr val="accent1"/>
+          </a:lnRef>
+          <a:fillRef idx="2">
+            <a:schemeClr val="accent1"/>
+          </a:fillRef>
+          <a:effectRef idx="1">
+            <a:schemeClr val="accent1"/>
+          </a:effectRef>
+          <a:fontRef idx="minor">
+            <a:schemeClr val="dk1"/>
+          </a:fontRef>
+        </p:style>
+        <p:txBody>
+          <a:bodyPr rtlCol="0" anchor="ctr"/>
+          <a:lstStyle/>
+          <a:p>
+            <a:pPr algn="ctr"/>
+            <a:r>
+              <a:rPr lang="en-US" dirty="0" err="1"/>
+              <a:t>MedicineService</a:t>
+            </a:r>
+            <a:endParaRPr lang="en-US" dirty="0"/>
+          </a:p>
+        </p:txBody>
+      </p:sp>
+      <p:sp>
+        <p:nvSpPr>
+          <p:cNvPr id="17" name="Rectangle: Rounded Corners 16">
+            <a:extLst>
+              <a:ext uri="{FF2B5EF4-FFF2-40B4-BE49-F238E27FC236}">
+                <a16:creationId xmlns:a16="http://schemas.microsoft.com/office/drawing/2014/main" id="{9DE403C5-C6B3-43BF-ACC8-EE62B81AD575}"/>
+              </a:ext>
+            </a:extLst>
+          </p:cNvPr>
+          <p:cNvSpPr/>
+          <p:nvPr/>
+        </p:nvSpPr>
+        <p:spPr>
+          <a:xfrm>
+            <a:off x="4908693" y="4855534"/>
+            <a:ext cx="3136605" cy="382772"/>
+          </a:xfrm>
+          <a:prstGeom prst="roundRect">
+            <a:avLst/>
+          </a:prstGeom>
+        </p:spPr>
+        <p:style>
+          <a:lnRef idx="1">
+            <a:schemeClr val="accent1"/>
+          </a:lnRef>
+          <a:fillRef idx="2">
+            <a:schemeClr val="accent1"/>
+          </a:fillRef>
+          <a:effectRef idx="1">
+            <a:schemeClr val="accent1"/>
+          </a:effectRef>
+          <a:fontRef idx="minor">
+            <a:schemeClr val="dk1"/>
+          </a:fontRef>
+        </p:style>
+        <p:txBody>
+          <a:bodyPr rtlCol="0" anchor="ctr"/>
+          <a:lstStyle/>
+          <a:p>
+            <a:pPr algn="ctr"/>
+            <a:r>
+              <a:rPr lang="en-US" dirty="0" err="1"/>
+              <a:t>MessageService</a:t>
+            </a:r>
+            <a:endParaRPr lang="en-US" dirty="0"/>
+          </a:p>
+        </p:txBody>
+      </p:sp>
+      <p:sp>
+        <p:nvSpPr>
+          <p:cNvPr id="18" name="Rectangle: Rounded Corners 17">
+            <a:extLst>
+              <a:ext uri="{FF2B5EF4-FFF2-40B4-BE49-F238E27FC236}">
+                <a16:creationId xmlns:a16="http://schemas.microsoft.com/office/drawing/2014/main" id="{A3BD7E8D-97F4-4ABD-BFF2-3D0E81772489}"/>
+              </a:ext>
+            </a:extLst>
+          </p:cNvPr>
+          <p:cNvSpPr/>
+          <p:nvPr/>
+        </p:nvSpPr>
+        <p:spPr>
+          <a:xfrm>
+            <a:off x="4908694" y="5517855"/>
+            <a:ext cx="3136605" cy="382772"/>
+          </a:xfrm>
+          <a:prstGeom prst="roundRect">
+            <a:avLst/>
+          </a:prstGeom>
+        </p:spPr>
+        <p:style>
+          <a:lnRef idx="1">
+            <a:schemeClr val="accent1"/>
+          </a:lnRef>
+          <a:fillRef idx="2">
+            <a:schemeClr val="accent1"/>
+          </a:fillRef>
+          <a:effectRef idx="1">
+            <a:schemeClr val="accent1"/>
+          </a:effectRef>
+          <a:fontRef idx="minor">
+            <a:schemeClr val="dk1"/>
+          </a:fontRef>
+        </p:style>
+        <p:txBody>
+          <a:bodyPr rtlCol="0" anchor="ctr"/>
+          <a:lstStyle/>
+          <a:p>
+            <a:pPr algn="ctr"/>
+            <a:r>
+              <a:rPr lang="en-US" dirty="0" err="1"/>
+              <a:t>PatientService</a:t>
+            </a:r>
+            <a:endParaRPr lang="en-US" dirty="0"/>
+          </a:p>
+        </p:txBody>
+      </p:sp>
+      <p:sp>
+        <p:nvSpPr>
+          <p:cNvPr id="19" name="Rectangle: Rounded Corners 18">
+            <a:extLst>
+              <a:ext uri="{FF2B5EF4-FFF2-40B4-BE49-F238E27FC236}">
+                <a16:creationId xmlns:a16="http://schemas.microsoft.com/office/drawing/2014/main" id="{70EC7DF3-8DAD-4C68-B6BA-FB811A4137CF}"/>
+              </a:ext>
+            </a:extLst>
+          </p:cNvPr>
+          <p:cNvSpPr/>
+          <p:nvPr/>
+        </p:nvSpPr>
+        <p:spPr>
+          <a:xfrm>
+            <a:off x="4908695" y="6126126"/>
+            <a:ext cx="3136605" cy="382772"/>
+          </a:xfrm>
+          <a:prstGeom prst="roundRect">
+            <a:avLst/>
+          </a:prstGeom>
+        </p:spPr>
+        <p:style>
+          <a:lnRef idx="1">
+            <a:schemeClr val="accent1"/>
+          </a:lnRef>
+          <a:fillRef idx="2">
+            <a:schemeClr val="accent1"/>
+          </a:fillRef>
+          <a:effectRef idx="1">
+            <a:schemeClr val="accent1"/>
+          </a:effectRef>
+          <a:fontRef idx="minor">
+            <a:schemeClr val="dk1"/>
+          </a:fontRef>
+        </p:style>
+        <p:txBody>
+          <a:bodyPr rtlCol="0" anchor="ctr"/>
+          <a:lstStyle/>
+          <a:p>
+            <a:pPr algn="ctr"/>
+            <a:r>
+              <a:rPr lang="en-US" dirty="0" err="1"/>
+              <a:t>PharmacistService</a:t>
+            </a:r>
+            <a:endParaRPr lang="en-US" dirty="0"/>
+          </a:p>
+        </p:txBody>
+      </p:sp>
+      <p:sp>
+        <p:nvSpPr>
+          <p:cNvPr id="20" name="Rectangle: Rounded Corners 19">
+            <a:extLst>
+              <a:ext uri="{FF2B5EF4-FFF2-40B4-BE49-F238E27FC236}">
+                <a16:creationId xmlns:a16="http://schemas.microsoft.com/office/drawing/2014/main" id="{7FFB44E4-BA01-41C0-9BAE-CE9B9FF512E6}"/>
+              </a:ext>
+            </a:extLst>
+          </p:cNvPr>
+          <p:cNvSpPr/>
+          <p:nvPr/>
+        </p:nvSpPr>
+        <p:spPr>
+          <a:xfrm>
+            <a:off x="8965008" y="1465964"/>
+            <a:ext cx="2188545" cy="382772"/>
+          </a:xfrm>
+          <a:prstGeom prst="roundRect">
+            <a:avLst/>
+          </a:prstGeom>
+        </p:spPr>
+        <p:style>
+          <a:lnRef idx="1">
+            <a:schemeClr val="accent1"/>
+          </a:lnRef>
+          <a:fillRef idx="2">
+            <a:schemeClr val="accent1"/>
+          </a:fillRef>
+          <a:effectRef idx="1">
+            <a:schemeClr val="accent1"/>
+          </a:effectRef>
+          <a:fontRef idx="minor">
+            <a:schemeClr val="dk1"/>
+          </a:fontRef>
+        </p:style>
+        <p:txBody>
+          <a:bodyPr rtlCol="0" anchor="ctr"/>
+          <a:lstStyle/>
+          <a:p>
+            <a:pPr algn="ctr"/>
+            <a:r>
+              <a:rPr lang="en-US" dirty="0"/>
+              <a:t>Address</a:t>
+            </a:r>
+          </a:p>
+        </p:txBody>
+      </p:sp>
+      <p:sp>
+        <p:nvSpPr>
+          <p:cNvPr id="21" name="Rectangle: Rounded Corners 20">
+            <a:extLst>
+              <a:ext uri="{FF2B5EF4-FFF2-40B4-BE49-F238E27FC236}">
+                <a16:creationId xmlns:a16="http://schemas.microsoft.com/office/drawing/2014/main" id="{D98F94B4-3578-4909-B4CD-0F55572674B8}"/>
+              </a:ext>
+            </a:extLst>
+          </p:cNvPr>
+          <p:cNvSpPr/>
+          <p:nvPr/>
+        </p:nvSpPr>
+        <p:spPr>
+          <a:xfrm>
+            <a:off x="8959687" y="2064045"/>
+            <a:ext cx="2188545" cy="382772"/>
+          </a:xfrm>
+          <a:prstGeom prst="roundRect">
+            <a:avLst/>
+          </a:prstGeom>
+        </p:spPr>
+        <p:style>
+          <a:lnRef idx="1">
+            <a:schemeClr val="accent1"/>
+          </a:lnRef>
+          <a:fillRef idx="2">
+            <a:schemeClr val="accent1"/>
+          </a:fillRef>
+          <a:effectRef idx="1">
+            <a:schemeClr val="accent1"/>
+          </a:effectRef>
+          <a:fontRef idx="minor">
+            <a:schemeClr val="dk1"/>
+          </a:fontRef>
+        </p:style>
+        <p:txBody>
+          <a:bodyPr rtlCol="0" anchor="ctr"/>
+          <a:lstStyle/>
+          <a:p>
+            <a:pPr algn="ctr"/>
+            <a:r>
+              <a:rPr lang="en-US" dirty="0"/>
+              <a:t>Admin</a:t>
+            </a:r>
+          </a:p>
+        </p:txBody>
+      </p:sp>
+      <p:sp>
+        <p:nvSpPr>
+          <p:cNvPr id="22" name="Rectangle: Rounded Corners 21">
+            <a:extLst>
+              <a:ext uri="{FF2B5EF4-FFF2-40B4-BE49-F238E27FC236}">
+                <a16:creationId xmlns:a16="http://schemas.microsoft.com/office/drawing/2014/main" id="{503FD8B5-56FA-4F81-929E-521F8BBCE480}"/>
+              </a:ext>
+            </a:extLst>
+          </p:cNvPr>
+          <p:cNvSpPr/>
+          <p:nvPr/>
+        </p:nvSpPr>
+        <p:spPr>
+          <a:xfrm>
+            <a:off x="8959688" y="2628901"/>
+            <a:ext cx="2188545" cy="382772"/>
+          </a:xfrm>
+          <a:prstGeom prst="roundRect">
+            <a:avLst/>
+          </a:prstGeom>
+        </p:spPr>
+        <p:style>
+          <a:lnRef idx="1">
+            <a:schemeClr val="accent1"/>
+          </a:lnRef>
+          <a:fillRef idx="2">
+            <a:schemeClr val="accent1"/>
+          </a:fillRef>
+          <a:effectRef idx="1">
+            <a:schemeClr val="accent1"/>
+          </a:effectRef>
+          <a:fontRef idx="minor">
+            <a:schemeClr val="dk1"/>
+          </a:fontRef>
+        </p:style>
+        <p:txBody>
+          <a:bodyPr rtlCol="0" anchor="ctr"/>
+          <a:lstStyle/>
+          <a:p>
+            <a:pPr algn="ctr"/>
+            <a:r>
+              <a:rPr lang="en-US" dirty="0"/>
+              <a:t>Appointment</a:t>
+            </a:r>
+          </a:p>
+        </p:txBody>
+      </p:sp>
+      <p:sp>
+        <p:nvSpPr>
+          <p:cNvPr id="23" name="Rectangle: Rounded Corners 22">
+            <a:extLst>
+              <a:ext uri="{FF2B5EF4-FFF2-40B4-BE49-F238E27FC236}">
+                <a16:creationId xmlns:a16="http://schemas.microsoft.com/office/drawing/2014/main" id="{1BC80DD8-E027-4B82-9395-7212FB96A64A}"/>
+              </a:ext>
+            </a:extLst>
+          </p:cNvPr>
+          <p:cNvSpPr/>
+          <p:nvPr/>
+        </p:nvSpPr>
+        <p:spPr>
+          <a:xfrm>
+            <a:off x="8959688" y="3281695"/>
+            <a:ext cx="2188545" cy="382772"/>
+          </a:xfrm>
+          <a:prstGeom prst="roundRect">
+            <a:avLst/>
+          </a:prstGeom>
+        </p:spPr>
+        <p:style>
+          <a:lnRef idx="1">
+            <a:schemeClr val="accent1"/>
+          </a:lnRef>
+          <a:fillRef idx="2">
+            <a:schemeClr val="accent1"/>
+          </a:fillRef>
+          <a:effectRef idx="1">
+            <a:schemeClr val="accent1"/>
+          </a:effectRef>
+          <a:fontRef idx="minor">
+            <a:schemeClr val="dk1"/>
+          </a:fontRef>
+        </p:style>
+        <p:txBody>
+          <a:bodyPr rtlCol="0" anchor="ctr"/>
+          <a:lstStyle/>
+          <a:p>
+            <a:pPr algn="ctr"/>
+            <a:r>
+              <a:rPr lang="en-US" dirty="0" err="1"/>
+              <a:t>BookMedicine</a:t>
+            </a:r>
+            <a:endParaRPr lang="en-US" dirty="0"/>
+          </a:p>
+        </p:txBody>
+      </p:sp>
+      <p:sp>
+        <p:nvSpPr>
+          <p:cNvPr id="24" name="Rectangle: Rounded Corners 23">
+            <a:extLst>
+              <a:ext uri="{FF2B5EF4-FFF2-40B4-BE49-F238E27FC236}">
+                <a16:creationId xmlns:a16="http://schemas.microsoft.com/office/drawing/2014/main" id="{2899639F-F7D5-4944-8416-31210589710A}"/>
+              </a:ext>
+            </a:extLst>
+          </p:cNvPr>
+          <p:cNvSpPr/>
+          <p:nvPr/>
+        </p:nvSpPr>
+        <p:spPr>
+          <a:xfrm>
+            <a:off x="8965005" y="3890852"/>
+            <a:ext cx="2188545" cy="382772"/>
+          </a:xfrm>
+          <a:prstGeom prst="roundRect">
+            <a:avLst/>
+          </a:prstGeom>
+        </p:spPr>
+        <p:style>
+          <a:lnRef idx="1">
+            <a:schemeClr val="accent1"/>
+          </a:lnRef>
+          <a:fillRef idx="2">
+            <a:schemeClr val="accent1"/>
+          </a:fillRef>
+          <a:effectRef idx="1">
+            <a:schemeClr val="accent1"/>
+          </a:effectRef>
+          <a:fontRef idx="minor">
+            <a:schemeClr val="dk1"/>
+          </a:fontRef>
+        </p:style>
+        <p:txBody>
+          <a:bodyPr rtlCol="0" anchor="ctr"/>
+          <a:lstStyle/>
+          <a:p>
+            <a:pPr algn="ctr"/>
+            <a:r>
+              <a:rPr lang="en-US" dirty="0"/>
+              <a:t>Doctor</a:t>
+            </a:r>
+          </a:p>
+        </p:txBody>
+      </p:sp>
+      <p:sp>
+        <p:nvSpPr>
+          <p:cNvPr id="25" name="Rectangle: Rounded Corners 24">
+            <a:extLst>
+              <a:ext uri="{FF2B5EF4-FFF2-40B4-BE49-F238E27FC236}">
+                <a16:creationId xmlns:a16="http://schemas.microsoft.com/office/drawing/2014/main" id="{51640DD9-466F-4036-A2AA-CDFE6810BE74}"/>
+              </a:ext>
+            </a:extLst>
+          </p:cNvPr>
+          <p:cNvSpPr/>
+          <p:nvPr/>
+        </p:nvSpPr>
+        <p:spPr>
+          <a:xfrm>
+            <a:off x="8965005" y="4472762"/>
+            <a:ext cx="2188545" cy="382772"/>
+          </a:xfrm>
+          <a:prstGeom prst="roundRect">
+            <a:avLst/>
+          </a:prstGeom>
+        </p:spPr>
+        <p:style>
+          <a:lnRef idx="1">
+            <a:schemeClr val="accent1"/>
+          </a:lnRef>
+          <a:fillRef idx="2">
+            <a:schemeClr val="accent1"/>
+          </a:fillRef>
+          <a:effectRef idx="1">
+            <a:schemeClr val="accent1"/>
+          </a:effectRef>
+          <a:fontRef idx="minor">
+            <a:schemeClr val="dk1"/>
+          </a:fontRef>
+        </p:style>
+        <p:txBody>
+          <a:bodyPr rtlCol="0" anchor="ctr"/>
+          <a:lstStyle/>
+          <a:p>
+            <a:pPr algn="ctr"/>
+            <a:r>
+              <a:rPr lang="en-US" dirty="0"/>
+              <a:t>Medicine</a:t>
+            </a:r>
+          </a:p>
+        </p:txBody>
+      </p:sp>
+      <p:sp>
+        <p:nvSpPr>
+          <p:cNvPr id="26" name="Rectangle: Rounded Corners 25">
+            <a:extLst>
+              <a:ext uri="{FF2B5EF4-FFF2-40B4-BE49-F238E27FC236}">
+                <a16:creationId xmlns:a16="http://schemas.microsoft.com/office/drawing/2014/main" id="{FECA6655-3162-4692-8B54-DAC322D5784C}"/>
+              </a:ext>
+            </a:extLst>
+          </p:cNvPr>
+          <p:cNvSpPr/>
+          <p:nvPr/>
+        </p:nvSpPr>
+        <p:spPr>
+          <a:xfrm>
+            <a:off x="8965006" y="5042048"/>
+            <a:ext cx="2188545" cy="382772"/>
+          </a:xfrm>
+          <a:prstGeom prst="roundRect">
+            <a:avLst/>
+          </a:prstGeom>
+        </p:spPr>
+        <p:style>
+          <a:lnRef idx="1">
+            <a:schemeClr val="accent1"/>
+          </a:lnRef>
+          <a:fillRef idx="2">
+            <a:schemeClr val="accent1"/>
+          </a:fillRef>
+          <a:effectRef idx="1">
+            <a:schemeClr val="accent1"/>
+          </a:effectRef>
+          <a:fontRef idx="minor">
+            <a:schemeClr val="dk1"/>
+          </a:fontRef>
+        </p:style>
+        <p:txBody>
+          <a:bodyPr rtlCol="0" anchor="ctr"/>
+          <a:lstStyle/>
+          <a:p>
+            <a:pPr algn="ctr"/>
+            <a:r>
+              <a:rPr lang="en-US" dirty="0"/>
+              <a:t>Patient</a:t>
+            </a:r>
+          </a:p>
+        </p:txBody>
+      </p:sp>
+      <p:sp>
+        <p:nvSpPr>
+          <p:cNvPr id="27" name="Rectangle: Rounded Corners 26">
+            <a:extLst>
+              <a:ext uri="{FF2B5EF4-FFF2-40B4-BE49-F238E27FC236}">
+                <a16:creationId xmlns:a16="http://schemas.microsoft.com/office/drawing/2014/main" id="{36FC0B9A-4D52-455A-8320-D052E0BBCB05}"/>
+              </a:ext>
+            </a:extLst>
+          </p:cNvPr>
+          <p:cNvSpPr/>
+          <p:nvPr/>
+        </p:nvSpPr>
+        <p:spPr>
+          <a:xfrm>
+            <a:off x="8965007" y="5582093"/>
+            <a:ext cx="2188545" cy="382772"/>
+          </a:xfrm>
+          <a:prstGeom prst="roundRect">
+            <a:avLst/>
+          </a:prstGeom>
+        </p:spPr>
+        <p:style>
+          <a:lnRef idx="1">
+            <a:schemeClr val="accent1"/>
+          </a:lnRef>
+          <a:fillRef idx="2">
+            <a:schemeClr val="accent1"/>
+          </a:fillRef>
+          <a:effectRef idx="1">
+            <a:schemeClr val="accent1"/>
+          </a:effectRef>
+          <a:fontRef idx="minor">
+            <a:schemeClr val="dk1"/>
+          </a:fontRef>
+        </p:style>
+        <p:txBody>
+          <a:bodyPr rtlCol="0" anchor="ctr"/>
+          <a:lstStyle/>
+          <a:p>
+            <a:pPr algn="ctr"/>
+            <a:r>
+              <a:rPr lang="en-US" dirty="0"/>
+              <a:t>Person</a:t>
+            </a:r>
+          </a:p>
+        </p:txBody>
+      </p:sp>
+      <p:sp>
+        <p:nvSpPr>
+          <p:cNvPr id="28" name="Rectangle: Rounded Corners 27">
+            <a:extLst>
+              <a:ext uri="{FF2B5EF4-FFF2-40B4-BE49-F238E27FC236}">
+                <a16:creationId xmlns:a16="http://schemas.microsoft.com/office/drawing/2014/main" id="{76335B12-7D3D-45BD-BADA-958D5574FDDE}"/>
+              </a:ext>
+            </a:extLst>
+          </p:cNvPr>
+          <p:cNvSpPr/>
+          <p:nvPr/>
+        </p:nvSpPr>
+        <p:spPr>
+          <a:xfrm>
+            <a:off x="8959687" y="6087140"/>
+            <a:ext cx="2328545" cy="382772"/>
+          </a:xfrm>
+          <a:prstGeom prst="roundRect">
+            <a:avLst/>
+          </a:prstGeom>
+        </p:spPr>
+        <p:style>
+          <a:lnRef idx="1">
+            <a:schemeClr val="accent1"/>
+          </a:lnRef>
+          <a:fillRef idx="2">
+            <a:schemeClr val="accent1"/>
+          </a:fillRef>
+          <a:effectRef idx="1">
+            <a:schemeClr val="accent1"/>
+          </a:effectRef>
+          <a:fontRef idx="minor">
+            <a:schemeClr val="dk1"/>
+          </a:fontRef>
+        </p:style>
+        <p:txBody>
+          <a:bodyPr rtlCol="0" anchor="ctr"/>
+          <a:lstStyle/>
+          <a:p>
+            <a:pPr algn="ctr"/>
+            <a:r>
+              <a:rPr lang="en-US" dirty="0" err="1"/>
+              <a:t>ResponseMessage</a:t>
+            </a:r>
+            <a:endParaRPr lang="en-US" dirty="0"/>
           </a:p>
         </p:txBody>
       </p:sp>
     </p:spTree>
     <p:extLst>
       <p:ext uri="{BB962C8B-B14F-4D97-AF65-F5344CB8AC3E}">
-        <p14:creationId xmlns:p14="http://schemas.microsoft.com/office/powerpoint/2010/main" val="2827295984"/>
+        <p14:creationId xmlns:p14="http://schemas.microsoft.com/office/powerpoint/2010/main" val="1535160733"/>
       </p:ext>
     </p:extLst>
   </p:cSld>
@@ -10692,7 +12016,7 @@
           <p:cNvPr id="2" name="Title 1">
             <a:extLst>
               <a:ext uri="{FF2B5EF4-FFF2-40B4-BE49-F238E27FC236}">
-                <a16:creationId xmlns:a16="http://schemas.microsoft.com/office/drawing/2014/main" id="{4008C12A-8694-469A-9E57-171A9994E1D0}"/>
+                <a16:creationId xmlns:a16="http://schemas.microsoft.com/office/drawing/2014/main" id="{1689AB6F-3252-4565-9BDC-D4F465998D57}"/>
               </a:ext>
             </a:extLst>
           </p:cNvPr>
@@ -10703,14 +12027,20 @@
             <p:ph type="title"/>
           </p:nvPr>
         </p:nvSpPr>
-        <p:spPr/>
+        <p:spPr>
+          <a:xfrm>
+            <a:off x="1806116" y="634742"/>
+            <a:ext cx="8911687" cy="1280890"/>
+          </a:xfrm>
+        </p:spPr>
         <p:txBody>
           <a:bodyPr/>
           <a:lstStyle/>
           <a:p>
+            <a:pPr algn="ctr"/>
             <a:r>
               <a:rPr lang="en-US" dirty="0"/>
-              <a:t>               Future RoadMap</a:t>
+              <a:t>Dependencies</a:t>
             </a:r>
           </a:p>
         </p:txBody>
@@ -10720,7 +12050,7 @@
           <p:cNvPr id="3" name="Content Placeholder 2">
             <a:extLst>
               <a:ext uri="{FF2B5EF4-FFF2-40B4-BE49-F238E27FC236}">
-                <a16:creationId xmlns:a16="http://schemas.microsoft.com/office/drawing/2014/main" id="{09AE706B-1512-4702-8710-FA5A521954C4}"/>
+                <a16:creationId xmlns:a16="http://schemas.microsoft.com/office/drawing/2014/main" id="{C135B01E-AB10-4AD9-8CF0-6A599953CA29}"/>
               </a:ext>
             </a:extLst>
           </p:cNvPr>
@@ -10731,48 +12061,112 @@
             <p:ph idx="1"/>
           </p:nvPr>
         </p:nvSpPr>
-        <p:spPr/>
-        <p:txBody>
-          <a:bodyPr/>
+        <p:spPr>
+          <a:xfrm>
+            <a:off x="2046952" y="1669311"/>
+            <a:ext cx="8915400" cy="4433777"/>
+          </a:xfrm>
+        </p:spPr>
+        <p:txBody>
+          <a:bodyPr>
+            <a:normAutofit/>
+          </a:bodyPr>
           <a:lstStyle/>
           <a:p>
             <a:r>
               <a:rPr lang="en-US" dirty="0"/>
-              <a:t> Payment function for the patients</a:t>
+              <a:t>spring-boot-starter-web</a:t>
             </a:r>
           </a:p>
           <a:p>
             <a:r>
               <a:rPr lang="en-US" dirty="0"/>
-              <a:t> Tracking of the medicine orders</a:t>
-            </a:r>
+              <a:t>persistence-</a:t>
+            </a:r>
+            <a:r>
+              <a:rPr lang="en-US" dirty="0" err="1"/>
+              <a:t>api</a:t>
+            </a:r>
+            <a:endParaRPr lang="en-US" dirty="0"/>
           </a:p>
           <a:p>
             <a:r>
               <a:rPr lang="en-US" dirty="0"/>
-              <a:t> Rating the doctor </a:t>
-            </a:r>
+              <a:t>spring-boot-starter-data-</a:t>
+            </a:r>
+            <a:r>
+              <a:rPr lang="en-US" dirty="0" err="1"/>
+              <a:t>mongodb</a:t>
+            </a:r>
+            <a:endParaRPr lang="en-US" dirty="0"/>
           </a:p>
           <a:p>
             <a:r>
               <a:rPr lang="en-US" dirty="0"/>
-              <a:t> </a:t>
+              <a:t>commons-</a:t>
             </a:r>
             <a:r>
               <a:rPr lang="en-US" dirty="0" err="1"/>
-              <a:t>FollowUp</a:t>
-            </a:r>
+              <a:t>lang</a:t>
+            </a:r>
+            <a:endParaRPr lang="en-US" dirty="0"/>
+          </a:p>
+          <a:p>
             <a:r>
               <a:rPr lang="en-US" dirty="0"/>
-              <a:t> records of patients.</a:t>
-            </a:r>
+              <a:t>spring-boot-starter-test</a:t>
+            </a:r>
+          </a:p>
+          <a:p>
+            <a:r>
+              <a:rPr lang="en-US" dirty="0"/>
+              <a:t>spring-boot-</a:t>
+            </a:r>
+            <a:r>
+              <a:rPr lang="en-US" dirty="0" err="1"/>
+              <a:t>devtools</a:t>
+            </a:r>
+            <a:endParaRPr lang="en-US" dirty="0"/>
+          </a:p>
+          <a:p>
+            <a:r>
+              <a:rPr lang="en-US" dirty="0"/>
+              <a:t>spring-boot-starter-actuator</a:t>
+            </a:r>
+          </a:p>
+          <a:p>
+            <a:r>
+              <a:rPr lang="en-US" dirty="0"/>
+              <a:t>spring-boot-starter-security</a:t>
+            </a:r>
+          </a:p>
+          <a:p>
+            <a:r>
+              <a:rPr lang="en-US" dirty="0"/>
+              <a:t>spring-boot-starter-mail</a:t>
+            </a:r>
+          </a:p>
+          <a:p>
+            <a:r>
+              <a:rPr lang="en-US" dirty="0" err="1"/>
+              <a:t>twilio</a:t>
+            </a:r>
+            <a:r>
+              <a:rPr lang="en-US" dirty="0"/>
+              <a:t>-java-</a:t>
+            </a:r>
+            <a:r>
+              <a:rPr lang="en-US" dirty="0" err="1"/>
+              <a:t>sdk</a:t>
+            </a:r>
+            <a:endParaRPr lang="en-US" dirty="0"/>
           </a:p>
         </p:txBody>
       </p:sp>
     </p:spTree>
     <p:extLst>
       <p:ext uri="{BB962C8B-B14F-4D97-AF65-F5344CB8AC3E}">
-        <p14:creationId xmlns:p14="http://schemas.microsoft.com/office/powerpoint/2010/main" val="3980595745"/>
+        <p14:creationId xmlns:p14="http://schemas.microsoft.com/office/powerpoint/2010/main" val="2959944365"/>
       </p:ext>
     </p:extLst>
   </p:cSld>

--- a/presentation/QURE PPT.pptx
+++ b/presentation/QURE PPT.pptx
@@ -5,7 +5,7 @@
     <p:sldMasterId id="2147483689" r:id="rId1"/>
   </p:sldMasterIdLst>
   <p:notesMasterIdLst>
-    <p:notesMasterId r:id="rId19"/>
+    <p:notesMasterId r:id="rId21"/>
   </p:notesMasterIdLst>
   <p:sldIdLst>
     <p:sldId id="256" r:id="rId2"/>
@@ -13,18 +13,20 @@
     <p:sldId id="268" r:id="rId4"/>
     <p:sldId id="266" r:id="rId5"/>
     <p:sldId id="258" r:id="rId6"/>
-    <p:sldId id="269" r:id="rId7"/>
-    <p:sldId id="259" r:id="rId8"/>
-    <p:sldId id="271" r:id="rId9"/>
-    <p:sldId id="272" r:id="rId10"/>
-    <p:sldId id="267" r:id="rId11"/>
-    <p:sldId id="261" r:id="rId12"/>
-    <p:sldId id="270" r:id="rId13"/>
-    <p:sldId id="260" r:id="rId14"/>
-    <p:sldId id="263" r:id="rId15"/>
-    <p:sldId id="264" r:id="rId16"/>
-    <p:sldId id="265" r:id="rId17"/>
-    <p:sldId id="262" r:id="rId18"/>
+    <p:sldId id="259" r:id="rId7"/>
+    <p:sldId id="269" r:id="rId8"/>
+    <p:sldId id="273" r:id="rId9"/>
+    <p:sldId id="274" r:id="rId10"/>
+    <p:sldId id="271" r:id="rId11"/>
+    <p:sldId id="272" r:id="rId12"/>
+    <p:sldId id="267" r:id="rId13"/>
+    <p:sldId id="261" r:id="rId14"/>
+    <p:sldId id="270" r:id="rId15"/>
+    <p:sldId id="260" r:id="rId16"/>
+    <p:sldId id="263" r:id="rId17"/>
+    <p:sldId id="264" r:id="rId18"/>
+    <p:sldId id="265" r:id="rId19"/>
+    <p:sldId id="262" r:id="rId20"/>
   </p:sldIdLst>
   <p:sldSz cx="12192000" cy="6858000"/>
   <p:notesSz cx="6858000" cy="9144000"/>
@@ -8193,7 +8195,7 @@
           <p:cNvPr id="2" name="Title 1">
             <a:extLst>
               <a:ext uri="{FF2B5EF4-FFF2-40B4-BE49-F238E27FC236}">
-                <a16:creationId xmlns:a16="http://schemas.microsoft.com/office/drawing/2014/main" id="{44FBA459-2C1E-47E6-8E51-68BBD22EC7DF}"/>
+                <a16:creationId xmlns:a16="http://schemas.microsoft.com/office/drawing/2014/main" id="{D69FE7C5-79F8-454A-AD54-BC0FF8D00823}"/>
               </a:ext>
             </a:extLst>
           </p:cNvPr>
@@ -8206,29 +8208,1173 @@
         </p:nvSpPr>
         <p:spPr>
           <a:xfrm>
-            <a:off x="1640156" y="2671597"/>
-            <a:ext cx="8911687" cy="1280890"/>
-          </a:xfrm>
-        </p:spPr>
-        <p:txBody>
-          <a:bodyPr/>
-          <a:lstStyle/>
-          <a:p>
+            <a:off x="2466748" y="230928"/>
+            <a:ext cx="8911687" cy="566737"/>
+          </a:xfrm>
+        </p:spPr>
+        <p:txBody>
+          <a:bodyPr>
+            <a:normAutofit fontScale="90000"/>
+          </a:bodyPr>
+          <a:lstStyle/>
+          <a:p>
+            <a:pPr algn="ctr"/>
             <a:r>
               <a:rPr lang="en-US" dirty="0"/>
-              <a:t>              </a:t>
-            </a:r>
-            <a:r>
-              <a:rPr lang="en-US" sz="7200" dirty="0"/>
-              <a:t>    DEMO</a:t>
-            </a:r>
+              <a:t>Controllers, Services And Models</a:t>
+            </a:r>
+          </a:p>
+        </p:txBody>
+      </p:sp>
+      <p:sp>
+        <p:nvSpPr>
+          <p:cNvPr id="4" name="Rectangle: Rounded Corners 3">
+            <a:extLst>
+              <a:ext uri="{FF2B5EF4-FFF2-40B4-BE49-F238E27FC236}">
+                <a16:creationId xmlns:a16="http://schemas.microsoft.com/office/drawing/2014/main" id="{AA292618-307E-4094-9165-6CCA71A69735}"/>
+              </a:ext>
+            </a:extLst>
+          </p:cNvPr>
+          <p:cNvSpPr/>
+          <p:nvPr/>
+        </p:nvSpPr>
+        <p:spPr>
+          <a:xfrm>
+            <a:off x="898446" y="1496755"/>
+            <a:ext cx="3136605" cy="382772"/>
+          </a:xfrm>
+          <a:prstGeom prst="roundRect">
+            <a:avLst/>
+          </a:prstGeom>
+        </p:spPr>
+        <p:style>
+          <a:lnRef idx="1">
+            <a:schemeClr val="accent1"/>
+          </a:lnRef>
+          <a:fillRef idx="2">
+            <a:schemeClr val="accent1"/>
+          </a:fillRef>
+          <a:effectRef idx="1">
+            <a:schemeClr val="accent1"/>
+          </a:effectRef>
+          <a:fontRef idx="minor">
+            <a:schemeClr val="dk1"/>
+          </a:fontRef>
+        </p:style>
+        <p:txBody>
+          <a:bodyPr rtlCol="0" anchor="ctr"/>
+          <a:lstStyle/>
+          <a:p>
+            <a:pPr algn="ctr"/>
+            <a:r>
+              <a:rPr lang="en-US" dirty="0" err="1"/>
+              <a:t>AdminController</a:t>
+            </a:r>
+            <a:endParaRPr lang="en-US" dirty="0"/>
+          </a:p>
+        </p:txBody>
+      </p:sp>
+      <p:sp>
+        <p:nvSpPr>
+          <p:cNvPr id="5" name="Rectangle: Rounded Corners 4">
+            <a:extLst>
+              <a:ext uri="{FF2B5EF4-FFF2-40B4-BE49-F238E27FC236}">
+                <a16:creationId xmlns:a16="http://schemas.microsoft.com/office/drawing/2014/main" id="{7F10F9C8-242A-46A1-A7C2-B3F6E2AF5E2B}"/>
+              </a:ext>
+            </a:extLst>
+          </p:cNvPr>
+          <p:cNvSpPr/>
+          <p:nvPr/>
+        </p:nvSpPr>
+        <p:spPr>
+          <a:xfrm>
+            <a:off x="903765" y="2255431"/>
+            <a:ext cx="3136605" cy="382772"/>
+          </a:xfrm>
+          <a:prstGeom prst="roundRect">
+            <a:avLst/>
+          </a:prstGeom>
+        </p:spPr>
+        <p:style>
+          <a:lnRef idx="1">
+            <a:schemeClr val="accent1"/>
+          </a:lnRef>
+          <a:fillRef idx="2">
+            <a:schemeClr val="accent1"/>
+          </a:fillRef>
+          <a:effectRef idx="1">
+            <a:schemeClr val="accent1"/>
+          </a:effectRef>
+          <a:fontRef idx="minor">
+            <a:schemeClr val="dk1"/>
+          </a:fontRef>
+        </p:style>
+        <p:txBody>
+          <a:bodyPr rtlCol="0" anchor="ctr"/>
+          <a:lstStyle/>
+          <a:p>
+            <a:pPr algn="ctr"/>
+            <a:r>
+              <a:rPr lang="en-US" dirty="0" err="1"/>
+              <a:t>AppointmentController</a:t>
+            </a:r>
+            <a:endParaRPr lang="en-US" dirty="0"/>
+          </a:p>
+        </p:txBody>
+      </p:sp>
+      <p:sp>
+        <p:nvSpPr>
+          <p:cNvPr id="6" name="Rectangle: Rounded Corners 5">
+            <a:extLst>
+              <a:ext uri="{FF2B5EF4-FFF2-40B4-BE49-F238E27FC236}">
+                <a16:creationId xmlns:a16="http://schemas.microsoft.com/office/drawing/2014/main" id="{2377CBDA-D22B-42CC-9854-7C41A5D8AD27}"/>
+              </a:ext>
+            </a:extLst>
+          </p:cNvPr>
+          <p:cNvSpPr/>
+          <p:nvPr/>
+        </p:nvSpPr>
+        <p:spPr>
+          <a:xfrm>
+            <a:off x="903765" y="2947434"/>
+            <a:ext cx="3136605" cy="382772"/>
+          </a:xfrm>
+          <a:prstGeom prst="roundRect">
+            <a:avLst/>
+          </a:prstGeom>
+        </p:spPr>
+        <p:style>
+          <a:lnRef idx="1">
+            <a:schemeClr val="accent1"/>
+          </a:lnRef>
+          <a:fillRef idx="2">
+            <a:schemeClr val="accent1"/>
+          </a:fillRef>
+          <a:effectRef idx="1">
+            <a:schemeClr val="accent1"/>
+          </a:effectRef>
+          <a:fontRef idx="minor">
+            <a:schemeClr val="dk1"/>
+          </a:fontRef>
+        </p:style>
+        <p:txBody>
+          <a:bodyPr rtlCol="0" anchor="ctr"/>
+          <a:lstStyle/>
+          <a:p>
+            <a:pPr algn="ctr"/>
+            <a:r>
+              <a:rPr lang="en-US" dirty="0" err="1"/>
+              <a:t>BookMedicineController</a:t>
+            </a:r>
+            <a:endParaRPr lang="en-US" dirty="0"/>
+          </a:p>
+        </p:txBody>
+      </p:sp>
+      <p:sp>
+        <p:nvSpPr>
+          <p:cNvPr id="7" name="Rectangle: Rounded Corners 6">
+            <a:extLst>
+              <a:ext uri="{FF2B5EF4-FFF2-40B4-BE49-F238E27FC236}">
+                <a16:creationId xmlns:a16="http://schemas.microsoft.com/office/drawing/2014/main" id="{296D084A-5978-4E7B-AB30-68C980E7976A}"/>
+              </a:ext>
+            </a:extLst>
+          </p:cNvPr>
+          <p:cNvSpPr/>
+          <p:nvPr/>
+        </p:nvSpPr>
+        <p:spPr>
+          <a:xfrm>
+            <a:off x="903766" y="3784749"/>
+            <a:ext cx="3136605" cy="382772"/>
+          </a:xfrm>
+          <a:prstGeom prst="roundRect">
+            <a:avLst/>
+          </a:prstGeom>
+        </p:spPr>
+        <p:style>
+          <a:lnRef idx="1">
+            <a:schemeClr val="accent1"/>
+          </a:lnRef>
+          <a:fillRef idx="2">
+            <a:schemeClr val="accent1"/>
+          </a:fillRef>
+          <a:effectRef idx="1">
+            <a:schemeClr val="accent1"/>
+          </a:effectRef>
+          <a:fontRef idx="minor">
+            <a:schemeClr val="dk1"/>
+          </a:fontRef>
+        </p:style>
+        <p:txBody>
+          <a:bodyPr rtlCol="0" anchor="ctr"/>
+          <a:lstStyle/>
+          <a:p>
+            <a:pPr algn="ctr"/>
+            <a:r>
+              <a:rPr lang="en-US" dirty="0" err="1"/>
+              <a:t>DoctorController</a:t>
+            </a:r>
+            <a:endParaRPr lang="en-US" dirty="0"/>
+          </a:p>
+        </p:txBody>
+      </p:sp>
+      <p:sp>
+        <p:nvSpPr>
+          <p:cNvPr id="8" name="Rectangle: Rounded Corners 7">
+            <a:extLst>
+              <a:ext uri="{FF2B5EF4-FFF2-40B4-BE49-F238E27FC236}">
+                <a16:creationId xmlns:a16="http://schemas.microsoft.com/office/drawing/2014/main" id="{DA1D910B-2A44-4B71-83E2-9B7367F3236D}"/>
+              </a:ext>
+            </a:extLst>
+          </p:cNvPr>
+          <p:cNvSpPr/>
+          <p:nvPr/>
+        </p:nvSpPr>
+        <p:spPr>
+          <a:xfrm>
+            <a:off x="903766" y="4572887"/>
+            <a:ext cx="3136605" cy="382772"/>
+          </a:xfrm>
+          <a:prstGeom prst="roundRect">
+            <a:avLst/>
+          </a:prstGeom>
+        </p:spPr>
+        <p:style>
+          <a:lnRef idx="1">
+            <a:schemeClr val="accent1"/>
+          </a:lnRef>
+          <a:fillRef idx="2">
+            <a:schemeClr val="accent1"/>
+          </a:fillRef>
+          <a:effectRef idx="1">
+            <a:schemeClr val="accent1"/>
+          </a:effectRef>
+          <a:fontRef idx="minor">
+            <a:schemeClr val="dk1"/>
+          </a:fontRef>
+        </p:style>
+        <p:txBody>
+          <a:bodyPr rtlCol="0" anchor="ctr"/>
+          <a:lstStyle/>
+          <a:p>
+            <a:pPr algn="ctr"/>
+            <a:r>
+              <a:rPr lang="en-US" dirty="0" err="1"/>
+              <a:t>MedicineController</a:t>
+            </a:r>
+            <a:endParaRPr lang="en-US" dirty="0"/>
+          </a:p>
+        </p:txBody>
+      </p:sp>
+      <p:sp>
+        <p:nvSpPr>
+          <p:cNvPr id="9" name="Rectangle: Rounded Corners 8">
+            <a:extLst>
+              <a:ext uri="{FF2B5EF4-FFF2-40B4-BE49-F238E27FC236}">
+                <a16:creationId xmlns:a16="http://schemas.microsoft.com/office/drawing/2014/main" id="{4866F3B3-106E-4D29-982D-5EACBEE4B934}"/>
+              </a:ext>
+            </a:extLst>
+          </p:cNvPr>
+          <p:cNvSpPr/>
+          <p:nvPr/>
+        </p:nvSpPr>
+        <p:spPr>
+          <a:xfrm>
+            <a:off x="903766" y="5380074"/>
+            <a:ext cx="3136605" cy="382772"/>
+          </a:xfrm>
+          <a:prstGeom prst="roundRect">
+            <a:avLst/>
+          </a:prstGeom>
+        </p:spPr>
+        <p:style>
+          <a:lnRef idx="1">
+            <a:schemeClr val="accent1"/>
+          </a:lnRef>
+          <a:fillRef idx="2">
+            <a:schemeClr val="accent1"/>
+          </a:fillRef>
+          <a:effectRef idx="1">
+            <a:schemeClr val="accent1"/>
+          </a:effectRef>
+          <a:fontRef idx="minor">
+            <a:schemeClr val="dk1"/>
+          </a:fontRef>
+        </p:style>
+        <p:txBody>
+          <a:bodyPr rtlCol="0" anchor="ctr"/>
+          <a:lstStyle/>
+          <a:p>
+            <a:pPr algn="ctr"/>
+            <a:r>
+              <a:rPr lang="en-US" dirty="0" err="1"/>
+              <a:t>PatientController</a:t>
+            </a:r>
+            <a:endParaRPr lang="en-US" dirty="0"/>
+          </a:p>
+        </p:txBody>
+      </p:sp>
+      <p:sp>
+        <p:nvSpPr>
+          <p:cNvPr id="10" name="Rectangle: Rounded Corners 9">
+            <a:extLst>
+              <a:ext uri="{FF2B5EF4-FFF2-40B4-BE49-F238E27FC236}">
+                <a16:creationId xmlns:a16="http://schemas.microsoft.com/office/drawing/2014/main" id="{D4B54181-52AB-4DBD-A47A-F79A3A6FE016}"/>
+              </a:ext>
+            </a:extLst>
+          </p:cNvPr>
+          <p:cNvSpPr/>
+          <p:nvPr/>
+        </p:nvSpPr>
+        <p:spPr>
+          <a:xfrm>
+            <a:off x="903767" y="6126126"/>
+            <a:ext cx="3136605" cy="382772"/>
+          </a:xfrm>
+          <a:prstGeom prst="roundRect">
+            <a:avLst/>
+          </a:prstGeom>
+        </p:spPr>
+        <p:style>
+          <a:lnRef idx="1">
+            <a:schemeClr val="accent1"/>
+          </a:lnRef>
+          <a:fillRef idx="2">
+            <a:schemeClr val="accent1"/>
+          </a:fillRef>
+          <a:effectRef idx="1">
+            <a:schemeClr val="accent1"/>
+          </a:effectRef>
+          <a:fontRef idx="minor">
+            <a:schemeClr val="dk1"/>
+          </a:fontRef>
+        </p:style>
+        <p:txBody>
+          <a:bodyPr rtlCol="0" anchor="ctr"/>
+          <a:lstStyle/>
+          <a:p>
+            <a:pPr algn="ctr"/>
+            <a:r>
+              <a:rPr lang="en-US" dirty="0" err="1"/>
+              <a:t>PharmacistController</a:t>
+            </a:r>
+            <a:endParaRPr lang="en-US" dirty="0"/>
+          </a:p>
+        </p:txBody>
+      </p:sp>
+      <p:sp>
+        <p:nvSpPr>
+          <p:cNvPr id="12" name="Rectangle: Rounded Corners 11">
+            <a:extLst>
+              <a:ext uri="{FF2B5EF4-FFF2-40B4-BE49-F238E27FC236}">
+                <a16:creationId xmlns:a16="http://schemas.microsoft.com/office/drawing/2014/main" id="{792FCDED-2E0F-46F1-A246-7347CA7189C3}"/>
+              </a:ext>
+            </a:extLst>
+          </p:cNvPr>
+          <p:cNvSpPr/>
+          <p:nvPr/>
+        </p:nvSpPr>
+        <p:spPr>
+          <a:xfrm>
+            <a:off x="4931727" y="1465964"/>
+            <a:ext cx="3136605" cy="382772"/>
+          </a:xfrm>
+          <a:prstGeom prst="roundRect">
+            <a:avLst/>
+          </a:prstGeom>
+        </p:spPr>
+        <p:style>
+          <a:lnRef idx="1">
+            <a:schemeClr val="accent1"/>
+          </a:lnRef>
+          <a:fillRef idx="2">
+            <a:schemeClr val="accent1"/>
+          </a:fillRef>
+          <a:effectRef idx="1">
+            <a:schemeClr val="accent1"/>
+          </a:effectRef>
+          <a:fontRef idx="minor">
+            <a:schemeClr val="dk1"/>
+          </a:fontRef>
+        </p:style>
+        <p:txBody>
+          <a:bodyPr rtlCol="0" anchor="ctr"/>
+          <a:lstStyle/>
+          <a:p>
+            <a:pPr algn="ctr"/>
+            <a:r>
+              <a:rPr lang="en-US" dirty="0" err="1"/>
+              <a:t>AdminService</a:t>
+            </a:r>
+            <a:endParaRPr lang="en-US" dirty="0"/>
+          </a:p>
+        </p:txBody>
+      </p:sp>
+      <p:sp>
+        <p:nvSpPr>
+          <p:cNvPr id="13" name="Rectangle: Rounded Corners 12">
+            <a:extLst>
+              <a:ext uri="{FF2B5EF4-FFF2-40B4-BE49-F238E27FC236}">
+                <a16:creationId xmlns:a16="http://schemas.microsoft.com/office/drawing/2014/main" id="{2D5ED454-7232-4A80-A950-4FC079C33705}"/>
+              </a:ext>
+            </a:extLst>
+          </p:cNvPr>
+          <p:cNvSpPr/>
+          <p:nvPr/>
+        </p:nvSpPr>
+        <p:spPr>
+          <a:xfrm>
+            <a:off x="4908692" y="2099046"/>
+            <a:ext cx="3136605" cy="382772"/>
+          </a:xfrm>
+          <a:prstGeom prst="roundRect">
+            <a:avLst/>
+          </a:prstGeom>
+        </p:spPr>
+        <p:style>
+          <a:lnRef idx="1">
+            <a:schemeClr val="accent1"/>
+          </a:lnRef>
+          <a:fillRef idx="2">
+            <a:schemeClr val="accent1"/>
+          </a:fillRef>
+          <a:effectRef idx="1">
+            <a:schemeClr val="accent1"/>
+          </a:effectRef>
+          <a:fontRef idx="minor">
+            <a:schemeClr val="dk1"/>
+          </a:fontRef>
+        </p:style>
+        <p:txBody>
+          <a:bodyPr rtlCol="0" anchor="ctr"/>
+          <a:lstStyle/>
+          <a:p>
+            <a:pPr algn="ctr"/>
+            <a:r>
+              <a:rPr lang="en-US" dirty="0" err="1"/>
+              <a:t>AppointmentService</a:t>
+            </a:r>
+            <a:endParaRPr lang="en-US" dirty="0"/>
+          </a:p>
+        </p:txBody>
+      </p:sp>
+      <p:sp>
+        <p:nvSpPr>
+          <p:cNvPr id="14" name="Rectangle: Rounded Corners 13">
+            <a:extLst>
+              <a:ext uri="{FF2B5EF4-FFF2-40B4-BE49-F238E27FC236}">
+                <a16:creationId xmlns:a16="http://schemas.microsoft.com/office/drawing/2014/main" id="{2C86594A-CA3A-4A85-82D1-1E0BE8C27402}"/>
+              </a:ext>
+            </a:extLst>
+          </p:cNvPr>
+          <p:cNvSpPr/>
+          <p:nvPr/>
+        </p:nvSpPr>
+        <p:spPr>
+          <a:xfrm>
+            <a:off x="4908691" y="2759261"/>
+            <a:ext cx="3136605" cy="382772"/>
+          </a:xfrm>
+          <a:prstGeom prst="roundRect">
+            <a:avLst/>
+          </a:prstGeom>
+        </p:spPr>
+        <p:style>
+          <a:lnRef idx="1">
+            <a:schemeClr val="accent1"/>
+          </a:lnRef>
+          <a:fillRef idx="2">
+            <a:schemeClr val="accent1"/>
+          </a:fillRef>
+          <a:effectRef idx="1">
+            <a:schemeClr val="accent1"/>
+          </a:effectRef>
+          <a:fontRef idx="minor">
+            <a:schemeClr val="dk1"/>
+          </a:fontRef>
+        </p:style>
+        <p:txBody>
+          <a:bodyPr rtlCol="0" anchor="ctr"/>
+          <a:lstStyle/>
+          <a:p>
+            <a:pPr algn="ctr"/>
+            <a:r>
+              <a:rPr lang="en-US" dirty="0" err="1"/>
+              <a:t>BookMedicineService</a:t>
+            </a:r>
+            <a:endParaRPr lang="en-US" dirty="0"/>
+          </a:p>
+        </p:txBody>
+      </p:sp>
+      <p:sp>
+        <p:nvSpPr>
+          <p:cNvPr id="15" name="Rectangle: Rounded Corners 14">
+            <a:extLst>
+              <a:ext uri="{FF2B5EF4-FFF2-40B4-BE49-F238E27FC236}">
+                <a16:creationId xmlns:a16="http://schemas.microsoft.com/office/drawing/2014/main" id="{67F261F3-FDC7-4D3C-9333-3515CC131B92}"/>
+              </a:ext>
+            </a:extLst>
+          </p:cNvPr>
+          <p:cNvSpPr/>
+          <p:nvPr/>
+        </p:nvSpPr>
+        <p:spPr>
+          <a:xfrm>
+            <a:off x="4931727" y="3461120"/>
+            <a:ext cx="3136605" cy="382772"/>
+          </a:xfrm>
+          <a:prstGeom prst="roundRect">
+            <a:avLst/>
+          </a:prstGeom>
+        </p:spPr>
+        <p:style>
+          <a:lnRef idx="1">
+            <a:schemeClr val="accent1"/>
+          </a:lnRef>
+          <a:fillRef idx="2">
+            <a:schemeClr val="accent1"/>
+          </a:fillRef>
+          <a:effectRef idx="1">
+            <a:schemeClr val="accent1"/>
+          </a:effectRef>
+          <a:fontRef idx="minor">
+            <a:schemeClr val="dk1"/>
+          </a:fontRef>
+        </p:style>
+        <p:txBody>
+          <a:bodyPr rtlCol="0" anchor="ctr"/>
+          <a:lstStyle/>
+          <a:p>
+            <a:pPr algn="ctr"/>
+            <a:r>
+              <a:rPr lang="en-US" dirty="0" err="1"/>
+              <a:t>DoctorService</a:t>
+            </a:r>
+            <a:endParaRPr lang="en-US" dirty="0"/>
+          </a:p>
+        </p:txBody>
+      </p:sp>
+      <p:sp>
+        <p:nvSpPr>
+          <p:cNvPr id="16" name="Rectangle: Rounded Corners 15">
+            <a:extLst>
+              <a:ext uri="{FF2B5EF4-FFF2-40B4-BE49-F238E27FC236}">
+                <a16:creationId xmlns:a16="http://schemas.microsoft.com/office/drawing/2014/main" id="{146E4767-7187-4F73-A912-BF89C14E42D3}"/>
+              </a:ext>
+            </a:extLst>
+          </p:cNvPr>
+          <p:cNvSpPr/>
+          <p:nvPr/>
+        </p:nvSpPr>
+        <p:spPr>
+          <a:xfrm>
+            <a:off x="4908693" y="4167521"/>
+            <a:ext cx="3136605" cy="382772"/>
+          </a:xfrm>
+          <a:prstGeom prst="roundRect">
+            <a:avLst/>
+          </a:prstGeom>
+        </p:spPr>
+        <p:style>
+          <a:lnRef idx="1">
+            <a:schemeClr val="accent1"/>
+          </a:lnRef>
+          <a:fillRef idx="2">
+            <a:schemeClr val="accent1"/>
+          </a:fillRef>
+          <a:effectRef idx="1">
+            <a:schemeClr val="accent1"/>
+          </a:effectRef>
+          <a:fontRef idx="minor">
+            <a:schemeClr val="dk1"/>
+          </a:fontRef>
+        </p:style>
+        <p:txBody>
+          <a:bodyPr rtlCol="0" anchor="ctr"/>
+          <a:lstStyle/>
+          <a:p>
+            <a:pPr algn="ctr"/>
+            <a:r>
+              <a:rPr lang="en-US" dirty="0" err="1"/>
+              <a:t>MedicineService</a:t>
+            </a:r>
+            <a:endParaRPr lang="en-US" dirty="0"/>
+          </a:p>
+        </p:txBody>
+      </p:sp>
+      <p:sp>
+        <p:nvSpPr>
+          <p:cNvPr id="17" name="Rectangle: Rounded Corners 16">
+            <a:extLst>
+              <a:ext uri="{FF2B5EF4-FFF2-40B4-BE49-F238E27FC236}">
+                <a16:creationId xmlns:a16="http://schemas.microsoft.com/office/drawing/2014/main" id="{9DE403C5-C6B3-43BF-ACC8-EE62B81AD575}"/>
+              </a:ext>
+            </a:extLst>
+          </p:cNvPr>
+          <p:cNvSpPr/>
+          <p:nvPr/>
+        </p:nvSpPr>
+        <p:spPr>
+          <a:xfrm>
+            <a:off x="4908693" y="4855534"/>
+            <a:ext cx="3136605" cy="382772"/>
+          </a:xfrm>
+          <a:prstGeom prst="roundRect">
+            <a:avLst/>
+          </a:prstGeom>
+        </p:spPr>
+        <p:style>
+          <a:lnRef idx="1">
+            <a:schemeClr val="accent1"/>
+          </a:lnRef>
+          <a:fillRef idx="2">
+            <a:schemeClr val="accent1"/>
+          </a:fillRef>
+          <a:effectRef idx="1">
+            <a:schemeClr val="accent1"/>
+          </a:effectRef>
+          <a:fontRef idx="minor">
+            <a:schemeClr val="dk1"/>
+          </a:fontRef>
+        </p:style>
+        <p:txBody>
+          <a:bodyPr rtlCol="0" anchor="ctr"/>
+          <a:lstStyle/>
+          <a:p>
+            <a:pPr algn="ctr"/>
+            <a:r>
+              <a:rPr lang="en-US" dirty="0" err="1"/>
+              <a:t>MessageService</a:t>
+            </a:r>
+            <a:endParaRPr lang="en-US" dirty="0"/>
+          </a:p>
+        </p:txBody>
+      </p:sp>
+      <p:sp>
+        <p:nvSpPr>
+          <p:cNvPr id="18" name="Rectangle: Rounded Corners 17">
+            <a:extLst>
+              <a:ext uri="{FF2B5EF4-FFF2-40B4-BE49-F238E27FC236}">
+                <a16:creationId xmlns:a16="http://schemas.microsoft.com/office/drawing/2014/main" id="{A3BD7E8D-97F4-4ABD-BFF2-3D0E81772489}"/>
+              </a:ext>
+            </a:extLst>
+          </p:cNvPr>
+          <p:cNvSpPr/>
+          <p:nvPr/>
+        </p:nvSpPr>
+        <p:spPr>
+          <a:xfrm>
+            <a:off x="4908694" y="5517855"/>
+            <a:ext cx="3136605" cy="382772"/>
+          </a:xfrm>
+          <a:prstGeom prst="roundRect">
+            <a:avLst/>
+          </a:prstGeom>
+        </p:spPr>
+        <p:style>
+          <a:lnRef idx="1">
+            <a:schemeClr val="accent1"/>
+          </a:lnRef>
+          <a:fillRef idx="2">
+            <a:schemeClr val="accent1"/>
+          </a:fillRef>
+          <a:effectRef idx="1">
+            <a:schemeClr val="accent1"/>
+          </a:effectRef>
+          <a:fontRef idx="minor">
+            <a:schemeClr val="dk1"/>
+          </a:fontRef>
+        </p:style>
+        <p:txBody>
+          <a:bodyPr rtlCol="0" anchor="ctr"/>
+          <a:lstStyle/>
+          <a:p>
+            <a:pPr algn="ctr"/>
+            <a:r>
+              <a:rPr lang="en-US" dirty="0" err="1"/>
+              <a:t>PatientService</a:t>
+            </a:r>
+            <a:endParaRPr lang="en-US" dirty="0"/>
+          </a:p>
+        </p:txBody>
+      </p:sp>
+      <p:sp>
+        <p:nvSpPr>
+          <p:cNvPr id="19" name="Rectangle: Rounded Corners 18">
+            <a:extLst>
+              <a:ext uri="{FF2B5EF4-FFF2-40B4-BE49-F238E27FC236}">
+                <a16:creationId xmlns:a16="http://schemas.microsoft.com/office/drawing/2014/main" id="{70EC7DF3-8DAD-4C68-B6BA-FB811A4137CF}"/>
+              </a:ext>
+            </a:extLst>
+          </p:cNvPr>
+          <p:cNvSpPr/>
+          <p:nvPr/>
+        </p:nvSpPr>
+        <p:spPr>
+          <a:xfrm>
+            <a:off x="4908695" y="6126126"/>
+            <a:ext cx="3136605" cy="382772"/>
+          </a:xfrm>
+          <a:prstGeom prst="roundRect">
+            <a:avLst/>
+          </a:prstGeom>
+        </p:spPr>
+        <p:style>
+          <a:lnRef idx="1">
+            <a:schemeClr val="accent1"/>
+          </a:lnRef>
+          <a:fillRef idx="2">
+            <a:schemeClr val="accent1"/>
+          </a:fillRef>
+          <a:effectRef idx="1">
+            <a:schemeClr val="accent1"/>
+          </a:effectRef>
+          <a:fontRef idx="minor">
+            <a:schemeClr val="dk1"/>
+          </a:fontRef>
+        </p:style>
+        <p:txBody>
+          <a:bodyPr rtlCol="0" anchor="ctr"/>
+          <a:lstStyle/>
+          <a:p>
+            <a:pPr algn="ctr"/>
+            <a:r>
+              <a:rPr lang="en-US" dirty="0" err="1"/>
+              <a:t>PharmacistService</a:t>
+            </a:r>
+            <a:endParaRPr lang="en-US" dirty="0"/>
+          </a:p>
+        </p:txBody>
+      </p:sp>
+      <p:sp>
+        <p:nvSpPr>
+          <p:cNvPr id="20" name="Rectangle: Rounded Corners 19">
+            <a:extLst>
+              <a:ext uri="{FF2B5EF4-FFF2-40B4-BE49-F238E27FC236}">
+                <a16:creationId xmlns:a16="http://schemas.microsoft.com/office/drawing/2014/main" id="{7FFB44E4-BA01-41C0-9BAE-CE9B9FF512E6}"/>
+              </a:ext>
+            </a:extLst>
+          </p:cNvPr>
+          <p:cNvSpPr/>
+          <p:nvPr/>
+        </p:nvSpPr>
+        <p:spPr>
+          <a:xfrm>
+            <a:off x="8965008" y="1465964"/>
+            <a:ext cx="2317904" cy="382772"/>
+          </a:xfrm>
+          <a:prstGeom prst="roundRect">
+            <a:avLst/>
+          </a:prstGeom>
+        </p:spPr>
+        <p:style>
+          <a:lnRef idx="1">
+            <a:schemeClr val="accent1"/>
+          </a:lnRef>
+          <a:fillRef idx="2">
+            <a:schemeClr val="accent1"/>
+          </a:fillRef>
+          <a:effectRef idx="1">
+            <a:schemeClr val="accent1"/>
+          </a:effectRef>
+          <a:fontRef idx="minor">
+            <a:schemeClr val="dk1"/>
+          </a:fontRef>
+        </p:style>
+        <p:txBody>
+          <a:bodyPr rtlCol="0" anchor="ctr"/>
+          <a:lstStyle/>
+          <a:p>
+            <a:pPr algn="ctr"/>
+            <a:r>
+              <a:rPr lang="en-US" dirty="0"/>
+              <a:t>Address</a:t>
+            </a:r>
+          </a:p>
+        </p:txBody>
+      </p:sp>
+      <p:sp>
+        <p:nvSpPr>
+          <p:cNvPr id="21" name="Rectangle: Rounded Corners 20">
+            <a:extLst>
+              <a:ext uri="{FF2B5EF4-FFF2-40B4-BE49-F238E27FC236}">
+                <a16:creationId xmlns:a16="http://schemas.microsoft.com/office/drawing/2014/main" id="{D98F94B4-3578-4909-B4CD-0F55572674B8}"/>
+              </a:ext>
+            </a:extLst>
+          </p:cNvPr>
+          <p:cNvSpPr/>
+          <p:nvPr/>
+        </p:nvSpPr>
+        <p:spPr>
+          <a:xfrm>
+            <a:off x="8959687" y="2064045"/>
+            <a:ext cx="2323225" cy="382772"/>
+          </a:xfrm>
+          <a:prstGeom prst="roundRect">
+            <a:avLst/>
+          </a:prstGeom>
+        </p:spPr>
+        <p:style>
+          <a:lnRef idx="1">
+            <a:schemeClr val="accent1"/>
+          </a:lnRef>
+          <a:fillRef idx="2">
+            <a:schemeClr val="accent1"/>
+          </a:fillRef>
+          <a:effectRef idx="1">
+            <a:schemeClr val="accent1"/>
+          </a:effectRef>
+          <a:fontRef idx="minor">
+            <a:schemeClr val="dk1"/>
+          </a:fontRef>
+        </p:style>
+        <p:txBody>
+          <a:bodyPr rtlCol="0" anchor="ctr"/>
+          <a:lstStyle/>
+          <a:p>
+            <a:pPr algn="ctr"/>
+            <a:r>
+              <a:rPr lang="en-US" dirty="0"/>
+              <a:t>Admin</a:t>
+            </a:r>
+          </a:p>
+        </p:txBody>
+      </p:sp>
+      <p:sp>
+        <p:nvSpPr>
+          <p:cNvPr id="22" name="Rectangle: Rounded Corners 21">
+            <a:extLst>
+              <a:ext uri="{FF2B5EF4-FFF2-40B4-BE49-F238E27FC236}">
+                <a16:creationId xmlns:a16="http://schemas.microsoft.com/office/drawing/2014/main" id="{503FD8B5-56FA-4F81-929E-521F8BBCE480}"/>
+              </a:ext>
+            </a:extLst>
+          </p:cNvPr>
+          <p:cNvSpPr/>
+          <p:nvPr/>
+        </p:nvSpPr>
+        <p:spPr>
+          <a:xfrm>
+            <a:off x="8959688" y="2628901"/>
+            <a:ext cx="2323225" cy="382772"/>
+          </a:xfrm>
+          <a:prstGeom prst="roundRect">
+            <a:avLst/>
+          </a:prstGeom>
+        </p:spPr>
+        <p:style>
+          <a:lnRef idx="1">
+            <a:schemeClr val="accent1"/>
+          </a:lnRef>
+          <a:fillRef idx="2">
+            <a:schemeClr val="accent1"/>
+          </a:fillRef>
+          <a:effectRef idx="1">
+            <a:schemeClr val="accent1"/>
+          </a:effectRef>
+          <a:fontRef idx="minor">
+            <a:schemeClr val="dk1"/>
+          </a:fontRef>
+        </p:style>
+        <p:txBody>
+          <a:bodyPr rtlCol="0" anchor="ctr"/>
+          <a:lstStyle/>
+          <a:p>
+            <a:pPr algn="ctr"/>
+            <a:r>
+              <a:rPr lang="en-US" dirty="0"/>
+              <a:t>Appointment</a:t>
+            </a:r>
+          </a:p>
+        </p:txBody>
+      </p:sp>
+      <p:sp>
+        <p:nvSpPr>
+          <p:cNvPr id="23" name="Rectangle: Rounded Corners 22">
+            <a:extLst>
+              <a:ext uri="{FF2B5EF4-FFF2-40B4-BE49-F238E27FC236}">
+                <a16:creationId xmlns:a16="http://schemas.microsoft.com/office/drawing/2014/main" id="{1BC80DD8-E027-4B82-9395-7212FB96A64A}"/>
+              </a:ext>
+            </a:extLst>
+          </p:cNvPr>
+          <p:cNvSpPr/>
+          <p:nvPr/>
+        </p:nvSpPr>
+        <p:spPr>
+          <a:xfrm>
+            <a:off x="8959688" y="3281695"/>
+            <a:ext cx="2323225" cy="382772"/>
+          </a:xfrm>
+          <a:prstGeom prst="roundRect">
+            <a:avLst/>
+          </a:prstGeom>
+        </p:spPr>
+        <p:style>
+          <a:lnRef idx="1">
+            <a:schemeClr val="accent1"/>
+          </a:lnRef>
+          <a:fillRef idx="2">
+            <a:schemeClr val="accent1"/>
+          </a:fillRef>
+          <a:effectRef idx="1">
+            <a:schemeClr val="accent1"/>
+          </a:effectRef>
+          <a:fontRef idx="minor">
+            <a:schemeClr val="dk1"/>
+          </a:fontRef>
+        </p:style>
+        <p:txBody>
+          <a:bodyPr rtlCol="0" anchor="ctr"/>
+          <a:lstStyle/>
+          <a:p>
+            <a:pPr algn="ctr"/>
+            <a:r>
+              <a:rPr lang="en-US" dirty="0" err="1"/>
+              <a:t>BookMedicine</a:t>
+            </a:r>
+            <a:endParaRPr lang="en-US" dirty="0"/>
+          </a:p>
+        </p:txBody>
+      </p:sp>
+      <p:sp>
+        <p:nvSpPr>
+          <p:cNvPr id="24" name="Rectangle: Rounded Corners 23">
+            <a:extLst>
+              <a:ext uri="{FF2B5EF4-FFF2-40B4-BE49-F238E27FC236}">
+                <a16:creationId xmlns:a16="http://schemas.microsoft.com/office/drawing/2014/main" id="{2899639F-F7D5-4944-8416-31210589710A}"/>
+              </a:ext>
+            </a:extLst>
+          </p:cNvPr>
+          <p:cNvSpPr/>
+          <p:nvPr/>
+        </p:nvSpPr>
+        <p:spPr>
+          <a:xfrm>
+            <a:off x="8965005" y="3890852"/>
+            <a:ext cx="2323225" cy="382772"/>
+          </a:xfrm>
+          <a:prstGeom prst="roundRect">
+            <a:avLst/>
+          </a:prstGeom>
+        </p:spPr>
+        <p:style>
+          <a:lnRef idx="1">
+            <a:schemeClr val="accent1"/>
+          </a:lnRef>
+          <a:fillRef idx="2">
+            <a:schemeClr val="accent1"/>
+          </a:fillRef>
+          <a:effectRef idx="1">
+            <a:schemeClr val="accent1"/>
+          </a:effectRef>
+          <a:fontRef idx="minor">
+            <a:schemeClr val="dk1"/>
+          </a:fontRef>
+        </p:style>
+        <p:txBody>
+          <a:bodyPr rtlCol="0" anchor="ctr"/>
+          <a:lstStyle/>
+          <a:p>
+            <a:pPr algn="ctr"/>
+            <a:r>
+              <a:rPr lang="en-US" dirty="0"/>
+              <a:t>Doctor</a:t>
+            </a:r>
+          </a:p>
+        </p:txBody>
+      </p:sp>
+      <p:sp>
+        <p:nvSpPr>
+          <p:cNvPr id="25" name="Rectangle: Rounded Corners 24">
+            <a:extLst>
+              <a:ext uri="{FF2B5EF4-FFF2-40B4-BE49-F238E27FC236}">
+                <a16:creationId xmlns:a16="http://schemas.microsoft.com/office/drawing/2014/main" id="{51640DD9-466F-4036-A2AA-CDFE6810BE74}"/>
+              </a:ext>
+            </a:extLst>
+          </p:cNvPr>
+          <p:cNvSpPr/>
+          <p:nvPr/>
+        </p:nvSpPr>
+        <p:spPr>
+          <a:xfrm>
+            <a:off x="8965005" y="4472762"/>
+            <a:ext cx="2323225" cy="382772"/>
+          </a:xfrm>
+          <a:prstGeom prst="roundRect">
+            <a:avLst/>
+          </a:prstGeom>
+        </p:spPr>
+        <p:style>
+          <a:lnRef idx="1">
+            <a:schemeClr val="accent1"/>
+          </a:lnRef>
+          <a:fillRef idx="2">
+            <a:schemeClr val="accent1"/>
+          </a:fillRef>
+          <a:effectRef idx="1">
+            <a:schemeClr val="accent1"/>
+          </a:effectRef>
+          <a:fontRef idx="minor">
+            <a:schemeClr val="dk1"/>
+          </a:fontRef>
+        </p:style>
+        <p:txBody>
+          <a:bodyPr rtlCol="0" anchor="ctr"/>
+          <a:lstStyle/>
+          <a:p>
+            <a:pPr algn="ctr"/>
+            <a:r>
+              <a:rPr lang="en-US" dirty="0"/>
+              <a:t>Medicine</a:t>
+            </a:r>
+          </a:p>
+        </p:txBody>
+      </p:sp>
+      <p:sp>
+        <p:nvSpPr>
+          <p:cNvPr id="26" name="Rectangle: Rounded Corners 25">
+            <a:extLst>
+              <a:ext uri="{FF2B5EF4-FFF2-40B4-BE49-F238E27FC236}">
+                <a16:creationId xmlns:a16="http://schemas.microsoft.com/office/drawing/2014/main" id="{FECA6655-3162-4692-8B54-DAC322D5784C}"/>
+              </a:ext>
+            </a:extLst>
+          </p:cNvPr>
+          <p:cNvSpPr/>
+          <p:nvPr/>
+        </p:nvSpPr>
+        <p:spPr>
+          <a:xfrm>
+            <a:off x="8965006" y="5042048"/>
+            <a:ext cx="2323225" cy="382772"/>
+          </a:xfrm>
+          <a:prstGeom prst="roundRect">
+            <a:avLst/>
+          </a:prstGeom>
+        </p:spPr>
+        <p:style>
+          <a:lnRef idx="1">
+            <a:schemeClr val="accent1"/>
+          </a:lnRef>
+          <a:fillRef idx="2">
+            <a:schemeClr val="accent1"/>
+          </a:fillRef>
+          <a:effectRef idx="1">
+            <a:schemeClr val="accent1"/>
+          </a:effectRef>
+          <a:fontRef idx="minor">
+            <a:schemeClr val="dk1"/>
+          </a:fontRef>
+        </p:style>
+        <p:txBody>
+          <a:bodyPr rtlCol="0" anchor="ctr"/>
+          <a:lstStyle/>
+          <a:p>
+            <a:pPr algn="ctr"/>
+            <a:r>
+              <a:rPr lang="en-US" dirty="0"/>
+              <a:t>Patient</a:t>
+            </a:r>
+          </a:p>
+        </p:txBody>
+      </p:sp>
+      <p:sp>
+        <p:nvSpPr>
+          <p:cNvPr id="27" name="Rectangle: Rounded Corners 26">
+            <a:extLst>
+              <a:ext uri="{FF2B5EF4-FFF2-40B4-BE49-F238E27FC236}">
+                <a16:creationId xmlns:a16="http://schemas.microsoft.com/office/drawing/2014/main" id="{36FC0B9A-4D52-455A-8320-D052E0BBCB05}"/>
+              </a:ext>
+            </a:extLst>
+          </p:cNvPr>
+          <p:cNvSpPr/>
+          <p:nvPr/>
+        </p:nvSpPr>
+        <p:spPr>
+          <a:xfrm>
+            <a:off x="8965007" y="5582093"/>
+            <a:ext cx="2323225" cy="382772"/>
+          </a:xfrm>
+          <a:prstGeom prst="roundRect">
+            <a:avLst/>
+          </a:prstGeom>
+        </p:spPr>
+        <p:style>
+          <a:lnRef idx="1">
+            <a:schemeClr val="accent1"/>
+          </a:lnRef>
+          <a:fillRef idx="2">
+            <a:schemeClr val="accent1"/>
+          </a:fillRef>
+          <a:effectRef idx="1">
+            <a:schemeClr val="accent1"/>
+          </a:effectRef>
+          <a:fontRef idx="minor">
+            <a:schemeClr val="dk1"/>
+          </a:fontRef>
+        </p:style>
+        <p:txBody>
+          <a:bodyPr rtlCol="0" anchor="ctr"/>
+          <a:lstStyle/>
+          <a:p>
+            <a:pPr algn="ctr"/>
+            <a:r>
+              <a:rPr lang="en-US" dirty="0"/>
+              <a:t>Person</a:t>
+            </a:r>
+          </a:p>
+        </p:txBody>
+      </p:sp>
+      <p:sp>
+        <p:nvSpPr>
+          <p:cNvPr id="28" name="Rectangle: Rounded Corners 27">
+            <a:extLst>
+              <a:ext uri="{FF2B5EF4-FFF2-40B4-BE49-F238E27FC236}">
+                <a16:creationId xmlns:a16="http://schemas.microsoft.com/office/drawing/2014/main" id="{76335B12-7D3D-45BD-BADA-958D5574FDDE}"/>
+              </a:ext>
+            </a:extLst>
+          </p:cNvPr>
+          <p:cNvSpPr/>
+          <p:nvPr/>
+        </p:nvSpPr>
+        <p:spPr>
+          <a:xfrm>
+            <a:off x="8959687" y="6087140"/>
+            <a:ext cx="2328545" cy="382772"/>
+          </a:xfrm>
+          <a:prstGeom prst="roundRect">
+            <a:avLst/>
+          </a:prstGeom>
+        </p:spPr>
+        <p:style>
+          <a:lnRef idx="1">
+            <a:schemeClr val="accent1"/>
+          </a:lnRef>
+          <a:fillRef idx="2">
+            <a:schemeClr val="accent1"/>
+          </a:fillRef>
+          <a:effectRef idx="1">
+            <a:schemeClr val="accent1"/>
+          </a:effectRef>
+          <a:fontRef idx="minor">
+            <a:schemeClr val="dk1"/>
+          </a:fontRef>
+        </p:style>
+        <p:txBody>
+          <a:bodyPr rtlCol="0" anchor="ctr"/>
+          <a:lstStyle/>
+          <a:p>
+            <a:pPr algn="ctr"/>
+            <a:r>
+              <a:rPr lang="en-US" dirty="0" err="1"/>
+              <a:t>ResponseMessage</a:t>
+            </a:r>
+            <a:endParaRPr lang="en-US" dirty="0"/>
           </a:p>
         </p:txBody>
       </p:sp>
     </p:spTree>
     <p:extLst>
       <p:ext uri="{BB962C8B-B14F-4D97-AF65-F5344CB8AC3E}">
-        <p14:creationId xmlns:p14="http://schemas.microsoft.com/office/powerpoint/2010/main" val="2827295984"/>
+        <p14:creationId xmlns:p14="http://schemas.microsoft.com/office/powerpoint/2010/main" val="1535160733"/>
       </p:ext>
     </p:extLst>
   </p:cSld>
@@ -8260,7 +9406,7 @@
           <p:cNvPr id="2" name="Title 1">
             <a:extLst>
               <a:ext uri="{FF2B5EF4-FFF2-40B4-BE49-F238E27FC236}">
-                <a16:creationId xmlns:a16="http://schemas.microsoft.com/office/drawing/2014/main" id="{4008C12A-8694-469A-9E57-171A9994E1D0}"/>
+                <a16:creationId xmlns:a16="http://schemas.microsoft.com/office/drawing/2014/main" id="{1689AB6F-3252-4565-9BDC-D4F465998D57}"/>
               </a:ext>
             </a:extLst>
           </p:cNvPr>
@@ -8271,14 +9417,20 @@
             <p:ph type="title"/>
           </p:nvPr>
         </p:nvSpPr>
-        <p:spPr/>
+        <p:spPr>
+          <a:xfrm>
+            <a:off x="1806116" y="634742"/>
+            <a:ext cx="8911687" cy="1280890"/>
+          </a:xfrm>
+        </p:spPr>
         <p:txBody>
           <a:bodyPr/>
           <a:lstStyle/>
           <a:p>
+            <a:pPr algn="ctr"/>
             <a:r>
               <a:rPr lang="en-US" dirty="0"/>
-              <a:t>               Future RoadMap</a:t>
+              <a:t>Dependencies</a:t>
             </a:r>
           </a:p>
         </p:txBody>
@@ -8288,7 +9440,7 @@
           <p:cNvPr id="3" name="Content Placeholder 2">
             <a:extLst>
               <a:ext uri="{FF2B5EF4-FFF2-40B4-BE49-F238E27FC236}">
-                <a16:creationId xmlns:a16="http://schemas.microsoft.com/office/drawing/2014/main" id="{09AE706B-1512-4702-8710-FA5A521954C4}"/>
+                <a16:creationId xmlns:a16="http://schemas.microsoft.com/office/drawing/2014/main" id="{C135B01E-AB10-4AD9-8CF0-6A599953CA29}"/>
               </a:ext>
             </a:extLst>
           </p:cNvPr>
@@ -8299,48 +9451,112 @@
             <p:ph idx="1"/>
           </p:nvPr>
         </p:nvSpPr>
-        <p:spPr/>
-        <p:txBody>
-          <a:bodyPr/>
+        <p:spPr>
+          <a:xfrm>
+            <a:off x="2046952" y="1669311"/>
+            <a:ext cx="8915400" cy="4433777"/>
+          </a:xfrm>
+        </p:spPr>
+        <p:txBody>
+          <a:bodyPr>
+            <a:normAutofit/>
+          </a:bodyPr>
           <a:lstStyle/>
           <a:p>
             <a:r>
               <a:rPr lang="en-US" dirty="0"/>
-              <a:t> Payment function for the patients</a:t>
+              <a:t>spring-boot-starter-web</a:t>
             </a:r>
           </a:p>
           <a:p>
             <a:r>
               <a:rPr lang="en-US" dirty="0"/>
-              <a:t> Tracking of the medicine orders</a:t>
-            </a:r>
+              <a:t>persistence-</a:t>
+            </a:r>
+            <a:r>
+              <a:rPr lang="en-US" dirty="0" err="1"/>
+              <a:t>api</a:t>
+            </a:r>
+            <a:endParaRPr lang="en-US" dirty="0"/>
           </a:p>
           <a:p>
             <a:r>
               <a:rPr lang="en-US" dirty="0"/>
-              <a:t> Rating the doctor </a:t>
-            </a:r>
+              <a:t>spring-boot-starter-data-</a:t>
+            </a:r>
+            <a:r>
+              <a:rPr lang="en-US" dirty="0" err="1"/>
+              <a:t>mongodb</a:t>
+            </a:r>
+            <a:endParaRPr lang="en-US" dirty="0"/>
           </a:p>
           <a:p>
             <a:r>
               <a:rPr lang="en-US" dirty="0"/>
-              <a:t> </a:t>
+              <a:t>commons-</a:t>
             </a:r>
             <a:r>
               <a:rPr lang="en-US" dirty="0" err="1"/>
-              <a:t>FollowUp</a:t>
-            </a:r>
+              <a:t>lang</a:t>
+            </a:r>
+            <a:endParaRPr lang="en-US" dirty="0"/>
+          </a:p>
+          <a:p>
             <a:r>
               <a:rPr lang="en-US" dirty="0"/>
-              <a:t> records of patients.</a:t>
-            </a:r>
+              <a:t>spring-boot-starter-test</a:t>
+            </a:r>
+          </a:p>
+          <a:p>
+            <a:r>
+              <a:rPr lang="en-US" dirty="0"/>
+              <a:t>spring-boot-</a:t>
+            </a:r>
+            <a:r>
+              <a:rPr lang="en-US" dirty="0" err="1"/>
+              <a:t>devtools</a:t>
+            </a:r>
+            <a:endParaRPr lang="en-US" dirty="0"/>
+          </a:p>
+          <a:p>
+            <a:r>
+              <a:rPr lang="en-US" dirty="0"/>
+              <a:t>spring-boot-starter-actuator</a:t>
+            </a:r>
+          </a:p>
+          <a:p>
+            <a:r>
+              <a:rPr lang="en-US" dirty="0"/>
+              <a:t>spring-boot-starter-security</a:t>
+            </a:r>
+          </a:p>
+          <a:p>
+            <a:r>
+              <a:rPr lang="en-US" dirty="0"/>
+              <a:t>spring-boot-starter-mail</a:t>
+            </a:r>
+          </a:p>
+          <a:p>
+            <a:r>
+              <a:rPr lang="en-US" dirty="0" err="1"/>
+              <a:t>twilio</a:t>
+            </a:r>
+            <a:r>
+              <a:rPr lang="en-US" dirty="0"/>
+              <a:t>-java-</a:t>
+            </a:r>
+            <a:r>
+              <a:rPr lang="en-US" dirty="0" err="1"/>
+              <a:t>sdk</a:t>
+            </a:r>
+            <a:endParaRPr lang="en-US" dirty="0"/>
           </a:p>
         </p:txBody>
       </p:sp>
     </p:spTree>
     <p:extLst>
       <p:ext uri="{BB962C8B-B14F-4D97-AF65-F5344CB8AC3E}">
-        <p14:creationId xmlns:p14="http://schemas.microsoft.com/office/powerpoint/2010/main" val="3980595745"/>
+        <p14:creationId xmlns:p14="http://schemas.microsoft.com/office/powerpoint/2010/main" val="2959944365"/>
       </p:ext>
     </p:extLst>
   </p:cSld>
@@ -8372,7 +9588,7 @@
           <p:cNvPr id="2" name="Title 1">
             <a:extLst>
               <a:ext uri="{FF2B5EF4-FFF2-40B4-BE49-F238E27FC236}">
-                <a16:creationId xmlns:a16="http://schemas.microsoft.com/office/drawing/2014/main" id="{B2FB14F2-F4BA-4DD1-BBBD-030A89725EBB}"/>
+                <a16:creationId xmlns:a16="http://schemas.microsoft.com/office/drawing/2014/main" id="{44FBA459-2C1E-47E6-8E51-68BBD22EC7DF}"/>
               </a:ext>
             </a:extLst>
           </p:cNvPr>
@@ -8380,13 +9596,13 @@
             <a:spLocks noGrp="1"/>
           </p:cNvSpPr>
           <p:nvPr>
-            <p:ph type="ctrTitle"/>
+            <p:ph type="title"/>
           </p:nvPr>
         </p:nvSpPr>
         <p:spPr>
           <a:xfrm>
-            <a:off x="3025148" y="1366284"/>
-            <a:ext cx="8915399" cy="2262781"/>
+            <a:off x="1640156" y="2671597"/>
+            <a:ext cx="8911687" cy="1280890"/>
           </a:xfrm>
         </p:spPr>
         <p:txBody>
@@ -8395,7 +9611,11 @@
           <a:p>
             <a:r>
               <a:rPr lang="en-US" dirty="0"/>
-              <a:t>         Appendix</a:t>
+              <a:t>              </a:t>
+            </a:r>
+            <a:r>
+              <a:rPr lang="en-US" sz="7200" dirty="0"/>
+              <a:t>    DEMO</a:t>
             </a:r>
           </a:p>
         </p:txBody>
@@ -8403,7 +9623,7 @@
     </p:spTree>
     <p:extLst>
       <p:ext uri="{BB962C8B-B14F-4D97-AF65-F5344CB8AC3E}">
-        <p14:creationId xmlns:p14="http://schemas.microsoft.com/office/powerpoint/2010/main" val="512378268"/>
+        <p14:creationId xmlns:p14="http://schemas.microsoft.com/office/powerpoint/2010/main" val="2827295984"/>
       </p:ext>
     </p:extLst>
   </p:cSld>
@@ -8435,6 +9655,181 @@
           <p:cNvPr id="2" name="Title 1">
             <a:extLst>
               <a:ext uri="{FF2B5EF4-FFF2-40B4-BE49-F238E27FC236}">
+                <a16:creationId xmlns:a16="http://schemas.microsoft.com/office/drawing/2014/main" id="{4008C12A-8694-469A-9E57-171A9994E1D0}"/>
+              </a:ext>
+            </a:extLst>
+          </p:cNvPr>
+          <p:cNvSpPr>
+            <a:spLocks noGrp="1"/>
+          </p:cNvSpPr>
+          <p:nvPr>
+            <p:ph type="title"/>
+          </p:nvPr>
+        </p:nvSpPr>
+        <p:spPr/>
+        <p:txBody>
+          <a:bodyPr/>
+          <a:lstStyle/>
+          <a:p>
+            <a:r>
+              <a:rPr lang="en-US" dirty="0"/>
+              <a:t>               Future RoadMap</a:t>
+            </a:r>
+          </a:p>
+        </p:txBody>
+      </p:sp>
+      <p:sp>
+        <p:nvSpPr>
+          <p:cNvPr id="3" name="Content Placeholder 2">
+            <a:extLst>
+              <a:ext uri="{FF2B5EF4-FFF2-40B4-BE49-F238E27FC236}">
+                <a16:creationId xmlns:a16="http://schemas.microsoft.com/office/drawing/2014/main" id="{09AE706B-1512-4702-8710-FA5A521954C4}"/>
+              </a:ext>
+            </a:extLst>
+          </p:cNvPr>
+          <p:cNvSpPr>
+            <a:spLocks noGrp="1"/>
+          </p:cNvSpPr>
+          <p:nvPr>
+            <p:ph idx="1"/>
+          </p:nvPr>
+        </p:nvSpPr>
+        <p:spPr/>
+        <p:txBody>
+          <a:bodyPr/>
+          <a:lstStyle/>
+          <a:p>
+            <a:r>
+              <a:rPr lang="en-US" dirty="0"/>
+              <a:t> Payment function for the patients</a:t>
+            </a:r>
+          </a:p>
+          <a:p>
+            <a:r>
+              <a:rPr lang="en-US" dirty="0"/>
+              <a:t> Tracking of the medicine orders</a:t>
+            </a:r>
+          </a:p>
+          <a:p>
+            <a:r>
+              <a:rPr lang="en-US" dirty="0"/>
+              <a:t> </a:t>
+            </a:r>
+            <a:r>
+              <a:rPr lang="en-US" dirty="0" err="1"/>
+              <a:t>FollowUp</a:t>
+            </a:r>
+            <a:r>
+              <a:rPr lang="en-US" dirty="0"/>
+              <a:t> records of patients</a:t>
+            </a:r>
+          </a:p>
+          <a:p>
+            <a:r>
+              <a:rPr lang="en-US" dirty="0"/>
+              <a:t> Uploading the Prescription</a:t>
+            </a:r>
+          </a:p>
+        </p:txBody>
+      </p:sp>
+    </p:spTree>
+    <p:extLst>
+      <p:ext uri="{BB962C8B-B14F-4D97-AF65-F5344CB8AC3E}">
+        <p14:creationId xmlns:p14="http://schemas.microsoft.com/office/powerpoint/2010/main" val="3980595745"/>
+      </p:ext>
+    </p:extLst>
+  </p:cSld>
+  <p:clrMapOvr>
+    <a:masterClrMapping/>
+  </p:clrMapOvr>
+</p:sld>
+</file>
+
+<file path=ppt/slides/slide14.xml><?xml version="1.0" encoding="utf-8"?>
+<p:sld xmlns:a="http://schemas.openxmlformats.org/drawingml/2006/main" xmlns:r="http://schemas.openxmlformats.org/officeDocument/2006/relationships" xmlns:p="http://schemas.openxmlformats.org/presentationml/2006/main">
+  <p:cSld>
+    <p:spTree>
+      <p:nvGrpSpPr>
+        <p:cNvPr id="1" name=""/>
+        <p:cNvGrpSpPr/>
+        <p:nvPr/>
+      </p:nvGrpSpPr>
+      <p:grpSpPr>
+        <a:xfrm>
+          <a:off x="0" y="0"/>
+          <a:ext cx="0" cy="0"/>
+          <a:chOff x="0" y="0"/>
+          <a:chExt cx="0" cy="0"/>
+        </a:xfrm>
+      </p:grpSpPr>
+      <p:sp>
+        <p:nvSpPr>
+          <p:cNvPr id="2" name="Title 1">
+            <a:extLst>
+              <a:ext uri="{FF2B5EF4-FFF2-40B4-BE49-F238E27FC236}">
+                <a16:creationId xmlns:a16="http://schemas.microsoft.com/office/drawing/2014/main" id="{B2FB14F2-F4BA-4DD1-BBBD-030A89725EBB}"/>
+              </a:ext>
+            </a:extLst>
+          </p:cNvPr>
+          <p:cNvSpPr>
+            <a:spLocks noGrp="1"/>
+          </p:cNvSpPr>
+          <p:nvPr>
+            <p:ph type="ctrTitle"/>
+          </p:nvPr>
+        </p:nvSpPr>
+        <p:spPr>
+          <a:xfrm>
+            <a:off x="3025148" y="1366284"/>
+            <a:ext cx="8915399" cy="2262781"/>
+          </a:xfrm>
+        </p:spPr>
+        <p:txBody>
+          <a:bodyPr/>
+          <a:lstStyle/>
+          <a:p>
+            <a:r>
+              <a:rPr lang="en-US" dirty="0"/>
+              <a:t>         Appendix</a:t>
+            </a:r>
+          </a:p>
+        </p:txBody>
+      </p:sp>
+    </p:spTree>
+    <p:extLst>
+      <p:ext uri="{BB962C8B-B14F-4D97-AF65-F5344CB8AC3E}">
+        <p14:creationId xmlns:p14="http://schemas.microsoft.com/office/powerpoint/2010/main" val="512378268"/>
+      </p:ext>
+    </p:extLst>
+  </p:cSld>
+  <p:clrMapOvr>
+    <a:masterClrMapping/>
+  </p:clrMapOvr>
+</p:sld>
+</file>
+
+<file path=ppt/slides/slide15.xml><?xml version="1.0" encoding="utf-8"?>
+<p:sld xmlns:a="http://schemas.openxmlformats.org/drawingml/2006/main" xmlns:r="http://schemas.openxmlformats.org/officeDocument/2006/relationships" xmlns:p="http://schemas.openxmlformats.org/presentationml/2006/main">
+  <p:cSld>
+    <p:spTree>
+      <p:nvGrpSpPr>
+        <p:cNvPr id="1" name=""/>
+        <p:cNvGrpSpPr/>
+        <p:nvPr/>
+      </p:nvGrpSpPr>
+      <p:grpSpPr>
+        <a:xfrm>
+          <a:off x="0" y="0"/>
+          <a:ext cx="0" cy="0"/>
+          <a:chOff x="0" y="0"/>
+          <a:chExt cx="0" cy="0"/>
+        </a:xfrm>
+      </p:grpSpPr>
+      <p:sp>
+        <p:nvSpPr>
+          <p:cNvPr id="2" name="Title 1">
+            <a:extLst>
+              <a:ext uri="{FF2B5EF4-FFF2-40B4-BE49-F238E27FC236}">
                 <a16:creationId xmlns:a16="http://schemas.microsoft.com/office/drawing/2014/main" id="{D19CFD38-3A73-44E7-8F3D-4DCF943BDA86}"/>
               </a:ext>
             </a:extLst>
@@ -8594,7 +9989,7 @@
 </p:sld>
 </file>
 
-<file path=ppt/slides/slide14.xml><?xml version="1.0" encoding="utf-8"?>
+<file path=ppt/slides/slide16.xml><?xml version="1.0" encoding="utf-8"?>
 <p:sld xmlns:a="http://schemas.openxmlformats.org/drawingml/2006/main" xmlns:r="http://schemas.openxmlformats.org/officeDocument/2006/relationships" xmlns:p="http://schemas.openxmlformats.org/presentationml/2006/main">
   <p:cSld>
     <p:spTree>
@@ -8663,7 +10058,7 @@
 </p:sld>
 </file>
 
-<file path=ppt/slides/slide15.xml><?xml version="1.0" encoding="utf-8"?>
+<file path=ppt/slides/slide17.xml><?xml version="1.0" encoding="utf-8"?>
 <p:sld xmlns:a="http://schemas.openxmlformats.org/drawingml/2006/main" xmlns:r="http://schemas.openxmlformats.org/officeDocument/2006/relationships" xmlns:p="http://schemas.openxmlformats.org/presentationml/2006/main">
   <p:cSld>
     <p:spTree>
@@ -8756,7 +10151,7 @@
 </p:sld>
 </file>
 
-<file path=ppt/slides/slide16.xml><?xml version="1.0" encoding="utf-8"?>
+<file path=ppt/slides/slide18.xml><?xml version="1.0" encoding="utf-8"?>
 <p:sld xmlns:a="http://schemas.openxmlformats.org/drawingml/2006/main" xmlns:r="http://schemas.openxmlformats.org/officeDocument/2006/relationships" xmlns:p="http://schemas.openxmlformats.org/presentationml/2006/main">
   <p:cSld>
     <p:spTree>
@@ -8851,7 +10246,7 @@
 </p:sld>
 </file>
 
-<file path=ppt/slides/slide17.xml><?xml version="1.0" encoding="utf-8"?>
+<file path=ppt/slides/slide19.xml><?xml version="1.0" encoding="utf-8"?>
 <p:sld xmlns:a="http://schemas.openxmlformats.org/drawingml/2006/main" xmlns:r="http://schemas.openxmlformats.org/officeDocument/2006/relationships" xmlns:p="http://schemas.openxmlformats.org/presentationml/2006/main">
   <p:cSld>
     <p:spTree>
@@ -8954,7 +10349,7 @@
           <a:p>
             <a:r>
               <a:rPr lang="en-US" dirty="0"/>
-              <a:t>                         Agenda</a:t>
+              <a:t>                         Index</a:t>
             </a:r>
           </a:p>
         </p:txBody>
@@ -9424,7 +10819,7 @@
           <a:p>
             <a:r>
               <a:rPr lang="en-US" dirty="0"/>
-              <a:t>Doctor accept / reject an appointment.</a:t>
+              <a:t>Doctor accept / reject an appointment</a:t>
             </a:r>
           </a:p>
           <a:p>
@@ -9448,13 +10843,25 @@
           <a:p>
             <a:r>
               <a:rPr lang="en-US" dirty="0"/>
-              <a:t>SMS notification on booking.</a:t>
+              <a:t>SMS notification on booking</a:t>
             </a:r>
           </a:p>
           <a:p>
             <a:r>
               <a:rPr lang="en-US" dirty="0"/>
-              <a:t>Chat with the doctor.</a:t>
+              <a:t>Chat with the doctor</a:t>
+            </a:r>
+          </a:p>
+          <a:p>
+            <a:r>
+              <a:rPr lang="en-US" dirty="0"/>
+              <a:t>Order Medicine </a:t>
+            </a:r>
+          </a:p>
+          <a:p>
+            <a:r>
+              <a:rPr lang="en-US" dirty="0"/>
+              <a:t>Rating the doctor</a:t>
             </a:r>
           </a:p>
         </p:txBody>
@@ -9473,6 +10880,185 @@
 </file>
 
 <file path=ppt/slides/slide6.xml><?xml version="1.0" encoding="utf-8"?>
+<p:sld xmlns:a="http://schemas.openxmlformats.org/drawingml/2006/main" xmlns:r="http://schemas.openxmlformats.org/officeDocument/2006/relationships" xmlns:p="http://schemas.openxmlformats.org/presentationml/2006/main">
+  <p:cSld>
+    <p:spTree>
+      <p:nvGrpSpPr>
+        <p:cNvPr id="1" name=""/>
+        <p:cNvGrpSpPr/>
+        <p:nvPr/>
+      </p:nvGrpSpPr>
+      <p:grpSpPr>
+        <a:xfrm>
+          <a:off x="0" y="0"/>
+          <a:ext cx="0" cy="0"/>
+          <a:chOff x="0" y="0"/>
+          <a:chExt cx="0" cy="0"/>
+        </a:xfrm>
+      </p:grpSpPr>
+      <p:sp>
+        <p:nvSpPr>
+          <p:cNvPr id="2" name="Title 1">
+            <a:extLst>
+              <a:ext uri="{FF2B5EF4-FFF2-40B4-BE49-F238E27FC236}">
+                <a16:creationId xmlns:a16="http://schemas.microsoft.com/office/drawing/2014/main" id="{6AF8D2AD-420E-4D8A-BAAB-28F243C481BE}"/>
+              </a:ext>
+            </a:extLst>
+          </p:cNvPr>
+          <p:cNvSpPr>
+            <a:spLocks noGrp="1"/>
+          </p:cNvSpPr>
+          <p:nvPr>
+            <p:ph type="title"/>
+          </p:nvPr>
+        </p:nvSpPr>
+        <p:spPr>
+          <a:xfrm>
+            <a:off x="2592925" y="624110"/>
+            <a:ext cx="8911687" cy="1033240"/>
+          </a:xfrm>
+        </p:spPr>
+        <p:txBody>
+          <a:bodyPr/>
+          <a:lstStyle/>
+          <a:p>
+            <a:pPr algn="ctr"/>
+            <a:r>
+              <a:rPr lang="en-US" dirty="0"/>
+              <a:t>Tools &amp; Technologies </a:t>
+            </a:r>
+          </a:p>
+        </p:txBody>
+      </p:sp>
+      <p:sp>
+        <p:nvSpPr>
+          <p:cNvPr id="3" name="Content Placeholder 2">
+            <a:extLst>
+              <a:ext uri="{FF2B5EF4-FFF2-40B4-BE49-F238E27FC236}">
+                <a16:creationId xmlns:a16="http://schemas.microsoft.com/office/drawing/2014/main" id="{3AE8933B-8FFB-4571-8587-8914F81D97C4}"/>
+              </a:ext>
+            </a:extLst>
+          </p:cNvPr>
+          <p:cNvSpPr>
+            <a:spLocks noGrp="1"/>
+          </p:cNvSpPr>
+          <p:nvPr>
+            <p:ph idx="1"/>
+          </p:nvPr>
+        </p:nvSpPr>
+        <p:spPr>
+          <a:xfrm>
+            <a:off x="2589212" y="1657350"/>
+            <a:ext cx="8915400" cy="4253872"/>
+          </a:xfrm>
+        </p:spPr>
+        <p:txBody>
+          <a:bodyPr>
+            <a:normAutofit fontScale="92500" lnSpcReduction="20000"/>
+          </a:bodyPr>
+          <a:lstStyle/>
+          <a:p>
+            <a:r>
+              <a:rPr lang="en-US" dirty="0"/>
+              <a:t>BACKEND:</a:t>
+            </a:r>
+          </a:p>
+          <a:p>
+            <a:pPr lvl="1"/>
+            <a:r>
+              <a:rPr lang="en-US" dirty="0"/>
+              <a:t>SPRING BOOT</a:t>
+            </a:r>
+          </a:p>
+          <a:p>
+            <a:pPr lvl="1"/>
+            <a:r>
+              <a:rPr lang="en-US" dirty="0"/>
+              <a:t>JAVA</a:t>
+            </a:r>
+          </a:p>
+          <a:p>
+            <a:r>
+              <a:rPr lang="en-US" dirty="0"/>
+              <a:t>FRONTEND:</a:t>
+            </a:r>
+          </a:p>
+          <a:p>
+            <a:pPr lvl="1"/>
+            <a:r>
+              <a:rPr lang="en-US" dirty="0"/>
+              <a:t>ANGULAR</a:t>
+            </a:r>
+          </a:p>
+          <a:p>
+            <a:pPr lvl="1"/>
+            <a:r>
+              <a:rPr lang="en-US" dirty="0"/>
+              <a:t>BOOTSTRAP</a:t>
+            </a:r>
+          </a:p>
+          <a:p>
+            <a:pPr lvl="1"/>
+            <a:r>
+              <a:rPr lang="en-US" dirty="0"/>
+              <a:t>HTML &amp; CSS</a:t>
+            </a:r>
+          </a:p>
+          <a:p>
+            <a:r>
+              <a:rPr lang="en-US" dirty="0"/>
+              <a:t>DATABASE</a:t>
+            </a:r>
+          </a:p>
+          <a:p>
+            <a:pPr lvl="1"/>
+            <a:r>
+              <a:rPr lang="en-US" dirty="0"/>
+              <a:t>MONGODB</a:t>
+            </a:r>
+          </a:p>
+          <a:p>
+            <a:r>
+              <a:rPr lang="en-US" dirty="0"/>
+              <a:t>Git / GitHub</a:t>
+            </a:r>
+          </a:p>
+          <a:p>
+            <a:r>
+              <a:rPr lang="en-US" dirty="0"/>
+              <a:t>STS</a:t>
+            </a:r>
+          </a:p>
+          <a:p>
+            <a:r>
+              <a:rPr lang="en-US" dirty="0" err="1"/>
+              <a:t>Websocket</a:t>
+            </a:r>
+            <a:endParaRPr lang="en-US" dirty="0"/>
+          </a:p>
+          <a:p>
+            <a:r>
+              <a:rPr lang="en-US" dirty="0" err="1"/>
+              <a:t>StompJs</a:t>
+            </a:r>
+            <a:endParaRPr lang="en-US" dirty="0"/>
+          </a:p>
+        </p:txBody>
+      </p:sp>
+    </p:spTree>
+    <p:extLst>
+      <p:ext uri="{BB962C8B-B14F-4D97-AF65-F5344CB8AC3E}">
+        <p14:creationId xmlns:p14="http://schemas.microsoft.com/office/powerpoint/2010/main" val="1335217100"/>
+      </p:ext>
+    </p:extLst>
+  </p:cSld>
+  <p:clrMapOvr>
+    <a:masterClrMapping/>
+  </p:clrMapOvr>
+</p:sld>
+</file>
+
+<file path=ppt/slides/slide7.xml><?xml version="1.0" encoding="utf-8"?>
 <p:sld xmlns:a="http://schemas.openxmlformats.org/drawingml/2006/main" xmlns:r="http://schemas.openxmlformats.org/officeDocument/2006/relationships" xmlns:p="http://schemas.openxmlformats.org/presentationml/2006/main">
   <p:cSld>
     <p:spTree>
@@ -10620,170 +12206,6 @@
 </p:sld>
 </file>
 
-<file path=ppt/slides/slide7.xml><?xml version="1.0" encoding="utf-8"?>
-<p:sld xmlns:a="http://schemas.openxmlformats.org/drawingml/2006/main" xmlns:r="http://schemas.openxmlformats.org/officeDocument/2006/relationships" xmlns:p="http://schemas.openxmlformats.org/presentationml/2006/main">
-  <p:cSld>
-    <p:spTree>
-      <p:nvGrpSpPr>
-        <p:cNvPr id="1" name=""/>
-        <p:cNvGrpSpPr/>
-        <p:nvPr/>
-      </p:nvGrpSpPr>
-      <p:grpSpPr>
-        <a:xfrm>
-          <a:off x="0" y="0"/>
-          <a:ext cx="0" cy="0"/>
-          <a:chOff x="0" y="0"/>
-          <a:chExt cx="0" cy="0"/>
-        </a:xfrm>
-      </p:grpSpPr>
-      <p:sp>
-        <p:nvSpPr>
-          <p:cNvPr id="2" name="Title 1">
-            <a:extLst>
-              <a:ext uri="{FF2B5EF4-FFF2-40B4-BE49-F238E27FC236}">
-                <a16:creationId xmlns:a16="http://schemas.microsoft.com/office/drawing/2014/main" id="{6AF8D2AD-420E-4D8A-BAAB-28F243C481BE}"/>
-              </a:ext>
-            </a:extLst>
-          </p:cNvPr>
-          <p:cNvSpPr>
-            <a:spLocks noGrp="1"/>
-          </p:cNvSpPr>
-          <p:nvPr>
-            <p:ph type="title"/>
-          </p:nvPr>
-        </p:nvSpPr>
-        <p:spPr>
-          <a:xfrm>
-            <a:off x="2592925" y="624110"/>
-            <a:ext cx="8911687" cy="1033240"/>
-          </a:xfrm>
-        </p:spPr>
-        <p:txBody>
-          <a:bodyPr/>
-          <a:lstStyle/>
-          <a:p>
-            <a:r>
-              <a:rPr lang="en-US" dirty="0"/>
-              <a:t>Tools &amp; Technologies </a:t>
-            </a:r>
-          </a:p>
-        </p:txBody>
-      </p:sp>
-      <p:sp>
-        <p:nvSpPr>
-          <p:cNvPr id="3" name="Content Placeholder 2">
-            <a:extLst>
-              <a:ext uri="{FF2B5EF4-FFF2-40B4-BE49-F238E27FC236}">
-                <a16:creationId xmlns:a16="http://schemas.microsoft.com/office/drawing/2014/main" id="{3AE8933B-8FFB-4571-8587-8914F81D97C4}"/>
-              </a:ext>
-            </a:extLst>
-          </p:cNvPr>
-          <p:cNvSpPr>
-            <a:spLocks noGrp="1"/>
-          </p:cNvSpPr>
-          <p:nvPr>
-            <p:ph idx="1"/>
-          </p:nvPr>
-        </p:nvSpPr>
-        <p:spPr>
-          <a:xfrm>
-            <a:off x="2589212" y="1885950"/>
-            <a:ext cx="8915400" cy="4025272"/>
-          </a:xfrm>
-        </p:spPr>
-        <p:txBody>
-          <a:bodyPr>
-            <a:normAutofit fontScale="92500" lnSpcReduction="10000"/>
-          </a:bodyPr>
-          <a:lstStyle/>
-          <a:p>
-            <a:r>
-              <a:rPr lang="en-US" dirty="0"/>
-              <a:t>BACKEND:</a:t>
-            </a:r>
-          </a:p>
-          <a:p>
-            <a:pPr lvl="1"/>
-            <a:r>
-              <a:rPr lang="en-US" dirty="0"/>
-              <a:t>SPRING BOOT</a:t>
-            </a:r>
-          </a:p>
-          <a:p>
-            <a:pPr lvl="1"/>
-            <a:r>
-              <a:rPr lang="en-US" dirty="0"/>
-              <a:t>JAVA</a:t>
-            </a:r>
-          </a:p>
-          <a:p>
-            <a:r>
-              <a:rPr lang="en-US" dirty="0"/>
-              <a:t>FRONTEND:</a:t>
-            </a:r>
-          </a:p>
-          <a:p>
-            <a:pPr lvl="1"/>
-            <a:r>
-              <a:rPr lang="en-US" dirty="0"/>
-              <a:t>ANGULAR</a:t>
-            </a:r>
-          </a:p>
-          <a:p>
-            <a:pPr lvl="1"/>
-            <a:r>
-              <a:rPr lang="en-US" dirty="0"/>
-              <a:t>BOOTSTRAP</a:t>
-            </a:r>
-          </a:p>
-          <a:p>
-            <a:pPr lvl="1"/>
-            <a:r>
-              <a:rPr lang="en-US" dirty="0"/>
-              <a:t>HTML &amp; CSS</a:t>
-            </a:r>
-          </a:p>
-          <a:p>
-            <a:r>
-              <a:rPr lang="en-US" dirty="0"/>
-              <a:t>DATABASE</a:t>
-            </a:r>
-          </a:p>
-          <a:p>
-            <a:pPr lvl="1"/>
-            <a:r>
-              <a:rPr lang="en-US" dirty="0"/>
-              <a:t>MONGODB</a:t>
-            </a:r>
-          </a:p>
-          <a:p>
-            <a:r>
-              <a:rPr lang="en-US" dirty="0"/>
-              <a:t>Git / GitHub</a:t>
-            </a:r>
-          </a:p>
-          <a:p>
-            <a:r>
-              <a:rPr lang="en-US" dirty="0"/>
-              <a:t>STS</a:t>
-            </a:r>
-          </a:p>
-        </p:txBody>
-      </p:sp>
-    </p:spTree>
-    <p:extLst>
-      <p:ext uri="{BB962C8B-B14F-4D97-AF65-F5344CB8AC3E}">
-        <p14:creationId xmlns:p14="http://schemas.microsoft.com/office/powerpoint/2010/main" val="2644624423"/>
-      </p:ext>
-    </p:extLst>
-  </p:cSld>
-  <p:clrMapOvr>
-    <a:masterClrMapping/>
-  </p:clrMapOvr>
-</p:sld>
-</file>
-
 <file path=ppt/slides/slide8.xml><?xml version="1.0" encoding="utf-8"?>
 <p:sld xmlns:a="http://schemas.openxmlformats.org/drawingml/2006/main" xmlns:r="http://schemas.openxmlformats.org/officeDocument/2006/relationships" xmlns:p="http://schemas.openxmlformats.org/presentationml/2006/main">
   <p:cSld>
@@ -10806,7 +12228,7 @@
           <p:cNvPr id="2" name="Title 1">
             <a:extLst>
               <a:ext uri="{FF2B5EF4-FFF2-40B4-BE49-F238E27FC236}">
-                <a16:creationId xmlns:a16="http://schemas.microsoft.com/office/drawing/2014/main" id="{D69FE7C5-79F8-454A-AD54-BC0FF8D00823}"/>
+                <a16:creationId xmlns:a16="http://schemas.microsoft.com/office/drawing/2014/main" id="{5F735C1D-5F10-41CD-970C-41A60ACE6C8F}"/>
               </a:ext>
             </a:extLst>
           </p:cNvPr>
@@ -10819,1163 +12241,123 @@
         </p:nvSpPr>
         <p:spPr>
           <a:xfrm>
-            <a:off x="2466748" y="230928"/>
-            <a:ext cx="8911687" cy="566737"/>
-          </a:xfrm>
-        </p:spPr>
-        <p:txBody>
-          <a:bodyPr>
-            <a:normAutofit fontScale="90000"/>
-          </a:bodyPr>
-          <a:lstStyle/>
-          <a:p>
+            <a:off x="2163894" y="306333"/>
+            <a:ext cx="8911687" cy="1280890"/>
+          </a:xfrm>
+        </p:spPr>
+        <p:txBody>
+          <a:bodyPr/>
+          <a:lstStyle/>
+          <a:p>
+            <a:pPr algn="ctr"/>
+            <a:r>
+              <a:rPr lang="en-US" dirty="0" err="1"/>
+              <a:t>FrontEnd</a:t>
+            </a:r>
             <a:r>
               <a:rPr lang="en-US" dirty="0"/>
-              <a:t>Controllers, Services And Models</a:t>
-            </a:r>
-          </a:p>
-        </p:txBody>
-      </p:sp>
-      <p:sp>
-        <p:nvSpPr>
-          <p:cNvPr id="4" name="Rectangle: Rounded Corners 3">
+              <a:t> Components</a:t>
+            </a:r>
+          </a:p>
+        </p:txBody>
+      </p:sp>
+      <p:sp>
+        <p:nvSpPr>
+          <p:cNvPr id="3" name="Content Placeholder 2">
             <a:extLst>
               <a:ext uri="{FF2B5EF4-FFF2-40B4-BE49-F238E27FC236}">
-                <a16:creationId xmlns:a16="http://schemas.microsoft.com/office/drawing/2014/main" id="{AA292618-307E-4094-9165-6CCA71A69735}"/>
+                <a16:creationId xmlns:a16="http://schemas.microsoft.com/office/drawing/2014/main" id="{7959932A-4EAE-44C4-8367-3B1A865BE2B4}"/>
               </a:ext>
             </a:extLst>
           </p:cNvPr>
-          <p:cNvSpPr/>
-          <p:nvPr/>
+          <p:cNvSpPr>
+            <a:spLocks noGrp="1"/>
+          </p:cNvSpPr>
+          <p:nvPr>
+            <p:ph idx="1"/>
+          </p:nvPr>
         </p:nvSpPr>
         <p:spPr>
           <a:xfrm>
-            <a:off x="898446" y="1496755"/>
-            <a:ext cx="3136605" cy="382772"/>
-          </a:xfrm>
-          <a:prstGeom prst="roundRect">
-            <a:avLst/>
-          </a:prstGeom>
-        </p:spPr>
-        <p:style>
-          <a:lnRef idx="1">
-            <a:schemeClr val="accent1"/>
-          </a:lnRef>
-          <a:fillRef idx="2">
-            <a:schemeClr val="accent1"/>
-          </a:fillRef>
-          <a:effectRef idx="1">
-            <a:schemeClr val="accent1"/>
-          </a:effectRef>
-          <a:fontRef idx="minor">
-            <a:schemeClr val="dk1"/>
-          </a:fontRef>
-        </p:style>
-        <p:txBody>
-          <a:bodyPr rtlCol="0" anchor="ctr"/>
-          <a:lstStyle/>
-          <a:p>
-            <a:pPr algn="ctr"/>
-            <a:r>
-              <a:rPr lang="en-US" dirty="0" err="1"/>
-              <a:t>AdminController</a:t>
-            </a:r>
-            <a:endParaRPr lang="en-US" dirty="0"/>
-          </a:p>
-        </p:txBody>
-      </p:sp>
-      <p:sp>
-        <p:nvSpPr>
-          <p:cNvPr id="5" name="Rectangle: Rounded Corners 4">
-            <a:extLst>
-              <a:ext uri="{FF2B5EF4-FFF2-40B4-BE49-F238E27FC236}">
-                <a16:creationId xmlns:a16="http://schemas.microsoft.com/office/drawing/2014/main" id="{7F10F9C8-242A-46A1-A7C2-B3F6E2AF5E2B}"/>
-              </a:ext>
-            </a:extLst>
-          </p:cNvPr>
-          <p:cNvSpPr/>
-          <p:nvPr/>
-        </p:nvSpPr>
-        <p:spPr>
-          <a:xfrm>
-            <a:off x="903765" y="2255431"/>
-            <a:ext cx="3136605" cy="382772"/>
-          </a:xfrm>
-          <a:prstGeom prst="roundRect">
-            <a:avLst/>
-          </a:prstGeom>
-        </p:spPr>
-        <p:style>
-          <a:lnRef idx="1">
-            <a:schemeClr val="accent1"/>
-          </a:lnRef>
-          <a:fillRef idx="2">
-            <a:schemeClr val="accent1"/>
-          </a:fillRef>
-          <a:effectRef idx="1">
-            <a:schemeClr val="accent1"/>
-          </a:effectRef>
-          <a:fontRef idx="minor">
-            <a:schemeClr val="dk1"/>
-          </a:fontRef>
-        </p:style>
-        <p:txBody>
-          <a:bodyPr rtlCol="0" anchor="ctr"/>
-          <a:lstStyle/>
-          <a:p>
-            <a:pPr algn="ctr"/>
-            <a:r>
-              <a:rPr lang="en-US" dirty="0" err="1"/>
-              <a:t>AppointmentController</a:t>
-            </a:r>
-            <a:endParaRPr lang="en-US" dirty="0"/>
-          </a:p>
-        </p:txBody>
-      </p:sp>
-      <p:sp>
-        <p:nvSpPr>
-          <p:cNvPr id="6" name="Rectangle: Rounded Corners 5">
-            <a:extLst>
-              <a:ext uri="{FF2B5EF4-FFF2-40B4-BE49-F238E27FC236}">
-                <a16:creationId xmlns:a16="http://schemas.microsoft.com/office/drawing/2014/main" id="{2377CBDA-D22B-42CC-9854-7C41A5D8AD27}"/>
-              </a:ext>
-            </a:extLst>
-          </p:cNvPr>
-          <p:cNvSpPr/>
-          <p:nvPr/>
-        </p:nvSpPr>
-        <p:spPr>
-          <a:xfrm>
-            <a:off x="903765" y="2947434"/>
-            <a:ext cx="3136605" cy="382772"/>
-          </a:xfrm>
-          <a:prstGeom prst="roundRect">
-            <a:avLst/>
-          </a:prstGeom>
-        </p:spPr>
-        <p:style>
-          <a:lnRef idx="1">
-            <a:schemeClr val="accent1"/>
-          </a:lnRef>
-          <a:fillRef idx="2">
-            <a:schemeClr val="accent1"/>
-          </a:fillRef>
-          <a:effectRef idx="1">
-            <a:schemeClr val="accent1"/>
-          </a:effectRef>
-          <a:fontRef idx="minor">
-            <a:schemeClr val="dk1"/>
-          </a:fontRef>
-        </p:style>
-        <p:txBody>
-          <a:bodyPr rtlCol="0" anchor="ctr"/>
-          <a:lstStyle/>
-          <a:p>
-            <a:pPr algn="ctr"/>
-            <a:r>
-              <a:rPr lang="en-US" dirty="0" err="1"/>
-              <a:t>BookMedicineController</a:t>
-            </a:r>
-            <a:endParaRPr lang="en-US" dirty="0"/>
-          </a:p>
-        </p:txBody>
-      </p:sp>
-      <p:sp>
-        <p:nvSpPr>
-          <p:cNvPr id="7" name="Rectangle: Rounded Corners 6">
-            <a:extLst>
-              <a:ext uri="{FF2B5EF4-FFF2-40B4-BE49-F238E27FC236}">
-                <a16:creationId xmlns:a16="http://schemas.microsoft.com/office/drawing/2014/main" id="{296D084A-5978-4E7B-AB30-68C980E7976A}"/>
-              </a:ext>
-            </a:extLst>
-          </p:cNvPr>
-          <p:cNvSpPr/>
-          <p:nvPr/>
-        </p:nvSpPr>
-        <p:spPr>
-          <a:xfrm>
-            <a:off x="903766" y="3784749"/>
-            <a:ext cx="3136605" cy="382772"/>
-          </a:xfrm>
-          <a:prstGeom prst="roundRect">
-            <a:avLst/>
-          </a:prstGeom>
-        </p:spPr>
-        <p:style>
-          <a:lnRef idx="1">
-            <a:schemeClr val="accent1"/>
-          </a:lnRef>
-          <a:fillRef idx="2">
-            <a:schemeClr val="accent1"/>
-          </a:fillRef>
-          <a:effectRef idx="1">
-            <a:schemeClr val="accent1"/>
-          </a:effectRef>
-          <a:fontRef idx="minor">
-            <a:schemeClr val="dk1"/>
-          </a:fontRef>
-        </p:style>
-        <p:txBody>
-          <a:bodyPr rtlCol="0" anchor="ctr"/>
-          <a:lstStyle/>
-          <a:p>
-            <a:pPr algn="ctr"/>
-            <a:r>
-              <a:rPr lang="en-US" dirty="0" err="1"/>
-              <a:t>DoctorController</a:t>
-            </a:r>
-            <a:endParaRPr lang="en-US" dirty="0"/>
-          </a:p>
-        </p:txBody>
-      </p:sp>
-      <p:sp>
-        <p:nvSpPr>
-          <p:cNvPr id="8" name="Rectangle: Rounded Corners 7">
-            <a:extLst>
-              <a:ext uri="{FF2B5EF4-FFF2-40B4-BE49-F238E27FC236}">
-                <a16:creationId xmlns:a16="http://schemas.microsoft.com/office/drawing/2014/main" id="{DA1D910B-2A44-4B71-83E2-9B7367F3236D}"/>
-              </a:ext>
-            </a:extLst>
-          </p:cNvPr>
-          <p:cNvSpPr/>
-          <p:nvPr/>
-        </p:nvSpPr>
-        <p:spPr>
-          <a:xfrm>
-            <a:off x="903766" y="4572887"/>
-            <a:ext cx="3136605" cy="382772"/>
-          </a:xfrm>
-          <a:prstGeom prst="roundRect">
-            <a:avLst/>
-          </a:prstGeom>
-        </p:spPr>
-        <p:style>
-          <a:lnRef idx="1">
-            <a:schemeClr val="accent1"/>
-          </a:lnRef>
-          <a:fillRef idx="2">
-            <a:schemeClr val="accent1"/>
-          </a:fillRef>
-          <a:effectRef idx="1">
-            <a:schemeClr val="accent1"/>
-          </a:effectRef>
-          <a:fontRef idx="minor">
-            <a:schemeClr val="dk1"/>
-          </a:fontRef>
-        </p:style>
-        <p:txBody>
-          <a:bodyPr rtlCol="0" anchor="ctr"/>
-          <a:lstStyle/>
-          <a:p>
-            <a:pPr algn="ctr"/>
-            <a:r>
-              <a:rPr lang="en-US" dirty="0" err="1"/>
-              <a:t>MedicineController</a:t>
-            </a:r>
-            <a:endParaRPr lang="en-US" dirty="0"/>
-          </a:p>
-        </p:txBody>
-      </p:sp>
-      <p:sp>
-        <p:nvSpPr>
-          <p:cNvPr id="9" name="Rectangle: Rounded Corners 8">
-            <a:extLst>
-              <a:ext uri="{FF2B5EF4-FFF2-40B4-BE49-F238E27FC236}">
-                <a16:creationId xmlns:a16="http://schemas.microsoft.com/office/drawing/2014/main" id="{4866F3B3-106E-4D29-982D-5EACBEE4B934}"/>
-              </a:ext>
-            </a:extLst>
-          </p:cNvPr>
-          <p:cNvSpPr/>
-          <p:nvPr/>
-        </p:nvSpPr>
-        <p:spPr>
-          <a:xfrm>
-            <a:off x="903766" y="5380074"/>
-            <a:ext cx="3136605" cy="382772"/>
-          </a:xfrm>
-          <a:prstGeom prst="roundRect">
-            <a:avLst/>
-          </a:prstGeom>
-        </p:spPr>
-        <p:style>
-          <a:lnRef idx="1">
-            <a:schemeClr val="accent1"/>
-          </a:lnRef>
-          <a:fillRef idx="2">
-            <a:schemeClr val="accent1"/>
-          </a:fillRef>
-          <a:effectRef idx="1">
-            <a:schemeClr val="accent1"/>
-          </a:effectRef>
-          <a:fontRef idx="minor">
-            <a:schemeClr val="dk1"/>
-          </a:fontRef>
-        </p:style>
-        <p:txBody>
-          <a:bodyPr rtlCol="0" anchor="ctr"/>
-          <a:lstStyle/>
-          <a:p>
-            <a:pPr algn="ctr"/>
-            <a:r>
-              <a:rPr lang="en-US" dirty="0" err="1"/>
-              <a:t>PatientController</a:t>
-            </a:r>
-            <a:endParaRPr lang="en-US" dirty="0"/>
-          </a:p>
-        </p:txBody>
-      </p:sp>
-      <p:sp>
-        <p:nvSpPr>
-          <p:cNvPr id="10" name="Rectangle: Rounded Corners 9">
-            <a:extLst>
-              <a:ext uri="{FF2B5EF4-FFF2-40B4-BE49-F238E27FC236}">
-                <a16:creationId xmlns:a16="http://schemas.microsoft.com/office/drawing/2014/main" id="{D4B54181-52AB-4DBD-A47A-F79A3A6FE016}"/>
-              </a:ext>
-            </a:extLst>
-          </p:cNvPr>
-          <p:cNvSpPr/>
-          <p:nvPr/>
-        </p:nvSpPr>
-        <p:spPr>
-          <a:xfrm>
-            <a:off x="903767" y="6126126"/>
-            <a:ext cx="3136605" cy="382772"/>
-          </a:xfrm>
-          <a:prstGeom prst="roundRect">
-            <a:avLst/>
-          </a:prstGeom>
-        </p:spPr>
-        <p:style>
-          <a:lnRef idx="1">
-            <a:schemeClr val="accent1"/>
-          </a:lnRef>
-          <a:fillRef idx="2">
-            <a:schemeClr val="accent1"/>
-          </a:fillRef>
-          <a:effectRef idx="1">
-            <a:schemeClr val="accent1"/>
-          </a:effectRef>
-          <a:fontRef idx="minor">
-            <a:schemeClr val="dk1"/>
-          </a:fontRef>
-        </p:style>
-        <p:txBody>
-          <a:bodyPr rtlCol="0" anchor="ctr"/>
-          <a:lstStyle/>
-          <a:p>
-            <a:pPr algn="ctr"/>
-            <a:r>
-              <a:rPr lang="en-US" dirty="0" err="1"/>
-              <a:t>PharmacistController</a:t>
-            </a:r>
-            <a:endParaRPr lang="en-US" dirty="0"/>
-          </a:p>
-        </p:txBody>
-      </p:sp>
-      <p:sp>
-        <p:nvSpPr>
-          <p:cNvPr id="12" name="Rectangle: Rounded Corners 11">
-            <a:extLst>
-              <a:ext uri="{FF2B5EF4-FFF2-40B4-BE49-F238E27FC236}">
-                <a16:creationId xmlns:a16="http://schemas.microsoft.com/office/drawing/2014/main" id="{792FCDED-2E0F-46F1-A246-7347CA7189C3}"/>
-              </a:ext>
-            </a:extLst>
-          </p:cNvPr>
-          <p:cNvSpPr/>
-          <p:nvPr/>
-        </p:nvSpPr>
-        <p:spPr>
-          <a:xfrm>
-            <a:off x="4931727" y="1465964"/>
-            <a:ext cx="3136605" cy="382772"/>
-          </a:xfrm>
-          <a:prstGeom prst="roundRect">
-            <a:avLst/>
-          </a:prstGeom>
-        </p:spPr>
-        <p:style>
-          <a:lnRef idx="1">
-            <a:schemeClr val="accent1"/>
-          </a:lnRef>
-          <a:fillRef idx="2">
-            <a:schemeClr val="accent1"/>
-          </a:fillRef>
-          <a:effectRef idx="1">
-            <a:schemeClr val="accent1"/>
-          </a:effectRef>
-          <a:fontRef idx="minor">
-            <a:schemeClr val="dk1"/>
-          </a:fontRef>
-        </p:style>
-        <p:txBody>
-          <a:bodyPr rtlCol="0" anchor="ctr"/>
-          <a:lstStyle/>
-          <a:p>
-            <a:pPr algn="ctr"/>
-            <a:r>
-              <a:rPr lang="en-US" dirty="0" err="1"/>
-              <a:t>AdminService</a:t>
-            </a:r>
-            <a:endParaRPr lang="en-US" dirty="0"/>
-          </a:p>
-        </p:txBody>
-      </p:sp>
-      <p:sp>
-        <p:nvSpPr>
-          <p:cNvPr id="13" name="Rectangle: Rounded Corners 12">
-            <a:extLst>
-              <a:ext uri="{FF2B5EF4-FFF2-40B4-BE49-F238E27FC236}">
-                <a16:creationId xmlns:a16="http://schemas.microsoft.com/office/drawing/2014/main" id="{2D5ED454-7232-4A80-A950-4FC079C33705}"/>
-              </a:ext>
-            </a:extLst>
-          </p:cNvPr>
-          <p:cNvSpPr/>
-          <p:nvPr/>
-        </p:nvSpPr>
-        <p:spPr>
-          <a:xfrm>
-            <a:off x="4908692" y="2099046"/>
-            <a:ext cx="3136605" cy="382772"/>
-          </a:xfrm>
-          <a:prstGeom prst="roundRect">
-            <a:avLst/>
-          </a:prstGeom>
-        </p:spPr>
-        <p:style>
-          <a:lnRef idx="1">
-            <a:schemeClr val="accent1"/>
-          </a:lnRef>
-          <a:fillRef idx="2">
-            <a:schemeClr val="accent1"/>
-          </a:fillRef>
-          <a:effectRef idx="1">
-            <a:schemeClr val="accent1"/>
-          </a:effectRef>
-          <a:fontRef idx="minor">
-            <a:schemeClr val="dk1"/>
-          </a:fontRef>
-        </p:style>
-        <p:txBody>
-          <a:bodyPr rtlCol="0" anchor="ctr"/>
-          <a:lstStyle/>
-          <a:p>
-            <a:pPr algn="ctr"/>
-            <a:r>
-              <a:rPr lang="en-US" dirty="0" err="1"/>
-              <a:t>AppointmentService</a:t>
-            </a:r>
-            <a:endParaRPr lang="en-US" dirty="0"/>
-          </a:p>
-        </p:txBody>
-      </p:sp>
-      <p:sp>
-        <p:nvSpPr>
-          <p:cNvPr id="14" name="Rectangle: Rounded Corners 13">
-            <a:extLst>
-              <a:ext uri="{FF2B5EF4-FFF2-40B4-BE49-F238E27FC236}">
-                <a16:creationId xmlns:a16="http://schemas.microsoft.com/office/drawing/2014/main" id="{2C86594A-CA3A-4A85-82D1-1E0BE8C27402}"/>
-              </a:ext>
-            </a:extLst>
-          </p:cNvPr>
-          <p:cNvSpPr/>
-          <p:nvPr/>
-        </p:nvSpPr>
-        <p:spPr>
-          <a:xfrm>
-            <a:off x="4908691" y="2759261"/>
-            <a:ext cx="3136605" cy="382772"/>
-          </a:xfrm>
-          <a:prstGeom prst="roundRect">
-            <a:avLst/>
-          </a:prstGeom>
-        </p:spPr>
-        <p:style>
-          <a:lnRef idx="1">
-            <a:schemeClr val="accent1"/>
-          </a:lnRef>
-          <a:fillRef idx="2">
-            <a:schemeClr val="accent1"/>
-          </a:fillRef>
-          <a:effectRef idx="1">
-            <a:schemeClr val="accent1"/>
-          </a:effectRef>
-          <a:fontRef idx="minor">
-            <a:schemeClr val="dk1"/>
-          </a:fontRef>
-        </p:style>
-        <p:txBody>
-          <a:bodyPr rtlCol="0" anchor="ctr"/>
-          <a:lstStyle/>
-          <a:p>
-            <a:pPr algn="ctr"/>
-            <a:r>
-              <a:rPr lang="en-US" dirty="0" err="1"/>
-              <a:t>BookMedicineService</a:t>
-            </a:r>
-            <a:endParaRPr lang="en-US" dirty="0"/>
-          </a:p>
-        </p:txBody>
-      </p:sp>
-      <p:sp>
-        <p:nvSpPr>
-          <p:cNvPr id="15" name="Rectangle: Rounded Corners 14">
-            <a:extLst>
-              <a:ext uri="{FF2B5EF4-FFF2-40B4-BE49-F238E27FC236}">
-                <a16:creationId xmlns:a16="http://schemas.microsoft.com/office/drawing/2014/main" id="{67F261F3-FDC7-4D3C-9333-3515CC131B92}"/>
-              </a:ext>
-            </a:extLst>
-          </p:cNvPr>
-          <p:cNvSpPr/>
-          <p:nvPr/>
-        </p:nvSpPr>
-        <p:spPr>
-          <a:xfrm>
-            <a:off x="4931727" y="3461120"/>
-            <a:ext cx="3136605" cy="382772"/>
-          </a:xfrm>
-          <a:prstGeom prst="roundRect">
-            <a:avLst/>
-          </a:prstGeom>
-        </p:spPr>
-        <p:style>
-          <a:lnRef idx="1">
-            <a:schemeClr val="accent1"/>
-          </a:lnRef>
-          <a:fillRef idx="2">
-            <a:schemeClr val="accent1"/>
-          </a:fillRef>
-          <a:effectRef idx="1">
-            <a:schemeClr val="accent1"/>
-          </a:effectRef>
-          <a:fontRef idx="minor">
-            <a:schemeClr val="dk1"/>
-          </a:fontRef>
-        </p:style>
-        <p:txBody>
-          <a:bodyPr rtlCol="0" anchor="ctr"/>
-          <a:lstStyle/>
-          <a:p>
-            <a:pPr algn="ctr"/>
-            <a:r>
-              <a:rPr lang="en-US" dirty="0" err="1"/>
-              <a:t>DoctorService</a:t>
-            </a:r>
-            <a:endParaRPr lang="en-US" dirty="0"/>
-          </a:p>
-        </p:txBody>
-      </p:sp>
-      <p:sp>
-        <p:nvSpPr>
-          <p:cNvPr id="16" name="Rectangle: Rounded Corners 15">
-            <a:extLst>
-              <a:ext uri="{FF2B5EF4-FFF2-40B4-BE49-F238E27FC236}">
-                <a16:creationId xmlns:a16="http://schemas.microsoft.com/office/drawing/2014/main" id="{146E4767-7187-4F73-A912-BF89C14E42D3}"/>
-              </a:ext>
-            </a:extLst>
-          </p:cNvPr>
-          <p:cNvSpPr/>
-          <p:nvPr/>
-        </p:nvSpPr>
-        <p:spPr>
-          <a:xfrm>
-            <a:off x="4908693" y="4167521"/>
-            <a:ext cx="3136605" cy="382772"/>
-          </a:xfrm>
-          <a:prstGeom prst="roundRect">
-            <a:avLst/>
-          </a:prstGeom>
-        </p:spPr>
-        <p:style>
-          <a:lnRef idx="1">
-            <a:schemeClr val="accent1"/>
-          </a:lnRef>
-          <a:fillRef idx="2">
-            <a:schemeClr val="accent1"/>
-          </a:fillRef>
-          <a:effectRef idx="1">
-            <a:schemeClr val="accent1"/>
-          </a:effectRef>
-          <a:fontRef idx="minor">
-            <a:schemeClr val="dk1"/>
-          </a:fontRef>
-        </p:style>
-        <p:txBody>
-          <a:bodyPr rtlCol="0" anchor="ctr"/>
-          <a:lstStyle/>
-          <a:p>
-            <a:pPr algn="ctr"/>
-            <a:r>
-              <a:rPr lang="en-US" dirty="0" err="1"/>
-              <a:t>MedicineService</a:t>
-            </a:r>
-            <a:endParaRPr lang="en-US" dirty="0"/>
-          </a:p>
-        </p:txBody>
-      </p:sp>
-      <p:sp>
-        <p:nvSpPr>
-          <p:cNvPr id="17" name="Rectangle: Rounded Corners 16">
-            <a:extLst>
-              <a:ext uri="{FF2B5EF4-FFF2-40B4-BE49-F238E27FC236}">
-                <a16:creationId xmlns:a16="http://schemas.microsoft.com/office/drawing/2014/main" id="{9DE403C5-C6B3-43BF-ACC8-EE62B81AD575}"/>
-              </a:ext>
-            </a:extLst>
-          </p:cNvPr>
-          <p:cNvSpPr/>
-          <p:nvPr/>
-        </p:nvSpPr>
-        <p:spPr>
-          <a:xfrm>
-            <a:off x="4908693" y="4855534"/>
-            <a:ext cx="3136605" cy="382772"/>
-          </a:xfrm>
-          <a:prstGeom prst="roundRect">
-            <a:avLst/>
-          </a:prstGeom>
-        </p:spPr>
-        <p:style>
-          <a:lnRef idx="1">
-            <a:schemeClr val="accent1"/>
-          </a:lnRef>
-          <a:fillRef idx="2">
-            <a:schemeClr val="accent1"/>
-          </a:fillRef>
-          <a:effectRef idx="1">
-            <a:schemeClr val="accent1"/>
-          </a:effectRef>
-          <a:fontRef idx="minor">
-            <a:schemeClr val="dk1"/>
-          </a:fontRef>
-        </p:style>
-        <p:txBody>
-          <a:bodyPr rtlCol="0" anchor="ctr"/>
-          <a:lstStyle/>
-          <a:p>
-            <a:pPr algn="ctr"/>
-            <a:r>
-              <a:rPr lang="en-US" dirty="0" err="1"/>
-              <a:t>MessageService</a:t>
-            </a:r>
-            <a:endParaRPr lang="en-US" dirty="0"/>
-          </a:p>
-        </p:txBody>
-      </p:sp>
-      <p:sp>
-        <p:nvSpPr>
-          <p:cNvPr id="18" name="Rectangle: Rounded Corners 17">
-            <a:extLst>
-              <a:ext uri="{FF2B5EF4-FFF2-40B4-BE49-F238E27FC236}">
-                <a16:creationId xmlns:a16="http://schemas.microsoft.com/office/drawing/2014/main" id="{A3BD7E8D-97F4-4ABD-BFF2-3D0E81772489}"/>
-              </a:ext>
-            </a:extLst>
-          </p:cNvPr>
-          <p:cNvSpPr/>
-          <p:nvPr/>
-        </p:nvSpPr>
-        <p:spPr>
-          <a:xfrm>
-            <a:off x="4908694" y="5517855"/>
-            <a:ext cx="3136605" cy="382772"/>
-          </a:xfrm>
-          <a:prstGeom prst="roundRect">
-            <a:avLst/>
-          </a:prstGeom>
-        </p:spPr>
-        <p:style>
-          <a:lnRef idx="1">
-            <a:schemeClr val="accent1"/>
-          </a:lnRef>
-          <a:fillRef idx="2">
-            <a:schemeClr val="accent1"/>
-          </a:fillRef>
-          <a:effectRef idx="1">
-            <a:schemeClr val="accent1"/>
-          </a:effectRef>
-          <a:fontRef idx="minor">
-            <a:schemeClr val="dk1"/>
-          </a:fontRef>
-        </p:style>
-        <p:txBody>
-          <a:bodyPr rtlCol="0" anchor="ctr"/>
-          <a:lstStyle/>
-          <a:p>
-            <a:pPr algn="ctr"/>
-            <a:r>
-              <a:rPr lang="en-US" dirty="0" err="1"/>
-              <a:t>PatientService</a:t>
-            </a:r>
-            <a:endParaRPr lang="en-US" dirty="0"/>
-          </a:p>
-        </p:txBody>
-      </p:sp>
-      <p:sp>
-        <p:nvSpPr>
-          <p:cNvPr id="19" name="Rectangle: Rounded Corners 18">
-            <a:extLst>
-              <a:ext uri="{FF2B5EF4-FFF2-40B4-BE49-F238E27FC236}">
-                <a16:creationId xmlns:a16="http://schemas.microsoft.com/office/drawing/2014/main" id="{70EC7DF3-8DAD-4C68-B6BA-FB811A4137CF}"/>
-              </a:ext>
-            </a:extLst>
-          </p:cNvPr>
-          <p:cNvSpPr/>
-          <p:nvPr/>
-        </p:nvSpPr>
-        <p:spPr>
-          <a:xfrm>
-            <a:off x="4908695" y="6126126"/>
-            <a:ext cx="3136605" cy="382772"/>
-          </a:xfrm>
-          <a:prstGeom prst="roundRect">
-            <a:avLst/>
-          </a:prstGeom>
-        </p:spPr>
-        <p:style>
-          <a:lnRef idx="1">
-            <a:schemeClr val="accent1"/>
-          </a:lnRef>
-          <a:fillRef idx="2">
-            <a:schemeClr val="accent1"/>
-          </a:fillRef>
-          <a:effectRef idx="1">
-            <a:schemeClr val="accent1"/>
-          </a:effectRef>
-          <a:fontRef idx="minor">
-            <a:schemeClr val="dk1"/>
-          </a:fontRef>
-        </p:style>
-        <p:txBody>
-          <a:bodyPr rtlCol="0" anchor="ctr"/>
-          <a:lstStyle/>
-          <a:p>
-            <a:pPr algn="ctr"/>
-            <a:r>
-              <a:rPr lang="en-US" dirty="0" err="1"/>
-              <a:t>PharmacistService</a:t>
-            </a:r>
-            <a:endParaRPr lang="en-US" dirty="0"/>
-          </a:p>
-        </p:txBody>
-      </p:sp>
-      <p:sp>
-        <p:nvSpPr>
-          <p:cNvPr id="20" name="Rectangle: Rounded Corners 19">
-            <a:extLst>
-              <a:ext uri="{FF2B5EF4-FFF2-40B4-BE49-F238E27FC236}">
-                <a16:creationId xmlns:a16="http://schemas.microsoft.com/office/drawing/2014/main" id="{7FFB44E4-BA01-41C0-9BAE-CE9B9FF512E6}"/>
-              </a:ext>
-            </a:extLst>
-          </p:cNvPr>
-          <p:cNvSpPr/>
-          <p:nvPr/>
-        </p:nvSpPr>
-        <p:spPr>
-          <a:xfrm>
-            <a:off x="8965008" y="1465964"/>
-            <a:ext cx="2188545" cy="382772"/>
-          </a:xfrm>
-          <a:prstGeom prst="roundRect">
-            <a:avLst/>
-          </a:prstGeom>
-        </p:spPr>
-        <p:style>
-          <a:lnRef idx="1">
-            <a:schemeClr val="accent1"/>
-          </a:lnRef>
-          <a:fillRef idx="2">
-            <a:schemeClr val="accent1"/>
-          </a:fillRef>
-          <a:effectRef idx="1">
-            <a:schemeClr val="accent1"/>
-          </a:effectRef>
-          <a:fontRef idx="minor">
-            <a:schemeClr val="dk1"/>
-          </a:fontRef>
-        </p:style>
-        <p:txBody>
-          <a:bodyPr rtlCol="0" anchor="ctr"/>
-          <a:lstStyle/>
-          <a:p>
-            <a:pPr algn="ctr"/>
+            <a:off x="2163894" y="1275906"/>
+            <a:ext cx="9340718" cy="4816549"/>
+          </a:xfrm>
+        </p:spPr>
+        <p:txBody>
+          <a:bodyPr>
+            <a:normAutofit/>
+          </a:bodyPr>
+          <a:lstStyle/>
+          <a:p>
             <a:r>
               <a:rPr lang="en-US" dirty="0"/>
-              <a:t>Address</a:t>
-            </a:r>
-          </a:p>
-        </p:txBody>
-      </p:sp>
-      <p:sp>
-        <p:nvSpPr>
-          <p:cNvPr id="21" name="Rectangle: Rounded Corners 20">
-            <a:extLst>
-              <a:ext uri="{FF2B5EF4-FFF2-40B4-BE49-F238E27FC236}">
-                <a16:creationId xmlns:a16="http://schemas.microsoft.com/office/drawing/2014/main" id="{D98F94B4-3578-4909-B4CD-0F55572674B8}"/>
-              </a:ext>
-            </a:extLst>
-          </p:cNvPr>
-          <p:cNvSpPr/>
-          <p:nvPr/>
-        </p:nvSpPr>
-        <p:spPr>
-          <a:xfrm>
-            <a:off x="8959687" y="2064045"/>
-            <a:ext cx="2188545" cy="382772"/>
-          </a:xfrm>
-          <a:prstGeom prst="roundRect">
-            <a:avLst/>
-          </a:prstGeom>
-        </p:spPr>
-        <p:style>
-          <a:lnRef idx="1">
-            <a:schemeClr val="accent1"/>
-          </a:lnRef>
-          <a:fillRef idx="2">
-            <a:schemeClr val="accent1"/>
-          </a:fillRef>
-          <a:effectRef idx="1">
-            <a:schemeClr val="accent1"/>
-          </a:effectRef>
-          <a:fontRef idx="minor">
-            <a:schemeClr val="dk1"/>
-          </a:fontRef>
-        </p:style>
-        <p:txBody>
-          <a:bodyPr rtlCol="0" anchor="ctr"/>
-          <a:lstStyle/>
-          <a:p>
-            <a:pPr algn="ctr"/>
+              <a:t>About</a:t>
+            </a:r>
+          </a:p>
+          <a:p>
             <a:r>
               <a:rPr lang="en-US" dirty="0"/>
               <a:t>Admin</a:t>
             </a:r>
           </a:p>
-        </p:txBody>
-      </p:sp>
-      <p:sp>
-        <p:nvSpPr>
-          <p:cNvPr id="22" name="Rectangle: Rounded Corners 21">
-            <a:extLst>
-              <a:ext uri="{FF2B5EF4-FFF2-40B4-BE49-F238E27FC236}">
-                <a16:creationId xmlns:a16="http://schemas.microsoft.com/office/drawing/2014/main" id="{503FD8B5-56FA-4F81-929E-521F8BBCE480}"/>
-              </a:ext>
-            </a:extLst>
-          </p:cNvPr>
-          <p:cNvSpPr/>
-          <p:nvPr/>
-        </p:nvSpPr>
-        <p:spPr>
-          <a:xfrm>
-            <a:off x="8959688" y="2628901"/>
-            <a:ext cx="2188545" cy="382772"/>
-          </a:xfrm>
-          <a:prstGeom prst="roundRect">
-            <a:avLst/>
-          </a:prstGeom>
-        </p:spPr>
-        <p:style>
-          <a:lnRef idx="1">
-            <a:schemeClr val="accent1"/>
-          </a:lnRef>
-          <a:fillRef idx="2">
-            <a:schemeClr val="accent1"/>
-          </a:fillRef>
-          <a:effectRef idx="1">
-            <a:schemeClr val="accent1"/>
-          </a:effectRef>
-          <a:fontRef idx="minor">
-            <a:schemeClr val="dk1"/>
-          </a:fontRef>
-        </p:style>
-        <p:txBody>
-          <a:bodyPr rtlCol="0" anchor="ctr"/>
-          <a:lstStyle/>
-          <a:p>
-            <a:pPr algn="ctr"/>
+          <a:p>
+            <a:pPr lvl="1"/>
+            <a:r>
+              <a:rPr lang="en-US" dirty="0" err="1"/>
+              <a:t>AdminLogin</a:t>
+            </a:r>
+            <a:endParaRPr lang="en-US" dirty="0"/>
+          </a:p>
+          <a:p>
+            <a:pPr lvl="1"/>
+            <a:r>
+              <a:rPr lang="en-US" dirty="0" err="1"/>
+              <a:t>AdminDoctor</a:t>
+            </a:r>
+            <a:endParaRPr lang="en-US" dirty="0"/>
+          </a:p>
+          <a:p>
+            <a:pPr lvl="1"/>
+            <a:r>
+              <a:rPr lang="en-US" dirty="0" err="1"/>
+              <a:t>AdminPharmacy</a:t>
+            </a:r>
+            <a:endParaRPr lang="en-US" dirty="0"/>
+          </a:p>
+          <a:p>
             <a:r>
               <a:rPr lang="en-US" dirty="0"/>
-              <a:t>Appointment</a:t>
-            </a:r>
-          </a:p>
-        </p:txBody>
-      </p:sp>
-      <p:sp>
-        <p:nvSpPr>
-          <p:cNvPr id="23" name="Rectangle: Rounded Corners 22">
-            <a:extLst>
-              <a:ext uri="{FF2B5EF4-FFF2-40B4-BE49-F238E27FC236}">
-                <a16:creationId xmlns:a16="http://schemas.microsoft.com/office/drawing/2014/main" id="{1BC80DD8-E027-4B82-9395-7212FB96A64A}"/>
-              </a:ext>
-            </a:extLst>
-          </p:cNvPr>
-          <p:cNvSpPr/>
-          <p:nvPr/>
-        </p:nvSpPr>
-        <p:spPr>
-          <a:xfrm>
-            <a:off x="8959688" y="3281695"/>
-            <a:ext cx="2188545" cy="382772"/>
-          </a:xfrm>
-          <a:prstGeom prst="roundRect">
-            <a:avLst/>
-          </a:prstGeom>
-        </p:spPr>
-        <p:style>
-          <a:lnRef idx="1">
-            <a:schemeClr val="accent1"/>
-          </a:lnRef>
-          <a:fillRef idx="2">
-            <a:schemeClr val="accent1"/>
-          </a:fillRef>
-          <a:effectRef idx="1">
-            <a:schemeClr val="accent1"/>
-          </a:effectRef>
-          <a:fontRef idx="minor">
-            <a:schemeClr val="dk1"/>
-          </a:fontRef>
-        </p:style>
-        <p:txBody>
-          <a:bodyPr rtlCol="0" anchor="ctr"/>
-          <a:lstStyle/>
-          <a:p>
-            <a:pPr algn="ctr"/>
+              <a:t>Appointments</a:t>
+            </a:r>
+          </a:p>
+          <a:p>
+            <a:r>
+              <a:rPr lang="en-US" dirty="0"/>
+              <a:t>Authentication</a:t>
+            </a:r>
+          </a:p>
+          <a:p>
+            <a:r>
+              <a:rPr lang="en-US" dirty="0"/>
+              <a:t>Blogs</a:t>
+            </a:r>
+          </a:p>
+          <a:p>
+            <a:r>
+              <a:rPr lang="en-US" dirty="0"/>
+              <a:t>Chat</a:t>
+            </a:r>
+          </a:p>
+          <a:p>
+            <a:r>
+              <a:rPr lang="en-US" dirty="0"/>
+              <a:t>Contact</a:t>
+            </a:r>
+          </a:p>
+          <a:p>
             <a:r>
               <a:rPr lang="en-US" dirty="0" err="1"/>
-              <a:t>BookMedicine</a:t>
-            </a:r>
-            <a:endParaRPr lang="en-US" dirty="0"/>
-          </a:p>
-        </p:txBody>
-      </p:sp>
-      <p:sp>
-        <p:nvSpPr>
-          <p:cNvPr id="24" name="Rectangle: Rounded Corners 23">
-            <a:extLst>
-              <a:ext uri="{FF2B5EF4-FFF2-40B4-BE49-F238E27FC236}">
-                <a16:creationId xmlns:a16="http://schemas.microsoft.com/office/drawing/2014/main" id="{2899639F-F7D5-4944-8416-31210589710A}"/>
-              </a:ext>
-            </a:extLst>
-          </p:cNvPr>
-          <p:cNvSpPr/>
-          <p:nvPr/>
-        </p:nvSpPr>
-        <p:spPr>
-          <a:xfrm>
-            <a:off x="8965005" y="3890852"/>
-            <a:ext cx="2188545" cy="382772"/>
-          </a:xfrm>
-          <a:prstGeom prst="roundRect">
-            <a:avLst/>
-          </a:prstGeom>
-        </p:spPr>
-        <p:style>
-          <a:lnRef idx="1">
-            <a:schemeClr val="accent1"/>
-          </a:lnRef>
-          <a:fillRef idx="2">
-            <a:schemeClr val="accent1"/>
-          </a:fillRef>
-          <a:effectRef idx="1">
-            <a:schemeClr val="accent1"/>
-          </a:effectRef>
-          <a:fontRef idx="minor">
-            <a:schemeClr val="dk1"/>
-          </a:fontRef>
-        </p:style>
-        <p:txBody>
-          <a:bodyPr rtlCol="0" anchor="ctr"/>
-          <a:lstStyle/>
-          <a:p>
-            <a:pPr algn="ctr"/>
-            <a:r>
-              <a:rPr lang="en-US" dirty="0"/>
-              <a:t>Doctor</a:t>
-            </a:r>
-          </a:p>
-        </p:txBody>
-      </p:sp>
-      <p:sp>
-        <p:nvSpPr>
-          <p:cNvPr id="25" name="Rectangle: Rounded Corners 24">
-            <a:extLst>
-              <a:ext uri="{FF2B5EF4-FFF2-40B4-BE49-F238E27FC236}">
-                <a16:creationId xmlns:a16="http://schemas.microsoft.com/office/drawing/2014/main" id="{51640DD9-466F-4036-A2AA-CDFE6810BE74}"/>
-              </a:ext>
-            </a:extLst>
-          </p:cNvPr>
-          <p:cNvSpPr/>
-          <p:nvPr/>
-        </p:nvSpPr>
-        <p:spPr>
-          <a:xfrm>
-            <a:off x="8965005" y="4472762"/>
-            <a:ext cx="2188545" cy="382772"/>
-          </a:xfrm>
-          <a:prstGeom prst="roundRect">
-            <a:avLst/>
-          </a:prstGeom>
-        </p:spPr>
-        <p:style>
-          <a:lnRef idx="1">
-            <a:schemeClr val="accent1"/>
-          </a:lnRef>
-          <a:fillRef idx="2">
-            <a:schemeClr val="accent1"/>
-          </a:fillRef>
-          <a:effectRef idx="1">
-            <a:schemeClr val="accent1"/>
-          </a:effectRef>
-          <a:fontRef idx="minor">
-            <a:schemeClr val="dk1"/>
-          </a:fontRef>
-        </p:style>
-        <p:txBody>
-          <a:bodyPr rtlCol="0" anchor="ctr"/>
-          <a:lstStyle/>
-          <a:p>
-            <a:pPr algn="ctr"/>
-            <a:r>
-              <a:rPr lang="en-US" dirty="0"/>
-              <a:t>Medicine</a:t>
-            </a:r>
-          </a:p>
-        </p:txBody>
-      </p:sp>
-      <p:sp>
-        <p:nvSpPr>
-          <p:cNvPr id="26" name="Rectangle: Rounded Corners 25">
-            <a:extLst>
-              <a:ext uri="{FF2B5EF4-FFF2-40B4-BE49-F238E27FC236}">
-                <a16:creationId xmlns:a16="http://schemas.microsoft.com/office/drawing/2014/main" id="{FECA6655-3162-4692-8B54-DAC322D5784C}"/>
-              </a:ext>
-            </a:extLst>
-          </p:cNvPr>
-          <p:cNvSpPr/>
-          <p:nvPr/>
-        </p:nvSpPr>
-        <p:spPr>
-          <a:xfrm>
-            <a:off x="8965006" y="5042048"/>
-            <a:ext cx="2188545" cy="382772"/>
-          </a:xfrm>
-          <a:prstGeom prst="roundRect">
-            <a:avLst/>
-          </a:prstGeom>
-        </p:spPr>
-        <p:style>
-          <a:lnRef idx="1">
-            <a:schemeClr val="accent1"/>
-          </a:lnRef>
-          <a:fillRef idx="2">
-            <a:schemeClr val="accent1"/>
-          </a:fillRef>
-          <a:effectRef idx="1">
-            <a:schemeClr val="accent1"/>
-          </a:effectRef>
-          <a:fontRef idx="minor">
-            <a:schemeClr val="dk1"/>
-          </a:fontRef>
-        </p:style>
-        <p:txBody>
-          <a:bodyPr rtlCol="0" anchor="ctr"/>
-          <a:lstStyle/>
-          <a:p>
-            <a:pPr algn="ctr"/>
-            <a:r>
-              <a:rPr lang="en-US" dirty="0"/>
-              <a:t>Patient</a:t>
-            </a:r>
-          </a:p>
-        </p:txBody>
-      </p:sp>
-      <p:sp>
-        <p:nvSpPr>
-          <p:cNvPr id="27" name="Rectangle: Rounded Corners 26">
-            <a:extLst>
-              <a:ext uri="{FF2B5EF4-FFF2-40B4-BE49-F238E27FC236}">
-                <a16:creationId xmlns:a16="http://schemas.microsoft.com/office/drawing/2014/main" id="{36FC0B9A-4D52-455A-8320-D052E0BBCB05}"/>
-              </a:ext>
-            </a:extLst>
-          </p:cNvPr>
-          <p:cNvSpPr/>
-          <p:nvPr/>
-        </p:nvSpPr>
-        <p:spPr>
-          <a:xfrm>
-            <a:off x="8965007" y="5582093"/>
-            <a:ext cx="2188545" cy="382772"/>
-          </a:xfrm>
-          <a:prstGeom prst="roundRect">
-            <a:avLst/>
-          </a:prstGeom>
-        </p:spPr>
-        <p:style>
-          <a:lnRef idx="1">
-            <a:schemeClr val="accent1"/>
-          </a:lnRef>
-          <a:fillRef idx="2">
-            <a:schemeClr val="accent1"/>
-          </a:fillRef>
-          <a:effectRef idx="1">
-            <a:schemeClr val="accent1"/>
-          </a:effectRef>
-          <a:fontRef idx="minor">
-            <a:schemeClr val="dk1"/>
-          </a:fontRef>
-        </p:style>
-        <p:txBody>
-          <a:bodyPr rtlCol="0" anchor="ctr"/>
-          <a:lstStyle/>
-          <a:p>
-            <a:pPr algn="ctr"/>
-            <a:r>
-              <a:rPr lang="en-US" dirty="0"/>
-              <a:t>Person</a:t>
-            </a:r>
-          </a:p>
-        </p:txBody>
-      </p:sp>
-      <p:sp>
-        <p:nvSpPr>
-          <p:cNvPr id="28" name="Rectangle: Rounded Corners 27">
-            <a:extLst>
-              <a:ext uri="{FF2B5EF4-FFF2-40B4-BE49-F238E27FC236}">
-                <a16:creationId xmlns:a16="http://schemas.microsoft.com/office/drawing/2014/main" id="{76335B12-7D3D-45BD-BADA-958D5574FDDE}"/>
-              </a:ext>
-            </a:extLst>
-          </p:cNvPr>
-          <p:cNvSpPr/>
-          <p:nvPr/>
-        </p:nvSpPr>
-        <p:spPr>
-          <a:xfrm>
-            <a:off x="8959687" y="6087140"/>
-            <a:ext cx="2328545" cy="382772"/>
-          </a:xfrm>
-          <a:prstGeom prst="roundRect">
-            <a:avLst/>
-          </a:prstGeom>
-        </p:spPr>
-        <p:style>
-          <a:lnRef idx="1">
-            <a:schemeClr val="accent1"/>
-          </a:lnRef>
-          <a:fillRef idx="2">
-            <a:schemeClr val="accent1"/>
-          </a:fillRef>
-          <a:effectRef idx="1">
-            <a:schemeClr val="accent1"/>
-          </a:effectRef>
-          <a:fontRef idx="minor">
-            <a:schemeClr val="dk1"/>
-          </a:fontRef>
-        </p:style>
-        <p:txBody>
-          <a:bodyPr rtlCol="0" anchor="ctr"/>
-          <a:lstStyle/>
-          <a:p>
-            <a:pPr algn="ctr"/>
-            <a:r>
-              <a:rPr lang="en-US" dirty="0" err="1"/>
-              <a:t>ResponseMessage</a:t>
+              <a:t>Devteam</a:t>
             </a:r>
             <a:endParaRPr lang="en-US" dirty="0"/>
           </a:p>
@@ -11984,7 +12366,7 @@
     </p:spTree>
     <p:extLst>
       <p:ext uri="{BB962C8B-B14F-4D97-AF65-F5344CB8AC3E}">
-        <p14:creationId xmlns:p14="http://schemas.microsoft.com/office/powerpoint/2010/main" val="1535160733"/>
+        <p14:creationId xmlns:p14="http://schemas.microsoft.com/office/powerpoint/2010/main" val="406589032"/>
       </p:ext>
     </p:extLst>
   </p:cSld>
@@ -12013,44 +12395,10 @@
       </p:grpSpPr>
       <p:sp>
         <p:nvSpPr>
-          <p:cNvPr id="2" name="Title 1">
-            <a:extLst>
-              <a:ext uri="{FF2B5EF4-FFF2-40B4-BE49-F238E27FC236}">
-                <a16:creationId xmlns:a16="http://schemas.microsoft.com/office/drawing/2014/main" id="{1689AB6F-3252-4565-9BDC-D4F465998D57}"/>
-              </a:ext>
-            </a:extLst>
-          </p:cNvPr>
-          <p:cNvSpPr>
-            <a:spLocks noGrp="1"/>
-          </p:cNvSpPr>
-          <p:nvPr>
-            <p:ph type="title"/>
-          </p:nvPr>
-        </p:nvSpPr>
-        <p:spPr>
-          <a:xfrm>
-            <a:off x="1806116" y="634742"/>
-            <a:ext cx="8911687" cy="1280890"/>
-          </a:xfrm>
-        </p:spPr>
-        <p:txBody>
-          <a:bodyPr/>
-          <a:lstStyle/>
-          <a:p>
-            <a:pPr algn="ctr"/>
-            <a:r>
-              <a:rPr lang="en-US" dirty="0"/>
-              <a:t>Dependencies</a:t>
-            </a:r>
-          </a:p>
-        </p:txBody>
-      </p:sp>
-      <p:sp>
-        <p:nvSpPr>
           <p:cNvPr id="3" name="Content Placeholder 2">
             <a:extLst>
               <a:ext uri="{FF2B5EF4-FFF2-40B4-BE49-F238E27FC236}">
-                <a16:creationId xmlns:a16="http://schemas.microsoft.com/office/drawing/2014/main" id="{C135B01E-AB10-4AD9-8CF0-6A599953CA29}"/>
+                <a16:creationId xmlns:a16="http://schemas.microsoft.com/office/drawing/2014/main" id="{F0163D2C-C77D-4D8C-95B2-49DBF678511B}"/>
               </a:ext>
             </a:extLst>
           </p:cNvPr>
@@ -12063,8 +12411,8 @@
         </p:nvSpPr>
         <p:spPr>
           <a:xfrm>
-            <a:off x="2046952" y="1669311"/>
-            <a:ext cx="8915400" cy="4433777"/>
+            <a:off x="2259602" y="964017"/>
+            <a:ext cx="8915400" cy="5511211"/>
           </a:xfrm>
         </p:spPr>
         <p:txBody>
@@ -12075,89 +12423,99 @@
           <a:p>
             <a:r>
               <a:rPr lang="en-US" dirty="0"/>
-              <a:t>spring-boot-starter-web</a:t>
-            </a:r>
+              <a:t>Doctor</a:t>
+            </a:r>
+          </a:p>
+          <a:p>
+            <a:pPr lvl="1"/>
+            <a:r>
+              <a:rPr lang="en-US" dirty="0" err="1"/>
+              <a:t>DoctoLogin</a:t>
+            </a:r>
+            <a:endParaRPr lang="en-US" dirty="0"/>
+          </a:p>
+          <a:p>
+            <a:pPr lvl="1"/>
+            <a:r>
+              <a:rPr lang="en-US" dirty="0" err="1"/>
+              <a:t>DoctorRegister</a:t>
+            </a:r>
+            <a:endParaRPr lang="en-US" dirty="0"/>
+          </a:p>
+          <a:p>
+            <a:r>
+              <a:rPr lang="en-US" dirty="0" err="1"/>
+              <a:t>Faq</a:t>
+            </a:r>
+            <a:endParaRPr lang="en-US" dirty="0"/>
           </a:p>
           <a:p>
             <a:r>
               <a:rPr lang="en-US" dirty="0"/>
-              <a:t>persistence-</a:t>
-            </a:r>
+              <a:t>Home</a:t>
+            </a:r>
+          </a:p>
+          <a:p>
             <a:r>
               <a:rPr lang="en-US" dirty="0" err="1"/>
-              <a:t>api</a:t>
+              <a:t>OrderMedicine</a:t>
             </a:r>
             <a:endParaRPr lang="en-US" dirty="0"/>
           </a:p>
           <a:p>
+            <a:pPr lvl="1"/>
+            <a:r>
+              <a:rPr lang="en-US" dirty="0" err="1"/>
+              <a:t>BookMedicine</a:t>
+            </a:r>
+            <a:endParaRPr lang="en-US" dirty="0"/>
+          </a:p>
+          <a:p>
             <a:r>
               <a:rPr lang="en-US" dirty="0"/>
-              <a:t>spring-boot-starter-data-</a:t>
-            </a:r>
+              <a:t>Patient </a:t>
+            </a:r>
+          </a:p>
+          <a:p>
+            <a:pPr lvl="1"/>
             <a:r>
               <a:rPr lang="en-US" dirty="0" err="1"/>
-              <a:t>mongodb</a:t>
+              <a:t>PatientLogin</a:t>
             </a:r>
             <a:endParaRPr lang="en-US" dirty="0"/>
           </a:p>
           <a:p>
+            <a:pPr lvl="1"/>
+            <a:r>
+              <a:rPr lang="en-US" dirty="0" err="1"/>
+              <a:t>PatientRegister</a:t>
+            </a:r>
+            <a:endParaRPr lang="en-US" dirty="0"/>
+          </a:p>
+          <a:p>
             <a:r>
               <a:rPr lang="en-US" dirty="0"/>
-              <a:t>commons-</a:t>
-            </a:r>
+              <a:t>Shared</a:t>
+            </a:r>
+          </a:p>
+          <a:p>
+            <a:pPr lvl="1"/>
+            <a:r>
+              <a:rPr lang="en-US" dirty="0"/>
+              <a:t>Header</a:t>
+            </a:r>
+          </a:p>
+          <a:p>
+            <a:pPr lvl="1"/>
+            <a:r>
+              <a:rPr lang="en-US" dirty="0"/>
+              <a:t>Footer</a:t>
+            </a:r>
+          </a:p>
+          <a:p>
             <a:r>
               <a:rPr lang="en-US" dirty="0" err="1"/>
-              <a:t>lang</a:t>
-            </a:r>
-            <a:endParaRPr lang="en-US" dirty="0"/>
-          </a:p>
-          <a:p>
-            <a:r>
-              <a:rPr lang="en-US" dirty="0"/>
-              <a:t>spring-boot-starter-test</a:t>
-            </a:r>
-          </a:p>
-          <a:p>
-            <a:r>
-              <a:rPr lang="en-US" dirty="0"/>
-              <a:t>spring-boot-</a:t>
-            </a:r>
-            <a:r>
-              <a:rPr lang="en-US" dirty="0" err="1"/>
-              <a:t>devtools</a:t>
-            </a:r>
-            <a:endParaRPr lang="en-US" dirty="0"/>
-          </a:p>
-          <a:p>
-            <a:r>
-              <a:rPr lang="en-US" dirty="0"/>
-              <a:t>spring-boot-starter-actuator</a:t>
-            </a:r>
-          </a:p>
-          <a:p>
-            <a:r>
-              <a:rPr lang="en-US" dirty="0"/>
-              <a:t>spring-boot-starter-security</a:t>
-            </a:r>
-          </a:p>
-          <a:p>
-            <a:r>
-              <a:rPr lang="en-US" dirty="0"/>
-              <a:t>spring-boot-starter-mail</a:t>
-            </a:r>
-          </a:p>
-          <a:p>
-            <a:r>
-              <a:rPr lang="en-US" dirty="0" err="1"/>
-              <a:t>twilio</a:t>
-            </a:r>
-            <a:r>
-              <a:rPr lang="en-US" dirty="0"/>
-              <a:t>-java-</a:t>
-            </a:r>
-            <a:r>
-              <a:rPr lang="en-US" dirty="0" err="1"/>
-              <a:t>sdk</a:t>
+              <a:t>Specialisation</a:t>
             </a:r>
             <a:endParaRPr lang="en-US" dirty="0"/>
           </a:p>
@@ -12166,7 +12524,7 @@
     </p:spTree>
     <p:extLst>
       <p:ext uri="{BB962C8B-B14F-4D97-AF65-F5344CB8AC3E}">
-        <p14:creationId xmlns:p14="http://schemas.microsoft.com/office/powerpoint/2010/main" val="2959944365"/>
+        <p14:creationId xmlns:p14="http://schemas.microsoft.com/office/powerpoint/2010/main" val="1635319723"/>
       </p:ext>
     </p:extLst>
   </p:cSld>

--- a/presentation/QURE PPT.pptx
+++ b/presentation/QURE PPT.pptx
@@ -5,7 +5,7 @@
     <p:sldMasterId id="2147483689" r:id="rId1"/>
   </p:sldMasterIdLst>
   <p:notesMasterIdLst>
-    <p:notesMasterId r:id="rId21"/>
+    <p:notesMasterId r:id="rId23"/>
   </p:notesMasterIdLst>
   <p:sldIdLst>
     <p:sldId id="256" r:id="rId2"/>
@@ -15,18 +15,20 @@
     <p:sldId id="258" r:id="rId6"/>
     <p:sldId id="259" r:id="rId7"/>
     <p:sldId id="269" r:id="rId8"/>
-    <p:sldId id="273" r:id="rId9"/>
-    <p:sldId id="274" r:id="rId10"/>
-    <p:sldId id="271" r:id="rId11"/>
-    <p:sldId id="272" r:id="rId12"/>
-    <p:sldId id="267" r:id="rId13"/>
-    <p:sldId id="261" r:id="rId14"/>
-    <p:sldId id="270" r:id="rId15"/>
-    <p:sldId id="260" r:id="rId16"/>
-    <p:sldId id="263" r:id="rId17"/>
-    <p:sldId id="264" r:id="rId18"/>
-    <p:sldId id="265" r:id="rId19"/>
-    <p:sldId id="262" r:id="rId20"/>
+    <p:sldId id="275" r:id="rId9"/>
+    <p:sldId id="276" r:id="rId10"/>
+    <p:sldId id="273" r:id="rId11"/>
+    <p:sldId id="274" r:id="rId12"/>
+    <p:sldId id="271" r:id="rId13"/>
+    <p:sldId id="272" r:id="rId14"/>
+    <p:sldId id="267" r:id="rId15"/>
+    <p:sldId id="261" r:id="rId16"/>
+    <p:sldId id="270" r:id="rId17"/>
+    <p:sldId id="260" r:id="rId18"/>
+    <p:sldId id="263" r:id="rId19"/>
+    <p:sldId id="264" r:id="rId20"/>
+    <p:sldId id="265" r:id="rId21"/>
+    <p:sldId id="262" r:id="rId22"/>
   </p:sldIdLst>
   <p:sldSz cx="12192000" cy="6858000"/>
   <p:notesSz cx="6858000" cy="9144000"/>
@@ -241,7 +243,7 @@
           <a:p>
             <a:fld id="{2E220FDD-726E-41B2-945E-83EB1E8562E6}" type="datetimeFigureOut">
               <a:rPr lang="en-US" smtClean="0"/>
-              <a:t>07-Nov-19</a:t>
+              <a:t>08-Nov-19</a:t>
             </a:fld>
             <a:endParaRPr lang="en-US"/>
           </a:p>
@@ -696,7 +698,7 @@
           <a:p>
             <a:fld id="{FBDD459D-C182-4B91-86B5-03F221082DE7}" type="datetimeFigureOut">
               <a:rPr lang="en-US" smtClean="0"/>
-              <a:t>07-Nov-19</a:t>
+              <a:t>08-Nov-19</a:t>
             </a:fld>
             <a:endParaRPr lang="en-US"/>
           </a:p>
@@ -1034,7 +1036,7 @@
           <a:p>
             <a:fld id="{FBDD459D-C182-4B91-86B5-03F221082DE7}" type="datetimeFigureOut">
               <a:rPr lang="en-US" smtClean="0"/>
-              <a:t>07-Nov-19</a:t>
+              <a:t>08-Nov-19</a:t>
             </a:fld>
             <a:endParaRPr lang="en-US"/>
           </a:p>
@@ -1435,7 +1437,7 @@
           <a:p>
             <a:fld id="{FBDD459D-C182-4B91-86B5-03F221082DE7}" type="datetimeFigureOut">
               <a:rPr lang="en-US" smtClean="0"/>
-              <a:t>07-Nov-19</a:t>
+              <a:t>08-Nov-19</a:t>
             </a:fld>
             <a:endParaRPr lang="en-US"/>
           </a:p>
@@ -1771,7 +1773,7 @@
           <a:p>
             <a:fld id="{FBDD459D-C182-4B91-86B5-03F221082DE7}" type="datetimeFigureOut">
               <a:rPr lang="en-US" smtClean="0"/>
-              <a:t>07-Nov-19</a:t>
+              <a:t>08-Nov-19</a:t>
             </a:fld>
             <a:endParaRPr lang="en-US"/>
           </a:p>
@@ -2091,7 +2093,7 @@
           <a:p>
             <a:fld id="{FBDD459D-C182-4B91-86B5-03F221082DE7}" type="datetimeFigureOut">
               <a:rPr lang="en-US" smtClean="0"/>
-              <a:t>07-Nov-19</a:t>
+              <a:t>08-Nov-19</a:t>
             </a:fld>
             <a:endParaRPr lang="en-US"/>
           </a:p>
@@ -2487,7 +2489,7 @@
           <a:p>
             <a:fld id="{FBDD459D-C182-4B91-86B5-03F221082DE7}" type="datetimeFigureOut">
               <a:rPr lang="en-US" smtClean="0"/>
-              <a:t>07-Nov-19</a:t>
+              <a:t>08-Nov-19</a:t>
             </a:fld>
             <a:endParaRPr lang="en-US"/>
           </a:p>
@@ -2744,7 +2746,7 @@
           <a:p>
             <a:fld id="{FBDD459D-C182-4B91-86B5-03F221082DE7}" type="datetimeFigureOut">
               <a:rPr lang="en-US" smtClean="0"/>
-              <a:t>07-Nov-19</a:t>
+              <a:t>08-Nov-19</a:t>
             </a:fld>
             <a:endParaRPr lang="en-US"/>
           </a:p>
@@ -3006,7 +3008,7 @@
           <a:p>
             <a:fld id="{FBDD459D-C182-4B91-86B5-03F221082DE7}" type="datetimeFigureOut">
               <a:rPr lang="en-US" smtClean="0"/>
-              <a:t>07-Nov-19</a:t>
+              <a:t>08-Nov-19</a:t>
             </a:fld>
             <a:endParaRPr lang="en-US"/>
           </a:p>
@@ -3268,7 +3270,7 @@
           <a:p>
             <a:fld id="{FBDD459D-C182-4B91-86B5-03F221082DE7}" type="datetimeFigureOut">
               <a:rPr lang="en-US" smtClean="0"/>
-              <a:t>07-Nov-19</a:t>
+              <a:t>08-Nov-19</a:t>
             </a:fld>
             <a:endParaRPr lang="en-US"/>
           </a:p>
@@ -3597,7 +3599,7 @@
           <a:p>
             <a:fld id="{FBDD459D-C182-4B91-86B5-03F221082DE7}" type="datetimeFigureOut">
               <a:rPr lang="en-US" smtClean="0"/>
-              <a:t>07-Nov-19</a:t>
+              <a:t>08-Nov-19</a:t>
             </a:fld>
             <a:endParaRPr lang="en-US"/>
           </a:p>
@@ -3920,7 +3922,7 @@
           <a:p>
             <a:fld id="{FBDD459D-C182-4B91-86B5-03F221082DE7}" type="datetimeFigureOut">
               <a:rPr lang="en-US" smtClean="0"/>
-              <a:t>07-Nov-19</a:t>
+              <a:t>08-Nov-19</a:t>
             </a:fld>
             <a:endParaRPr lang="en-US"/>
           </a:p>
@@ -4377,7 +4379,7 @@
           <a:p>
             <a:fld id="{FBDD459D-C182-4B91-86B5-03F221082DE7}" type="datetimeFigureOut">
               <a:rPr lang="en-US" smtClean="0"/>
-              <a:t>07-Nov-19</a:t>
+              <a:t>08-Nov-19</a:t>
             </a:fld>
             <a:endParaRPr lang="en-US"/>
           </a:p>
@@ -4582,7 +4584,7 @@
           <a:p>
             <a:fld id="{FBDD459D-C182-4B91-86B5-03F221082DE7}" type="datetimeFigureOut">
               <a:rPr lang="en-US" smtClean="0"/>
-              <a:t>07-Nov-19</a:t>
+              <a:t>08-Nov-19</a:t>
             </a:fld>
             <a:endParaRPr lang="en-US"/>
           </a:p>
@@ -4759,7 +4761,7 @@
           <a:p>
             <a:fld id="{FBDD459D-C182-4B91-86B5-03F221082DE7}" type="datetimeFigureOut">
               <a:rPr lang="en-US" smtClean="0"/>
-              <a:t>07-Nov-19</a:t>
+              <a:t>08-Nov-19</a:t>
             </a:fld>
             <a:endParaRPr lang="en-US"/>
           </a:p>
@@ -5092,7 +5094,7 @@
           <a:p>
             <a:fld id="{FBDD459D-C182-4B91-86B5-03F221082DE7}" type="datetimeFigureOut">
               <a:rPr lang="en-US" smtClean="0"/>
-              <a:t>07-Nov-19</a:t>
+              <a:t>08-Nov-19</a:t>
             </a:fld>
             <a:endParaRPr lang="en-US"/>
           </a:p>
@@ -5437,7 +5439,7 @@
           <a:p>
             <a:fld id="{FBDD459D-C182-4B91-86B5-03F221082DE7}" type="datetimeFigureOut">
               <a:rPr lang="en-US" smtClean="0"/>
-              <a:t>07-Nov-19</a:t>
+              <a:t>08-Nov-19</a:t>
             </a:fld>
             <a:endParaRPr lang="en-US"/>
           </a:p>
@@ -7554,7 +7556,7 @@
           <a:p>
             <a:fld id="{FBDD459D-C182-4B91-86B5-03F221082DE7}" type="datetimeFigureOut">
               <a:rPr lang="en-US" smtClean="0"/>
-              <a:t>07-Nov-19</a:t>
+              <a:t>08-Nov-19</a:t>
             </a:fld>
             <a:endParaRPr lang="en-US"/>
           </a:p>
@@ -8074,39 +8076,6 @@
       </p:grpSpPr>
       <p:sp>
         <p:nvSpPr>
-          <p:cNvPr id="2" name="Title 1">
-            <a:extLst>
-              <a:ext uri="{FF2B5EF4-FFF2-40B4-BE49-F238E27FC236}">
-                <a16:creationId xmlns:a16="http://schemas.microsoft.com/office/drawing/2014/main" id="{849A23C6-DE59-498D-A1E9-A97B68886A59}"/>
-              </a:ext>
-            </a:extLst>
-          </p:cNvPr>
-          <p:cNvSpPr>
-            <a:spLocks noGrp="1"/>
-          </p:cNvSpPr>
-          <p:nvPr>
-            <p:ph type="ctrTitle"/>
-          </p:nvPr>
-        </p:nvSpPr>
-        <p:spPr>
-          <a:xfrm>
-            <a:off x="1844934" y="1515140"/>
-            <a:ext cx="8915399" cy="2262781"/>
-          </a:xfrm>
-        </p:spPr>
-        <p:txBody>
-          <a:bodyPr/>
-          <a:lstStyle/>
-          <a:p>
-            <a:r>
-              <a:rPr lang="en-US" dirty="0"/>
-              <a:t>QURE</a:t>
-            </a:r>
-          </a:p>
-        </p:txBody>
-      </p:sp>
-      <p:sp>
-        <p:nvSpPr>
           <p:cNvPr id="3" name="Subtitle 2">
             <a:extLst>
               <a:ext uri="{FF2B5EF4-FFF2-40B4-BE49-F238E27FC236}">
@@ -8160,6 +8129,42 @@
           </a:p>
         </p:txBody>
       </p:sp>
+      <p:pic>
+        <p:nvPicPr>
+          <p:cNvPr id="6" name="Picture 5" descr="A close up of a sign&#10;&#10;Description automatically generated">
+            <a:extLst>
+              <a:ext uri="{FF2B5EF4-FFF2-40B4-BE49-F238E27FC236}">
+                <a16:creationId xmlns:a16="http://schemas.microsoft.com/office/drawing/2014/main" id="{2E3F8976-154B-4414-A97F-235EBC1AEC19}"/>
+              </a:ext>
+            </a:extLst>
+          </p:cNvPr>
+          <p:cNvPicPr>
+            <a:picLocks noChangeAspect="1"/>
+          </p:cNvPicPr>
+          <p:nvPr/>
+        </p:nvPicPr>
+        <p:blipFill>
+          <a:blip r:embed="rId2">
+            <a:extLst>
+              <a:ext uri="{28A0092B-C50C-407E-A947-70E740481C1C}">
+                <a14:useLocalDpi xmlns:a14="http://schemas.microsoft.com/office/drawing/2010/main" val="0"/>
+              </a:ext>
+            </a:extLst>
+          </a:blip>
+          <a:stretch>
+            <a:fillRect/>
+          </a:stretch>
+        </p:blipFill>
+        <p:spPr>
+          <a:xfrm>
+            <a:off x="1338672" y="1489600"/>
+            <a:ext cx="5640862" cy="1870839"/>
+          </a:xfrm>
+          <a:prstGeom prst="rect">
+            <a:avLst/>
+          </a:prstGeom>
+        </p:spPr>
+      </p:pic>
     </p:spTree>
     <p:extLst>
       <p:ext uri="{BB962C8B-B14F-4D97-AF65-F5344CB8AC3E}">
@@ -8195,7 +8200,7 @@
           <p:cNvPr id="2" name="Title 1">
             <a:extLst>
               <a:ext uri="{FF2B5EF4-FFF2-40B4-BE49-F238E27FC236}">
-                <a16:creationId xmlns:a16="http://schemas.microsoft.com/office/drawing/2014/main" id="{D69FE7C5-79F8-454A-AD54-BC0FF8D00823}"/>
+                <a16:creationId xmlns:a16="http://schemas.microsoft.com/office/drawing/2014/main" id="{5F735C1D-5F10-41CD-970C-41A60ACE6C8F}"/>
               </a:ext>
             </a:extLst>
           </p:cNvPr>
@@ -8208,1164 +8213,123 @@
         </p:nvSpPr>
         <p:spPr>
           <a:xfrm>
-            <a:off x="2466748" y="230928"/>
-            <a:ext cx="8911687" cy="566737"/>
-          </a:xfrm>
-        </p:spPr>
-        <p:txBody>
-          <a:bodyPr>
-            <a:normAutofit fontScale="90000"/>
-          </a:bodyPr>
+            <a:off x="2163894" y="306333"/>
+            <a:ext cx="8911687" cy="1280890"/>
+          </a:xfrm>
+        </p:spPr>
+        <p:txBody>
+          <a:bodyPr/>
           <a:lstStyle/>
           <a:p>
             <a:pPr algn="ctr"/>
             <a:r>
+              <a:rPr lang="en-US" dirty="0" err="1"/>
+              <a:t>FrontEnd</a:t>
+            </a:r>
+            <a:r>
               <a:rPr lang="en-US" dirty="0"/>
-              <a:t>Controllers, Services And Models</a:t>
-            </a:r>
-          </a:p>
-        </p:txBody>
-      </p:sp>
-      <p:sp>
-        <p:nvSpPr>
-          <p:cNvPr id="4" name="Rectangle: Rounded Corners 3">
+              <a:t> Components</a:t>
+            </a:r>
+          </a:p>
+        </p:txBody>
+      </p:sp>
+      <p:sp>
+        <p:nvSpPr>
+          <p:cNvPr id="3" name="Content Placeholder 2">
             <a:extLst>
               <a:ext uri="{FF2B5EF4-FFF2-40B4-BE49-F238E27FC236}">
-                <a16:creationId xmlns:a16="http://schemas.microsoft.com/office/drawing/2014/main" id="{AA292618-307E-4094-9165-6CCA71A69735}"/>
+                <a16:creationId xmlns:a16="http://schemas.microsoft.com/office/drawing/2014/main" id="{7959932A-4EAE-44C4-8367-3B1A865BE2B4}"/>
               </a:ext>
             </a:extLst>
           </p:cNvPr>
-          <p:cNvSpPr/>
-          <p:nvPr/>
+          <p:cNvSpPr>
+            <a:spLocks noGrp="1"/>
+          </p:cNvSpPr>
+          <p:nvPr>
+            <p:ph idx="1"/>
+          </p:nvPr>
         </p:nvSpPr>
         <p:spPr>
           <a:xfrm>
-            <a:off x="898446" y="1496755"/>
-            <a:ext cx="3136605" cy="382772"/>
-          </a:xfrm>
-          <a:prstGeom prst="roundRect">
-            <a:avLst/>
-          </a:prstGeom>
-        </p:spPr>
-        <p:style>
-          <a:lnRef idx="1">
-            <a:schemeClr val="accent1"/>
-          </a:lnRef>
-          <a:fillRef idx="2">
-            <a:schemeClr val="accent1"/>
-          </a:fillRef>
-          <a:effectRef idx="1">
-            <a:schemeClr val="accent1"/>
-          </a:effectRef>
-          <a:fontRef idx="minor">
-            <a:schemeClr val="dk1"/>
-          </a:fontRef>
-        </p:style>
-        <p:txBody>
-          <a:bodyPr rtlCol="0" anchor="ctr"/>
-          <a:lstStyle/>
-          <a:p>
-            <a:pPr algn="ctr"/>
-            <a:r>
-              <a:rPr lang="en-US" dirty="0" err="1"/>
-              <a:t>AdminController</a:t>
-            </a:r>
-            <a:endParaRPr lang="en-US" dirty="0"/>
-          </a:p>
-        </p:txBody>
-      </p:sp>
-      <p:sp>
-        <p:nvSpPr>
-          <p:cNvPr id="5" name="Rectangle: Rounded Corners 4">
-            <a:extLst>
-              <a:ext uri="{FF2B5EF4-FFF2-40B4-BE49-F238E27FC236}">
-                <a16:creationId xmlns:a16="http://schemas.microsoft.com/office/drawing/2014/main" id="{7F10F9C8-242A-46A1-A7C2-B3F6E2AF5E2B}"/>
-              </a:ext>
-            </a:extLst>
-          </p:cNvPr>
-          <p:cNvSpPr/>
-          <p:nvPr/>
-        </p:nvSpPr>
-        <p:spPr>
-          <a:xfrm>
-            <a:off x="903765" y="2255431"/>
-            <a:ext cx="3136605" cy="382772"/>
-          </a:xfrm>
-          <a:prstGeom prst="roundRect">
-            <a:avLst/>
-          </a:prstGeom>
-        </p:spPr>
-        <p:style>
-          <a:lnRef idx="1">
-            <a:schemeClr val="accent1"/>
-          </a:lnRef>
-          <a:fillRef idx="2">
-            <a:schemeClr val="accent1"/>
-          </a:fillRef>
-          <a:effectRef idx="1">
-            <a:schemeClr val="accent1"/>
-          </a:effectRef>
-          <a:fontRef idx="minor">
-            <a:schemeClr val="dk1"/>
-          </a:fontRef>
-        </p:style>
-        <p:txBody>
-          <a:bodyPr rtlCol="0" anchor="ctr"/>
-          <a:lstStyle/>
-          <a:p>
-            <a:pPr algn="ctr"/>
-            <a:r>
-              <a:rPr lang="en-US" dirty="0" err="1"/>
-              <a:t>AppointmentController</a:t>
-            </a:r>
-            <a:endParaRPr lang="en-US" dirty="0"/>
-          </a:p>
-        </p:txBody>
-      </p:sp>
-      <p:sp>
-        <p:nvSpPr>
-          <p:cNvPr id="6" name="Rectangle: Rounded Corners 5">
-            <a:extLst>
-              <a:ext uri="{FF2B5EF4-FFF2-40B4-BE49-F238E27FC236}">
-                <a16:creationId xmlns:a16="http://schemas.microsoft.com/office/drawing/2014/main" id="{2377CBDA-D22B-42CC-9854-7C41A5D8AD27}"/>
-              </a:ext>
-            </a:extLst>
-          </p:cNvPr>
-          <p:cNvSpPr/>
-          <p:nvPr/>
-        </p:nvSpPr>
-        <p:spPr>
-          <a:xfrm>
-            <a:off x="903765" y="2947434"/>
-            <a:ext cx="3136605" cy="382772"/>
-          </a:xfrm>
-          <a:prstGeom prst="roundRect">
-            <a:avLst/>
-          </a:prstGeom>
-        </p:spPr>
-        <p:style>
-          <a:lnRef idx="1">
-            <a:schemeClr val="accent1"/>
-          </a:lnRef>
-          <a:fillRef idx="2">
-            <a:schemeClr val="accent1"/>
-          </a:fillRef>
-          <a:effectRef idx="1">
-            <a:schemeClr val="accent1"/>
-          </a:effectRef>
-          <a:fontRef idx="minor">
-            <a:schemeClr val="dk1"/>
-          </a:fontRef>
-        </p:style>
-        <p:txBody>
-          <a:bodyPr rtlCol="0" anchor="ctr"/>
-          <a:lstStyle/>
-          <a:p>
-            <a:pPr algn="ctr"/>
-            <a:r>
-              <a:rPr lang="en-US" dirty="0" err="1"/>
-              <a:t>BookMedicineController</a:t>
-            </a:r>
-            <a:endParaRPr lang="en-US" dirty="0"/>
-          </a:p>
-        </p:txBody>
-      </p:sp>
-      <p:sp>
-        <p:nvSpPr>
-          <p:cNvPr id="7" name="Rectangle: Rounded Corners 6">
-            <a:extLst>
-              <a:ext uri="{FF2B5EF4-FFF2-40B4-BE49-F238E27FC236}">
-                <a16:creationId xmlns:a16="http://schemas.microsoft.com/office/drawing/2014/main" id="{296D084A-5978-4E7B-AB30-68C980E7976A}"/>
-              </a:ext>
-            </a:extLst>
-          </p:cNvPr>
-          <p:cNvSpPr/>
-          <p:nvPr/>
-        </p:nvSpPr>
-        <p:spPr>
-          <a:xfrm>
-            <a:off x="903766" y="3784749"/>
-            <a:ext cx="3136605" cy="382772"/>
-          </a:xfrm>
-          <a:prstGeom prst="roundRect">
-            <a:avLst/>
-          </a:prstGeom>
-        </p:spPr>
-        <p:style>
-          <a:lnRef idx="1">
-            <a:schemeClr val="accent1"/>
-          </a:lnRef>
-          <a:fillRef idx="2">
-            <a:schemeClr val="accent1"/>
-          </a:fillRef>
-          <a:effectRef idx="1">
-            <a:schemeClr val="accent1"/>
-          </a:effectRef>
-          <a:fontRef idx="minor">
-            <a:schemeClr val="dk1"/>
-          </a:fontRef>
-        </p:style>
-        <p:txBody>
-          <a:bodyPr rtlCol="0" anchor="ctr"/>
-          <a:lstStyle/>
-          <a:p>
-            <a:pPr algn="ctr"/>
-            <a:r>
-              <a:rPr lang="en-US" dirty="0" err="1"/>
-              <a:t>DoctorController</a:t>
-            </a:r>
-            <a:endParaRPr lang="en-US" dirty="0"/>
-          </a:p>
-        </p:txBody>
-      </p:sp>
-      <p:sp>
-        <p:nvSpPr>
-          <p:cNvPr id="8" name="Rectangle: Rounded Corners 7">
-            <a:extLst>
-              <a:ext uri="{FF2B5EF4-FFF2-40B4-BE49-F238E27FC236}">
-                <a16:creationId xmlns:a16="http://schemas.microsoft.com/office/drawing/2014/main" id="{DA1D910B-2A44-4B71-83E2-9B7367F3236D}"/>
-              </a:ext>
-            </a:extLst>
-          </p:cNvPr>
-          <p:cNvSpPr/>
-          <p:nvPr/>
-        </p:nvSpPr>
-        <p:spPr>
-          <a:xfrm>
-            <a:off x="903766" y="4572887"/>
-            <a:ext cx="3136605" cy="382772"/>
-          </a:xfrm>
-          <a:prstGeom prst="roundRect">
-            <a:avLst/>
-          </a:prstGeom>
-        </p:spPr>
-        <p:style>
-          <a:lnRef idx="1">
-            <a:schemeClr val="accent1"/>
-          </a:lnRef>
-          <a:fillRef idx="2">
-            <a:schemeClr val="accent1"/>
-          </a:fillRef>
-          <a:effectRef idx="1">
-            <a:schemeClr val="accent1"/>
-          </a:effectRef>
-          <a:fontRef idx="minor">
-            <a:schemeClr val="dk1"/>
-          </a:fontRef>
-        </p:style>
-        <p:txBody>
-          <a:bodyPr rtlCol="0" anchor="ctr"/>
-          <a:lstStyle/>
-          <a:p>
-            <a:pPr algn="ctr"/>
-            <a:r>
-              <a:rPr lang="en-US" dirty="0" err="1"/>
-              <a:t>MedicineController</a:t>
-            </a:r>
-            <a:endParaRPr lang="en-US" dirty="0"/>
-          </a:p>
-        </p:txBody>
-      </p:sp>
-      <p:sp>
-        <p:nvSpPr>
-          <p:cNvPr id="9" name="Rectangle: Rounded Corners 8">
-            <a:extLst>
-              <a:ext uri="{FF2B5EF4-FFF2-40B4-BE49-F238E27FC236}">
-                <a16:creationId xmlns:a16="http://schemas.microsoft.com/office/drawing/2014/main" id="{4866F3B3-106E-4D29-982D-5EACBEE4B934}"/>
-              </a:ext>
-            </a:extLst>
-          </p:cNvPr>
-          <p:cNvSpPr/>
-          <p:nvPr/>
-        </p:nvSpPr>
-        <p:spPr>
-          <a:xfrm>
-            <a:off x="903766" y="5380074"/>
-            <a:ext cx="3136605" cy="382772"/>
-          </a:xfrm>
-          <a:prstGeom prst="roundRect">
-            <a:avLst/>
-          </a:prstGeom>
-        </p:spPr>
-        <p:style>
-          <a:lnRef idx="1">
-            <a:schemeClr val="accent1"/>
-          </a:lnRef>
-          <a:fillRef idx="2">
-            <a:schemeClr val="accent1"/>
-          </a:fillRef>
-          <a:effectRef idx="1">
-            <a:schemeClr val="accent1"/>
-          </a:effectRef>
-          <a:fontRef idx="minor">
-            <a:schemeClr val="dk1"/>
-          </a:fontRef>
-        </p:style>
-        <p:txBody>
-          <a:bodyPr rtlCol="0" anchor="ctr"/>
-          <a:lstStyle/>
-          <a:p>
-            <a:pPr algn="ctr"/>
-            <a:r>
-              <a:rPr lang="en-US" dirty="0" err="1"/>
-              <a:t>PatientController</a:t>
-            </a:r>
-            <a:endParaRPr lang="en-US" dirty="0"/>
-          </a:p>
-        </p:txBody>
-      </p:sp>
-      <p:sp>
-        <p:nvSpPr>
-          <p:cNvPr id="10" name="Rectangle: Rounded Corners 9">
-            <a:extLst>
-              <a:ext uri="{FF2B5EF4-FFF2-40B4-BE49-F238E27FC236}">
-                <a16:creationId xmlns:a16="http://schemas.microsoft.com/office/drawing/2014/main" id="{D4B54181-52AB-4DBD-A47A-F79A3A6FE016}"/>
-              </a:ext>
-            </a:extLst>
-          </p:cNvPr>
-          <p:cNvSpPr/>
-          <p:nvPr/>
-        </p:nvSpPr>
-        <p:spPr>
-          <a:xfrm>
-            <a:off x="903767" y="6126126"/>
-            <a:ext cx="3136605" cy="382772"/>
-          </a:xfrm>
-          <a:prstGeom prst="roundRect">
-            <a:avLst/>
-          </a:prstGeom>
-        </p:spPr>
-        <p:style>
-          <a:lnRef idx="1">
-            <a:schemeClr val="accent1"/>
-          </a:lnRef>
-          <a:fillRef idx="2">
-            <a:schemeClr val="accent1"/>
-          </a:fillRef>
-          <a:effectRef idx="1">
-            <a:schemeClr val="accent1"/>
-          </a:effectRef>
-          <a:fontRef idx="minor">
-            <a:schemeClr val="dk1"/>
-          </a:fontRef>
-        </p:style>
-        <p:txBody>
-          <a:bodyPr rtlCol="0" anchor="ctr"/>
-          <a:lstStyle/>
-          <a:p>
-            <a:pPr algn="ctr"/>
-            <a:r>
-              <a:rPr lang="en-US" dirty="0" err="1"/>
-              <a:t>PharmacistController</a:t>
-            </a:r>
-            <a:endParaRPr lang="en-US" dirty="0"/>
-          </a:p>
-        </p:txBody>
-      </p:sp>
-      <p:sp>
-        <p:nvSpPr>
-          <p:cNvPr id="12" name="Rectangle: Rounded Corners 11">
-            <a:extLst>
-              <a:ext uri="{FF2B5EF4-FFF2-40B4-BE49-F238E27FC236}">
-                <a16:creationId xmlns:a16="http://schemas.microsoft.com/office/drawing/2014/main" id="{792FCDED-2E0F-46F1-A246-7347CA7189C3}"/>
-              </a:ext>
-            </a:extLst>
-          </p:cNvPr>
-          <p:cNvSpPr/>
-          <p:nvPr/>
-        </p:nvSpPr>
-        <p:spPr>
-          <a:xfrm>
-            <a:off x="4931727" y="1465964"/>
-            <a:ext cx="3136605" cy="382772"/>
-          </a:xfrm>
-          <a:prstGeom prst="roundRect">
-            <a:avLst/>
-          </a:prstGeom>
-        </p:spPr>
-        <p:style>
-          <a:lnRef idx="1">
-            <a:schemeClr val="accent1"/>
-          </a:lnRef>
-          <a:fillRef idx="2">
-            <a:schemeClr val="accent1"/>
-          </a:fillRef>
-          <a:effectRef idx="1">
-            <a:schemeClr val="accent1"/>
-          </a:effectRef>
-          <a:fontRef idx="minor">
-            <a:schemeClr val="dk1"/>
-          </a:fontRef>
-        </p:style>
-        <p:txBody>
-          <a:bodyPr rtlCol="0" anchor="ctr"/>
-          <a:lstStyle/>
-          <a:p>
-            <a:pPr algn="ctr"/>
-            <a:r>
-              <a:rPr lang="en-US" dirty="0" err="1"/>
-              <a:t>AdminService</a:t>
-            </a:r>
-            <a:endParaRPr lang="en-US" dirty="0"/>
-          </a:p>
-        </p:txBody>
-      </p:sp>
-      <p:sp>
-        <p:nvSpPr>
-          <p:cNvPr id="13" name="Rectangle: Rounded Corners 12">
-            <a:extLst>
-              <a:ext uri="{FF2B5EF4-FFF2-40B4-BE49-F238E27FC236}">
-                <a16:creationId xmlns:a16="http://schemas.microsoft.com/office/drawing/2014/main" id="{2D5ED454-7232-4A80-A950-4FC079C33705}"/>
-              </a:ext>
-            </a:extLst>
-          </p:cNvPr>
-          <p:cNvSpPr/>
-          <p:nvPr/>
-        </p:nvSpPr>
-        <p:spPr>
-          <a:xfrm>
-            <a:off x="4908692" y="2099046"/>
-            <a:ext cx="3136605" cy="382772"/>
-          </a:xfrm>
-          <a:prstGeom prst="roundRect">
-            <a:avLst/>
-          </a:prstGeom>
-        </p:spPr>
-        <p:style>
-          <a:lnRef idx="1">
-            <a:schemeClr val="accent1"/>
-          </a:lnRef>
-          <a:fillRef idx="2">
-            <a:schemeClr val="accent1"/>
-          </a:fillRef>
-          <a:effectRef idx="1">
-            <a:schemeClr val="accent1"/>
-          </a:effectRef>
-          <a:fontRef idx="minor">
-            <a:schemeClr val="dk1"/>
-          </a:fontRef>
-        </p:style>
-        <p:txBody>
-          <a:bodyPr rtlCol="0" anchor="ctr"/>
-          <a:lstStyle/>
-          <a:p>
-            <a:pPr algn="ctr"/>
-            <a:r>
-              <a:rPr lang="en-US" dirty="0" err="1"/>
-              <a:t>AppointmentService</a:t>
-            </a:r>
-            <a:endParaRPr lang="en-US" dirty="0"/>
-          </a:p>
-        </p:txBody>
-      </p:sp>
-      <p:sp>
-        <p:nvSpPr>
-          <p:cNvPr id="14" name="Rectangle: Rounded Corners 13">
-            <a:extLst>
-              <a:ext uri="{FF2B5EF4-FFF2-40B4-BE49-F238E27FC236}">
-                <a16:creationId xmlns:a16="http://schemas.microsoft.com/office/drawing/2014/main" id="{2C86594A-CA3A-4A85-82D1-1E0BE8C27402}"/>
-              </a:ext>
-            </a:extLst>
-          </p:cNvPr>
-          <p:cNvSpPr/>
-          <p:nvPr/>
-        </p:nvSpPr>
-        <p:spPr>
-          <a:xfrm>
-            <a:off x="4908691" y="2759261"/>
-            <a:ext cx="3136605" cy="382772"/>
-          </a:xfrm>
-          <a:prstGeom prst="roundRect">
-            <a:avLst/>
-          </a:prstGeom>
-        </p:spPr>
-        <p:style>
-          <a:lnRef idx="1">
-            <a:schemeClr val="accent1"/>
-          </a:lnRef>
-          <a:fillRef idx="2">
-            <a:schemeClr val="accent1"/>
-          </a:fillRef>
-          <a:effectRef idx="1">
-            <a:schemeClr val="accent1"/>
-          </a:effectRef>
-          <a:fontRef idx="minor">
-            <a:schemeClr val="dk1"/>
-          </a:fontRef>
-        </p:style>
-        <p:txBody>
-          <a:bodyPr rtlCol="0" anchor="ctr"/>
-          <a:lstStyle/>
-          <a:p>
-            <a:pPr algn="ctr"/>
-            <a:r>
-              <a:rPr lang="en-US" dirty="0" err="1"/>
-              <a:t>BookMedicineService</a:t>
-            </a:r>
-            <a:endParaRPr lang="en-US" dirty="0"/>
-          </a:p>
-        </p:txBody>
-      </p:sp>
-      <p:sp>
-        <p:nvSpPr>
-          <p:cNvPr id="15" name="Rectangle: Rounded Corners 14">
-            <a:extLst>
-              <a:ext uri="{FF2B5EF4-FFF2-40B4-BE49-F238E27FC236}">
-                <a16:creationId xmlns:a16="http://schemas.microsoft.com/office/drawing/2014/main" id="{67F261F3-FDC7-4D3C-9333-3515CC131B92}"/>
-              </a:ext>
-            </a:extLst>
-          </p:cNvPr>
-          <p:cNvSpPr/>
-          <p:nvPr/>
-        </p:nvSpPr>
-        <p:spPr>
-          <a:xfrm>
-            <a:off x="4931727" y="3461120"/>
-            <a:ext cx="3136605" cy="382772"/>
-          </a:xfrm>
-          <a:prstGeom prst="roundRect">
-            <a:avLst/>
-          </a:prstGeom>
-        </p:spPr>
-        <p:style>
-          <a:lnRef idx="1">
-            <a:schemeClr val="accent1"/>
-          </a:lnRef>
-          <a:fillRef idx="2">
-            <a:schemeClr val="accent1"/>
-          </a:fillRef>
-          <a:effectRef idx="1">
-            <a:schemeClr val="accent1"/>
-          </a:effectRef>
-          <a:fontRef idx="minor">
-            <a:schemeClr val="dk1"/>
-          </a:fontRef>
-        </p:style>
-        <p:txBody>
-          <a:bodyPr rtlCol="0" anchor="ctr"/>
-          <a:lstStyle/>
-          <a:p>
-            <a:pPr algn="ctr"/>
-            <a:r>
-              <a:rPr lang="en-US" dirty="0" err="1"/>
-              <a:t>DoctorService</a:t>
-            </a:r>
-            <a:endParaRPr lang="en-US" dirty="0"/>
-          </a:p>
-        </p:txBody>
-      </p:sp>
-      <p:sp>
-        <p:nvSpPr>
-          <p:cNvPr id="16" name="Rectangle: Rounded Corners 15">
-            <a:extLst>
-              <a:ext uri="{FF2B5EF4-FFF2-40B4-BE49-F238E27FC236}">
-                <a16:creationId xmlns:a16="http://schemas.microsoft.com/office/drawing/2014/main" id="{146E4767-7187-4F73-A912-BF89C14E42D3}"/>
-              </a:ext>
-            </a:extLst>
-          </p:cNvPr>
-          <p:cNvSpPr/>
-          <p:nvPr/>
-        </p:nvSpPr>
-        <p:spPr>
-          <a:xfrm>
-            <a:off x="4908693" y="4167521"/>
-            <a:ext cx="3136605" cy="382772"/>
-          </a:xfrm>
-          <a:prstGeom prst="roundRect">
-            <a:avLst/>
-          </a:prstGeom>
-        </p:spPr>
-        <p:style>
-          <a:lnRef idx="1">
-            <a:schemeClr val="accent1"/>
-          </a:lnRef>
-          <a:fillRef idx="2">
-            <a:schemeClr val="accent1"/>
-          </a:fillRef>
-          <a:effectRef idx="1">
-            <a:schemeClr val="accent1"/>
-          </a:effectRef>
-          <a:fontRef idx="minor">
-            <a:schemeClr val="dk1"/>
-          </a:fontRef>
-        </p:style>
-        <p:txBody>
-          <a:bodyPr rtlCol="0" anchor="ctr"/>
-          <a:lstStyle/>
-          <a:p>
-            <a:pPr algn="ctr"/>
-            <a:r>
-              <a:rPr lang="en-US" dirty="0" err="1"/>
-              <a:t>MedicineService</a:t>
-            </a:r>
-            <a:endParaRPr lang="en-US" dirty="0"/>
-          </a:p>
-        </p:txBody>
-      </p:sp>
-      <p:sp>
-        <p:nvSpPr>
-          <p:cNvPr id="17" name="Rectangle: Rounded Corners 16">
-            <a:extLst>
-              <a:ext uri="{FF2B5EF4-FFF2-40B4-BE49-F238E27FC236}">
-                <a16:creationId xmlns:a16="http://schemas.microsoft.com/office/drawing/2014/main" id="{9DE403C5-C6B3-43BF-ACC8-EE62B81AD575}"/>
-              </a:ext>
-            </a:extLst>
-          </p:cNvPr>
-          <p:cNvSpPr/>
-          <p:nvPr/>
-        </p:nvSpPr>
-        <p:spPr>
-          <a:xfrm>
-            <a:off x="4908693" y="4855534"/>
-            <a:ext cx="3136605" cy="382772"/>
-          </a:xfrm>
-          <a:prstGeom prst="roundRect">
-            <a:avLst/>
-          </a:prstGeom>
-        </p:spPr>
-        <p:style>
-          <a:lnRef idx="1">
-            <a:schemeClr val="accent1"/>
-          </a:lnRef>
-          <a:fillRef idx="2">
-            <a:schemeClr val="accent1"/>
-          </a:fillRef>
-          <a:effectRef idx="1">
-            <a:schemeClr val="accent1"/>
-          </a:effectRef>
-          <a:fontRef idx="minor">
-            <a:schemeClr val="dk1"/>
-          </a:fontRef>
-        </p:style>
-        <p:txBody>
-          <a:bodyPr rtlCol="0" anchor="ctr"/>
-          <a:lstStyle/>
-          <a:p>
-            <a:pPr algn="ctr"/>
-            <a:r>
-              <a:rPr lang="en-US" dirty="0" err="1"/>
-              <a:t>MessageService</a:t>
-            </a:r>
-            <a:endParaRPr lang="en-US" dirty="0"/>
-          </a:p>
-        </p:txBody>
-      </p:sp>
-      <p:sp>
-        <p:nvSpPr>
-          <p:cNvPr id="18" name="Rectangle: Rounded Corners 17">
-            <a:extLst>
-              <a:ext uri="{FF2B5EF4-FFF2-40B4-BE49-F238E27FC236}">
-                <a16:creationId xmlns:a16="http://schemas.microsoft.com/office/drawing/2014/main" id="{A3BD7E8D-97F4-4ABD-BFF2-3D0E81772489}"/>
-              </a:ext>
-            </a:extLst>
-          </p:cNvPr>
-          <p:cNvSpPr/>
-          <p:nvPr/>
-        </p:nvSpPr>
-        <p:spPr>
-          <a:xfrm>
-            <a:off x="4908694" y="5517855"/>
-            <a:ext cx="3136605" cy="382772"/>
-          </a:xfrm>
-          <a:prstGeom prst="roundRect">
-            <a:avLst/>
-          </a:prstGeom>
-        </p:spPr>
-        <p:style>
-          <a:lnRef idx="1">
-            <a:schemeClr val="accent1"/>
-          </a:lnRef>
-          <a:fillRef idx="2">
-            <a:schemeClr val="accent1"/>
-          </a:fillRef>
-          <a:effectRef idx="1">
-            <a:schemeClr val="accent1"/>
-          </a:effectRef>
-          <a:fontRef idx="minor">
-            <a:schemeClr val="dk1"/>
-          </a:fontRef>
-        </p:style>
-        <p:txBody>
-          <a:bodyPr rtlCol="0" anchor="ctr"/>
-          <a:lstStyle/>
-          <a:p>
-            <a:pPr algn="ctr"/>
-            <a:r>
-              <a:rPr lang="en-US" dirty="0" err="1"/>
-              <a:t>PatientService</a:t>
-            </a:r>
-            <a:endParaRPr lang="en-US" dirty="0"/>
-          </a:p>
-        </p:txBody>
-      </p:sp>
-      <p:sp>
-        <p:nvSpPr>
-          <p:cNvPr id="19" name="Rectangle: Rounded Corners 18">
-            <a:extLst>
-              <a:ext uri="{FF2B5EF4-FFF2-40B4-BE49-F238E27FC236}">
-                <a16:creationId xmlns:a16="http://schemas.microsoft.com/office/drawing/2014/main" id="{70EC7DF3-8DAD-4C68-B6BA-FB811A4137CF}"/>
-              </a:ext>
-            </a:extLst>
-          </p:cNvPr>
-          <p:cNvSpPr/>
-          <p:nvPr/>
-        </p:nvSpPr>
-        <p:spPr>
-          <a:xfrm>
-            <a:off x="4908695" y="6126126"/>
-            <a:ext cx="3136605" cy="382772"/>
-          </a:xfrm>
-          <a:prstGeom prst="roundRect">
-            <a:avLst/>
-          </a:prstGeom>
-        </p:spPr>
-        <p:style>
-          <a:lnRef idx="1">
-            <a:schemeClr val="accent1"/>
-          </a:lnRef>
-          <a:fillRef idx="2">
-            <a:schemeClr val="accent1"/>
-          </a:fillRef>
-          <a:effectRef idx="1">
-            <a:schemeClr val="accent1"/>
-          </a:effectRef>
-          <a:fontRef idx="minor">
-            <a:schemeClr val="dk1"/>
-          </a:fontRef>
-        </p:style>
-        <p:txBody>
-          <a:bodyPr rtlCol="0" anchor="ctr"/>
-          <a:lstStyle/>
-          <a:p>
-            <a:pPr algn="ctr"/>
-            <a:r>
-              <a:rPr lang="en-US" dirty="0" err="1"/>
-              <a:t>PharmacistService</a:t>
-            </a:r>
-            <a:endParaRPr lang="en-US" dirty="0"/>
-          </a:p>
-        </p:txBody>
-      </p:sp>
-      <p:sp>
-        <p:nvSpPr>
-          <p:cNvPr id="20" name="Rectangle: Rounded Corners 19">
-            <a:extLst>
-              <a:ext uri="{FF2B5EF4-FFF2-40B4-BE49-F238E27FC236}">
-                <a16:creationId xmlns:a16="http://schemas.microsoft.com/office/drawing/2014/main" id="{7FFB44E4-BA01-41C0-9BAE-CE9B9FF512E6}"/>
-              </a:ext>
-            </a:extLst>
-          </p:cNvPr>
-          <p:cNvSpPr/>
-          <p:nvPr/>
-        </p:nvSpPr>
-        <p:spPr>
-          <a:xfrm>
-            <a:off x="8965008" y="1465964"/>
-            <a:ext cx="2317904" cy="382772"/>
-          </a:xfrm>
-          <a:prstGeom prst="roundRect">
-            <a:avLst/>
-          </a:prstGeom>
-        </p:spPr>
-        <p:style>
-          <a:lnRef idx="1">
-            <a:schemeClr val="accent1"/>
-          </a:lnRef>
-          <a:fillRef idx="2">
-            <a:schemeClr val="accent1"/>
-          </a:fillRef>
-          <a:effectRef idx="1">
-            <a:schemeClr val="accent1"/>
-          </a:effectRef>
-          <a:fontRef idx="minor">
-            <a:schemeClr val="dk1"/>
-          </a:fontRef>
-        </p:style>
-        <p:txBody>
-          <a:bodyPr rtlCol="0" anchor="ctr"/>
-          <a:lstStyle/>
-          <a:p>
-            <a:pPr algn="ctr"/>
+            <a:off x="2163894" y="1275906"/>
+            <a:ext cx="9340718" cy="4816549"/>
+          </a:xfrm>
+        </p:spPr>
+        <p:txBody>
+          <a:bodyPr>
+            <a:normAutofit/>
+          </a:bodyPr>
+          <a:lstStyle/>
+          <a:p>
             <a:r>
               <a:rPr lang="en-US" dirty="0"/>
-              <a:t>Address</a:t>
-            </a:r>
-          </a:p>
-        </p:txBody>
-      </p:sp>
-      <p:sp>
-        <p:nvSpPr>
-          <p:cNvPr id="21" name="Rectangle: Rounded Corners 20">
-            <a:extLst>
-              <a:ext uri="{FF2B5EF4-FFF2-40B4-BE49-F238E27FC236}">
-                <a16:creationId xmlns:a16="http://schemas.microsoft.com/office/drawing/2014/main" id="{D98F94B4-3578-4909-B4CD-0F55572674B8}"/>
-              </a:ext>
-            </a:extLst>
-          </p:cNvPr>
-          <p:cNvSpPr/>
-          <p:nvPr/>
-        </p:nvSpPr>
-        <p:spPr>
-          <a:xfrm>
-            <a:off x="8959687" y="2064045"/>
-            <a:ext cx="2323225" cy="382772"/>
-          </a:xfrm>
-          <a:prstGeom prst="roundRect">
-            <a:avLst/>
-          </a:prstGeom>
-        </p:spPr>
-        <p:style>
-          <a:lnRef idx="1">
-            <a:schemeClr val="accent1"/>
-          </a:lnRef>
-          <a:fillRef idx="2">
-            <a:schemeClr val="accent1"/>
-          </a:fillRef>
-          <a:effectRef idx="1">
-            <a:schemeClr val="accent1"/>
-          </a:effectRef>
-          <a:fontRef idx="minor">
-            <a:schemeClr val="dk1"/>
-          </a:fontRef>
-        </p:style>
-        <p:txBody>
-          <a:bodyPr rtlCol="0" anchor="ctr"/>
-          <a:lstStyle/>
-          <a:p>
-            <a:pPr algn="ctr"/>
+              <a:t>About</a:t>
+            </a:r>
+          </a:p>
+          <a:p>
             <a:r>
               <a:rPr lang="en-US" dirty="0"/>
               <a:t>Admin</a:t>
             </a:r>
           </a:p>
-        </p:txBody>
-      </p:sp>
-      <p:sp>
-        <p:nvSpPr>
-          <p:cNvPr id="22" name="Rectangle: Rounded Corners 21">
-            <a:extLst>
-              <a:ext uri="{FF2B5EF4-FFF2-40B4-BE49-F238E27FC236}">
-                <a16:creationId xmlns:a16="http://schemas.microsoft.com/office/drawing/2014/main" id="{503FD8B5-56FA-4F81-929E-521F8BBCE480}"/>
-              </a:ext>
-            </a:extLst>
-          </p:cNvPr>
-          <p:cNvSpPr/>
-          <p:nvPr/>
-        </p:nvSpPr>
-        <p:spPr>
-          <a:xfrm>
-            <a:off x="8959688" y="2628901"/>
-            <a:ext cx="2323225" cy="382772"/>
-          </a:xfrm>
-          <a:prstGeom prst="roundRect">
-            <a:avLst/>
-          </a:prstGeom>
-        </p:spPr>
-        <p:style>
-          <a:lnRef idx="1">
-            <a:schemeClr val="accent1"/>
-          </a:lnRef>
-          <a:fillRef idx="2">
-            <a:schemeClr val="accent1"/>
-          </a:fillRef>
-          <a:effectRef idx="1">
-            <a:schemeClr val="accent1"/>
-          </a:effectRef>
-          <a:fontRef idx="minor">
-            <a:schemeClr val="dk1"/>
-          </a:fontRef>
-        </p:style>
-        <p:txBody>
-          <a:bodyPr rtlCol="0" anchor="ctr"/>
-          <a:lstStyle/>
-          <a:p>
-            <a:pPr algn="ctr"/>
+          <a:p>
+            <a:pPr lvl="1"/>
+            <a:r>
+              <a:rPr lang="en-US" dirty="0" err="1"/>
+              <a:t>AdminLogin</a:t>
+            </a:r>
+            <a:endParaRPr lang="en-US" dirty="0"/>
+          </a:p>
+          <a:p>
+            <a:pPr lvl="1"/>
+            <a:r>
+              <a:rPr lang="en-US" dirty="0" err="1"/>
+              <a:t>AdminDoctor</a:t>
+            </a:r>
+            <a:endParaRPr lang="en-US" dirty="0"/>
+          </a:p>
+          <a:p>
+            <a:pPr lvl="1"/>
+            <a:r>
+              <a:rPr lang="en-US" dirty="0" err="1"/>
+              <a:t>AdminPharmacy</a:t>
+            </a:r>
+            <a:endParaRPr lang="en-US" dirty="0"/>
+          </a:p>
+          <a:p>
             <a:r>
               <a:rPr lang="en-US" dirty="0"/>
-              <a:t>Appointment</a:t>
-            </a:r>
-          </a:p>
-        </p:txBody>
-      </p:sp>
-      <p:sp>
-        <p:nvSpPr>
-          <p:cNvPr id="23" name="Rectangle: Rounded Corners 22">
-            <a:extLst>
-              <a:ext uri="{FF2B5EF4-FFF2-40B4-BE49-F238E27FC236}">
-                <a16:creationId xmlns:a16="http://schemas.microsoft.com/office/drawing/2014/main" id="{1BC80DD8-E027-4B82-9395-7212FB96A64A}"/>
-              </a:ext>
-            </a:extLst>
-          </p:cNvPr>
-          <p:cNvSpPr/>
-          <p:nvPr/>
-        </p:nvSpPr>
-        <p:spPr>
-          <a:xfrm>
-            <a:off x="8959688" y="3281695"/>
-            <a:ext cx="2323225" cy="382772"/>
-          </a:xfrm>
-          <a:prstGeom prst="roundRect">
-            <a:avLst/>
-          </a:prstGeom>
-        </p:spPr>
-        <p:style>
-          <a:lnRef idx="1">
-            <a:schemeClr val="accent1"/>
-          </a:lnRef>
-          <a:fillRef idx="2">
-            <a:schemeClr val="accent1"/>
-          </a:fillRef>
-          <a:effectRef idx="1">
-            <a:schemeClr val="accent1"/>
-          </a:effectRef>
-          <a:fontRef idx="minor">
-            <a:schemeClr val="dk1"/>
-          </a:fontRef>
-        </p:style>
-        <p:txBody>
-          <a:bodyPr rtlCol="0" anchor="ctr"/>
-          <a:lstStyle/>
-          <a:p>
-            <a:pPr algn="ctr"/>
+              <a:t>Appointments</a:t>
+            </a:r>
+          </a:p>
+          <a:p>
+            <a:r>
+              <a:rPr lang="en-US" dirty="0"/>
+              <a:t>Authentication</a:t>
+            </a:r>
+          </a:p>
+          <a:p>
+            <a:r>
+              <a:rPr lang="en-US" dirty="0"/>
+              <a:t>Blogs</a:t>
+            </a:r>
+          </a:p>
+          <a:p>
+            <a:r>
+              <a:rPr lang="en-US" dirty="0"/>
+              <a:t>Chat</a:t>
+            </a:r>
+          </a:p>
+          <a:p>
+            <a:r>
+              <a:rPr lang="en-US" dirty="0"/>
+              <a:t>Contact</a:t>
+            </a:r>
+          </a:p>
+          <a:p>
             <a:r>
               <a:rPr lang="en-US" dirty="0" err="1"/>
-              <a:t>BookMedicine</a:t>
-            </a:r>
-            <a:endParaRPr lang="en-US" dirty="0"/>
-          </a:p>
-        </p:txBody>
-      </p:sp>
-      <p:sp>
-        <p:nvSpPr>
-          <p:cNvPr id="24" name="Rectangle: Rounded Corners 23">
-            <a:extLst>
-              <a:ext uri="{FF2B5EF4-FFF2-40B4-BE49-F238E27FC236}">
-                <a16:creationId xmlns:a16="http://schemas.microsoft.com/office/drawing/2014/main" id="{2899639F-F7D5-4944-8416-31210589710A}"/>
-              </a:ext>
-            </a:extLst>
-          </p:cNvPr>
-          <p:cNvSpPr/>
-          <p:nvPr/>
-        </p:nvSpPr>
-        <p:spPr>
-          <a:xfrm>
-            <a:off x="8965005" y="3890852"/>
-            <a:ext cx="2323225" cy="382772"/>
-          </a:xfrm>
-          <a:prstGeom prst="roundRect">
-            <a:avLst/>
-          </a:prstGeom>
-        </p:spPr>
-        <p:style>
-          <a:lnRef idx="1">
-            <a:schemeClr val="accent1"/>
-          </a:lnRef>
-          <a:fillRef idx="2">
-            <a:schemeClr val="accent1"/>
-          </a:fillRef>
-          <a:effectRef idx="1">
-            <a:schemeClr val="accent1"/>
-          </a:effectRef>
-          <a:fontRef idx="minor">
-            <a:schemeClr val="dk1"/>
-          </a:fontRef>
-        </p:style>
-        <p:txBody>
-          <a:bodyPr rtlCol="0" anchor="ctr"/>
-          <a:lstStyle/>
-          <a:p>
-            <a:pPr algn="ctr"/>
-            <a:r>
-              <a:rPr lang="en-US" dirty="0"/>
-              <a:t>Doctor</a:t>
-            </a:r>
-          </a:p>
-        </p:txBody>
-      </p:sp>
-      <p:sp>
-        <p:nvSpPr>
-          <p:cNvPr id="25" name="Rectangle: Rounded Corners 24">
-            <a:extLst>
-              <a:ext uri="{FF2B5EF4-FFF2-40B4-BE49-F238E27FC236}">
-                <a16:creationId xmlns:a16="http://schemas.microsoft.com/office/drawing/2014/main" id="{51640DD9-466F-4036-A2AA-CDFE6810BE74}"/>
-              </a:ext>
-            </a:extLst>
-          </p:cNvPr>
-          <p:cNvSpPr/>
-          <p:nvPr/>
-        </p:nvSpPr>
-        <p:spPr>
-          <a:xfrm>
-            <a:off x="8965005" y="4472762"/>
-            <a:ext cx="2323225" cy="382772"/>
-          </a:xfrm>
-          <a:prstGeom prst="roundRect">
-            <a:avLst/>
-          </a:prstGeom>
-        </p:spPr>
-        <p:style>
-          <a:lnRef idx="1">
-            <a:schemeClr val="accent1"/>
-          </a:lnRef>
-          <a:fillRef idx="2">
-            <a:schemeClr val="accent1"/>
-          </a:fillRef>
-          <a:effectRef idx="1">
-            <a:schemeClr val="accent1"/>
-          </a:effectRef>
-          <a:fontRef idx="minor">
-            <a:schemeClr val="dk1"/>
-          </a:fontRef>
-        </p:style>
-        <p:txBody>
-          <a:bodyPr rtlCol="0" anchor="ctr"/>
-          <a:lstStyle/>
-          <a:p>
-            <a:pPr algn="ctr"/>
-            <a:r>
-              <a:rPr lang="en-US" dirty="0"/>
-              <a:t>Medicine</a:t>
-            </a:r>
-          </a:p>
-        </p:txBody>
-      </p:sp>
-      <p:sp>
-        <p:nvSpPr>
-          <p:cNvPr id="26" name="Rectangle: Rounded Corners 25">
-            <a:extLst>
-              <a:ext uri="{FF2B5EF4-FFF2-40B4-BE49-F238E27FC236}">
-                <a16:creationId xmlns:a16="http://schemas.microsoft.com/office/drawing/2014/main" id="{FECA6655-3162-4692-8B54-DAC322D5784C}"/>
-              </a:ext>
-            </a:extLst>
-          </p:cNvPr>
-          <p:cNvSpPr/>
-          <p:nvPr/>
-        </p:nvSpPr>
-        <p:spPr>
-          <a:xfrm>
-            <a:off x="8965006" y="5042048"/>
-            <a:ext cx="2323225" cy="382772"/>
-          </a:xfrm>
-          <a:prstGeom prst="roundRect">
-            <a:avLst/>
-          </a:prstGeom>
-        </p:spPr>
-        <p:style>
-          <a:lnRef idx="1">
-            <a:schemeClr val="accent1"/>
-          </a:lnRef>
-          <a:fillRef idx="2">
-            <a:schemeClr val="accent1"/>
-          </a:fillRef>
-          <a:effectRef idx="1">
-            <a:schemeClr val="accent1"/>
-          </a:effectRef>
-          <a:fontRef idx="minor">
-            <a:schemeClr val="dk1"/>
-          </a:fontRef>
-        </p:style>
-        <p:txBody>
-          <a:bodyPr rtlCol="0" anchor="ctr"/>
-          <a:lstStyle/>
-          <a:p>
-            <a:pPr algn="ctr"/>
-            <a:r>
-              <a:rPr lang="en-US" dirty="0"/>
-              <a:t>Patient</a:t>
-            </a:r>
-          </a:p>
-        </p:txBody>
-      </p:sp>
-      <p:sp>
-        <p:nvSpPr>
-          <p:cNvPr id="27" name="Rectangle: Rounded Corners 26">
-            <a:extLst>
-              <a:ext uri="{FF2B5EF4-FFF2-40B4-BE49-F238E27FC236}">
-                <a16:creationId xmlns:a16="http://schemas.microsoft.com/office/drawing/2014/main" id="{36FC0B9A-4D52-455A-8320-D052E0BBCB05}"/>
-              </a:ext>
-            </a:extLst>
-          </p:cNvPr>
-          <p:cNvSpPr/>
-          <p:nvPr/>
-        </p:nvSpPr>
-        <p:spPr>
-          <a:xfrm>
-            <a:off x="8965007" y="5582093"/>
-            <a:ext cx="2323225" cy="382772"/>
-          </a:xfrm>
-          <a:prstGeom prst="roundRect">
-            <a:avLst/>
-          </a:prstGeom>
-        </p:spPr>
-        <p:style>
-          <a:lnRef idx="1">
-            <a:schemeClr val="accent1"/>
-          </a:lnRef>
-          <a:fillRef idx="2">
-            <a:schemeClr val="accent1"/>
-          </a:fillRef>
-          <a:effectRef idx="1">
-            <a:schemeClr val="accent1"/>
-          </a:effectRef>
-          <a:fontRef idx="minor">
-            <a:schemeClr val="dk1"/>
-          </a:fontRef>
-        </p:style>
-        <p:txBody>
-          <a:bodyPr rtlCol="0" anchor="ctr"/>
-          <a:lstStyle/>
-          <a:p>
-            <a:pPr algn="ctr"/>
-            <a:r>
-              <a:rPr lang="en-US" dirty="0"/>
-              <a:t>Person</a:t>
-            </a:r>
-          </a:p>
-        </p:txBody>
-      </p:sp>
-      <p:sp>
-        <p:nvSpPr>
-          <p:cNvPr id="28" name="Rectangle: Rounded Corners 27">
-            <a:extLst>
-              <a:ext uri="{FF2B5EF4-FFF2-40B4-BE49-F238E27FC236}">
-                <a16:creationId xmlns:a16="http://schemas.microsoft.com/office/drawing/2014/main" id="{76335B12-7D3D-45BD-BADA-958D5574FDDE}"/>
-              </a:ext>
-            </a:extLst>
-          </p:cNvPr>
-          <p:cNvSpPr/>
-          <p:nvPr/>
-        </p:nvSpPr>
-        <p:spPr>
-          <a:xfrm>
-            <a:off x="8959687" y="6087140"/>
-            <a:ext cx="2328545" cy="382772"/>
-          </a:xfrm>
-          <a:prstGeom prst="roundRect">
-            <a:avLst/>
-          </a:prstGeom>
-        </p:spPr>
-        <p:style>
-          <a:lnRef idx="1">
-            <a:schemeClr val="accent1"/>
-          </a:lnRef>
-          <a:fillRef idx="2">
-            <a:schemeClr val="accent1"/>
-          </a:fillRef>
-          <a:effectRef idx="1">
-            <a:schemeClr val="accent1"/>
-          </a:effectRef>
-          <a:fontRef idx="minor">
-            <a:schemeClr val="dk1"/>
-          </a:fontRef>
-        </p:style>
-        <p:txBody>
-          <a:bodyPr rtlCol="0" anchor="ctr"/>
-          <a:lstStyle/>
-          <a:p>
-            <a:pPr algn="ctr"/>
-            <a:r>
-              <a:rPr lang="en-US" dirty="0" err="1"/>
-              <a:t>ResponseMessage</a:t>
+              <a:t>Devteam</a:t>
             </a:r>
             <a:endParaRPr lang="en-US" dirty="0"/>
           </a:p>
@@ -9374,7 +8338,7 @@
     </p:spTree>
     <p:extLst>
       <p:ext uri="{BB962C8B-B14F-4D97-AF65-F5344CB8AC3E}">
-        <p14:creationId xmlns:p14="http://schemas.microsoft.com/office/powerpoint/2010/main" val="1535160733"/>
+        <p14:creationId xmlns:p14="http://schemas.microsoft.com/office/powerpoint/2010/main" val="406589032"/>
       </p:ext>
     </p:extLst>
   </p:cSld>
@@ -9403,44 +8367,10 @@
       </p:grpSpPr>
       <p:sp>
         <p:nvSpPr>
-          <p:cNvPr id="2" name="Title 1">
-            <a:extLst>
-              <a:ext uri="{FF2B5EF4-FFF2-40B4-BE49-F238E27FC236}">
-                <a16:creationId xmlns:a16="http://schemas.microsoft.com/office/drawing/2014/main" id="{1689AB6F-3252-4565-9BDC-D4F465998D57}"/>
-              </a:ext>
-            </a:extLst>
-          </p:cNvPr>
-          <p:cNvSpPr>
-            <a:spLocks noGrp="1"/>
-          </p:cNvSpPr>
-          <p:nvPr>
-            <p:ph type="title"/>
-          </p:nvPr>
-        </p:nvSpPr>
-        <p:spPr>
-          <a:xfrm>
-            <a:off x="1806116" y="634742"/>
-            <a:ext cx="8911687" cy="1280890"/>
-          </a:xfrm>
-        </p:spPr>
-        <p:txBody>
-          <a:bodyPr/>
-          <a:lstStyle/>
-          <a:p>
-            <a:pPr algn="ctr"/>
-            <a:r>
-              <a:rPr lang="en-US" dirty="0"/>
-              <a:t>Dependencies</a:t>
-            </a:r>
-          </a:p>
-        </p:txBody>
-      </p:sp>
-      <p:sp>
-        <p:nvSpPr>
           <p:cNvPr id="3" name="Content Placeholder 2">
             <a:extLst>
               <a:ext uri="{FF2B5EF4-FFF2-40B4-BE49-F238E27FC236}">
-                <a16:creationId xmlns:a16="http://schemas.microsoft.com/office/drawing/2014/main" id="{C135B01E-AB10-4AD9-8CF0-6A599953CA29}"/>
+                <a16:creationId xmlns:a16="http://schemas.microsoft.com/office/drawing/2014/main" id="{F0163D2C-C77D-4D8C-95B2-49DBF678511B}"/>
               </a:ext>
             </a:extLst>
           </p:cNvPr>
@@ -9453,8 +8383,8 @@
         </p:nvSpPr>
         <p:spPr>
           <a:xfrm>
-            <a:off x="2046952" y="1669311"/>
-            <a:ext cx="8915400" cy="4433777"/>
+            <a:off x="2259602" y="964017"/>
+            <a:ext cx="8915400" cy="5511211"/>
           </a:xfrm>
         </p:spPr>
         <p:txBody>
@@ -9465,89 +8395,99 @@
           <a:p>
             <a:r>
               <a:rPr lang="en-US" dirty="0"/>
-              <a:t>spring-boot-starter-web</a:t>
-            </a:r>
+              <a:t>Doctor</a:t>
+            </a:r>
+          </a:p>
+          <a:p>
+            <a:pPr lvl="1"/>
+            <a:r>
+              <a:rPr lang="en-US" dirty="0" err="1"/>
+              <a:t>DoctoLogin</a:t>
+            </a:r>
+            <a:endParaRPr lang="en-US" dirty="0"/>
+          </a:p>
+          <a:p>
+            <a:pPr lvl="1"/>
+            <a:r>
+              <a:rPr lang="en-US" dirty="0" err="1"/>
+              <a:t>DoctorRegister</a:t>
+            </a:r>
+            <a:endParaRPr lang="en-US" dirty="0"/>
+          </a:p>
+          <a:p>
+            <a:r>
+              <a:rPr lang="en-US" dirty="0" err="1"/>
+              <a:t>Faq</a:t>
+            </a:r>
+            <a:endParaRPr lang="en-US" dirty="0"/>
           </a:p>
           <a:p>
             <a:r>
               <a:rPr lang="en-US" dirty="0"/>
-              <a:t>persistence-</a:t>
-            </a:r>
+              <a:t>Home</a:t>
+            </a:r>
+          </a:p>
+          <a:p>
             <a:r>
               <a:rPr lang="en-US" dirty="0" err="1"/>
-              <a:t>api</a:t>
+              <a:t>OrderMedicine</a:t>
             </a:r>
             <a:endParaRPr lang="en-US" dirty="0"/>
           </a:p>
           <a:p>
+            <a:pPr lvl="1"/>
+            <a:r>
+              <a:rPr lang="en-US" dirty="0" err="1"/>
+              <a:t>BookMedicine</a:t>
+            </a:r>
+            <a:endParaRPr lang="en-US" dirty="0"/>
+          </a:p>
+          <a:p>
             <a:r>
               <a:rPr lang="en-US" dirty="0"/>
-              <a:t>spring-boot-starter-data-</a:t>
-            </a:r>
+              <a:t>Patient </a:t>
+            </a:r>
+          </a:p>
+          <a:p>
+            <a:pPr lvl="1"/>
             <a:r>
               <a:rPr lang="en-US" dirty="0" err="1"/>
-              <a:t>mongodb</a:t>
+              <a:t>PatientLogin</a:t>
             </a:r>
             <a:endParaRPr lang="en-US" dirty="0"/>
           </a:p>
           <a:p>
+            <a:pPr lvl="1"/>
+            <a:r>
+              <a:rPr lang="en-US" dirty="0" err="1"/>
+              <a:t>PatientRegister</a:t>
+            </a:r>
+            <a:endParaRPr lang="en-US" dirty="0"/>
+          </a:p>
+          <a:p>
             <a:r>
               <a:rPr lang="en-US" dirty="0"/>
-              <a:t>commons-</a:t>
-            </a:r>
+              <a:t>Shared</a:t>
+            </a:r>
+          </a:p>
+          <a:p>
+            <a:pPr lvl="1"/>
+            <a:r>
+              <a:rPr lang="en-US" dirty="0"/>
+              <a:t>Header</a:t>
+            </a:r>
+          </a:p>
+          <a:p>
+            <a:pPr lvl="1"/>
+            <a:r>
+              <a:rPr lang="en-US" dirty="0"/>
+              <a:t>Footer</a:t>
+            </a:r>
+          </a:p>
+          <a:p>
             <a:r>
               <a:rPr lang="en-US" dirty="0" err="1"/>
-              <a:t>lang</a:t>
-            </a:r>
-            <a:endParaRPr lang="en-US" dirty="0"/>
-          </a:p>
-          <a:p>
-            <a:r>
-              <a:rPr lang="en-US" dirty="0"/>
-              <a:t>spring-boot-starter-test</a:t>
-            </a:r>
-          </a:p>
-          <a:p>
-            <a:r>
-              <a:rPr lang="en-US" dirty="0"/>
-              <a:t>spring-boot-</a:t>
-            </a:r>
-            <a:r>
-              <a:rPr lang="en-US" dirty="0" err="1"/>
-              <a:t>devtools</a:t>
-            </a:r>
-            <a:endParaRPr lang="en-US" dirty="0"/>
-          </a:p>
-          <a:p>
-            <a:r>
-              <a:rPr lang="en-US" dirty="0"/>
-              <a:t>spring-boot-starter-actuator</a:t>
-            </a:r>
-          </a:p>
-          <a:p>
-            <a:r>
-              <a:rPr lang="en-US" dirty="0"/>
-              <a:t>spring-boot-starter-security</a:t>
-            </a:r>
-          </a:p>
-          <a:p>
-            <a:r>
-              <a:rPr lang="en-US" dirty="0"/>
-              <a:t>spring-boot-starter-mail</a:t>
-            </a:r>
-          </a:p>
-          <a:p>
-            <a:r>
-              <a:rPr lang="en-US" dirty="0" err="1"/>
-              <a:t>twilio</a:t>
-            </a:r>
-            <a:r>
-              <a:rPr lang="en-US" dirty="0"/>
-              <a:t>-java-</a:t>
-            </a:r>
-            <a:r>
-              <a:rPr lang="en-US" dirty="0" err="1"/>
-              <a:t>sdk</a:t>
+              <a:t>Specialisation</a:t>
             </a:r>
             <a:endParaRPr lang="en-US" dirty="0"/>
           </a:p>
@@ -9556,7 +8496,7 @@
     </p:spTree>
     <p:extLst>
       <p:ext uri="{BB962C8B-B14F-4D97-AF65-F5344CB8AC3E}">
-        <p14:creationId xmlns:p14="http://schemas.microsoft.com/office/powerpoint/2010/main" val="2959944365"/>
+        <p14:creationId xmlns:p14="http://schemas.microsoft.com/office/powerpoint/2010/main" val="1635319723"/>
       </p:ext>
     </p:extLst>
   </p:cSld>
@@ -9588,7 +8528,7 @@
           <p:cNvPr id="2" name="Title 1">
             <a:extLst>
               <a:ext uri="{FF2B5EF4-FFF2-40B4-BE49-F238E27FC236}">
-                <a16:creationId xmlns:a16="http://schemas.microsoft.com/office/drawing/2014/main" id="{44FBA459-2C1E-47E6-8E51-68BBD22EC7DF}"/>
+                <a16:creationId xmlns:a16="http://schemas.microsoft.com/office/drawing/2014/main" id="{D69FE7C5-79F8-454A-AD54-BC0FF8D00823}"/>
               </a:ext>
             </a:extLst>
           </p:cNvPr>
@@ -9601,29 +8541,1173 @@
         </p:nvSpPr>
         <p:spPr>
           <a:xfrm>
-            <a:off x="1640156" y="2671597"/>
-            <a:ext cx="8911687" cy="1280890"/>
-          </a:xfrm>
-        </p:spPr>
-        <p:txBody>
-          <a:bodyPr/>
-          <a:lstStyle/>
-          <a:p>
+            <a:off x="2466748" y="230928"/>
+            <a:ext cx="8911687" cy="566737"/>
+          </a:xfrm>
+        </p:spPr>
+        <p:txBody>
+          <a:bodyPr>
+            <a:normAutofit fontScale="90000"/>
+          </a:bodyPr>
+          <a:lstStyle/>
+          <a:p>
+            <a:pPr algn="ctr"/>
             <a:r>
               <a:rPr lang="en-US" dirty="0"/>
-              <a:t>              </a:t>
-            </a:r>
-            <a:r>
-              <a:rPr lang="en-US" sz="7200" dirty="0"/>
-              <a:t>    DEMO</a:t>
-            </a:r>
+              <a:t>Controllers, Services And Models</a:t>
+            </a:r>
+          </a:p>
+        </p:txBody>
+      </p:sp>
+      <p:sp>
+        <p:nvSpPr>
+          <p:cNvPr id="4" name="Rectangle: Rounded Corners 3">
+            <a:extLst>
+              <a:ext uri="{FF2B5EF4-FFF2-40B4-BE49-F238E27FC236}">
+                <a16:creationId xmlns:a16="http://schemas.microsoft.com/office/drawing/2014/main" id="{AA292618-307E-4094-9165-6CCA71A69735}"/>
+              </a:ext>
+            </a:extLst>
+          </p:cNvPr>
+          <p:cNvSpPr/>
+          <p:nvPr/>
+        </p:nvSpPr>
+        <p:spPr>
+          <a:xfrm>
+            <a:off x="898446" y="1496755"/>
+            <a:ext cx="3136605" cy="382772"/>
+          </a:xfrm>
+          <a:prstGeom prst="roundRect">
+            <a:avLst/>
+          </a:prstGeom>
+        </p:spPr>
+        <p:style>
+          <a:lnRef idx="1">
+            <a:schemeClr val="accent1"/>
+          </a:lnRef>
+          <a:fillRef idx="2">
+            <a:schemeClr val="accent1"/>
+          </a:fillRef>
+          <a:effectRef idx="1">
+            <a:schemeClr val="accent1"/>
+          </a:effectRef>
+          <a:fontRef idx="minor">
+            <a:schemeClr val="dk1"/>
+          </a:fontRef>
+        </p:style>
+        <p:txBody>
+          <a:bodyPr rtlCol="0" anchor="ctr"/>
+          <a:lstStyle/>
+          <a:p>
+            <a:pPr algn="ctr"/>
+            <a:r>
+              <a:rPr lang="en-US" dirty="0" err="1"/>
+              <a:t>AdminController</a:t>
+            </a:r>
+            <a:endParaRPr lang="en-US" dirty="0"/>
+          </a:p>
+        </p:txBody>
+      </p:sp>
+      <p:sp>
+        <p:nvSpPr>
+          <p:cNvPr id="5" name="Rectangle: Rounded Corners 4">
+            <a:extLst>
+              <a:ext uri="{FF2B5EF4-FFF2-40B4-BE49-F238E27FC236}">
+                <a16:creationId xmlns:a16="http://schemas.microsoft.com/office/drawing/2014/main" id="{7F10F9C8-242A-46A1-A7C2-B3F6E2AF5E2B}"/>
+              </a:ext>
+            </a:extLst>
+          </p:cNvPr>
+          <p:cNvSpPr/>
+          <p:nvPr/>
+        </p:nvSpPr>
+        <p:spPr>
+          <a:xfrm>
+            <a:off x="903765" y="2255431"/>
+            <a:ext cx="3136605" cy="382772"/>
+          </a:xfrm>
+          <a:prstGeom prst="roundRect">
+            <a:avLst/>
+          </a:prstGeom>
+        </p:spPr>
+        <p:style>
+          <a:lnRef idx="1">
+            <a:schemeClr val="accent1"/>
+          </a:lnRef>
+          <a:fillRef idx="2">
+            <a:schemeClr val="accent1"/>
+          </a:fillRef>
+          <a:effectRef idx="1">
+            <a:schemeClr val="accent1"/>
+          </a:effectRef>
+          <a:fontRef idx="minor">
+            <a:schemeClr val="dk1"/>
+          </a:fontRef>
+        </p:style>
+        <p:txBody>
+          <a:bodyPr rtlCol="0" anchor="ctr"/>
+          <a:lstStyle/>
+          <a:p>
+            <a:pPr algn="ctr"/>
+            <a:r>
+              <a:rPr lang="en-US" dirty="0" err="1"/>
+              <a:t>AppointmentController</a:t>
+            </a:r>
+            <a:endParaRPr lang="en-US" dirty="0"/>
+          </a:p>
+        </p:txBody>
+      </p:sp>
+      <p:sp>
+        <p:nvSpPr>
+          <p:cNvPr id="6" name="Rectangle: Rounded Corners 5">
+            <a:extLst>
+              <a:ext uri="{FF2B5EF4-FFF2-40B4-BE49-F238E27FC236}">
+                <a16:creationId xmlns:a16="http://schemas.microsoft.com/office/drawing/2014/main" id="{2377CBDA-D22B-42CC-9854-7C41A5D8AD27}"/>
+              </a:ext>
+            </a:extLst>
+          </p:cNvPr>
+          <p:cNvSpPr/>
+          <p:nvPr/>
+        </p:nvSpPr>
+        <p:spPr>
+          <a:xfrm>
+            <a:off x="903765" y="2947434"/>
+            <a:ext cx="3136605" cy="382772"/>
+          </a:xfrm>
+          <a:prstGeom prst="roundRect">
+            <a:avLst/>
+          </a:prstGeom>
+        </p:spPr>
+        <p:style>
+          <a:lnRef idx="1">
+            <a:schemeClr val="accent1"/>
+          </a:lnRef>
+          <a:fillRef idx="2">
+            <a:schemeClr val="accent1"/>
+          </a:fillRef>
+          <a:effectRef idx="1">
+            <a:schemeClr val="accent1"/>
+          </a:effectRef>
+          <a:fontRef idx="minor">
+            <a:schemeClr val="dk1"/>
+          </a:fontRef>
+        </p:style>
+        <p:txBody>
+          <a:bodyPr rtlCol="0" anchor="ctr"/>
+          <a:lstStyle/>
+          <a:p>
+            <a:pPr algn="ctr"/>
+            <a:r>
+              <a:rPr lang="en-US" dirty="0" err="1"/>
+              <a:t>BookMedicineController</a:t>
+            </a:r>
+            <a:endParaRPr lang="en-US" dirty="0"/>
+          </a:p>
+        </p:txBody>
+      </p:sp>
+      <p:sp>
+        <p:nvSpPr>
+          <p:cNvPr id="7" name="Rectangle: Rounded Corners 6">
+            <a:extLst>
+              <a:ext uri="{FF2B5EF4-FFF2-40B4-BE49-F238E27FC236}">
+                <a16:creationId xmlns:a16="http://schemas.microsoft.com/office/drawing/2014/main" id="{296D084A-5978-4E7B-AB30-68C980E7976A}"/>
+              </a:ext>
+            </a:extLst>
+          </p:cNvPr>
+          <p:cNvSpPr/>
+          <p:nvPr/>
+        </p:nvSpPr>
+        <p:spPr>
+          <a:xfrm>
+            <a:off x="903766" y="3784749"/>
+            <a:ext cx="3136605" cy="382772"/>
+          </a:xfrm>
+          <a:prstGeom prst="roundRect">
+            <a:avLst/>
+          </a:prstGeom>
+        </p:spPr>
+        <p:style>
+          <a:lnRef idx="1">
+            <a:schemeClr val="accent1"/>
+          </a:lnRef>
+          <a:fillRef idx="2">
+            <a:schemeClr val="accent1"/>
+          </a:fillRef>
+          <a:effectRef idx="1">
+            <a:schemeClr val="accent1"/>
+          </a:effectRef>
+          <a:fontRef idx="minor">
+            <a:schemeClr val="dk1"/>
+          </a:fontRef>
+        </p:style>
+        <p:txBody>
+          <a:bodyPr rtlCol="0" anchor="ctr"/>
+          <a:lstStyle/>
+          <a:p>
+            <a:pPr algn="ctr"/>
+            <a:r>
+              <a:rPr lang="en-US" dirty="0" err="1"/>
+              <a:t>DoctorController</a:t>
+            </a:r>
+            <a:endParaRPr lang="en-US" dirty="0"/>
+          </a:p>
+        </p:txBody>
+      </p:sp>
+      <p:sp>
+        <p:nvSpPr>
+          <p:cNvPr id="8" name="Rectangle: Rounded Corners 7">
+            <a:extLst>
+              <a:ext uri="{FF2B5EF4-FFF2-40B4-BE49-F238E27FC236}">
+                <a16:creationId xmlns:a16="http://schemas.microsoft.com/office/drawing/2014/main" id="{DA1D910B-2A44-4B71-83E2-9B7367F3236D}"/>
+              </a:ext>
+            </a:extLst>
+          </p:cNvPr>
+          <p:cNvSpPr/>
+          <p:nvPr/>
+        </p:nvSpPr>
+        <p:spPr>
+          <a:xfrm>
+            <a:off x="903766" y="4572887"/>
+            <a:ext cx="3136605" cy="382772"/>
+          </a:xfrm>
+          <a:prstGeom prst="roundRect">
+            <a:avLst/>
+          </a:prstGeom>
+        </p:spPr>
+        <p:style>
+          <a:lnRef idx="1">
+            <a:schemeClr val="accent1"/>
+          </a:lnRef>
+          <a:fillRef idx="2">
+            <a:schemeClr val="accent1"/>
+          </a:fillRef>
+          <a:effectRef idx="1">
+            <a:schemeClr val="accent1"/>
+          </a:effectRef>
+          <a:fontRef idx="minor">
+            <a:schemeClr val="dk1"/>
+          </a:fontRef>
+        </p:style>
+        <p:txBody>
+          <a:bodyPr rtlCol="0" anchor="ctr"/>
+          <a:lstStyle/>
+          <a:p>
+            <a:pPr algn="ctr"/>
+            <a:r>
+              <a:rPr lang="en-US" dirty="0" err="1"/>
+              <a:t>MedicineController</a:t>
+            </a:r>
+            <a:endParaRPr lang="en-US" dirty="0"/>
+          </a:p>
+        </p:txBody>
+      </p:sp>
+      <p:sp>
+        <p:nvSpPr>
+          <p:cNvPr id="9" name="Rectangle: Rounded Corners 8">
+            <a:extLst>
+              <a:ext uri="{FF2B5EF4-FFF2-40B4-BE49-F238E27FC236}">
+                <a16:creationId xmlns:a16="http://schemas.microsoft.com/office/drawing/2014/main" id="{4866F3B3-106E-4D29-982D-5EACBEE4B934}"/>
+              </a:ext>
+            </a:extLst>
+          </p:cNvPr>
+          <p:cNvSpPr/>
+          <p:nvPr/>
+        </p:nvSpPr>
+        <p:spPr>
+          <a:xfrm>
+            <a:off x="903766" y="5380074"/>
+            <a:ext cx="3136605" cy="382772"/>
+          </a:xfrm>
+          <a:prstGeom prst="roundRect">
+            <a:avLst/>
+          </a:prstGeom>
+        </p:spPr>
+        <p:style>
+          <a:lnRef idx="1">
+            <a:schemeClr val="accent1"/>
+          </a:lnRef>
+          <a:fillRef idx="2">
+            <a:schemeClr val="accent1"/>
+          </a:fillRef>
+          <a:effectRef idx="1">
+            <a:schemeClr val="accent1"/>
+          </a:effectRef>
+          <a:fontRef idx="minor">
+            <a:schemeClr val="dk1"/>
+          </a:fontRef>
+        </p:style>
+        <p:txBody>
+          <a:bodyPr rtlCol="0" anchor="ctr"/>
+          <a:lstStyle/>
+          <a:p>
+            <a:pPr algn="ctr"/>
+            <a:r>
+              <a:rPr lang="en-US" dirty="0" err="1"/>
+              <a:t>PatientController</a:t>
+            </a:r>
+            <a:endParaRPr lang="en-US" dirty="0"/>
+          </a:p>
+        </p:txBody>
+      </p:sp>
+      <p:sp>
+        <p:nvSpPr>
+          <p:cNvPr id="10" name="Rectangle: Rounded Corners 9">
+            <a:extLst>
+              <a:ext uri="{FF2B5EF4-FFF2-40B4-BE49-F238E27FC236}">
+                <a16:creationId xmlns:a16="http://schemas.microsoft.com/office/drawing/2014/main" id="{D4B54181-52AB-4DBD-A47A-F79A3A6FE016}"/>
+              </a:ext>
+            </a:extLst>
+          </p:cNvPr>
+          <p:cNvSpPr/>
+          <p:nvPr/>
+        </p:nvSpPr>
+        <p:spPr>
+          <a:xfrm>
+            <a:off x="903767" y="6126126"/>
+            <a:ext cx="3136605" cy="382772"/>
+          </a:xfrm>
+          <a:prstGeom prst="roundRect">
+            <a:avLst/>
+          </a:prstGeom>
+        </p:spPr>
+        <p:style>
+          <a:lnRef idx="1">
+            <a:schemeClr val="accent1"/>
+          </a:lnRef>
+          <a:fillRef idx="2">
+            <a:schemeClr val="accent1"/>
+          </a:fillRef>
+          <a:effectRef idx="1">
+            <a:schemeClr val="accent1"/>
+          </a:effectRef>
+          <a:fontRef idx="minor">
+            <a:schemeClr val="dk1"/>
+          </a:fontRef>
+        </p:style>
+        <p:txBody>
+          <a:bodyPr rtlCol="0" anchor="ctr"/>
+          <a:lstStyle/>
+          <a:p>
+            <a:pPr algn="ctr"/>
+            <a:r>
+              <a:rPr lang="en-US" dirty="0" err="1"/>
+              <a:t>PharmacistController</a:t>
+            </a:r>
+            <a:endParaRPr lang="en-US" dirty="0"/>
+          </a:p>
+        </p:txBody>
+      </p:sp>
+      <p:sp>
+        <p:nvSpPr>
+          <p:cNvPr id="12" name="Rectangle: Rounded Corners 11">
+            <a:extLst>
+              <a:ext uri="{FF2B5EF4-FFF2-40B4-BE49-F238E27FC236}">
+                <a16:creationId xmlns:a16="http://schemas.microsoft.com/office/drawing/2014/main" id="{792FCDED-2E0F-46F1-A246-7347CA7189C3}"/>
+              </a:ext>
+            </a:extLst>
+          </p:cNvPr>
+          <p:cNvSpPr/>
+          <p:nvPr/>
+        </p:nvSpPr>
+        <p:spPr>
+          <a:xfrm>
+            <a:off x="4931727" y="1465964"/>
+            <a:ext cx="3136605" cy="382772"/>
+          </a:xfrm>
+          <a:prstGeom prst="roundRect">
+            <a:avLst/>
+          </a:prstGeom>
+        </p:spPr>
+        <p:style>
+          <a:lnRef idx="1">
+            <a:schemeClr val="accent1"/>
+          </a:lnRef>
+          <a:fillRef idx="2">
+            <a:schemeClr val="accent1"/>
+          </a:fillRef>
+          <a:effectRef idx="1">
+            <a:schemeClr val="accent1"/>
+          </a:effectRef>
+          <a:fontRef idx="minor">
+            <a:schemeClr val="dk1"/>
+          </a:fontRef>
+        </p:style>
+        <p:txBody>
+          <a:bodyPr rtlCol="0" anchor="ctr"/>
+          <a:lstStyle/>
+          <a:p>
+            <a:pPr algn="ctr"/>
+            <a:r>
+              <a:rPr lang="en-US" dirty="0" err="1"/>
+              <a:t>AdminService</a:t>
+            </a:r>
+            <a:endParaRPr lang="en-US" dirty="0"/>
+          </a:p>
+        </p:txBody>
+      </p:sp>
+      <p:sp>
+        <p:nvSpPr>
+          <p:cNvPr id="13" name="Rectangle: Rounded Corners 12">
+            <a:extLst>
+              <a:ext uri="{FF2B5EF4-FFF2-40B4-BE49-F238E27FC236}">
+                <a16:creationId xmlns:a16="http://schemas.microsoft.com/office/drawing/2014/main" id="{2D5ED454-7232-4A80-A950-4FC079C33705}"/>
+              </a:ext>
+            </a:extLst>
+          </p:cNvPr>
+          <p:cNvSpPr/>
+          <p:nvPr/>
+        </p:nvSpPr>
+        <p:spPr>
+          <a:xfrm>
+            <a:off x="4908692" y="2099046"/>
+            <a:ext cx="3136605" cy="382772"/>
+          </a:xfrm>
+          <a:prstGeom prst="roundRect">
+            <a:avLst/>
+          </a:prstGeom>
+        </p:spPr>
+        <p:style>
+          <a:lnRef idx="1">
+            <a:schemeClr val="accent1"/>
+          </a:lnRef>
+          <a:fillRef idx="2">
+            <a:schemeClr val="accent1"/>
+          </a:fillRef>
+          <a:effectRef idx="1">
+            <a:schemeClr val="accent1"/>
+          </a:effectRef>
+          <a:fontRef idx="minor">
+            <a:schemeClr val="dk1"/>
+          </a:fontRef>
+        </p:style>
+        <p:txBody>
+          <a:bodyPr rtlCol="0" anchor="ctr"/>
+          <a:lstStyle/>
+          <a:p>
+            <a:pPr algn="ctr"/>
+            <a:r>
+              <a:rPr lang="en-US" dirty="0" err="1"/>
+              <a:t>AppointmentService</a:t>
+            </a:r>
+            <a:endParaRPr lang="en-US" dirty="0"/>
+          </a:p>
+        </p:txBody>
+      </p:sp>
+      <p:sp>
+        <p:nvSpPr>
+          <p:cNvPr id="14" name="Rectangle: Rounded Corners 13">
+            <a:extLst>
+              <a:ext uri="{FF2B5EF4-FFF2-40B4-BE49-F238E27FC236}">
+                <a16:creationId xmlns:a16="http://schemas.microsoft.com/office/drawing/2014/main" id="{2C86594A-CA3A-4A85-82D1-1E0BE8C27402}"/>
+              </a:ext>
+            </a:extLst>
+          </p:cNvPr>
+          <p:cNvSpPr/>
+          <p:nvPr/>
+        </p:nvSpPr>
+        <p:spPr>
+          <a:xfrm>
+            <a:off x="4908691" y="2759261"/>
+            <a:ext cx="3136605" cy="382772"/>
+          </a:xfrm>
+          <a:prstGeom prst="roundRect">
+            <a:avLst/>
+          </a:prstGeom>
+        </p:spPr>
+        <p:style>
+          <a:lnRef idx="1">
+            <a:schemeClr val="accent1"/>
+          </a:lnRef>
+          <a:fillRef idx="2">
+            <a:schemeClr val="accent1"/>
+          </a:fillRef>
+          <a:effectRef idx="1">
+            <a:schemeClr val="accent1"/>
+          </a:effectRef>
+          <a:fontRef idx="minor">
+            <a:schemeClr val="dk1"/>
+          </a:fontRef>
+        </p:style>
+        <p:txBody>
+          <a:bodyPr rtlCol="0" anchor="ctr"/>
+          <a:lstStyle/>
+          <a:p>
+            <a:pPr algn="ctr"/>
+            <a:r>
+              <a:rPr lang="en-US" dirty="0" err="1"/>
+              <a:t>BookMedicineService</a:t>
+            </a:r>
+            <a:endParaRPr lang="en-US" dirty="0"/>
+          </a:p>
+        </p:txBody>
+      </p:sp>
+      <p:sp>
+        <p:nvSpPr>
+          <p:cNvPr id="15" name="Rectangle: Rounded Corners 14">
+            <a:extLst>
+              <a:ext uri="{FF2B5EF4-FFF2-40B4-BE49-F238E27FC236}">
+                <a16:creationId xmlns:a16="http://schemas.microsoft.com/office/drawing/2014/main" id="{67F261F3-FDC7-4D3C-9333-3515CC131B92}"/>
+              </a:ext>
+            </a:extLst>
+          </p:cNvPr>
+          <p:cNvSpPr/>
+          <p:nvPr/>
+        </p:nvSpPr>
+        <p:spPr>
+          <a:xfrm>
+            <a:off x="4931727" y="3461120"/>
+            <a:ext cx="3136605" cy="382772"/>
+          </a:xfrm>
+          <a:prstGeom prst="roundRect">
+            <a:avLst/>
+          </a:prstGeom>
+        </p:spPr>
+        <p:style>
+          <a:lnRef idx="1">
+            <a:schemeClr val="accent1"/>
+          </a:lnRef>
+          <a:fillRef idx="2">
+            <a:schemeClr val="accent1"/>
+          </a:fillRef>
+          <a:effectRef idx="1">
+            <a:schemeClr val="accent1"/>
+          </a:effectRef>
+          <a:fontRef idx="minor">
+            <a:schemeClr val="dk1"/>
+          </a:fontRef>
+        </p:style>
+        <p:txBody>
+          <a:bodyPr rtlCol="0" anchor="ctr"/>
+          <a:lstStyle/>
+          <a:p>
+            <a:pPr algn="ctr"/>
+            <a:r>
+              <a:rPr lang="en-US" dirty="0" err="1"/>
+              <a:t>DoctorService</a:t>
+            </a:r>
+            <a:endParaRPr lang="en-US" dirty="0"/>
+          </a:p>
+        </p:txBody>
+      </p:sp>
+      <p:sp>
+        <p:nvSpPr>
+          <p:cNvPr id="16" name="Rectangle: Rounded Corners 15">
+            <a:extLst>
+              <a:ext uri="{FF2B5EF4-FFF2-40B4-BE49-F238E27FC236}">
+                <a16:creationId xmlns:a16="http://schemas.microsoft.com/office/drawing/2014/main" id="{146E4767-7187-4F73-A912-BF89C14E42D3}"/>
+              </a:ext>
+            </a:extLst>
+          </p:cNvPr>
+          <p:cNvSpPr/>
+          <p:nvPr/>
+        </p:nvSpPr>
+        <p:spPr>
+          <a:xfrm>
+            <a:off x="4908693" y="4167521"/>
+            <a:ext cx="3136605" cy="382772"/>
+          </a:xfrm>
+          <a:prstGeom prst="roundRect">
+            <a:avLst/>
+          </a:prstGeom>
+        </p:spPr>
+        <p:style>
+          <a:lnRef idx="1">
+            <a:schemeClr val="accent1"/>
+          </a:lnRef>
+          <a:fillRef idx="2">
+            <a:schemeClr val="accent1"/>
+          </a:fillRef>
+          <a:effectRef idx="1">
+            <a:schemeClr val="accent1"/>
+          </a:effectRef>
+          <a:fontRef idx="minor">
+            <a:schemeClr val="dk1"/>
+          </a:fontRef>
+        </p:style>
+        <p:txBody>
+          <a:bodyPr rtlCol="0" anchor="ctr"/>
+          <a:lstStyle/>
+          <a:p>
+            <a:pPr algn="ctr"/>
+            <a:r>
+              <a:rPr lang="en-US" dirty="0" err="1"/>
+              <a:t>MedicineService</a:t>
+            </a:r>
+            <a:endParaRPr lang="en-US" dirty="0"/>
+          </a:p>
+        </p:txBody>
+      </p:sp>
+      <p:sp>
+        <p:nvSpPr>
+          <p:cNvPr id="17" name="Rectangle: Rounded Corners 16">
+            <a:extLst>
+              <a:ext uri="{FF2B5EF4-FFF2-40B4-BE49-F238E27FC236}">
+                <a16:creationId xmlns:a16="http://schemas.microsoft.com/office/drawing/2014/main" id="{9DE403C5-C6B3-43BF-ACC8-EE62B81AD575}"/>
+              </a:ext>
+            </a:extLst>
+          </p:cNvPr>
+          <p:cNvSpPr/>
+          <p:nvPr/>
+        </p:nvSpPr>
+        <p:spPr>
+          <a:xfrm>
+            <a:off x="4908693" y="4855534"/>
+            <a:ext cx="3136605" cy="382772"/>
+          </a:xfrm>
+          <a:prstGeom prst="roundRect">
+            <a:avLst/>
+          </a:prstGeom>
+        </p:spPr>
+        <p:style>
+          <a:lnRef idx="1">
+            <a:schemeClr val="accent1"/>
+          </a:lnRef>
+          <a:fillRef idx="2">
+            <a:schemeClr val="accent1"/>
+          </a:fillRef>
+          <a:effectRef idx="1">
+            <a:schemeClr val="accent1"/>
+          </a:effectRef>
+          <a:fontRef idx="minor">
+            <a:schemeClr val="dk1"/>
+          </a:fontRef>
+        </p:style>
+        <p:txBody>
+          <a:bodyPr rtlCol="0" anchor="ctr"/>
+          <a:lstStyle/>
+          <a:p>
+            <a:pPr algn="ctr"/>
+            <a:r>
+              <a:rPr lang="en-US" dirty="0" err="1"/>
+              <a:t>MessageService</a:t>
+            </a:r>
+            <a:endParaRPr lang="en-US" dirty="0"/>
+          </a:p>
+        </p:txBody>
+      </p:sp>
+      <p:sp>
+        <p:nvSpPr>
+          <p:cNvPr id="18" name="Rectangle: Rounded Corners 17">
+            <a:extLst>
+              <a:ext uri="{FF2B5EF4-FFF2-40B4-BE49-F238E27FC236}">
+                <a16:creationId xmlns:a16="http://schemas.microsoft.com/office/drawing/2014/main" id="{A3BD7E8D-97F4-4ABD-BFF2-3D0E81772489}"/>
+              </a:ext>
+            </a:extLst>
+          </p:cNvPr>
+          <p:cNvSpPr/>
+          <p:nvPr/>
+        </p:nvSpPr>
+        <p:spPr>
+          <a:xfrm>
+            <a:off x="4908694" y="5517855"/>
+            <a:ext cx="3136605" cy="382772"/>
+          </a:xfrm>
+          <a:prstGeom prst="roundRect">
+            <a:avLst/>
+          </a:prstGeom>
+        </p:spPr>
+        <p:style>
+          <a:lnRef idx="1">
+            <a:schemeClr val="accent1"/>
+          </a:lnRef>
+          <a:fillRef idx="2">
+            <a:schemeClr val="accent1"/>
+          </a:fillRef>
+          <a:effectRef idx="1">
+            <a:schemeClr val="accent1"/>
+          </a:effectRef>
+          <a:fontRef idx="minor">
+            <a:schemeClr val="dk1"/>
+          </a:fontRef>
+        </p:style>
+        <p:txBody>
+          <a:bodyPr rtlCol="0" anchor="ctr"/>
+          <a:lstStyle/>
+          <a:p>
+            <a:pPr algn="ctr"/>
+            <a:r>
+              <a:rPr lang="en-US" dirty="0" err="1"/>
+              <a:t>PatientService</a:t>
+            </a:r>
+            <a:endParaRPr lang="en-US" dirty="0"/>
+          </a:p>
+        </p:txBody>
+      </p:sp>
+      <p:sp>
+        <p:nvSpPr>
+          <p:cNvPr id="19" name="Rectangle: Rounded Corners 18">
+            <a:extLst>
+              <a:ext uri="{FF2B5EF4-FFF2-40B4-BE49-F238E27FC236}">
+                <a16:creationId xmlns:a16="http://schemas.microsoft.com/office/drawing/2014/main" id="{70EC7DF3-8DAD-4C68-B6BA-FB811A4137CF}"/>
+              </a:ext>
+            </a:extLst>
+          </p:cNvPr>
+          <p:cNvSpPr/>
+          <p:nvPr/>
+        </p:nvSpPr>
+        <p:spPr>
+          <a:xfrm>
+            <a:off x="4908695" y="6126126"/>
+            <a:ext cx="3136605" cy="382772"/>
+          </a:xfrm>
+          <a:prstGeom prst="roundRect">
+            <a:avLst/>
+          </a:prstGeom>
+        </p:spPr>
+        <p:style>
+          <a:lnRef idx="1">
+            <a:schemeClr val="accent1"/>
+          </a:lnRef>
+          <a:fillRef idx="2">
+            <a:schemeClr val="accent1"/>
+          </a:fillRef>
+          <a:effectRef idx="1">
+            <a:schemeClr val="accent1"/>
+          </a:effectRef>
+          <a:fontRef idx="minor">
+            <a:schemeClr val="dk1"/>
+          </a:fontRef>
+        </p:style>
+        <p:txBody>
+          <a:bodyPr rtlCol="0" anchor="ctr"/>
+          <a:lstStyle/>
+          <a:p>
+            <a:pPr algn="ctr"/>
+            <a:r>
+              <a:rPr lang="en-US" dirty="0" err="1"/>
+              <a:t>PharmacistService</a:t>
+            </a:r>
+            <a:endParaRPr lang="en-US" dirty="0"/>
+          </a:p>
+        </p:txBody>
+      </p:sp>
+      <p:sp>
+        <p:nvSpPr>
+          <p:cNvPr id="20" name="Rectangle: Rounded Corners 19">
+            <a:extLst>
+              <a:ext uri="{FF2B5EF4-FFF2-40B4-BE49-F238E27FC236}">
+                <a16:creationId xmlns:a16="http://schemas.microsoft.com/office/drawing/2014/main" id="{7FFB44E4-BA01-41C0-9BAE-CE9B9FF512E6}"/>
+              </a:ext>
+            </a:extLst>
+          </p:cNvPr>
+          <p:cNvSpPr/>
+          <p:nvPr/>
+        </p:nvSpPr>
+        <p:spPr>
+          <a:xfrm>
+            <a:off x="8965008" y="1465964"/>
+            <a:ext cx="2317904" cy="382772"/>
+          </a:xfrm>
+          <a:prstGeom prst="roundRect">
+            <a:avLst/>
+          </a:prstGeom>
+        </p:spPr>
+        <p:style>
+          <a:lnRef idx="1">
+            <a:schemeClr val="accent1"/>
+          </a:lnRef>
+          <a:fillRef idx="2">
+            <a:schemeClr val="accent1"/>
+          </a:fillRef>
+          <a:effectRef idx="1">
+            <a:schemeClr val="accent1"/>
+          </a:effectRef>
+          <a:fontRef idx="minor">
+            <a:schemeClr val="dk1"/>
+          </a:fontRef>
+        </p:style>
+        <p:txBody>
+          <a:bodyPr rtlCol="0" anchor="ctr"/>
+          <a:lstStyle/>
+          <a:p>
+            <a:pPr algn="ctr"/>
+            <a:r>
+              <a:rPr lang="en-US" dirty="0"/>
+              <a:t>Address</a:t>
+            </a:r>
+          </a:p>
+        </p:txBody>
+      </p:sp>
+      <p:sp>
+        <p:nvSpPr>
+          <p:cNvPr id="21" name="Rectangle: Rounded Corners 20">
+            <a:extLst>
+              <a:ext uri="{FF2B5EF4-FFF2-40B4-BE49-F238E27FC236}">
+                <a16:creationId xmlns:a16="http://schemas.microsoft.com/office/drawing/2014/main" id="{D98F94B4-3578-4909-B4CD-0F55572674B8}"/>
+              </a:ext>
+            </a:extLst>
+          </p:cNvPr>
+          <p:cNvSpPr/>
+          <p:nvPr/>
+        </p:nvSpPr>
+        <p:spPr>
+          <a:xfrm>
+            <a:off x="8959687" y="2064045"/>
+            <a:ext cx="2323225" cy="382772"/>
+          </a:xfrm>
+          <a:prstGeom prst="roundRect">
+            <a:avLst/>
+          </a:prstGeom>
+        </p:spPr>
+        <p:style>
+          <a:lnRef idx="1">
+            <a:schemeClr val="accent1"/>
+          </a:lnRef>
+          <a:fillRef idx="2">
+            <a:schemeClr val="accent1"/>
+          </a:fillRef>
+          <a:effectRef idx="1">
+            <a:schemeClr val="accent1"/>
+          </a:effectRef>
+          <a:fontRef idx="minor">
+            <a:schemeClr val="dk1"/>
+          </a:fontRef>
+        </p:style>
+        <p:txBody>
+          <a:bodyPr rtlCol="0" anchor="ctr"/>
+          <a:lstStyle/>
+          <a:p>
+            <a:pPr algn="ctr"/>
+            <a:r>
+              <a:rPr lang="en-US" dirty="0"/>
+              <a:t>Admin</a:t>
+            </a:r>
+          </a:p>
+        </p:txBody>
+      </p:sp>
+      <p:sp>
+        <p:nvSpPr>
+          <p:cNvPr id="22" name="Rectangle: Rounded Corners 21">
+            <a:extLst>
+              <a:ext uri="{FF2B5EF4-FFF2-40B4-BE49-F238E27FC236}">
+                <a16:creationId xmlns:a16="http://schemas.microsoft.com/office/drawing/2014/main" id="{503FD8B5-56FA-4F81-929E-521F8BBCE480}"/>
+              </a:ext>
+            </a:extLst>
+          </p:cNvPr>
+          <p:cNvSpPr/>
+          <p:nvPr/>
+        </p:nvSpPr>
+        <p:spPr>
+          <a:xfrm>
+            <a:off x="8959688" y="2628901"/>
+            <a:ext cx="2323225" cy="382772"/>
+          </a:xfrm>
+          <a:prstGeom prst="roundRect">
+            <a:avLst/>
+          </a:prstGeom>
+        </p:spPr>
+        <p:style>
+          <a:lnRef idx="1">
+            <a:schemeClr val="accent1"/>
+          </a:lnRef>
+          <a:fillRef idx="2">
+            <a:schemeClr val="accent1"/>
+          </a:fillRef>
+          <a:effectRef idx="1">
+            <a:schemeClr val="accent1"/>
+          </a:effectRef>
+          <a:fontRef idx="minor">
+            <a:schemeClr val="dk1"/>
+          </a:fontRef>
+        </p:style>
+        <p:txBody>
+          <a:bodyPr rtlCol="0" anchor="ctr"/>
+          <a:lstStyle/>
+          <a:p>
+            <a:pPr algn="ctr"/>
+            <a:r>
+              <a:rPr lang="en-US" dirty="0"/>
+              <a:t>Appointment</a:t>
+            </a:r>
+          </a:p>
+        </p:txBody>
+      </p:sp>
+      <p:sp>
+        <p:nvSpPr>
+          <p:cNvPr id="23" name="Rectangle: Rounded Corners 22">
+            <a:extLst>
+              <a:ext uri="{FF2B5EF4-FFF2-40B4-BE49-F238E27FC236}">
+                <a16:creationId xmlns:a16="http://schemas.microsoft.com/office/drawing/2014/main" id="{1BC80DD8-E027-4B82-9395-7212FB96A64A}"/>
+              </a:ext>
+            </a:extLst>
+          </p:cNvPr>
+          <p:cNvSpPr/>
+          <p:nvPr/>
+        </p:nvSpPr>
+        <p:spPr>
+          <a:xfrm>
+            <a:off x="8959688" y="3281695"/>
+            <a:ext cx="2323225" cy="382772"/>
+          </a:xfrm>
+          <a:prstGeom prst="roundRect">
+            <a:avLst/>
+          </a:prstGeom>
+        </p:spPr>
+        <p:style>
+          <a:lnRef idx="1">
+            <a:schemeClr val="accent1"/>
+          </a:lnRef>
+          <a:fillRef idx="2">
+            <a:schemeClr val="accent1"/>
+          </a:fillRef>
+          <a:effectRef idx="1">
+            <a:schemeClr val="accent1"/>
+          </a:effectRef>
+          <a:fontRef idx="minor">
+            <a:schemeClr val="dk1"/>
+          </a:fontRef>
+        </p:style>
+        <p:txBody>
+          <a:bodyPr rtlCol="0" anchor="ctr"/>
+          <a:lstStyle/>
+          <a:p>
+            <a:pPr algn="ctr"/>
+            <a:r>
+              <a:rPr lang="en-US" dirty="0" err="1"/>
+              <a:t>BookMedicine</a:t>
+            </a:r>
+            <a:endParaRPr lang="en-US" dirty="0"/>
+          </a:p>
+        </p:txBody>
+      </p:sp>
+      <p:sp>
+        <p:nvSpPr>
+          <p:cNvPr id="24" name="Rectangle: Rounded Corners 23">
+            <a:extLst>
+              <a:ext uri="{FF2B5EF4-FFF2-40B4-BE49-F238E27FC236}">
+                <a16:creationId xmlns:a16="http://schemas.microsoft.com/office/drawing/2014/main" id="{2899639F-F7D5-4944-8416-31210589710A}"/>
+              </a:ext>
+            </a:extLst>
+          </p:cNvPr>
+          <p:cNvSpPr/>
+          <p:nvPr/>
+        </p:nvSpPr>
+        <p:spPr>
+          <a:xfrm>
+            <a:off x="8965005" y="3890852"/>
+            <a:ext cx="2323225" cy="382772"/>
+          </a:xfrm>
+          <a:prstGeom prst="roundRect">
+            <a:avLst/>
+          </a:prstGeom>
+        </p:spPr>
+        <p:style>
+          <a:lnRef idx="1">
+            <a:schemeClr val="accent1"/>
+          </a:lnRef>
+          <a:fillRef idx="2">
+            <a:schemeClr val="accent1"/>
+          </a:fillRef>
+          <a:effectRef idx="1">
+            <a:schemeClr val="accent1"/>
+          </a:effectRef>
+          <a:fontRef idx="minor">
+            <a:schemeClr val="dk1"/>
+          </a:fontRef>
+        </p:style>
+        <p:txBody>
+          <a:bodyPr rtlCol="0" anchor="ctr"/>
+          <a:lstStyle/>
+          <a:p>
+            <a:pPr algn="ctr"/>
+            <a:r>
+              <a:rPr lang="en-US" dirty="0"/>
+              <a:t>Doctor</a:t>
+            </a:r>
+          </a:p>
+        </p:txBody>
+      </p:sp>
+      <p:sp>
+        <p:nvSpPr>
+          <p:cNvPr id="25" name="Rectangle: Rounded Corners 24">
+            <a:extLst>
+              <a:ext uri="{FF2B5EF4-FFF2-40B4-BE49-F238E27FC236}">
+                <a16:creationId xmlns:a16="http://schemas.microsoft.com/office/drawing/2014/main" id="{51640DD9-466F-4036-A2AA-CDFE6810BE74}"/>
+              </a:ext>
+            </a:extLst>
+          </p:cNvPr>
+          <p:cNvSpPr/>
+          <p:nvPr/>
+        </p:nvSpPr>
+        <p:spPr>
+          <a:xfrm>
+            <a:off x="8965005" y="4472762"/>
+            <a:ext cx="2323225" cy="382772"/>
+          </a:xfrm>
+          <a:prstGeom prst="roundRect">
+            <a:avLst/>
+          </a:prstGeom>
+        </p:spPr>
+        <p:style>
+          <a:lnRef idx="1">
+            <a:schemeClr val="accent1"/>
+          </a:lnRef>
+          <a:fillRef idx="2">
+            <a:schemeClr val="accent1"/>
+          </a:fillRef>
+          <a:effectRef idx="1">
+            <a:schemeClr val="accent1"/>
+          </a:effectRef>
+          <a:fontRef idx="minor">
+            <a:schemeClr val="dk1"/>
+          </a:fontRef>
+        </p:style>
+        <p:txBody>
+          <a:bodyPr rtlCol="0" anchor="ctr"/>
+          <a:lstStyle/>
+          <a:p>
+            <a:pPr algn="ctr"/>
+            <a:r>
+              <a:rPr lang="en-US" dirty="0"/>
+              <a:t>Medicine</a:t>
+            </a:r>
+          </a:p>
+        </p:txBody>
+      </p:sp>
+      <p:sp>
+        <p:nvSpPr>
+          <p:cNvPr id="26" name="Rectangle: Rounded Corners 25">
+            <a:extLst>
+              <a:ext uri="{FF2B5EF4-FFF2-40B4-BE49-F238E27FC236}">
+                <a16:creationId xmlns:a16="http://schemas.microsoft.com/office/drawing/2014/main" id="{FECA6655-3162-4692-8B54-DAC322D5784C}"/>
+              </a:ext>
+            </a:extLst>
+          </p:cNvPr>
+          <p:cNvSpPr/>
+          <p:nvPr/>
+        </p:nvSpPr>
+        <p:spPr>
+          <a:xfrm>
+            <a:off x="8965006" y="5042048"/>
+            <a:ext cx="2323225" cy="382772"/>
+          </a:xfrm>
+          <a:prstGeom prst="roundRect">
+            <a:avLst/>
+          </a:prstGeom>
+        </p:spPr>
+        <p:style>
+          <a:lnRef idx="1">
+            <a:schemeClr val="accent1"/>
+          </a:lnRef>
+          <a:fillRef idx="2">
+            <a:schemeClr val="accent1"/>
+          </a:fillRef>
+          <a:effectRef idx="1">
+            <a:schemeClr val="accent1"/>
+          </a:effectRef>
+          <a:fontRef idx="minor">
+            <a:schemeClr val="dk1"/>
+          </a:fontRef>
+        </p:style>
+        <p:txBody>
+          <a:bodyPr rtlCol="0" anchor="ctr"/>
+          <a:lstStyle/>
+          <a:p>
+            <a:pPr algn="ctr"/>
+            <a:r>
+              <a:rPr lang="en-US" dirty="0"/>
+              <a:t>Patient</a:t>
+            </a:r>
+          </a:p>
+        </p:txBody>
+      </p:sp>
+      <p:sp>
+        <p:nvSpPr>
+          <p:cNvPr id="27" name="Rectangle: Rounded Corners 26">
+            <a:extLst>
+              <a:ext uri="{FF2B5EF4-FFF2-40B4-BE49-F238E27FC236}">
+                <a16:creationId xmlns:a16="http://schemas.microsoft.com/office/drawing/2014/main" id="{36FC0B9A-4D52-455A-8320-D052E0BBCB05}"/>
+              </a:ext>
+            </a:extLst>
+          </p:cNvPr>
+          <p:cNvSpPr/>
+          <p:nvPr/>
+        </p:nvSpPr>
+        <p:spPr>
+          <a:xfrm>
+            <a:off x="8965007" y="5582093"/>
+            <a:ext cx="2323225" cy="382772"/>
+          </a:xfrm>
+          <a:prstGeom prst="roundRect">
+            <a:avLst/>
+          </a:prstGeom>
+        </p:spPr>
+        <p:style>
+          <a:lnRef idx="1">
+            <a:schemeClr val="accent1"/>
+          </a:lnRef>
+          <a:fillRef idx="2">
+            <a:schemeClr val="accent1"/>
+          </a:fillRef>
+          <a:effectRef idx="1">
+            <a:schemeClr val="accent1"/>
+          </a:effectRef>
+          <a:fontRef idx="minor">
+            <a:schemeClr val="dk1"/>
+          </a:fontRef>
+        </p:style>
+        <p:txBody>
+          <a:bodyPr rtlCol="0" anchor="ctr"/>
+          <a:lstStyle/>
+          <a:p>
+            <a:pPr algn="ctr"/>
+            <a:r>
+              <a:rPr lang="en-US" dirty="0"/>
+              <a:t>Person</a:t>
+            </a:r>
+          </a:p>
+        </p:txBody>
+      </p:sp>
+      <p:sp>
+        <p:nvSpPr>
+          <p:cNvPr id="28" name="Rectangle: Rounded Corners 27">
+            <a:extLst>
+              <a:ext uri="{FF2B5EF4-FFF2-40B4-BE49-F238E27FC236}">
+                <a16:creationId xmlns:a16="http://schemas.microsoft.com/office/drawing/2014/main" id="{76335B12-7D3D-45BD-BADA-958D5574FDDE}"/>
+              </a:ext>
+            </a:extLst>
+          </p:cNvPr>
+          <p:cNvSpPr/>
+          <p:nvPr/>
+        </p:nvSpPr>
+        <p:spPr>
+          <a:xfrm>
+            <a:off x="8959687" y="6087140"/>
+            <a:ext cx="2328545" cy="382772"/>
+          </a:xfrm>
+          <a:prstGeom prst="roundRect">
+            <a:avLst/>
+          </a:prstGeom>
+        </p:spPr>
+        <p:style>
+          <a:lnRef idx="1">
+            <a:schemeClr val="accent1"/>
+          </a:lnRef>
+          <a:fillRef idx="2">
+            <a:schemeClr val="accent1"/>
+          </a:fillRef>
+          <a:effectRef idx="1">
+            <a:schemeClr val="accent1"/>
+          </a:effectRef>
+          <a:fontRef idx="minor">
+            <a:schemeClr val="dk1"/>
+          </a:fontRef>
+        </p:style>
+        <p:txBody>
+          <a:bodyPr rtlCol="0" anchor="ctr"/>
+          <a:lstStyle/>
+          <a:p>
+            <a:pPr algn="ctr"/>
+            <a:r>
+              <a:rPr lang="en-US" dirty="0" err="1"/>
+              <a:t>ResponseMessage</a:t>
+            </a:r>
+            <a:endParaRPr lang="en-US" dirty="0"/>
           </a:p>
         </p:txBody>
       </p:sp>
     </p:spTree>
     <p:extLst>
       <p:ext uri="{BB962C8B-B14F-4D97-AF65-F5344CB8AC3E}">
-        <p14:creationId xmlns:p14="http://schemas.microsoft.com/office/powerpoint/2010/main" val="2827295984"/>
+        <p14:creationId xmlns:p14="http://schemas.microsoft.com/office/powerpoint/2010/main" val="1535160733"/>
       </p:ext>
     </p:extLst>
   </p:cSld>
@@ -9655,7 +9739,7 @@
           <p:cNvPr id="2" name="Title 1">
             <a:extLst>
               <a:ext uri="{FF2B5EF4-FFF2-40B4-BE49-F238E27FC236}">
-                <a16:creationId xmlns:a16="http://schemas.microsoft.com/office/drawing/2014/main" id="{4008C12A-8694-469A-9E57-171A9994E1D0}"/>
+                <a16:creationId xmlns:a16="http://schemas.microsoft.com/office/drawing/2014/main" id="{1689AB6F-3252-4565-9BDC-D4F465998D57}"/>
               </a:ext>
             </a:extLst>
           </p:cNvPr>
@@ -9666,14 +9750,20 @@
             <p:ph type="title"/>
           </p:nvPr>
         </p:nvSpPr>
-        <p:spPr/>
+        <p:spPr>
+          <a:xfrm>
+            <a:off x="1806116" y="634742"/>
+            <a:ext cx="8911687" cy="1280890"/>
+          </a:xfrm>
+        </p:spPr>
         <p:txBody>
           <a:bodyPr/>
           <a:lstStyle/>
           <a:p>
+            <a:pPr algn="ctr"/>
             <a:r>
               <a:rPr lang="en-US" dirty="0"/>
-              <a:t>               Future RoadMap</a:t>
+              <a:t>Dependencies</a:t>
             </a:r>
           </a:p>
         </p:txBody>
@@ -9683,7 +9773,7 @@
           <p:cNvPr id="3" name="Content Placeholder 2">
             <a:extLst>
               <a:ext uri="{FF2B5EF4-FFF2-40B4-BE49-F238E27FC236}">
-                <a16:creationId xmlns:a16="http://schemas.microsoft.com/office/drawing/2014/main" id="{09AE706B-1512-4702-8710-FA5A521954C4}"/>
+                <a16:creationId xmlns:a16="http://schemas.microsoft.com/office/drawing/2014/main" id="{C135B01E-AB10-4AD9-8CF0-6A599953CA29}"/>
               </a:ext>
             </a:extLst>
           </p:cNvPr>
@@ -9694,48 +9784,112 @@
             <p:ph idx="1"/>
           </p:nvPr>
         </p:nvSpPr>
-        <p:spPr/>
-        <p:txBody>
-          <a:bodyPr/>
+        <p:spPr>
+          <a:xfrm>
+            <a:off x="2046952" y="1669311"/>
+            <a:ext cx="8915400" cy="4433777"/>
+          </a:xfrm>
+        </p:spPr>
+        <p:txBody>
+          <a:bodyPr>
+            <a:normAutofit/>
+          </a:bodyPr>
           <a:lstStyle/>
           <a:p>
             <a:r>
               <a:rPr lang="en-US" dirty="0"/>
-              <a:t> Payment function for the patients</a:t>
+              <a:t>spring-boot-starter-web</a:t>
             </a:r>
           </a:p>
           <a:p>
             <a:r>
               <a:rPr lang="en-US" dirty="0"/>
-              <a:t> Tracking of the medicine orders</a:t>
-            </a:r>
+              <a:t>persistence-</a:t>
+            </a:r>
+            <a:r>
+              <a:rPr lang="en-US" dirty="0" err="1"/>
+              <a:t>api</a:t>
+            </a:r>
+            <a:endParaRPr lang="en-US" dirty="0"/>
           </a:p>
           <a:p>
             <a:r>
               <a:rPr lang="en-US" dirty="0"/>
-              <a:t> </a:t>
+              <a:t>spring-boot-starter-data-</a:t>
             </a:r>
             <a:r>
               <a:rPr lang="en-US" dirty="0" err="1"/>
-              <a:t>FollowUp</a:t>
-            </a:r>
+              <a:t>mongodb</a:t>
+            </a:r>
+            <a:endParaRPr lang="en-US" dirty="0"/>
+          </a:p>
+          <a:p>
             <a:r>
               <a:rPr lang="en-US" dirty="0"/>
-              <a:t> records of patients</a:t>
-            </a:r>
+              <a:t>commons-</a:t>
+            </a:r>
+            <a:r>
+              <a:rPr lang="en-US" dirty="0" err="1"/>
+              <a:t>lang</a:t>
+            </a:r>
+            <a:endParaRPr lang="en-US" dirty="0"/>
           </a:p>
           <a:p>
             <a:r>
               <a:rPr lang="en-US" dirty="0"/>
-              <a:t> Uploading the Prescription</a:t>
-            </a:r>
+              <a:t>spring-boot-starter-test</a:t>
+            </a:r>
+          </a:p>
+          <a:p>
+            <a:r>
+              <a:rPr lang="en-US" dirty="0"/>
+              <a:t>spring-boot-</a:t>
+            </a:r>
+            <a:r>
+              <a:rPr lang="en-US" dirty="0" err="1"/>
+              <a:t>devtools</a:t>
+            </a:r>
+            <a:endParaRPr lang="en-US" dirty="0"/>
+          </a:p>
+          <a:p>
+            <a:r>
+              <a:rPr lang="en-US" dirty="0"/>
+              <a:t>spring-boot-starter-actuator</a:t>
+            </a:r>
+          </a:p>
+          <a:p>
+            <a:r>
+              <a:rPr lang="en-US" dirty="0"/>
+              <a:t>spring-boot-starter-security</a:t>
+            </a:r>
+          </a:p>
+          <a:p>
+            <a:r>
+              <a:rPr lang="en-US" dirty="0"/>
+              <a:t>spring-boot-starter-mail</a:t>
+            </a:r>
+          </a:p>
+          <a:p>
+            <a:r>
+              <a:rPr lang="en-US" dirty="0" err="1"/>
+              <a:t>twilio</a:t>
+            </a:r>
+            <a:r>
+              <a:rPr lang="en-US" dirty="0"/>
+              <a:t>-java-</a:t>
+            </a:r>
+            <a:r>
+              <a:rPr lang="en-US" dirty="0" err="1"/>
+              <a:t>sdk</a:t>
+            </a:r>
+            <a:endParaRPr lang="en-US" dirty="0"/>
           </a:p>
         </p:txBody>
       </p:sp>
     </p:spTree>
     <p:extLst>
       <p:ext uri="{BB962C8B-B14F-4D97-AF65-F5344CB8AC3E}">
-        <p14:creationId xmlns:p14="http://schemas.microsoft.com/office/powerpoint/2010/main" val="3980595745"/>
+        <p14:creationId xmlns:p14="http://schemas.microsoft.com/office/powerpoint/2010/main" val="2959944365"/>
       </p:ext>
     </p:extLst>
   </p:cSld>
@@ -9767,7 +9921,7 @@
           <p:cNvPr id="2" name="Title 1">
             <a:extLst>
               <a:ext uri="{FF2B5EF4-FFF2-40B4-BE49-F238E27FC236}">
-                <a16:creationId xmlns:a16="http://schemas.microsoft.com/office/drawing/2014/main" id="{B2FB14F2-F4BA-4DD1-BBBD-030A89725EBB}"/>
+                <a16:creationId xmlns:a16="http://schemas.microsoft.com/office/drawing/2014/main" id="{44FBA459-2C1E-47E6-8E51-68BBD22EC7DF}"/>
               </a:ext>
             </a:extLst>
           </p:cNvPr>
@@ -9775,13 +9929,13 @@
             <a:spLocks noGrp="1"/>
           </p:cNvSpPr>
           <p:nvPr>
-            <p:ph type="ctrTitle"/>
+            <p:ph type="title"/>
           </p:nvPr>
         </p:nvSpPr>
         <p:spPr>
           <a:xfrm>
-            <a:off x="3025148" y="1366284"/>
-            <a:ext cx="8915399" cy="2262781"/>
+            <a:off x="1640156" y="2671597"/>
+            <a:ext cx="8911687" cy="1280890"/>
           </a:xfrm>
         </p:spPr>
         <p:txBody>
@@ -9790,7 +9944,11 @@
           <a:p>
             <a:r>
               <a:rPr lang="en-US" dirty="0"/>
-              <a:t>         Appendix</a:t>
+              <a:t>              </a:t>
+            </a:r>
+            <a:r>
+              <a:rPr lang="en-US" sz="7200" dirty="0"/>
+              <a:t>    DEMO</a:t>
             </a:r>
           </a:p>
         </p:txBody>
@@ -9798,7 +9956,7 @@
     </p:spTree>
     <p:extLst>
       <p:ext uri="{BB962C8B-B14F-4D97-AF65-F5344CB8AC3E}">
-        <p14:creationId xmlns:p14="http://schemas.microsoft.com/office/powerpoint/2010/main" val="512378268"/>
+        <p14:creationId xmlns:p14="http://schemas.microsoft.com/office/powerpoint/2010/main" val="2827295984"/>
       </p:ext>
     </p:extLst>
   </p:cSld>
@@ -9830,6 +9988,181 @@
           <p:cNvPr id="2" name="Title 1">
             <a:extLst>
               <a:ext uri="{FF2B5EF4-FFF2-40B4-BE49-F238E27FC236}">
+                <a16:creationId xmlns:a16="http://schemas.microsoft.com/office/drawing/2014/main" id="{4008C12A-8694-469A-9E57-171A9994E1D0}"/>
+              </a:ext>
+            </a:extLst>
+          </p:cNvPr>
+          <p:cNvSpPr>
+            <a:spLocks noGrp="1"/>
+          </p:cNvSpPr>
+          <p:nvPr>
+            <p:ph type="title"/>
+          </p:nvPr>
+        </p:nvSpPr>
+        <p:spPr/>
+        <p:txBody>
+          <a:bodyPr/>
+          <a:lstStyle/>
+          <a:p>
+            <a:r>
+              <a:rPr lang="en-US" dirty="0"/>
+              <a:t>               Future RoadMap</a:t>
+            </a:r>
+          </a:p>
+        </p:txBody>
+      </p:sp>
+      <p:sp>
+        <p:nvSpPr>
+          <p:cNvPr id="3" name="Content Placeholder 2">
+            <a:extLst>
+              <a:ext uri="{FF2B5EF4-FFF2-40B4-BE49-F238E27FC236}">
+                <a16:creationId xmlns:a16="http://schemas.microsoft.com/office/drawing/2014/main" id="{09AE706B-1512-4702-8710-FA5A521954C4}"/>
+              </a:ext>
+            </a:extLst>
+          </p:cNvPr>
+          <p:cNvSpPr>
+            <a:spLocks noGrp="1"/>
+          </p:cNvSpPr>
+          <p:nvPr>
+            <p:ph idx="1"/>
+          </p:nvPr>
+        </p:nvSpPr>
+        <p:spPr/>
+        <p:txBody>
+          <a:bodyPr/>
+          <a:lstStyle/>
+          <a:p>
+            <a:r>
+              <a:rPr lang="en-US" dirty="0"/>
+              <a:t> Payment function for the patients</a:t>
+            </a:r>
+          </a:p>
+          <a:p>
+            <a:r>
+              <a:rPr lang="en-US" dirty="0"/>
+              <a:t> Tracking of the medicine orders</a:t>
+            </a:r>
+          </a:p>
+          <a:p>
+            <a:r>
+              <a:rPr lang="en-US" dirty="0"/>
+              <a:t> </a:t>
+            </a:r>
+            <a:r>
+              <a:rPr lang="en-US" dirty="0" err="1"/>
+              <a:t>FollowUp</a:t>
+            </a:r>
+            <a:r>
+              <a:rPr lang="en-US" dirty="0"/>
+              <a:t> records of patients</a:t>
+            </a:r>
+          </a:p>
+          <a:p>
+            <a:r>
+              <a:rPr lang="en-US" dirty="0"/>
+              <a:t> Uploading the Prescription</a:t>
+            </a:r>
+          </a:p>
+        </p:txBody>
+      </p:sp>
+    </p:spTree>
+    <p:extLst>
+      <p:ext uri="{BB962C8B-B14F-4D97-AF65-F5344CB8AC3E}">
+        <p14:creationId xmlns:p14="http://schemas.microsoft.com/office/powerpoint/2010/main" val="3980595745"/>
+      </p:ext>
+    </p:extLst>
+  </p:cSld>
+  <p:clrMapOvr>
+    <a:masterClrMapping/>
+  </p:clrMapOvr>
+</p:sld>
+</file>
+
+<file path=ppt/slides/slide16.xml><?xml version="1.0" encoding="utf-8"?>
+<p:sld xmlns:a="http://schemas.openxmlformats.org/drawingml/2006/main" xmlns:r="http://schemas.openxmlformats.org/officeDocument/2006/relationships" xmlns:p="http://schemas.openxmlformats.org/presentationml/2006/main">
+  <p:cSld>
+    <p:spTree>
+      <p:nvGrpSpPr>
+        <p:cNvPr id="1" name=""/>
+        <p:cNvGrpSpPr/>
+        <p:nvPr/>
+      </p:nvGrpSpPr>
+      <p:grpSpPr>
+        <a:xfrm>
+          <a:off x="0" y="0"/>
+          <a:ext cx="0" cy="0"/>
+          <a:chOff x="0" y="0"/>
+          <a:chExt cx="0" cy="0"/>
+        </a:xfrm>
+      </p:grpSpPr>
+      <p:sp>
+        <p:nvSpPr>
+          <p:cNvPr id="2" name="Title 1">
+            <a:extLst>
+              <a:ext uri="{FF2B5EF4-FFF2-40B4-BE49-F238E27FC236}">
+                <a16:creationId xmlns:a16="http://schemas.microsoft.com/office/drawing/2014/main" id="{B2FB14F2-F4BA-4DD1-BBBD-030A89725EBB}"/>
+              </a:ext>
+            </a:extLst>
+          </p:cNvPr>
+          <p:cNvSpPr>
+            <a:spLocks noGrp="1"/>
+          </p:cNvSpPr>
+          <p:nvPr>
+            <p:ph type="ctrTitle"/>
+          </p:nvPr>
+        </p:nvSpPr>
+        <p:spPr>
+          <a:xfrm>
+            <a:off x="3025148" y="1366284"/>
+            <a:ext cx="8915399" cy="2262781"/>
+          </a:xfrm>
+        </p:spPr>
+        <p:txBody>
+          <a:bodyPr/>
+          <a:lstStyle/>
+          <a:p>
+            <a:r>
+              <a:rPr lang="en-US" dirty="0"/>
+              <a:t>         Appendix</a:t>
+            </a:r>
+          </a:p>
+        </p:txBody>
+      </p:sp>
+    </p:spTree>
+    <p:extLst>
+      <p:ext uri="{BB962C8B-B14F-4D97-AF65-F5344CB8AC3E}">
+        <p14:creationId xmlns:p14="http://schemas.microsoft.com/office/powerpoint/2010/main" val="512378268"/>
+      </p:ext>
+    </p:extLst>
+  </p:cSld>
+  <p:clrMapOvr>
+    <a:masterClrMapping/>
+  </p:clrMapOvr>
+</p:sld>
+</file>
+
+<file path=ppt/slides/slide17.xml><?xml version="1.0" encoding="utf-8"?>
+<p:sld xmlns:a="http://schemas.openxmlformats.org/drawingml/2006/main" xmlns:r="http://schemas.openxmlformats.org/officeDocument/2006/relationships" xmlns:p="http://schemas.openxmlformats.org/presentationml/2006/main">
+  <p:cSld>
+    <p:spTree>
+      <p:nvGrpSpPr>
+        <p:cNvPr id="1" name=""/>
+        <p:cNvGrpSpPr/>
+        <p:nvPr/>
+      </p:nvGrpSpPr>
+      <p:grpSpPr>
+        <a:xfrm>
+          <a:off x="0" y="0"/>
+          <a:ext cx="0" cy="0"/>
+          <a:chOff x="0" y="0"/>
+          <a:chExt cx="0" cy="0"/>
+        </a:xfrm>
+      </p:grpSpPr>
+      <p:sp>
+        <p:nvSpPr>
+          <p:cNvPr id="2" name="Title 1">
+            <a:extLst>
+              <a:ext uri="{FF2B5EF4-FFF2-40B4-BE49-F238E27FC236}">
                 <a16:creationId xmlns:a16="http://schemas.microsoft.com/office/drawing/2014/main" id="{D19CFD38-3A73-44E7-8F3D-4DCF943BDA86}"/>
               </a:ext>
             </a:extLst>
@@ -9989,7 +10322,7 @@
 </p:sld>
 </file>
 
-<file path=ppt/slides/slide16.xml><?xml version="1.0" encoding="utf-8"?>
+<file path=ppt/slides/slide18.xml><?xml version="1.0" encoding="utf-8"?>
 <p:sld xmlns:a="http://schemas.openxmlformats.org/drawingml/2006/main" xmlns:r="http://schemas.openxmlformats.org/officeDocument/2006/relationships" xmlns:p="http://schemas.openxmlformats.org/presentationml/2006/main">
   <p:cSld>
     <p:spTree>
@@ -10058,7 +10391,7 @@
 </p:sld>
 </file>
 
-<file path=ppt/slides/slide17.xml><?xml version="1.0" encoding="utf-8"?>
+<file path=ppt/slides/slide19.xml><?xml version="1.0" encoding="utf-8"?>
 <p:sld xmlns:a="http://schemas.openxmlformats.org/drawingml/2006/main" xmlns:r="http://schemas.openxmlformats.org/officeDocument/2006/relationships" xmlns:p="http://schemas.openxmlformats.org/presentationml/2006/main">
   <p:cSld>
     <p:spTree>
@@ -10151,7 +10484,173 @@
 </p:sld>
 </file>
 
-<file path=ppt/slides/slide18.xml><?xml version="1.0" encoding="utf-8"?>
+<file path=ppt/slides/slide2.xml><?xml version="1.0" encoding="utf-8"?>
+<p:sld xmlns:a="http://schemas.openxmlformats.org/drawingml/2006/main" xmlns:r="http://schemas.openxmlformats.org/officeDocument/2006/relationships" xmlns:p="http://schemas.openxmlformats.org/presentationml/2006/main">
+  <p:cSld>
+    <p:spTree>
+      <p:nvGrpSpPr>
+        <p:cNvPr id="1" name=""/>
+        <p:cNvGrpSpPr/>
+        <p:nvPr/>
+      </p:nvGrpSpPr>
+      <p:grpSpPr>
+        <a:xfrm>
+          <a:off x="0" y="0"/>
+          <a:ext cx="0" cy="0"/>
+          <a:chOff x="0" y="0"/>
+          <a:chExt cx="0" cy="0"/>
+        </a:xfrm>
+      </p:grpSpPr>
+      <p:sp>
+        <p:nvSpPr>
+          <p:cNvPr id="2" name="Title 1">
+            <a:extLst>
+              <a:ext uri="{FF2B5EF4-FFF2-40B4-BE49-F238E27FC236}">
+                <a16:creationId xmlns:a16="http://schemas.microsoft.com/office/drawing/2014/main" id="{06D9BFAD-7690-43D0-ABC1-7312C42A3482}"/>
+              </a:ext>
+            </a:extLst>
+          </p:cNvPr>
+          <p:cNvSpPr>
+            <a:spLocks noGrp="1"/>
+          </p:cNvSpPr>
+          <p:nvPr>
+            <p:ph type="title"/>
+          </p:nvPr>
+        </p:nvSpPr>
+        <p:spPr/>
+        <p:txBody>
+          <a:bodyPr/>
+          <a:lstStyle/>
+          <a:p>
+            <a:r>
+              <a:rPr lang="en-US" dirty="0"/>
+              <a:t>                         Content</a:t>
+            </a:r>
+          </a:p>
+        </p:txBody>
+      </p:sp>
+      <p:sp>
+        <p:nvSpPr>
+          <p:cNvPr id="3" name="Content Placeholder 2">
+            <a:extLst>
+              <a:ext uri="{FF2B5EF4-FFF2-40B4-BE49-F238E27FC236}">
+                <a16:creationId xmlns:a16="http://schemas.microsoft.com/office/drawing/2014/main" id="{5E602C8F-F71E-4C97-B2EF-5AF7A191022E}"/>
+              </a:ext>
+            </a:extLst>
+          </p:cNvPr>
+          <p:cNvSpPr>
+            <a:spLocks noGrp="1"/>
+          </p:cNvSpPr>
+          <p:nvPr>
+            <p:ph idx="1"/>
+          </p:nvPr>
+        </p:nvSpPr>
+        <p:spPr>
+          <a:xfrm>
+            <a:off x="2589212" y="1605516"/>
+            <a:ext cx="8915400" cy="4305706"/>
+          </a:xfrm>
+        </p:spPr>
+        <p:txBody>
+          <a:bodyPr>
+            <a:normAutofit fontScale="92500" lnSpcReduction="10000"/>
+          </a:bodyPr>
+          <a:lstStyle/>
+          <a:p>
+            <a:r>
+              <a:rPr lang="en-US" dirty="0"/>
+              <a:t>Overview</a:t>
+            </a:r>
+          </a:p>
+          <a:p>
+            <a:r>
+              <a:rPr lang="en-US" dirty="0"/>
+              <a:t>Team Introduction</a:t>
+            </a:r>
+          </a:p>
+          <a:p>
+            <a:r>
+              <a:rPr lang="en-US" dirty="0"/>
+              <a:t>Scope / Features</a:t>
+            </a:r>
+          </a:p>
+          <a:p>
+            <a:r>
+              <a:rPr lang="en-US" dirty="0"/>
+              <a:t>Technology Architecture</a:t>
+            </a:r>
+          </a:p>
+          <a:p>
+            <a:r>
+              <a:rPr lang="en-US" dirty="0"/>
+              <a:t>Tools &amp; Technologies </a:t>
+            </a:r>
+          </a:p>
+          <a:p>
+            <a:r>
+              <a:rPr lang="en-US" dirty="0"/>
+              <a:t>Demo</a:t>
+            </a:r>
+          </a:p>
+          <a:p>
+            <a:r>
+              <a:rPr lang="en-US" dirty="0"/>
+              <a:t>Future Roadmap</a:t>
+            </a:r>
+          </a:p>
+          <a:p>
+            <a:r>
+              <a:rPr lang="en-US" dirty="0"/>
+              <a:t>Appendix</a:t>
+            </a:r>
+          </a:p>
+          <a:p>
+            <a:pPr lvl="1"/>
+            <a:r>
+              <a:rPr lang="en-US" dirty="0"/>
+              <a:t>Use-Cases</a:t>
+            </a:r>
+          </a:p>
+          <a:p>
+            <a:pPr lvl="1"/>
+            <a:r>
+              <a:rPr lang="en-US" dirty="0"/>
+              <a:t>Flow Diagram</a:t>
+            </a:r>
+          </a:p>
+          <a:p>
+            <a:pPr lvl="1"/>
+            <a:r>
+              <a:rPr lang="en-US" dirty="0"/>
+              <a:t>Class Diagram</a:t>
+            </a:r>
+          </a:p>
+          <a:p>
+            <a:pPr lvl="1"/>
+            <a:r>
+              <a:rPr lang="en-US" dirty="0"/>
+              <a:t>Sequence Diagram</a:t>
+            </a:r>
+          </a:p>
+          <a:p>
+            <a:endParaRPr lang="en-US" dirty="0"/>
+          </a:p>
+        </p:txBody>
+      </p:sp>
+    </p:spTree>
+    <p:extLst>
+      <p:ext uri="{BB962C8B-B14F-4D97-AF65-F5344CB8AC3E}">
+        <p14:creationId xmlns:p14="http://schemas.microsoft.com/office/powerpoint/2010/main" val="3626002931"/>
+      </p:ext>
+    </p:extLst>
+  </p:cSld>
+  <p:clrMapOvr>
+    <a:masterClrMapping/>
+  </p:clrMapOvr>
+</p:sld>
+</file>
+
+<file path=ppt/slides/slide20.xml><?xml version="1.0" encoding="utf-8"?>
 <p:sld xmlns:a="http://schemas.openxmlformats.org/drawingml/2006/main" xmlns:r="http://schemas.openxmlformats.org/officeDocument/2006/relationships" xmlns:p="http://schemas.openxmlformats.org/presentationml/2006/main">
   <p:cSld>
     <p:spTree>
@@ -10246,7 +10745,7 @@
 </p:sld>
 </file>
 
-<file path=ppt/slides/slide19.xml><?xml version="1.0" encoding="utf-8"?>
+<file path=ppt/slides/slide21.xml><?xml version="1.0" encoding="utf-8"?>
 <p:sld xmlns:a="http://schemas.openxmlformats.org/drawingml/2006/main" xmlns:r="http://schemas.openxmlformats.org/officeDocument/2006/relationships" xmlns:p="http://schemas.openxmlformats.org/presentationml/2006/main">
   <p:cSld>
     <p:spTree>
@@ -10300,172 +10799,6 @@
     <p:extLst>
       <p:ext uri="{BB962C8B-B14F-4D97-AF65-F5344CB8AC3E}">
         <p14:creationId xmlns:p14="http://schemas.microsoft.com/office/powerpoint/2010/main" val="2789061616"/>
-      </p:ext>
-    </p:extLst>
-  </p:cSld>
-  <p:clrMapOvr>
-    <a:masterClrMapping/>
-  </p:clrMapOvr>
-</p:sld>
-</file>
-
-<file path=ppt/slides/slide2.xml><?xml version="1.0" encoding="utf-8"?>
-<p:sld xmlns:a="http://schemas.openxmlformats.org/drawingml/2006/main" xmlns:r="http://schemas.openxmlformats.org/officeDocument/2006/relationships" xmlns:p="http://schemas.openxmlformats.org/presentationml/2006/main">
-  <p:cSld>
-    <p:spTree>
-      <p:nvGrpSpPr>
-        <p:cNvPr id="1" name=""/>
-        <p:cNvGrpSpPr/>
-        <p:nvPr/>
-      </p:nvGrpSpPr>
-      <p:grpSpPr>
-        <a:xfrm>
-          <a:off x="0" y="0"/>
-          <a:ext cx="0" cy="0"/>
-          <a:chOff x="0" y="0"/>
-          <a:chExt cx="0" cy="0"/>
-        </a:xfrm>
-      </p:grpSpPr>
-      <p:sp>
-        <p:nvSpPr>
-          <p:cNvPr id="2" name="Title 1">
-            <a:extLst>
-              <a:ext uri="{FF2B5EF4-FFF2-40B4-BE49-F238E27FC236}">
-                <a16:creationId xmlns:a16="http://schemas.microsoft.com/office/drawing/2014/main" id="{06D9BFAD-7690-43D0-ABC1-7312C42A3482}"/>
-              </a:ext>
-            </a:extLst>
-          </p:cNvPr>
-          <p:cNvSpPr>
-            <a:spLocks noGrp="1"/>
-          </p:cNvSpPr>
-          <p:nvPr>
-            <p:ph type="title"/>
-          </p:nvPr>
-        </p:nvSpPr>
-        <p:spPr/>
-        <p:txBody>
-          <a:bodyPr/>
-          <a:lstStyle/>
-          <a:p>
-            <a:r>
-              <a:rPr lang="en-US" dirty="0"/>
-              <a:t>                         Index</a:t>
-            </a:r>
-          </a:p>
-        </p:txBody>
-      </p:sp>
-      <p:sp>
-        <p:nvSpPr>
-          <p:cNvPr id="3" name="Content Placeholder 2">
-            <a:extLst>
-              <a:ext uri="{FF2B5EF4-FFF2-40B4-BE49-F238E27FC236}">
-                <a16:creationId xmlns:a16="http://schemas.microsoft.com/office/drawing/2014/main" id="{5E602C8F-F71E-4C97-B2EF-5AF7A191022E}"/>
-              </a:ext>
-            </a:extLst>
-          </p:cNvPr>
-          <p:cNvSpPr>
-            <a:spLocks noGrp="1"/>
-          </p:cNvSpPr>
-          <p:nvPr>
-            <p:ph idx="1"/>
-          </p:nvPr>
-        </p:nvSpPr>
-        <p:spPr>
-          <a:xfrm>
-            <a:off x="2589212" y="1605516"/>
-            <a:ext cx="8915400" cy="4305706"/>
-          </a:xfrm>
-        </p:spPr>
-        <p:txBody>
-          <a:bodyPr>
-            <a:normAutofit fontScale="92500" lnSpcReduction="10000"/>
-          </a:bodyPr>
-          <a:lstStyle/>
-          <a:p>
-            <a:r>
-              <a:rPr lang="en-US" dirty="0"/>
-              <a:t>Overview</a:t>
-            </a:r>
-          </a:p>
-          <a:p>
-            <a:r>
-              <a:rPr lang="en-US" dirty="0"/>
-              <a:t>Team Introduction</a:t>
-            </a:r>
-          </a:p>
-          <a:p>
-            <a:r>
-              <a:rPr lang="en-US" dirty="0"/>
-              <a:t>Scope / Features</a:t>
-            </a:r>
-          </a:p>
-          <a:p>
-            <a:r>
-              <a:rPr lang="en-US" dirty="0"/>
-              <a:t>Technology Architecture</a:t>
-            </a:r>
-          </a:p>
-          <a:p>
-            <a:r>
-              <a:rPr lang="en-US" dirty="0"/>
-              <a:t>Tools &amp; Technologies </a:t>
-            </a:r>
-          </a:p>
-          <a:p>
-            <a:r>
-              <a:rPr lang="en-US" dirty="0"/>
-              <a:t>Demo</a:t>
-            </a:r>
-          </a:p>
-          <a:p>
-            <a:r>
-              <a:rPr lang="en-US" dirty="0"/>
-              <a:t>Future Roadmap</a:t>
-            </a:r>
-          </a:p>
-          <a:p>
-            <a:r>
-              <a:rPr lang="en-US" dirty="0"/>
-              <a:t>Appendix</a:t>
-            </a:r>
-          </a:p>
-          <a:p>
-            <a:pPr lvl="1"/>
-            <a:r>
-              <a:rPr lang="en-US" dirty="0"/>
-              <a:t>Use-Cases</a:t>
-            </a:r>
-          </a:p>
-          <a:p>
-            <a:pPr lvl="1"/>
-            <a:r>
-              <a:rPr lang="en-US" dirty="0"/>
-              <a:t>Flow Diagram</a:t>
-            </a:r>
-          </a:p>
-          <a:p>
-            <a:pPr lvl="1"/>
-            <a:r>
-              <a:rPr lang="en-US" dirty="0"/>
-              <a:t>Class Diagram</a:t>
-            </a:r>
-          </a:p>
-          <a:p>
-            <a:pPr lvl="1"/>
-            <a:r>
-              <a:rPr lang="en-US" dirty="0"/>
-              <a:t>Sequence Diagram</a:t>
-            </a:r>
-          </a:p>
-          <a:p>
-            <a:endParaRPr lang="en-US" dirty="0"/>
-          </a:p>
-        </p:txBody>
-      </p:sp>
-    </p:spTree>
-    <p:extLst>
-      <p:ext uri="{BB962C8B-B14F-4D97-AF65-F5344CB8AC3E}">
-        <p14:creationId xmlns:p14="http://schemas.microsoft.com/office/powerpoint/2010/main" val="3626002931"/>
       </p:ext>
     </p:extLst>
   </p:cSld>
@@ -10801,8 +11134,8 @@
         </p:nvSpPr>
         <p:spPr>
           <a:xfrm>
-            <a:off x="2344663" y="1793358"/>
-            <a:ext cx="8915400" cy="3777622"/>
+            <a:off x="2115879" y="1616149"/>
+            <a:ext cx="9144184" cy="4954771"/>
           </a:xfrm>
         </p:spPr>
         <p:txBody>
@@ -10813,19 +11146,25 @@
           <a:p>
             <a:r>
               <a:rPr lang="en-US" dirty="0"/>
-              <a:t>Patient registration, make an appointment online </a:t>
+              <a:t>Patient/doctor registration</a:t>
             </a:r>
           </a:p>
           <a:p>
             <a:r>
               <a:rPr lang="en-US" dirty="0"/>
-              <a:t>Doctor accept / reject an appointment</a:t>
+              <a:t>Patient/doctor/admin login and profile management</a:t>
             </a:r>
           </a:p>
           <a:p>
             <a:r>
               <a:rPr lang="en-US" dirty="0"/>
-              <a:t>Admin can delete a doctor and can manage the pharmacy</a:t>
+              <a:t>Appointment management for doctor/patient</a:t>
+            </a:r>
+          </a:p>
+          <a:p>
+            <a:r>
+              <a:rPr lang="en-US" dirty="0"/>
+              <a:t>Admin can manage the doctor and the pharmacy</a:t>
             </a:r>
           </a:p>
           <a:p>
@@ -10843,7 +11182,7 @@
           <a:p>
             <a:r>
               <a:rPr lang="en-US" dirty="0"/>
-              <a:t>SMS notification on booking</a:t>
+              <a:t>SMS/E-mail notification on booking</a:t>
             </a:r>
           </a:p>
           <a:p>
@@ -10862,6 +11201,12 @@
             <a:r>
               <a:rPr lang="en-US" dirty="0"/>
               <a:t>Rating the doctor</a:t>
+            </a:r>
+          </a:p>
+          <a:p>
+            <a:r>
+              <a:rPr lang="en-US" dirty="0"/>
+              <a:t>Forgot password</a:t>
             </a:r>
           </a:p>
         </p:txBody>
@@ -12228,7 +12573,7 @@
           <p:cNvPr id="2" name="Title 1">
             <a:extLst>
               <a:ext uri="{FF2B5EF4-FFF2-40B4-BE49-F238E27FC236}">
-                <a16:creationId xmlns:a16="http://schemas.microsoft.com/office/drawing/2014/main" id="{5F735C1D-5F10-41CD-970C-41A60ACE6C8F}"/>
+                <a16:creationId xmlns:a16="http://schemas.microsoft.com/office/drawing/2014/main" id="{C1A9B384-260E-40A4-B6FD-4D06A9C7E866}"/>
               </a:ext>
             </a:extLst>
           </p:cNvPr>
@@ -12241,8 +12586,8 @@
         </p:nvSpPr>
         <p:spPr>
           <a:xfrm>
-            <a:off x="2163894" y="306333"/>
-            <a:ext cx="8911687" cy="1280890"/>
+            <a:off x="1477927" y="624110"/>
+            <a:ext cx="10026686" cy="1280890"/>
           </a:xfrm>
         </p:spPr>
         <p:txBody>
@@ -12251,122 +12596,51 @@
           <a:p>
             <a:pPr algn="ctr"/>
             <a:r>
-              <a:rPr lang="en-US" dirty="0" err="1"/>
-              <a:t>FrontEnd</a:t>
-            </a:r>
-            <a:r>
               <a:rPr lang="en-US" dirty="0"/>
-              <a:t> Components</a:t>
-            </a:r>
-          </a:p>
-        </p:txBody>
-      </p:sp>
-      <p:sp>
-        <p:nvSpPr>
-          <p:cNvPr id="3" name="Content Placeholder 2">
+              <a:t>Front End Architecture</a:t>
+            </a:r>
+          </a:p>
+        </p:txBody>
+      </p:sp>
+      <p:pic>
+        <p:nvPicPr>
+          <p:cNvPr id="5" name="Content Placeholder 4" descr="A close up of text on a white background&#10;&#10;Description automatically generated">
             <a:extLst>
               <a:ext uri="{FF2B5EF4-FFF2-40B4-BE49-F238E27FC236}">
-                <a16:creationId xmlns:a16="http://schemas.microsoft.com/office/drawing/2014/main" id="{7959932A-4EAE-44C4-8367-3B1A865BE2B4}"/>
+                <a16:creationId xmlns:a16="http://schemas.microsoft.com/office/drawing/2014/main" id="{7DE7FB7D-664E-4DE0-B161-9E5778011F0E}"/>
               </a:ext>
             </a:extLst>
           </p:cNvPr>
-          <p:cNvSpPr>
-            <a:spLocks noGrp="1"/>
-          </p:cNvSpPr>
+          <p:cNvPicPr>
+            <a:picLocks noGrp="1" noChangeAspect="1"/>
+          </p:cNvPicPr>
           <p:nvPr>
             <p:ph idx="1"/>
           </p:nvPr>
-        </p:nvSpPr>
+        </p:nvPicPr>
+        <p:blipFill>
+          <a:blip r:embed="rId2">
+            <a:extLst>
+              <a:ext uri="{28A0092B-C50C-407E-A947-70E740481C1C}">
+                <a14:useLocalDpi xmlns:a14="http://schemas.microsoft.com/office/drawing/2010/main" val="0"/>
+              </a:ext>
+            </a:extLst>
+          </a:blip>
+          <a:stretch>
+            <a:fillRect/>
+          </a:stretch>
+        </p:blipFill>
         <p:spPr>
           <a:xfrm>
-            <a:off x="2163894" y="1275906"/>
-            <a:ext cx="9340718" cy="4816549"/>
-          </a:xfrm>
-        </p:spPr>
-        <p:txBody>
-          <a:bodyPr>
-            <a:normAutofit/>
-          </a:bodyPr>
-          <a:lstStyle/>
-          <a:p>
-            <a:r>
-              <a:rPr lang="en-US" dirty="0"/>
-              <a:t>About</a:t>
-            </a:r>
-          </a:p>
-          <a:p>
-            <a:r>
-              <a:rPr lang="en-US" dirty="0"/>
-              <a:t>Admin</a:t>
-            </a:r>
-          </a:p>
-          <a:p>
-            <a:pPr lvl="1"/>
-            <a:r>
-              <a:rPr lang="en-US" dirty="0" err="1"/>
-              <a:t>AdminLogin</a:t>
-            </a:r>
-            <a:endParaRPr lang="en-US" dirty="0"/>
-          </a:p>
-          <a:p>
-            <a:pPr lvl="1"/>
-            <a:r>
-              <a:rPr lang="en-US" dirty="0" err="1"/>
-              <a:t>AdminDoctor</a:t>
-            </a:r>
-            <a:endParaRPr lang="en-US" dirty="0"/>
-          </a:p>
-          <a:p>
-            <a:pPr lvl="1"/>
-            <a:r>
-              <a:rPr lang="en-US" dirty="0" err="1"/>
-              <a:t>AdminPharmacy</a:t>
-            </a:r>
-            <a:endParaRPr lang="en-US" dirty="0"/>
-          </a:p>
-          <a:p>
-            <a:r>
-              <a:rPr lang="en-US" dirty="0"/>
-              <a:t>Appointments</a:t>
-            </a:r>
-          </a:p>
-          <a:p>
-            <a:r>
-              <a:rPr lang="en-US" dirty="0"/>
-              <a:t>Authentication</a:t>
-            </a:r>
-          </a:p>
-          <a:p>
-            <a:r>
-              <a:rPr lang="en-US" dirty="0"/>
-              <a:t>Blogs</a:t>
-            </a:r>
-          </a:p>
-          <a:p>
-            <a:r>
-              <a:rPr lang="en-US" dirty="0"/>
-              <a:t>Chat</a:t>
-            </a:r>
-          </a:p>
-          <a:p>
-            <a:r>
-              <a:rPr lang="en-US" dirty="0"/>
-              <a:t>Contact</a:t>
-            </a:r>
-          </a:p>
-          <a:p>
-            <a:r>
-              <a:rPr lang="en-US" dirty="0" err="1"/>
-              <a:t>Devteam</a:t>
-            </a:r>
-            <a:endParaRPr lang="en-US" dirty="0"/>
-          </a:p>
-        </p:txBody>
-      </p:sp>
+            <a:off x="2384385" y="2174617"/>
+            <a:ext cx="8153927" cy="3809494"/>
+          </a:xfrm>
+        </p:spPr>
+      </p:pic>
     </p:spTree>
     <p:extLst>
       <p:ext uri="{BB962C8B-B14F-4D97-AF65-F5344CB8AC3E}">
-        <p14:creationId xmlns:p14="http://schemas.microsoft.com/office/powerpoint/2010/main" val="406589032"/>
+        <p14:creationId xmlns:p14="http://schemas.microsoft.com/office/powerpoint/2010/main" val="1599910530"/>
       </p:ext>
     </p:extLst>
   </p:cSld>
@@ -12395,10 +12669,10 @@
       </p:grpSpPr>
       <p:sp>
         <p:nvSpPr>
-          <p:cNvPr id="3" name="Content Placeholder 2">
+          <p:cNvPr id="2" name="Title 1">
             <a:extLst>
               <a:ext uri="{FF2B5EF4-FFF2-40B4-BE49-F238E27FC236}">
-                <a16:creationId xmlns:a16="http://schemas.microsoft.com/office/drawing/2014/main" id="{F0163D2C-C77D-4D8C-95B2-49DBF678511B}"/>
+                <a16:creationId xmlns:a16="http://schemas.microsoft.com/office/drawing/2014/main" id="{DCDF2655-FD15-4C13-9A0E-AB266F9688D3}"/>
               </a:ext>
             </a:extLst>
           </p:cNvPr>
@@ -12406,125 +12680,209 @@
             <a:spLocks noGrp="1"/>
           </p:cNvSpPr>
           <p:nvPr>
-            <p:ph idx="1"/>
+            <p:ph type="title"/>
           </p:nvPr>
         </p:nvSpPr>
         <p:spPr>
           <a:xfrm>
-            <a:off x="2259602" y="964017"/>
-            <a:ext cx="8915400" cy="5511211"/>
-          </a:xfrm>
-        </p:spPr>
-        <p:txBody>
-          <a:bodyPr>
-            <a:normAutofit/>
+            <a:off x="2615609" y="624110"/>
+            <a:ext cx="8889004" cy="1280890"/>
+          </a:xfrm>
+        </p:spPr>
+        <p:txBody>
+          <a:bodyPr/>
+          <a:lstStyle/>
+          <a:p>
+            <a:pPr algn="ctr"/>
+            <a:r>
+              <a:rPr lang="en-US" dirty="0"/>
+              <a:t>Back End Architecture</a:t>
+            </a:r>
+          </a:p>
+        </p:txBody>
+      </p:sp>
+      <p:sp>
+        <p:nvSpPr>
+          <p:cNvPr id="8" name="TextBox 7">
+            <a:extLst>
+              <a:ext uri="{FF2B5EF4-FFF2-40B4-BE49-F238E27FC236}">
+                <a16:creationId xmlns:a16="http://schemas.microsoft.com/office/drawing/2014/main" id="{EFDC8BC7-F998-4E56-B54C-3372C98561F7}"/>
+              </a:ext>
+            </a:extLst>
+          </p:cNvPr>
+          <p:cNvSpPr txBox="1"/>
+          <p:nvPr/>
+        </p:nvSpPr>
+        <p:spPr>
+          <a:xfrm>
+            <a:off x="2956663" y="3429000"/>
+            <a:ext cx="1645002" cy="369332"/>
+          </a:xfrm>
+          <a:prstGeom prst="rect">
+            <a:avLst/>
+          </a:prstGeom>
+          <a:noFill/>
+        </p:spPr>
+        <p:txBody>
+          <a:bodyPr wrap="none" rtlCol="0">
+            <a:spAutoFit/>
           </a:bodyPr>
           <a:lstStyle/>
           <a:p>
             <a:r>
               <a:rPr lang="en-US" dirty="0"/>
-              <a:t>Doctor</a:t>
-            </a:r>
-          </a:p>
-          <a:p>
-            <a:pPr lvl="1"/>
-            <a:r>
-              <a:rPr lang="en-US" dirty="0" err="1"/>
-              <a:t>DoctoLogin</a:t>
-            </a:r>
-            <a:endParaRPr lang="en-US" dirty="0"/>
-          </a:p>
-          <a:p>
-            <a:pPr lvl="1"/>
-            <a:r>
-              <a:rPr lang="en-US" dirty="0" err="1"/>
-              <a:t>DoctorRegister</a:t>
-            </a:r>
-            <a:endParaRPr lang="en-US" dirty="0"/>
-          </a:p>
-          <a:p>
-            <a:r>
-              <a:rPr lang="en-US" dirty="0" err="1"/>
-              <a:t>Faq</a:t>
-            </a:r>
-            <a:endParaRPr lang="en-US" dirty="0"/>
-          </a:p>
+              <a:t>HTTP Request</a:t>
+            </a:r>
+          </a:p>
+        </p:txBody>
+      </p:sp>
+      <p:cxnSp>
+        <p:nvCxnSpPr>
+          <p:cNvPr id="10" name="Straight Arrow Connector 9">
+            <a:extLst>
+              <a:ext uri="{FF2B5EF4-FFF2-40B4-BE49-F238E27FC236}">
+                <a16:creationId xmlns:a16="http://schemas.microsoft.com/office/drawing/2014/main" id="{4B6CB7EE-77A8-4F2F-A3EB-3B49AA93CD44}"/>
+              </a:ext>
+            </a:extLst>
+          </p:cNvPr>
+          <p:cNvCxnSpPr/>
+          <p:nvPr/>
+        </p:nvCxnSpPr>
+        <p:spPr>
+          <a:xfrm>
+            <a:off x="2881423" y="3740447"/>
+            <a:ext cx="1795483" cy="0"/>
+          </a:xfrm>
+          <a:prstGeom prst="straightConnector1">
+            <a:avLst/>
+          </a:prstGeom>
+          <a:ln>
+            <a:tailEnd type="triangle"/>
+          </a:ln>
+        </p:spPr>
+        <p:style>
+          <a:lnRef idx="1">
+            <a:schemeClr val="accent1"/>
+          </a:lnRef>
+          <a:fillRef idx="0">
+            <a:schemeClr val="accent1"/>
+          </a:fillRef>
+          <a:effectRef idx="0">
+            <a:schemeClr val="accent1"/>
+          </a:effectRef>
+          <a:fontRef idx="minor">
+            <a:schemeClr val="tx1"/>
+          </a:fontRef>
+        </p:style>
+      </p:cxnSp>
+      <p:cxnSp>
+        <p:nvCxnSpPr>
+          <p:cNvPr id="12" name="Straight Arrow Connector 11">
+            <a:extLst>
+              <a:ext uri="{FF2B5EF4-FFF2-40B4-BE49-F238E27FC236}">
+                <a16:creationId xmlns:a16="http://schemas.microsoft.com/office/drawing/2014/main" id="{53547C50-62B8-4307-8FB9-4096E318E3B7}"/>
+              </a:ext>
+            </a:extLst>
+          </p:cNvPr>
+          <p:cNvCxnSpPr/>
+          <p:nvPr/>
+        </p:nvCxnSpPr>
+        <p:spPr>
+          <a:xfrm flipH="1">
+            <a:off x="2881423" y="3895134"/>
+            <a:ext cx="1795483" cy="0"/>
+          </a:xfrm>
+          <a:prstGeom prst="straightConnector1">
+            <a:avLst/>
+          </a:prstGeom>
+          <a:ln>
+            <a:tailEnd type="triangle"/>
+          </a:ln>
+        </p:spPr>
+        <p:style>
+          <a:lnRef idx="1">
+            <a:schemeClr val="accent1"/>
+          </a:lnRef>
+          <a:fillRef idx="0">
+            <a:schemeClr val="accent1"/>
+          </a:fillRef>
+          <a:effectRef idx="0">
+            <a:schemeClr val="accent1"/>
+          </a:effectRef>
+          <a:fontRef idx="minor">
+            <a:schemeClr val="tx1"/>
+          </a:fontRef>
+        </p:style>
+      </p:cxnSp>
+      <p:sp>
+        <p:nvSpPr>
+          <p:cNvPr id="13" name="TextBox 12">
+            <a:extLst>
+              <a:ext uri="{FF2B5EF4-FFF2-40B4-BE49-F238E27FC236}">
+                <a16:creationId xmlns:a16="http://schemas.microsoft.com/office/drawing/2014/main" id="{70B8121A-E801-4A77-955A-4D8E3E90DA4F}"/>
+              </a:ext>
+            </a:extLst>
+          </p:cNvPr>
+          <p:cNvSpPr txBox="1"/>
+          <p:nvPr/>
+        </p:nvSpPr>
+        <p:spPr>
+          <a:xfrm>
+            <a:off x="2945242" y="3867229"/>
+            <a:ext cx="1806905" cy="369332"/>
+          </a:xfrm>
+          <a:prstGeom prst="rect">
+            <a:avLst/>
+          </a:prstGeom>
+          <a:noFill/>
+        </p:spPr>
+        <p:txBody>
+          <a:bodyPr wrap="none" rtlCol="0">
+            <a:spAutoFit/>
+          </a:bodyPr>
+          <a:lstStyle/>
           <a:p>
             <a:r>
               <a:rPr lang="en-US" dirty="0"/>
-              <a:t>Home</a:t>
-            </a:r>
-          </a:p>
-          <a:p>
-            <a:r>
-              <a:rPr lang="en-US" dirty="0" err="1"/>
-              <a:t>OrderMedicine</a:t>
-            </a:r>
-            <a:endParaRPr lang="en-US" dirty="0"/>
-          </a:p>
-          <a:p>
-            <a:pPr lvl="1"/>
-            <a:r>
-              <a:rPr lang="en-US" dirty="0" err="1"/>
-              <a:t>BookMedicine</a:t>
-            </a:r>
-            <a:endParaRPr lang="en-US" dirty="0"/>
-          </a:p>
-          <a:p>
-            <a:r>
-              <a:rPr lang="en-US" dirty="0"/>
-              <a:t>Patient </a:t>
-            </a:r>
-          </a:p>
-          <a:p>
-            <a:pPr lvl="1"/>
-            <a:r>
-              <a:rPr lang="en-US" dirty="0" err="1"/>
-              <a:t>PatientLogin</a:t>
-            </a:r>
-            <a:endParaRPr lang="en-US" dirty="0"/>
-          </a:p>
-          <a:p>
-            <a:pPr lvl="1"/>
-            <a:r>
-              <a:rPr lang="en-US" dirty="0" err="1"/>
-              <a:t>PatientRegister</a:t>
-            </a:r>
-            <a:endParaRPr lang="en-US" dirty="0"/>
-          </a:p>
-          <a:p>
-            <a:r>
-              <a:rPr lang="en-US" dirty="0"/>
-              <a:t>Shared</a:t>
-            </a:r>
-          </a:p>
-          <a:p>
-            <a:pPr lvl="1"/>
-            <a:r>
-              <a:rPr lang="en-US" dirty="0"/>
-              <a:t>Header</a:t>
-            </a:r>
-          </a:p>
-          <a:p>
-            <a:pPr lvl="1"/>
-            <a:r>
-              <a:rPr lang="en-US" dirty="0"/>
-              <a:t>Footer</a:t>
-            </a:r>
-          </a:p>
-          <a:p>
-            <a:r>
-              <a:rPr lang="en-US" dirty="0" err="1"/>
-              <a:t>Specialisation</a:t>
-            </a:r>
-            <a:endParaRPr lang="en-US" dirty="0"/>
-          </a:p>
-        </p:txBody>
-      </p:sp>
+              <a:t>HTTP Response</a:t>
+            </a:r>
+          </a:p>
+        </p:txBody>
+      </p:sp>
+      <p:pic>
+        <p:nvPicPr>
+          <p:cNvPr id="16" name="Picture 15">
+            <a:extLst>
+              <a:ext uri="{FF2B5EF4-FFF2-40B4-BE49-F238E27FC236}">
+                <a16:creationId xmlns:a16="http://schemas.microsoft.com/office/drawing/2014/main" id="{A74305B8-6643-4FCE-80DF-581086D5F1F7}"/>
+              </a:ext>
+            </a:extLst>
+          </p:cNvPr>
+          <p:cNvPicPr>
+            <a:picLocks noChangeAspect="1"/>
+          </p:cNvPicPr>
+          <p:nvPr/>
+        </p:nvPicPr>
+        <p:blipFill>
+          <a:blip r:embed="rId2"/>
+          <a:stretch>
+            <a:fillRect/>
+          </a:stretch>
+        </p:blipFill>
+        <p:spPr>
+          <a:xfrm>
+            <a:off x="4676906" y="2226226"/>
+            <a:ext cx="6276975" cy="3895725"/>
+          </a:xfrm>
+          <a:prstGeom prst="rect">
+            <a:avLst/>
+          </a:prstGeom>
+        </p:spPr>
+      </p:pic>
     </p:spTree>
     <p:extLst>
       <p:ext uri="{BB962C8B-B14F-4D97-AF65-F5344CB8AC3E}">
-        <p14:creationId xmlns:p14="http://schemas.microsoft.com/office/powerpoint/2010/main" val="1635319723"/>
+        <p14:creationId xmlns:p14="http://schemas.microsoft.com/office/powerpoint/2010/main" val="4242128706"/>
       </p:ext>
     </p:extLst>
   </p:cSld>

--- a/presentation/QURE PPT.pptx
+++ b/presentation/QURE PPT.pptx
@@ -12604,37 +12604,32 @@
       </p:sp>
       <p:pic>
         <p:nvPicPr>
-          <p:cNvPr id="5" name="Content Placeholder 4" descr="A close up of text on a white background&#10;&#10;Description automatically generated">
+          <p:cNvPr id="6" name="Picture 5">
             <a:extLst>
               <a:ext uri="{FF2B5EF4-FFF2-40B4-BE49-F238E27FC236}">
-                <a16:creationId xmlns:a16="http://schemas.microsoft.com/office/drawing/2014/main" id="{7DE7FB7D-664E-4DE0-B161-9E5778011F0E}"/>
+                <a16:creationId xmlns:a16="http://schemas.microsoft.com/office/drawing/2014/main" id="{4B549265-D71A-4247-BEF4-A75BCB2DEF5C}"/>
               </a:ext>
             </a:extLst>
           </p:cNvPr>
           <p:cNvPicPr>
-            <a:picLocks noGrp="1" noChangeAspect="1"/>
+            <a:picLocks noChangeAspect="1"/>
           </p:cNvPicPr>
-          <p:nvPr>
-            <p:ph idx="1"/>
-          </p:nvPr>
+          <p:nvPr/>
         </p:nvPicPr>
         <p:blipFill>
-          <a:blip r:embed="rId2">
-            <a:extLst>
-              <a:ext uri="{28A0092B-C50C-407E-A947-70E740481C1C}">
-                <a14:useLocalDpi xmlns:a14="http://schemas.microsoft.com/office/drawing/2010/main" val="0"/>
-              </a:ext>
-            </a:extLst>
-          </a:blip>
+          <a:blip r:embed="rId2"/>
           <a:stretch>
             <a:fillRect/>
           </a:stretch>
         </p:blipFill>
         <p:spPr>
           <a:xfrm>
-            <a:off x="2384385" y="2174617"/>
-            <a:ext cx="8153927" cy="3809494"/>
-          </a:xfrm>
+            <a:off x="2903316" y="1905000"/>
+            <a:ext cx="7010400" cy="3695700"/>
+          </a:xfrm>
+          <a:prstGeom prst="rect">
+            <a:avLst/>
+          </a:prstGeom>
         </p:spPr>
       </p:pic>
     </p:spTree>

--- a/presentation/QURE PPT.pptx
+++ b/presentation/QURE PPT.pptx
@@ -8621,7 +8621,7 @@
         </p:nvSpPr>
         <p:spPr>
           <a:xfrm>
-            <a:off x="903765" y="2255431"/>
+            <a:off x="898445" y="2368411"/>
             <a:ext cx="3136605" cy="382772"/>
           </a:xfrm>
           <a:prstGeom prst="roundRect">
@@ -8669,7 +8669,7 @@
         </p:nvSpPr>
         <p:spPr>
           <a:xfrm>
-            <a:off x="903765" y="2947434"/>
+            <a:off x="898445" y="3309997"/>
             <a:ext cx="3136605" cy="382772"/>
           </a:xfrm>
           <a:prstGeom prst="roundRect">
@@ -8717,7 +8717,7 @@
         </p:nvSpPr>
         <p:spPr>
           <a:xfrm>
-            <a:off x="903766" y="3784749"/>
+            <a:off x="898445" y="4229713"/>
             <a:ext cx="3136605" cy="382772"/>
           </a:xfrm>
           <a:prstGeom prst="roundRect">
@@ -8765,7 +8765,7 @@
         </p:nvSpPr>
         <p:spPr>
           <a:xfrm>
-            <a:off x="903766" y="4572887"/>
+            <a:off x="898445" y="5167424"/>
             <a:ext cx="3136605" cy="382772"/>
           </a:xfrm>
           <a:prstGeom prst="roundRect">
@@ -8813,7 +8813,7 @@
         </p:nvSpPr>
         <p:spPr>
           <a:xfrm>
-            <a:off x="903766" y="5380074"/>
+            <a:off x="898446" y="6087140"/>
             <a:ext cx="3136605" cy="382772"/>
           </a:xfrm>
           <a:prstGeom prst="roundRect">
@@ -8849,10 +8849,10 @@
       </p:sp>
       <p:sp>
         <p:nvSpPr>
-          <p:cNvPr id="10" name="Rectangle: Rounded Corners 9">
+          <p:cNvPr id="12" name="Rectangle: Rounded Corners 11">
             <a:extLst>
               <a:ext uri="{FF2B5EF4-FFF2-40B4-BE49-F238E27FC236}">
-                <a16:creationId xmlns:a16="http://schemas.microsoft.com/office/drawing/2014/main" id="{D4B54181-52AB-4DBD-A47A-F79A3A6FE016}"/>
+                <a16:creationId xmlns:a16="http://schemas.microsoft.com/office/drawing/2014/main" id="{792FCDED-2E0F-46F1-A246-7347CA7189C3}"/>
               </a:ext>
             </a:extLst>
           </p:cNvPr>
@@ -8861,7 +8861,7 @@
         </p:nvSpPr>
         <p:spPr>
           <a:xfrm>
-            <a:off x="903767" y="6126126"/>
+            <a:off x="4931727" y="1465964"/>
             <a:ext cx="3136605" cy="382772"/>
           </a:xfrm>
           <a:prstGeom prst="roundRect">
@@ -8889,7 +8889,7 @@
             <a:pPr algn="ctr"/>
             <a:r>
               <a:rPr lang="en-US" dirty="0" err="1"/>
-              <a:t>PharmacistController</a:t>
+              <a:t>AdminService</a:t>
             </a:r>
             <a:endParaRPr lang="en-US" dirty="0"/>
           </a:p>
@@ -8897,10 +8897,10 @@
       </p:sp>
       <p:sp>
         <p:nvSpPr>
-          <p:cNvPr id="12" name="Rectangle: Rounded Corners 11">
+          <p:cNvPr id="13" name="Rectangle: Rounded Corners 12">
             <a:extLst>
               <a:ext uri="{FF2B5EF4-FFF2-40B4-BE49-F238E27FC236}">
-                <a16:creationId xmlns:a16="http://schemas.microsoft.com/office/drawing/2014/main" id="{792FCDED-2E0F-46F1-A246-7347CA7189C3}"/>
+                <a16:creationId xmlns:a16="http://schemas.microsoft.com/office/drawing/2014/main" id="{2D5ED454-7232-4A80-A950-4FC079C33705}"/>
               </a:ext>
             </a:extLst>
           </p:cNvPr>
@@ -8909,7 +8909,7 @@
         </p:nvSpPr>
         <p:spPr>
           <a:xfrm>
-            <a:off x="4931727" y="1465964"/>
+            <a:off x="4908688" y="2267672"/>
             <a:ext cx="3136605" cy="382772"/>
           </a:xfrm>
           <a:prstGeom prst="roundRect">
@@ -8937,7 +8937,7 @@
             <a:pPr algn="ctr"/>
             <a:r>
               <a:rPr lang="en-US" dirty="0" err="1"/>
-              <a:t>AdminService</a:t>
+              <a:t>AppointmentService</a:t>
             </a:r>
             <a:endParaRPr lang="en-US" dirty="0"/>
           </a:p>
@@ -8945,10 +8945,10 @@
       </p:sp>
       <p:sp>
         <p:nvSpPr>
-          <p:cNvPr id="13" name="Rectangle: Rounded Corners 12">
+          <p:cNvPr id="14" name="Rectangle: Rounded Corners 13">
             <a:extLst>
               <a:ext uri="{FF2B5EF4-FFF2-40B4-BE49-F238E27FC236}">
-                <a16:creationId xmlns:a16="http://schemas.microsoft.com/office/drawing/2014/main" id="{2D5ED454-7232-4A80-A950-4FC079C33705}"/>
+                <a16:creationId xmlns:a16="http://schemas.microsoft.com/office/drawing/2014/main" id="{2C86594A-CA3A-4A85-82D1-1E0BE8C27402}"/>
               </a:ext>
             </a:extLst>
           </p:cNvPr>
@@ -8957,7 +8957,7 @@
         </p:nvSpPr>
         <p:spPr>
           <a:xfrm>
-            <a:off x="4908692" y="2099046"/>
+            <a:off x="4908688" y="3071259"/>
             <a:ext cx="3136605" cy="382772"/>
           </a:xfrm>
           <a:prstGeom prst="roundRect">
@@ -8985,7 +8985,7 @@
             <a:pPr algn="ctr"/>
             <a:r>
               <a:rPr lang="en-US" dirty="0" err="1"/>
-              <a:t>AppointmentService</a:t>
+              <a:t>BookMedicineService</a:t>
             </a:r>
             <a:endParaRPr lang="en-US" dirty="0"/>
           </a:p>
@@ -8993,10 +8993,10 @@
       </p:sp>
       <p:sp>
         <p:nvSpPr>
-          <p:cNvPr id="14" name="Rectangle: Rounded Corners 13">
+          <p:cNvPr id="15" name="Rectangle: Rounded Corners 14">
             <a:extLst>
               <a:ext uri="{FF2B5EF4-FFF2-40B4-BE49-F238E27FC236}">
-                <a16:creationId xmlns:a16="http://schemas.microsoft.com/office/drawing/2014/main" id="{2C86594A-CA3A-4A85-82D1-1E0BE8C27402}"/>
+                <a16:creationId xmlns:a16="http://schemas.microsoft.com/office/drawing/2014/main" id="{67F261F3-FDC7-4D3C-9333-3515CC131B92}"/>
               </a:ext>
             </a:extLst>
           </p:cNvPr>
@@ -9005,7 +9005,7 @@
         </p:nvSpPr>
         <p:spPr>
           <a:xfrm>
-            <a:off x="4908691" y="2759261"/>
+            <a:off x="4908688" y="3782258"/>
             <a:ext cx="3136605" cy="382772"/>
           </a:xfrm>
           <a:prstGeom prst="roundRect">
@@ -9033,7 +9033,7 @@
             <a:pPr algn="ctr"/>
             <a:r>
               <a:rPr lang="en-US" dirty="0" err="1"/>
-              <a:t>BookMedicineService</a:t>
+              <a:t>DoctorService</a:t>
             </a:r>
             <a:endParaRPr lang="en-US" dirty="0"/>
           </a:p>
@@ -9041,10 +9041,10 @@
       </p:sp>
       <p:sp>
         <p:nvSpPr>
-          <p:cNvPr id="15" name="Rectangle: Rounded Corners 14">
+          <p:cNvPr id="16" name="Rectangle: Rounded Corners 15">
             <a:extLst>
               <a:ext uri="{FF2B5EF4-FFF2-40B4-BE49-F238E27FC236}">
-                <a16:creationId xmlns:a16="http://schemas.microsoft.com/office/drawing/2014/main" id="{67F261F3-FDC7-4D3C-9333-3515CC131B92}"/>
+                <a16:creationId xmlns:a16="http://schemas.microsoft.com/office/drawing/2014/main" id="{146E4767-7187-4F73-A912-BF89C14E42D3}"/>
               </a:ext>
             </a:extLst>
           </p:cNvPr>
@@ -9053,7 +9053,7 @@
         </p:nvSpPr>
         <p:spPr>
           <a:xfrm>
-            <a:off x="4931727" y="3461120"/>
+            <a:off x="4908689" y="4572887"/>
             <a:ext cx="3136605" cy="382772"/>
           </a:xfrm>
           <a:prstGeom prst="roundRect">
@@ -9081,7 +9081,7 @@
             <a:pPr algn="ctr"/>
             <a:r>
               <a:rPr lang="en-US" dirty="0" err="1"/>
-              <a:t>DoctorService</a:t>
+              <a:t>MedicineService</a:t>
             </a:r>
             <a:endParaRPr lang="en-US" dirty="0"/>
           </a:p>
@@ -9089,10 +9089,10 @@
       </p:sp>
       <p:sp>
         <p:nvSpPr>
-          <p:cNvPr id="16" name="Rectangle: Rounded Corners 15">
+          <p:cNvPr id="17" name="Rectangle: Rounded Corners 16">
             <a:extLst>
               <a:ext uri="{FF2B5EF4-FFF2-40B4-BE49-F238E27FC236}">
-                <a16:creationId xmlns:a16="http://schemas.microsoft.com/office/drawing/2014/main" id="{146E4767-7187-4F73-A912-BF89C14E42D3}"/>
+                <a16:creationId xmlns:a16="http://schemas.microsoft.com/office/drawing/2014/main" id="{9DE403C5-C6B3-43BF-ACC8-EE62B81AD575}"/>
               </a:ext>
             </a:extLst>
           </p:cNvPr>
@@ -9101,7 +9101,7 @@
         </p:nvSpPr>
         <p:spPr>
           <a:xfrm>
-            <a:off x="4908693" y="4167521"/>
+            <a:off x="4908690" y="5358810"/>
             <a:ext cx="3136605" cy="382772"/>
           </a:xfrm>
           <a:prstGeom prst="roundRect">
@@ -9129,7 +9129,7 @@
             <a:pPr algn="ctr"/>
             <a:r>
               <a:rPr lang="en-US" dirty="0" err="1"/>
-              <a:t>MedicineService</a:t>
+              <a:t>MessageService</a:t>
             </a:r>
             <a:endParaRPr lang="en-US" dirty="0"/>
           </a:p>
@@ -9137,10 +9137,10 @@
       </p:sp>
       <p:sp>
         <p:nvSpPr>
-          <p:cNvPr id="17" name="Rectangle: Rounded Corners 16">
+          <p:cNvPr id="18" name="Rectangle: Rounded Corners 17">
             <a:extLst>
               <a:ext uri="{FF2B5EF4-FFF2-40B4-BE49-F238E27FC236}">
-                <a16:creationId xmlns:a16="http://schemas.microsoft.com/office/drawing/2014/main" id="{9DE403C5-C6B3-43BF-ACC8-EE62B81AD575}"/>
+                <a16:creationId xmlns:a16="http://schemas.microsoft.com/office/drawing/2014/main" id="{A3BD7E8D-97F4-4ABD-BFF2-3D0E81772489}"/>
               </a:ext>
             </a:extLst>
           </p:cNvPr>
@@ -9149,7 +9149,7 @@
         </p:nvSpPr>
         <p:spPr>
           <a:xfrm>
-            <a:off x="4908693" y="4855534"/>
+            <a:off x="4931727" y="6087140"/>
             <a:ext cx="3136605" cy="382772"/>
           </a:xfrm>
           <a:prstGeom prst="roundRect">
@@ -9177,7 +9177,7 @@
             <a:pPr algn="ctr"/>
             <a:r>
               <a:rPr lang="en-US" dirty="0" err="1"/>
-              <a:t>MessageService</a:t>
+              <a:t>PatientService</a:t>
             </a:r>
             <a:endParaRPr lang="en-US" dirty="0"/>
           </a:p>
@@ -9185,10 +9185,10 @@
       </p:sp>
       <p:sp>
         <p:nvSpPr>
-          <p:cNvPr id="18" name="Rectangle: Rounded Corners 17">
+          <p:cNvPr id="20" name="Rectangle: Rounded Corners 19">
             <a:extLst>
               <a:ext uri="{FF2B5EF4-FFF2-40B4-BE49-F238E27FC236}">
-                <a16:creationId xmlns:a16="http://schemas.microsoft.com/office/drawing/2014/main" id="{A3BD7E8D-97F4-4ABD-BFF2-3D0E81772489}"/>
+                <a16:creationId xmlns:a16="http://schemas.microsoft.com/office/drawing/2014/main" id="{7FFB44E4-BA01-41C0-9BAE-CE9B9FF512E6}"/>
               </a:ext>
             </a:extLst>
           </p:cNvPr>
@@ -9197,8 +9197,8 @@
         </p:nvSpPr>
         <p:spPr>
           <a:xfrm>
-            <a:off x="4908694" y="5517855"/>
-            <a:ext cx="3136605" cy="382772"/>
+            <a:off x="8965008" y="1465964"/>
+            <a:ext cx="2317904" cy="382772"/>
           </a:xfrm>
           <a:prstGeom prst="roundRect">
             <a:avLst/>
@@ -9224,19 +9224,18 @@
           <a:p>
             <a:pPr algn="ctr"/>
             <a:r>
-              <a:rPr lang="en-US" dirty="0" err="1"/>
-              <a:t>PatientService</a:t>
-            </a:r>
-            <a:endParaRPr lang="en-US" dirty="0"/>
-          </a:p>
-        </p:txBody>
-      </p:sp>
-      <p:sp>
-        <p:nvSpPr>
-          <p:cNvPr id="19" name="Rectangle: Rounded Corners 18">
+              <a:rPr lang="en-US" dirty="0"/>
+              <a:t>Address</a:t>
+            </a:r>
+          </a:p>
+        </p:txBody>
+      </p:sp>
+      <p:sp>
+        <p:nvSpPr>
+          <p:cNvPr id="21" name="Rectangle: Rounded Corners 20">
             <a:extLst>
               <a:ext uri="{FF2B5EF4-FFF2-40B4-BE49-F238E27FC236}">
-                <a16:creationId xmlns:a16="http://schemas.microsoft.com/office/drawing/2014/main" id="{70EC7DF3-8DAD-4C68-B6BA-FB811A4137CF}"/>
+                <a16:creationId xmlns:a16="http://schemas.microsoft.com/office/drawing/2014/main" id="{D98F94B4-3578-4909-B4CD-0F55572674B8}"/>
               </a:ext>
             </a:extLst>
           </p:cNvPr>
@@ -9245,8 +9244,8 @@
         </p:nvSpPr>
         <p:spPr>
           <a:xfrm>
-            <a:off x="4908695" y="6126126"/>
-            <a:ext cx="3136605" cy="382772"/>
+            <a:off x="8959687" y="2064045"/>
+            <a:ext cx="2323225" cy="382772"/>
           </a:xfrm>
           <a:prstGeom prst="roundRect">
             <a:avLst/>
@@ -9272,19 +9271,18 @@
           <a:p>
             <a:pPr algn="ctr"/>
             <a:r>
-              <a:rPr lang="en-US" dirty="0" err="1"/>
-              <a:t>PharmacistService</a:t>
-            </a:r>
-            <a:endParaRPr lang="en-US" dirty="0"/>
-          </a:p>
-        </p:txBody>
-      </p:sp>
-      <p:sp>
-        <p:nvSpPr>
-          <p:cNvPr id="20" name="Rectangle: Rounded Corners 19">
+              <a:rPr lang="en-US" dirty="0"/>
+              <a:t>Admin</a:t>
+            </a:r>
+          </a:p>
+        </p:txBody>
+      </p:sp>
+      <p:sp>
+        <p:nvSpPr>
+          <p:cNvPr id="22" name="Rectangle: Rounded Corners 21">
             <a:extLst>
               <a:ext uri="{FF2B5EF4-FFF2-40B4-BE49-F238E27FC236}">
-                <a16:creationId xmlns:a16="http://schemas.microsoft.com/office/drawing/2014/main" id="{7FFB44E4-BA01-41C0-9BAE-CE9B9FF512E6}"/>
+                <a16:creationId xmlns:a16="http://schemas.microsoft.com/office/drawing/2014/main" id="{503FD8B5-56FA-4F81-929E-521F8BBCE480}"/>
               </a:ext>
             </a:extLst>
           </p:cNvPr>
@@ -9293,8 +9291,8 @@
         </p:nvSpPr>
         <p:spPr>
           <a:xfrm>
-            <a:off x="8965008" y="1465964"/>
-            <a:ext cx="2317904" cy="382772"/>
+            <a:off x="8959688" y="2628901"/>
+            <a:ext cx="2323225" cy="382772"/>
           </a:xfrm>
           <a:prstGeom prst="roundRect">
             <a:avLst/>
@@ -9321,17 +9319,17 @@
             <a:pPr algn="ctr"/>
             <a:r>
               <a:rPr lang="en-US" dirty="0"/>
-              <a:t>Address</a:t>
-            </a:r>
-          </a:p>
-        </p:txBody>
-      </p:sp>
-      <p:sp>
-        <p:nvSpPr>
-          <p:cNvPr id="21" name="Rectangle: Rounded Corners 20">
+              <a:t>Appointment</a:t>
+            </a:r>
+          </a:p>
+        </p:txBody>
+      </p:sp>
+      <p:sp>
+        <p:nvSpPr>
+          <p:cNvPr id="23" name="Rectangle: Rounded Corners 22">
             <a:extLst>
               <a:ext uri="{FF2B5EF4-FFF2-40B4-BE49-F238E27FC236}">
-                <a16:creationId xmlns:a16="http://schemas.microsoft.com/office/drawing/2014/main" id="{D98F94B4-3578-4909-B4CD-0F55572674B8}"/>
+                <a16:creationId xmlns:a16="http://schemas.microsoft.com/office/drawing/2014/main" id="{1BC80DD8-E027-4B82-9395-7212FB96A64A}"/>
               </a:ext>
             </a:extLst>
           </p:cNvPr>
@@ -9340,7 +9338,7 @@
         </p:nvSpPr>
         <p:spPr>
           <a:xfrm>
-            <a:off x="8959687" y="2064045"/>
+            <a:off x="8959688" y="3281695"/>
             <a:ext cx="2323225" cy="382772"/>
           </a:xfrm>
           <a:prstGeom prst="roundRect">
@@ -9367,18 +9365,19 @@
           <a:p>
             <a:pPr algn="ctr"/>
             <a:r>
-              <a:rPr lang="en-US" dirty="0"/>
-              <a:t>Admin</a:t>
-            </a:r>
-          </a:p>
-        </p:txBody>
-      </p:sp>
-      <p:sp>
-        <p:nvSpPr>
-          <p:cNvPr id="22" name="Rectangle: Rounded Corners 21">
+              <a:rPr lang="en-US" dirty="0" err="1"/>
+              <a:t>BookMedicine</a:t>
+            </a:r>
+            <a:endParaRPr lang="en-US" dirty="0"/>
+          </a:p>
+        </p:txBody>
+      </p:sp>
+      <p:sp>
+        <p:nvSpPr>
+          <p:cNvPr id="24" name="Rectangle: Rounded Corners 23">
             <a:extLst>
               <a:ext uri="{FF2B5EF4-FFF2-40B4-BE49-F238E27FC236}">
-                <a16:creationId xmlns:a16="http://schemas.microsoft.com/office/drawing/2014/main" id="{503FD8B5-56FA-4F81-929E-521F8BBCE480}"/>
+                <a16:creationId xmlns:a16="http://schemas.microsoft.com/office/drawing/2014/main" id="{2899639F-F7D5-4944-8416-31210589710A}"/>
               </a:ext>
             </a:extLst>
           </p:cNvPr>
@@ -9387,7 +9386,7 @@
         </p:nvSpPr>
         <p:spPr>
           <a:xfrm>
-            <a:off x="8959688" y="2628901"/>
+            <a:off x="8965005" y="3890852"/>
             <a:ext cx="2323225" cy="382772"/>
           </a:xfrm>
           <a:prstGeom prst="roundRect">
@@ -9415,17 +9414,17 @@
             <a:pPr algn="ctr"/>
             <a:r>
               <a:rPr lang="en-US" dirty="0"/>
-              <a:t>Appointment</a:t>
-            </a:r>
-          </a:p>
-        </p:txBody>
-      </p:sp>
-      <p:sp>
-        <p:nvSpPr>
-          <p:cNvPr id="23" name="Rectangle: Rounded Corners 22">
+              <a:t>Doctor</a:t>
+            </a:r>
+          </a:p>
+        </p:txBody>
+      </p:sp>
+      <p:sp>
+        <p:nvSpPr>
+          <p:cNvPr id="25" name="Rectangle: Rounded Corners 24">
             <a:extLst>
               <a:ext uri="{FF2B5EF4-FFF2-40B4-BE49-F238E27FC236}">
-                <a16:creationId xmlns:a16="http://schemas.microsoft.com/office/drawing/2014/main" id="{1BC80DD8-E027-4B82-9395-7212FB96A64A}"/>
+                <a16:creationId xmlns:a16="http://schemas.microsoft.com/office/drawing/2014/main" id="{51640DD9-466F-4036-A2AA-CDFE6810BE74}"/>
               </a:ext>
             </a:extLst>
           </p:cNvPr>
@@ -9434,7 +9433,7 @@
         </p:nvSpPr>
         <p:spPr>
           <a:xfrm>
-            <a:off x="8959688" y="3281695"/>
+            <a:off x="8965005" y="4472762"/>
             <a:ext cx="2323225" cy="382772"/>
           </a:xfrm>
           <a:prstGeom prst="roundRect">
@@ -9461,19 +9460,18 @@
           <a:p>
             <a:pPr algn="ctr"/>
             <a:r>
-              <a:rPr lang="en-US" dirty="0" err="1"/>
-              <a:t>BookMedicine</a:t>
-            </a:r>
-            <a:endParaRPr lang="en-US" dirty="0"/>
-          </a:p>
-        </p:txBody>
-      </p:sp>
-      <p:sp>
-        <p:nvSpPr>
-          <p:cNvPr id="24" name="Rectangle: Rounded Corners 23">
+              <a:rPr lang="en-US" dirty="0"/>
+              <a:t>Medicine</a:t>
+            </a:r>
+          </a:p>
+        </p:txBody>
+      </p:sp>
+      <p:sp>
+        <p:nvSpPr>
+          <p:cNvPr id="26" name="Rectangle: Rounded Corners 25">
             <a:extLst>
               <a:ext uri="{FF2B5EF4-FFF2-40B4-BE49-F238E27FC236}">
-                <a16:creationId xmlns:a16="http://schemas.microsoft.com/office/drawing/2014/main" id="{2899639F-F7D5-4944-8416-31210589710A}"/>
+                <a16:creationId xmlns:a16="http://schemas.microsoft.com/office/drawing/2014/main" id="{FECA6655-3162-4692-8B54-DAC322D5784C}"/>
               </a:ext>
             </a:extLst>
           </p:cNvPr>
@@ -9482,7 +9480,7 @@
         </p:nvSpPr>
         <p:spPr>
           <a:xfrm>
-            <a:off x="8965005" y="3890852"/>
+            <a:off x="8965006" y="5042048"/>
             <a:ext cx="2323225" cy="382772"/>
           </a:xfrm>
           <a:prstGeom prst="roundRect">
@@ -9510,17 +9508,17 @@
             <a:pPr algn="ctr"/>
             <a:r>
               <a:rPr lang="en-US" dirty="0"/>
-              <a:t>Doctor</a:t>
-            </a:r>
-          </a:p>
-        </p:txBody>
-      </p:sp>
-      <p:sp>
-        <p:nvSpPr>
-          <p:cNvPr id="25" name="Rectangle: Rounded Corners 24">
+              <a:t>Patient</a:t>
+            </a:r>
+          </a:p>
+        </p:txBody>
+      </p:sp>
+      <p:sp>
+        <p:nvSpPr>
+          <p:cNvPr id="27" name="Rectangle: Rounded Corners 26">
             <a:extLst>
               <a:ext uri="{FF2B5EF4-FFF2-40B4-BE49-F238E27FC236}">
-                <a16:creationId xmlns:a16="http://schemas.microsoft.com/office/drawing/2014/main" id="{51640DD9-466F-4036-A2AA-CDFE6810BE74}"/>
+                <a16:creationId xmlns:a16="http://schemas.microsoft.com/office/drawing/2014/main" id="{36FC0B9A-4D52-455A-8320-D052E0BBCB05}"/>
               </a:ext>
             </a:extLst>
           </p:cNvPr>
@@ -9529,7 +9527,7 @@
         </p:nvSpPr>
         <p:spPr>
           <a:xfrm>
-            <a:off x="8965005" y="4472762"/>
+            <a:off x="8965007" y="5582093"/>
             <a:ext cx="2323225" cy="382772"/>
           </a:xfrm>
           <a:prstGeom prst="roundRect">
@@ -9557,17 +9555,17 @@
             <a:pPr algn="ctr"/>
             <a:r>
               <a:rPr lang="en-US" dirty="0"/>
-              <a:t>Medicine</a:t>
-            </a:r>
-          </a:p>
-        </p:txBody>
-      </p:sp>
-      <p:sp>
-        <p:nvSpPr>
-          <p:cNvPr id="26" name="Rectangle: Rounded Corners 25">
+              <a:t>Person</a:t>
+            </a:r>
+          </a:p>
+        </p:txBody>
+      </p:sp>
+      <p:sp>
+        <p:nvSpPr>
+          <p:cNvPr id="28" name="Rectangle: Rounded Corners 27">
             <a:extLst>
               <a:ext uri="{FF2B5EF4-FFF2-40B4-BE49-F238E27FC236}">
-                <a16:creationId xmlns:a16="http://schemas.microsoft.com/office/drawing/2014/main" id="{FECA6655-3162-4692-8B54-DAC322D5784C}"/>
+                <a16:creationId xmlns:a16="http://schemas.microsoft.com/office/drawing/2014/main" id="{76335B12-7D3D-45BD-BADA-958D5574FDDE}"/>
               </a:ext>
             </a:extLst>
           </p:cNvPr>
@@ -9576,8 +9574,8 @@
         </p:nvSpPr>
         <p:spPr>
           <a:xfrm>
-            <a:off x="8965006" y="5042048"/>
-            <a:ext cx="2323225" cy="382772"/>
+            <a:off x="8959687" y="6087140"/>
+            <a:ext cx="2328545" cy="382772"/>
           </a:xfrm>
           <a:prstGeom prst="roundRect">
             <a:avLst/>
@@ -9603,102 +9601,8 @@
           <a:p>
             <a:pPr algn="ctr"/>
             <a:r>
-              <a:rPr lang="en-US" dirty="0"/>
-              <a:t>Patient</a:t>
-            </a:r>
-          </a:p>
-        </p:txBody>
-      </p:sp>
-      <p:sp>
-        <p:nvSpPr>
-          <p:cNvPr id="27" name="Rectangle: Rounded Corners 26">
-            <a:extLst>
-              <a:ext uri="{FF2B5EF4-FFF2-40B4-BE49-F238E27FC236}">
-                <a16:creationId xmlns:a16="http://schemas.microsoft.com/office/drawing/2014/main" id="{36FC0B9A-4D52-455A-8320-D052E0BBCB05}"/>
-              </a:ext>
-            </a:extLst>
-          </p:cNvPr>
-          <p:cNvSpPr/>
-          <p:nvPr/>
-        </p:nvSpPr>
-        <p:spPr>
-          <a:xfrm>
-            <a:off x="8965007" y="5582093"/>
-            <a:ext cx="2323225" cy="382772"/>
-          </a:xfrm>
-          <a:prstGeom prst="roundRect">
-            <a:avLst/>
-          </a:prstGeom>
-        </p:spPr>
-        <p:style>
-          <a:lnRef idx="1">
-            <a:schemeClr val="accent1"/>
-          </a:lnRef>
-          <a:fillRef idx="2">
-            <a:schemeClr val="accent1"/>
-          </a:fillRef>
-          <a:effectRef idx="1">
-            <a:schemeClr val="accent1"/>
-          </a:effectRef>
-          <a:fontRef idx="minor">
-            <a:schemeClr val="dk1"/>
-          </a:fontRef>
-        </p:style>
-        <p:txBody>
-          <a:bodyPr rtlCol="0" anchor="ctr"/>
-          <a:lstStyle/>
-          <a:p>
-            <a:pPr algn="ctr"/>
-            <a:r>
-              <a:rPr lang="en-US" dirty="0"/>
-              <a:t>Person</a:t>
-            </a:r>
-          </a:p>
-        </p:txBody>
-      </p:sp>
-      <p:sp>
-        <p:nvSpPr>
-          <p:cNvPr id="28" name="Rectangle: Rounded Corners 27">
-            <a:extLst>
-              <a:ext uri="{FF2B5EF4-FFF2-40B4-BE49-F238E27FC236}">
-                <a16:creationId xmlns:a16="http://schemas.microsoft.com/office/drawing/2014/main" id="{76335B12-7D3D-45BD-BADA-958D5574FDDE}"/>
-              </a:ext>
-            </a:extLst>
-          </p:cNvPr>
-          <p:cNvSpPr/>
-          <p:nvPr/>
-        </p:nvSpPr>
-        <p:spPr>
-          <a:xfrm>
-            <a:off x="8959687" y="6087140"/>
-            <a:ext cx="2328545" cy="382772"/>
-          </a:xfrm>
-          <a:prstGeom prst="roundRect">
-            <a:avLst/>
-          </a:prstGeom>
-        </p:spPr>
-        <p:style>
-          <a:lnRef idx="1">
-            <a:schemeClr val="accent1"/>
-          </a:lnRef>
-          <a:fillRef idx="2">
-            <a:schemeClr val="accent1"/>
-          </a:fillRef>
-          <a:effectRef idx="1">
-            <a:schemeClr val="accent1"/>
-          </a:effectRef>
-          <a:fontRef idx="minor">
-            <a:schemeClr val="dk1"/>
-          </a:fontRef>
-        </p:style>
-        <p:txBody>
-          <a:bodyPr rtlCol="0" anchor="ctr"/>
-          <a:lstStyle/>
-          <a:p>
-            <a:pPr algn="ctr"/>
-            <a:r>
               <a:rPr lang="en-US" dirty="0" err="1"/>
-              <a:t>ResponseMessage</a:t>
+              <a:t>ResonseMessage</a:t>
             </a:r>
             <a:endParaRPr lang="en-US" dirty="0"/>
           </a:p>
@@ -9804,17 +9708,6 @@
           <a:p>
             <a:r>
               <a:rPr lang="en-US" dirty="0"/>
-              <a:t>persistence-</a:t>
-            </a:r>
-            <a:r>
-              <a:rPr lang="en-US" dirty="0" err="1"/>
-              <a:t>api</a:t>
-            </a:r>
-            <a:endParaRPr lang="en-US" dirty="0"/>
-          </a:p>
-          <a:p>
-            <a:r>
-              <a:rPr lang="en-US" dirty="0"/>
               <a:t>spring-boot-starter-data-</a:t>
             </a:r>
             <a:r>
@@ -9837,12 +9730,6 @@
           <a:p>
             <a:r>
               <a:rPr lang="en-US" dirty="0"/>
-              <a:t>spring-boot-starter-test</a:t>
-            </a:r>
-          </a:p>
-          <a:p>
-            <a:r>
-              <a:rPr lang="en-US" dirty="0"/>
               <a:t>spring-boot-</a:t>
             </a:r>
             <a:r>
@@ -9850,12 +9737,6 @@
               <a:t>devtools</a:t>
             </a:r>
             <a:endParaRPr lang="en-US" dirty="0"/>
-          </a:p>
-          <a:p>
-            <a:r>
-              <a:rPr lang="en-US" dirty="0"/>
-              <a:t>spring-boot-starter-actuator</a:t>
-            </a:r>
           </a:p>
           <a:p>
             <a:r>
@@ -10271,7 +10152,7 @@
             </a:pPr>
             <a:r>
               <a:rPr lang="en-US" dirty="0"/>
-              <a:t>        ‣ Doctor can cancel appointment</a:t>
+              <a:t>        ‣ Doctor can view appointment</a:t>
             </a:r>
           </a:p>
           <a:p>
